--- a/Day1/HMM_Tutorial_Day1.pptx
+++ b/Day1/HMM_Tutorial_Day1.pptx
@@ -7,14 +7,19 @@
   <p:sldIdLst>
     <p:sldId id="257" r:id="rId2"/>
     <p:sldId id="259" r:id="rId3"/>
-    <p:sldId id="263" r:id="rId4"/>
-    <p:sldId id="264" r:id="rId5"/>
-    <p:sldId id="262" r:id="rId6"/>
-    <p:sldId id="265" r:id="rId7"/>
+    <p:sldId id="270" r:id="rId4"/>
+    <p:sldId id="263" r:id="rId5"/>
+    <p:sldId id="271" r:id="rId6"/>
+    <p:sldId id="262" r:id="rId7"/>
     <p:sldId id="266" r:id="rId8"/>
-    <p:sldId id="267" r:id="rId9"/>
-    <p:sldId id="268" r:id="rId10"/>
-    <p:sldId id="269" r:id="rId11"/>
+    <p:sldId id="265" r:id="rId9"/>
+    <p:sldId id="272" r:id="rId10"/>
+    <p:sldId id="268" r:id="rId11"/>
+    <p:sldId id="273" r:id="rId12"/>
+    <p:sldId id="269" r:id="rId13"/>
+    <p:sldId id="276" r:id="rId14"/>
+    <p:sldId id="277" r:id="rId15"/>
+    <p:sldId id="278" r:id="rId16"/>
   </p:sldIdLst>
   <p:sldSz cx="12192000" cy="6858000"/>
   <p:notesSz cx="6858000" cy="9144000"/>
@@ -113,6 +118,11 @@
       </a:defRPr>
     </a:lvl9pPr>
   </p:defaultTextStyle>
+  <p:extLst>
+    <p:ext uri="{EFAFB233-063F-42B5-8137-9DF3F51BA10A}">
+      <p15:sldGuideLst xmlns:p15="http://schemas.microsoft.com/office/powerpoint/2012/main"/>
+    </p:ext>
+  </p:extLst>
 </p:presentation>
 </file>
 
@@ -4053,7 +4063,7 @@
           <p:cNvPr id="2" name="Content Placeholder 1">
             <a:extLst>
               <a:ext uri="{FF2B5EF4-FFF2-40B4-BE49-F238E27FC236}">
-                <a16:creationId xmlns:a16="http://schemas.microsoft.com/office/drawing/2014/main" id="{A7CBE74B-2EED-44E3-A630-FAB07C1CB2BA}"/>
+                <a16:creationId xmlns:a16="http://schemas.microsoft.com/office/drawing/2014/main" id="{8158A7E8-673A-4442-950A-3B7B01FD0ADF}"/>
               </a:ext>
             </a:extLst>
           </p:cNvPr>
@@ -4066,10 +4076,295 @@
         </p:nvSpPr>
         <p:spPr/>
         <p:txBody>
-          <a:bodyPr/>
+          <a:bodyPr>
+            <a:normAutofit/>
+          </a:bodyPr>
           <a:lstStyle/>
           <a:p>
-            <a:endParaRPr lang="en-US"/>
+            <a:pPr marL="0" indent="0">
+              <a:buNone/>
+            </a:pPr>
+            <a:r>
+              <a:rPr lang="en-CA" dirty="0"/>
+              <a:t>Minimum arguments:</a:t>
+            </a:r>
+            <a:endParaRPr lang="en-US" dirty="0"/>
+          </a:p>
+          <a:p>
+            <a:r>
+              <a:rPr lang="en-US" sz="2400" spc="-107" dirty="0" err="1">
+                <a:solidFill>
+                  <a:schemeClr val="bg2">
+                    <a:lumMod val="10000"/>
+                  </a:schemeClr>
+                </a:solidFill>
+                <a:latin typeface="Lucida Console" panose="020B0609040504020204" pitchFamily="49" charset="0"/>
+                <a:cs typeface="Courier New" panose="02070309020205020404" pitchFamily="49" charset="0"/>
+              </a:rPr>
+              <a:t>nbState</a:t>
+            </a:r>
+            <a:r>
+              <a:rPr lang="en-US" dirty="0"/>
+              <a:t> – number of </a:t>
+            </a:r>
+            <a:r>
+              <a:rPr lang="en-US" dirty="0" err="1"/>
+              <a:t>behavioural</a:t>
+            </a:r>
+            <a:r>
+              <a:rPr lang="en-US" dirty="0"/>
+              <a:t> states</a:t>
+            </a:r>
+          </a:p>
+          <a:p>
+            <a:r>
+              <a:rPr lang="en-US" sz="2400" spc="-107" dirty="0" err="1">
+                <a:solidFill>
+                  <a:schemeClr val="bg2">
+                    <a:lumMod val="10000"/>
+                  </a:schemeClr>
+                </a:solidFill>
+                <a:latin typeface="Lucida Console" panose="020B0609040504020204" pitchFamily="49" charset="0"/>
+                <a:cs typeface="Courier New" panose="02070309020205020404" pitchFamily="49" charset="0"/>
+              </a:rPr>
+              <a:t>Dist</a:t>
+            </a:r>
+            <a:r>
+              <a:rPr lang="en-US" dirty="0"/>
+              <a:t> – named </a:t>
+            </a:r>
+            <a:r>
+              <a:rPr lang="en-CA" dirty="0"/>
+              <a:t>list </a:t>
+            </a:r>
+            <a:r>
+              <a:rPr lang="en-US" dirty="0"/>
+              <a:t>distribution associated with each data stream</a:t>
+            </a:r>
+          </a:p>
+          <a:p>
+            <a:pPr lvl="1"/>
+            <a:r>
+              <a:rPr lang="en-CA" dirty="0"/>
+              <a:t>E</a:t>
+            </a:r>
+            <a:r>
+              <a:rPr lang="en-US" dirty="0"/>
+              <a:t>.g., gamma for step length and von Mises for turning angle</a:t>
+            </a:r>
+          </a:p>
+          <a:p>
+            <a:pPr lvl="1"/>
+            <a:r>
+              <a:rPr lang="en-CA" dirty="0"/>
+              <a:t>E.</a:t>
+            </a:r>
+            <a:r>
+              <a:rPr lang="en-US" dirty="0"/>
+              <a:t>g., </a:t>
+            </a:r>
+            <a:r>
+              <a:rPr lang="en-US" dirty="0" err="1">
+                <a:solidFill>
+                  <a:schemeClr val="bg2">
+                    <a:lumMod val="10000"/>
+                  </a:schemeClr>
+                </a:solidFill>
+                <a:latin typeface="Lucida Console" panose="020B0609040504020204" pitchFamily="49" charset="0"/>
+                <a:cs typeface="Courier New" panose="02070309020205020404" pitchFamily="49" charset="0"/>
+              </a:rPr>
+              <a:t>dist</a:t>
+            </a:r>
+            <a:r>
+              <a:rPr lang="en-US" dirty="0">
+                <a:solidFill>
+                  <a:schemeClr val="bg2">
+                    <a:lumMod val="10000"/>
+                  </a:schemeClr>
+                </a:solidFill>
+                <a:latin typeface="Lucida Console" panose="020B0609040504020204" pitchFamily="49" charset="0"/>
+                <a:cs typeface="Courier New" panose="02070309020205020404" pitchFamily="49" charset="0"/>
+              </a:rPr>
+              <a:t>=list(step="gamma", angle="</a:t>
+            </a:r>
+            <a:r>
+              <a:rPr lang="en-US" dirty="0" err="1">
+                <a:solidFill>
+                  <a:schemeClr val="bg2">
+                    <a:lumMod val="10000"/>
+                  </a:schemeClr>
+                </a:solidFill>
+                <a:latin typeface="Lucida Console" panose="020B0609040504020204" pitchFamily="49" charset="0"/>
+                <a:cs typeface="Courier New" panose="02070309020205020404" pitchFamily="49" charset="0"/>
+              </a:rPr>
+              <a:t>vm</a:t>
+            </a:r>
+            <a:r>
+              <a:rPr lang="en-US" dirty="0">
+                <a:solidFill>
+                  <a:schemeClr val="bg2">
+                    <a:lumMod val="10000"/>
+                  </a:schemeClr>
+                </a:solidFill>
+                <a:latin typeface="Lucida Console" panose="020B0609040504020204" pitchFamily="49" charset="0"/>
+                <a:cs typeface="Courier New" panose="02070309020205020404" pitchFamily="49" charset="0"/>
+              </a:rPr>
+              <a:t>")</a:t>
+            </a:r>
+          </a:p>
+          <a:p>
+            <a:r>
+              <a:rPr lang="en-CA" sz="2400" spc="-107" dirty="0">
+                <a:solidFill>
+                  <a:schemeClr val="bg2">
+                    <a:lumMod val="10000"/>
+                  </a:schemeClr>
+                </a:solidFill>
+                <a:latin typeface="Lucida Console" panose="020B0609040504020204" pitchFamily="49" charset="0"/>
+                <a:cs typeface="Courier New" panose="02070309020205020404" pitchFamily="49" charset="0"/>
+              </a:rPr>
+              <a:t>Par0</a:t>
+            </a:r>
+            <a:r>
+              <a:rPr lang="en-US" dirty="0"/>
+              <a:t> – </a:t>
+            </a:r>
+            <a:r>
+              <a:rPr lang="en-CA" dirty="0"/>
+              <a:t>named list initial parameters for data optimisation</a:t>
+            </a:r>
+          </a:p>
+          <a:p>
+            <a:pPr lvl="1"/>
+            <a:r>
+              <a:rPr lang="en-CA" dirty="0"/>
+              <a:t>E.g., step length </a:t>
+            </a:r>
+            <a:r>
+              <a:rPr lang="en-CA" i="1" dirty="0">
+                <a:latin typeface="Latin Modern Math" panose="02000503000000000000" pitchFamily="50" charset="0"/>
+                <a:ea typeface="Latin Modern Math" panose="02000503000000000000" pitchFamily="50" charset="0"/>
+              </a:rPr>
+              <a:t>l </a:t>
+            </a:r>
+            <a:r>
+              <a:rPr lang="en-CA" dirty="0"/>
+              <a:t>~ </a:t>
+            </a:r>
+            <a:r>
+              <a:rPr lang="en-CA" dirty="0">
+                <a:latin typeface="CMU Bright" panose="02000603000000000000" pitchFamily="2" charset="0"/>
+                <a:ea typeface="CMU Bright" panose="02000603000000000000" pitchFamily="2" charset="0"/>
+                <a:cs typeface="CMU Bright" panose="02000603000000000000" pitchFamily="2" charset="0"/>
+              </a:rPr>
+              <a:t>gamma(</a:t>
+            </a:r>
+            <a:r>
+              <a:rPr lang="el-GR" i="1" dirty="0">
+                <a:latin typeface="Latin Modern Math" panose="02000503000000000000" pitchFamily="50" charset="0"/>
+                <a:ea typeface="Latin Modern Math" panose="02000503000000000000" pitchFamily="50" charset="0"/>
+                <a:cs typeface="CMU Bright" panose="02000603000000000000" pitchFamily="2" charset="0"/>
+              </a:rPr>
+              <a:t>μ</a:t>
+            </a:r>
+            <a:r>
+              <a:rPr lang="en-CA" i="1" baseline="-25000" dirty="0" err="1">
+                <a:latin typeface="Latin Modern Math" panose="02000503000000000000" pitchFamily="50" charset="0"/>
+                <a:ea typeface="Latin Modern Math" panose="02000503000000000000" pitchFamily="50" charset="0"/>
+                <a:cs typeface="CMU Bright" panose="02000603000000000000" pitchFamily="2" charset="0"/>
+              </a:rPr>
+              <a:t>i</a:t>
+            </a:r>
+            <a:r>
+              <a:rPr lang="en-CA" i="1" dirty="0">
+                <a:latin typeface="Latin Modern Math" panose="02000503000000000000" pitchFamily="50" charset="0"/>
+                <a:ea typeface="Latin Modern Math" panose="02000503000000000000" pitchFamily="50" charset="0"/>
+                <a:cs typeface="CMU Bright" panose="02000603000000000000" pitchFamily="2" charset="0"/>
+              </a:rPr>
+              <a:t>,</a:t>
+            </a:r>
+            <a:r>
+              <a:rPr lang="el-GR" i="1" dirty="0">
+                <a:latin typeface="Latin Modern Math" panose="02000503000000000000" pitchFamily="50" charset="0"/>
+                <a:ea typeface="Latin Modern Math" panose="02000503000000000000" pitchFamily="50" charset="0"/>
+                <a:cs typeface="CMU Bright" panose="02000603000000000000" pitchFamily="2" charset="0"/>
+              </a:rPr>
+              <a:t>σ</a:t>
+            </a:r>
+            <a:r>
+              <a:rPr lang="en-CA" i="1" baseline="-25000" dirty="0" err="1">
+                <a:latin typeface="Latin Modern Math" panose="02000503000000000000" pitchFamily="50" charset="0"/>
+                <a:ea typeface="Latin Modern Math" panose="02000503000000000000" pitchFamily="50" charset="0"/>
+                <a:cs typeface="CMU Bright" panose="02000603000000000000" pitchFamily="2" charset="0"/>
+              </a:rPr>
+              <a:t>i</a:t>
+            </a:r>
+            <a:r>
+              <a:rPr lang="en-CA" dirty="0">
+                <a:latin typeface="CMU Bright" panose="02000603000000000000" pitchFamily="2" charset="0"/>
+                <a:ea typeface="CMU Bright" panose="02000603000000000000" pitchFamily="2" charset="0"/>
+                <a:cs typeface="CMU Bright" panose="02000603000000000000" pitchFamily="2" charset="0"/>
+              </a:rPr>
+              <a:t>)</a:t>
+            </a:r>
+            <a:r>
+              <a:rPr lang="en-CA" dirty="0"/>
+              <a:t>, define </a:t>
+            </a:r>
+            <a:r>
+              <a:rPr lang="el-GR" i="1" dirty="0">
+                <a:latin typeface="Latin Modern Math" panose="02000503000000000000" pitchFamily="50" charset="0"/>
+                <a:ea typeface="Latin Modern Math" panose="02000503000000000000" pitchFamily="50" charset="0"/>
+                <a:cs typeface="CMU Bright" panose="02000603000000000000" pitchFamily="2" charset="0"/>
+              </a:rPr>
+              <a:t>μ</a:t>
+            </a:r>
+            <a:r>
+              <a:rPr lang="en-CA" dirty="0"/>
+              <a:t> and </a:t>
+            </a:r>
+            <a:r>
+              <a:rPr lang="el-GR" i="1" dirty="0">
+                <a:latin typeface="Latin Modern Math" panose="02000503000000000000" pitchFamily="50" charset="0"/>
+                <a:ea typeface="Latin Modern Math" panose="02000503000000000000" pitchFamily="50" charset="0"/>
+                <a:cs typeface="CMU Bright" panose="02000603000000000000" pitchFamily="2" charset="0"/>
+              </a:rPr>
+              <a:t>σ</a:t>
+            </a:r>
+            <a:r>
+              <a:rPr lang="en-CA" dirty="0"/>
+              <a:t> for each state</a:t>
+            </a:r>
+          </a:p>
+          <a:p>
+            <a:pPr lvl="1"/>
+            <a:r>
+              <a:rPr lang="en-CA" sz="2000" dirty="0">
+                <a:solidFill>
+                  <a:schemeClr val="bg2">
+                    <a:lumMod val="10000"/>
+                  </a:schemeClr>
+                </a:solidFill>
+                <a:latin typeface="Lucida Console" panose="020B0609040504020204" pitchFamily="49" charset="0"/>
+                <a:cs typeface="Courier New" panose="02070309020205020404" pitchFamily="49" charset="0"/>
+              </a:rPr>
+              <a:t>Par0 = list(step=c(mu0, sigma0), angle=kappa0)</a:t>
+            </a:r>
+          </a:p>
+          <a:p>
+            <a:pPr lvl="1"/>
+            <a:r>
+              <a:rPr lang="en-CA" sz="2000" dirty="0">
+                <a:solidFill>
+                  <a:schemeClr val="bg2">
+                    <a:lumMod val="10000"/>
+                  </a:schemeClr>
+                </a:solidFill>
+                <a:latin typeface="Lucida Console" panose="020B0609040504020204" pitchFamily="49" charset="0"/>
+                <a:cs typeface="Courier New" panose="02070309020205020404" pitchFamily="49" charset="0"/>
+              </a:rPr>
+              <a:t>Par0 = list(step=c(c(200,500), c(100,250)), angle=c(0.5,0.8))</a:t>
+            </a:r>
           </a:p>
         </p:txBody>
       </p:sp>
@@ -4078,7 +4373,7 @@
           <p:cNvPr id="3" name="Slide Number Placeholder 2">
             <a:extLst>
               <a:ext uri="{FF2B5EF4-FFF2-40B4-BE49-F238E27FC236}">
-                <a16:creationId xmlns:a16="http://schemas.microsoft.com/office/drawing/2014/main" id="{4246CD2A-F44A-45BF-A7E7-99E5AB9C0997}"/>
+                <a16:creationId xmlns:a16="http://schemas.microsoft.com/office/drawing/2014/main" id="{4CB58DD9-7462-4F66-B011-DAC7CF9A358D}"/>
               </a:ext>
             </a:extLst>
           </p:cNvPr>
@@ -4108,7 +4403,7 @@
           <p:cNvPr id="4" name="Title 3">
             <a:extLst>
               <a:ext uri="{FF2B5EF4-FFF2-40B4-BE49-F238E27FC236}">
-                <a16:creationId xmlns:a16="http://schemas.microsoft.com/office/drawing/2014/main" id="{923D21AF-BBFC-4231-AEC1-2FD89EED9E27}"/>
+                <a16:creationId xmlns:a16="http://schemas.microsoft.com/office/drawing/2014/main" id="{D59B0DCA-D1B0-4D44-8C96-53954CF5FE58}"/>
               </a:ext>
             </a:extLst>
           </p:cNvPr>
@@ -4124,7 +4419,574 @@
           <a:bodyPr/>
           <a:lstStyle/>
           <a:p>
-            <a:endParaRPr lang="en-US"/>
+            <a:r>
+              <a:rPr lang="en-US" dirty="0" err="1">
+                <a:latin typeface="Lucida Console" panose="020B0609040504020204" pitchFamily="49" charset="0"/>
+              </a:rPr>
+              <a:t>fitHMM</a:t>
+            </a:r>
+            <a:r>
+              <a:rPr lang="en-US" dirty="0">
+                <a:latin typeface="Lucida Console" panose="020B0609040504020204" pitchFamily="49" charset="0"/>
+              </a:rPr>
+              <a:t>(data, …)</a:t>
+            </a:r>
+          </a:p>
+        </p:txBody>
+      </p:sp>
+    </p:spTree>
+    <p:extLst>
+      <p:ext uri="{BB962C8B-B14F-4D97-AF65-F5344CB8AC3E}">
+        <p14:creationId xmlns:p14="http://schemas.microsoft.com/office/powerpoint/2010/main" val="2920903825"/>
+      </p:ext>
+    </p:extLst>
+  </p:cSld>
+  <p:clrMapOvr>
+    <a:masterClrMapping/>
+  </p:clrMapOvr>
+</p:sld>
+</file>
+
+<file path=ppt/slides/slide11.xml><?xml version="1.0" encoding="utf-8"?>
+<p:sld xmlns:a="http://schemas.openxmlformats.org/drawingml/2006/main" xmlns:r="http://schemas.openxmlformats.org/officeDocument/2006/relationships" xmlns:p="http://schemas.openxmlformats.org/presentationml/2006/main">
+  <p:cSld>
+    <p:spTree>
+      <p:nvGrpSpPr>
+        <p:cNvPr id="1" name=""/>
+        <p:cNvGrpSpPr/>
+        <p:nvPr/>
+      </p:nvGrpSpPr>
+      <p:grpSpPr>
+        <a:xfrm>
+          <a:off x="0" y="0"/>
+          <a:ext cx="0" cy="0"/>
+          <a:chOff x="0" y="0"/>
+          <a:chExt cx="0" cy="0"/>
+        </a:xfrm>
+      </p:grpSpPr>
+      <p:sp>
+        <p:nvSpPr>
+          <p:cNvPr id="2" name="Content Placeholder 1">
+            <a:extLst>
+              <a:ext uri="{FF2B5EF4-FFF2-40B4-BE49-F238E27FC236}">
+                <a16:creationId xmlns:a16="http://schemas.microsoft.com/office/drawing/2014/main" id="{8158A7E8-673A-4442-950A-3B7B01FD0ADF}"/>
+              </a:ext>
+            </a:extLst>
+          </p:cNvPr>
+          <p:cNvSpPr>
+            <a:spLocks noGrp="1"/>
+          </p:cNvSpPr>
+          <p:nvPr>
+            <p:ph idx="1"/>
+          </p:nvPr>
+        </p:nvSpPr>
+        <p:spPr/>
+        <p:txBody>
+          <a:bodyPr>
+            <a:normAutofit fontScale="92500" lnSpcReduction="10000"/>
+          </a:bodyPr>
+          <a:lstStyle/>
+          <a:p>
+            <a:pPr marL="0" indent="0">
+              <a:buNone/>
+            </a:pPr>
+            <a:r>
+              <a:rPr lang="en-CA" dirty="0"/>
+              <a:t>Optional arguments:</a:t>
+            </a:r>
+          </a:p>
+          <a:p>
+            <a:r>
+              <a:rPr lang="en-CA" sz="2400" spc="-107" dirty="0">
+                <a:solidFill>
+                  <a:schemeClr val="bg2">
+                    <a:lumMod val="10000"/>
+                  </a:schemeClr>
+                </a:solidFill>
+                <a:latin typeface="Lucida Console" panose="020B0609040504020204" pitchFamily="49" charset="0"/>
+                <a:cs typeface="Courier New" panose="02070309020205020404" pitchFamily="49" charset="0"/>
+              </a:rPr>
+              <a:t>Formula</a:t>
+            </a:r>
+            <a:r>
+              <a:rPr lang="en-US" dirty="0"/>
+              <a:t> – </a:t>
+            </a:r>
+            <a:r>
+              <a:rPr lang="en-CA" dirty="0"/>
+              <a:t>effects of covariates on the transition probability</a:t>
+            </a:r>
+          </a:p>
+          <a:p>
+            <a:pPr lvl="1"/>
+            <a:r>
+              <a:rPr lang="en-CA" dirty="0"/>
+              <a:t>E.g., </a:t>
+            </a:r>
+            <a:r>
+              <a:rPr lang="en-CA" dirty="0">
+                <a:solidFill>
+                  <a:schemeClr val="bg2">
+                    <a:lumMod val="10000"/>
+                  </a:schemeClr>
+                </a:solidFill>
+                <a:latin typeface="Lucida Console" panose="020B0609040504020204" pitchFamily="49" charset="0"/>
+                <a:cs typeface="Courier New" panose="02070309020205020404" pitchFamily="49" charset="0"/>
+              </a:rPr>
+              <a:t>formula= ~bathy</a:t>
+            </a:r>
+          </a:p>
+          <a:p>
+            <a:r>
+              <a:rPr lang="en-CA" dirty="0" err="1">
+                <a:solidFill>
+                  <a:schemeClr val="bg2">
+                    <a:lumMod val="10000"/>
+                  </a:schemeClr>
+                </a:solidFill>
+                <a:latin typeface="Lucida Console" panose="020B0609040504020204" pitchFamily="49" charset="0"/>
+                <a:cs typeface="Courier New" panose="02070309020205020404" pitchFamily="49" charset="0"/>
+              </a:rPr>
+              <a:t>estAngleMean</a:t>
+            </a:r>
+            <a:r>
+              <a:rPr lang="en-US" dirty="0"/>
+              <a:t> – </a:t>
+            </a:r>
+            <a:r>
+              <a:rPr lang="en-CA" dirty="0"/>
+              <a:t>Whether to estimate mean turning angle (default=F)</a:t>
+            </a:r>
+          </a:p>
+          <a:p>
+            <a:r>
+              <a:rPr lang="en-CA" dirty="0" err="1">
+                <a:solidFill>
+                  <a:schemeClr val="bg2">
+                    <a:lumMod val="10000"/>
+                  </a:schemeClr>
+                </a:solidFill>
+                <a:latin typeface="Lucida Console" panose="020B0609040504020204" pitchFamily="49" charset="0"/>
+                <a:cs typeface="Courier New" panose="02070309020205020404" pitchFamily="49" charset="0"/>
+              </a:rPr>
+              <a:t>circularAngleMean</a:t>
+            </a:r>
+            <a:r>
+              <a:rPr lang="en-CA" dirty="0"/>
+              <a:t> </a:t>
+            </a:r>
+            <a:r>
+              <a:rPr lang="en-US" dirty="0"/>
+              <a:t>– </a:t>
+            </a:r>
+            <a:r>
+              <a:rPr lang="en-CA" dirty="0"/>
+              <a:t>Whether to use a circular-circular distribution for turn angle (use if examining bias relative to multiple factors or if expect non-linear relationship; default = circular-linear)</a:t>
+            </a:r>
+          </a:p>
+          <a:p>
+            <a:r>
+              <a:rPr lang="en-CA" dirty="0" err="1">
+                <a:solidFill>
+                  <a:schemeClr val="bg2">
+                    <a:lumMod val="10000"/>
+                  </a:schemeClr>
+                </a:solidFill>
+                <a:latin typeface="Lucida Console" panose="020B0609040504020204" pitchFamily="49" charset="0"/>
+                <a:cs typeface="Courier New" panose="02070309020205020404" pitchFamily="49" charset="0"/>
+              </a:rPr>
+              <a:t>stateNames</a:t>
+            </a:r>
+            <a:r>
+              <a:rPr lang="en-CA" dirty="0"/>
+              <a:t> </a:t>
+            </a:r>
+            <a:r>
+              <a:rPr lang="en-US" dirty="0"/>
+              <a:t>– names associated with each </a:t>
+            </a:r>
+            <a:r>
+              <a:rPr lang="en-US" dirty="0" err="1"/>
+              <a:t>behavioural</a:t>
+            </a:r>
+            <a:r>
+              <a:rPr lang="en-US" dirty="0"/>
+              <a:t> state</a:t>
+            </a:r>
+          </a:p>
+          <a:p>
+            <a:r>
+              <a:rPr lang="en-CA" dirty="0" err="1">
+                <a:solidFill>
+                  <a:schemeClr val="bg2">
+                    <a:lumMod val="10000"/>
+                  </a:schemeClr>
+                </a:solidFill>
+                <a:latin typeface="Lucida Console" panose="020B0609040504020204" pitchFamily="49" charset="0"/>
+                <a:cs typeface="Courier New" panose="02070309020205020404" pitchFamily="49" charset="0"/>
+              </a:rPr>
+              <a:t>retryFits</a:t>
+            </a:r>
+            <a:r>
+              <a:rPr lang="en-CA" dirty="0"/>
+              <a:t> </a:t>
+            </a:r>
+            <a:r>
+              <a:rPr lang="en-US" dirty="0"/>
+              <a:t>–  number of times to attempt to fit the model </a:t>
+            </a:r>
+            <a:endParaRPr lang="en-CA" dirty="0">
+              <a:solidFill>
+                <a:schemeClr val="bg2">
+                  <a:lumMod val="10000"/>
+                </a:schemeClr>
+              </a:solidFill>
+              <a:latin typeface="Lucida Console" panose="020B0609040504020204" pitchFamily="49" charset="0"/>
+              <a:cs typeface="Courier New" panose="02070309020205020404" pitchFamily="49" charset="0"/>
+            </a:endParaRPr>
+          </a:p>
+          <a:p>
+            <a:r>
+              <a:rPr lang="en-CA" dirty="0">
+                <a:solidFill>
+                  <a:schemeClr val="bg2">
+                    <a:lumMod val="10000"/>
+                  </a:schemeClr>
+                </a:solidFill>
+                <a:latin typeface="Lucida Console" panose="020B0609040504020204" pitchFamily="49" charset="0"/>
+                <a:cs typeface="Courier New" panose="02070309020205020404" pitchFamily="49" charset="0"/>
+              </a:rPr>
+              <a:t>DM</a:t>
+            </a:r>
+            <a:r>
+              <a:rPr lang="en-US" dirty="0"/>
+              <a:t>, </a:t>
+            </a:r>
+            <a:r>
+              <a:rPr lang="en-CA" dirty="0" err="1">
+                <a:solidFill>
+                  <a:schemeClr val="bg2">
+                    <a:lumMod val="10000"/>
+                  </a:schemeClr>
+                </a:solidFill>
+                <a:latin typeface="Lucida Console" panose="020B0609040504020204" pitchFamily="49" charset="0"/>
+                <a:cs typeface="Courier New" panose="02070309020205020404" pitchFamily="49" charset="0"/>
+              </a:rPr>
+              <a:t>workBounds</a:t>
+            </a:r>
+            <a:r>
+              <a:rPr lang="en-US" dirty="0"/>
+              <a:t>, </a:t>
+            </a:r>
+            <a:r>
+              <a:rPr lang="en-CA" dirty="0" err="1">
+                <a:solidFill>
+                  <a:schemeClr val="bg2">
+                    <a:lumMod val="10000"/>
+                  </a:schemeClr>
+                </a:solidFill>
+                <a:latin typeface="Lucida Console" panose="020B0609040504020204" pitchFamily="49" charset="0"/>
+                <a:cs typeface="Courier New" panose="02070309020205020404" pitchFamily="49" charset="0"/>
+              </a:rPr>
+              <a:t>betaCons</a:t>
+            </a:r>
+            <a:r>
+              <a:rPr lang="en-US" dirty="0"/>
+              <a:t>, </a:t>
+            </a:r>
+            <a:r>
+              <a:rPr lang="en-CA" dirty="0" err="1">
+                <a:solidFill>
+                  <a:schemeClr val="bg2">
+                    <a:lumMod val="10000"/>
+                  </a:schemeClr>
+                </a:solidFill>
+                <a:latin typeface="Lucida Console" panose="020B0609040504020204" pitchFamily="49" charset="0"/>
+                <a:cs typeface="Courier New" panose="02070309020205020404" pitchFamily="49" charset="0"/>
+              </a:rPr>
+              <a:t>fixPar</a:t>
+            </a:r>
+            <a:r>
+              <a:rPr lang="en-US" dirty="0"/>
+              <a:t>, …</a:t>
+            </a:r>
+            <a:endParaRPr lang="en-CA" dirty="0">
+              <a:solidFill>
+                <a:schemeClr val="bg2">
+                  <a:lumMod val="10000"/>
+                </a:schemeClr>
+              </a:solidFill>
+              <a:latin typeface="Lucida Console" panose="020B0609040504020204" pitchFamily="49" charset="0"/>
+              <a:cs typeface="Courier New" panose="02070309020205020404" pitchFamily="49" charset="0"/>
+            </a:endParaRPr>
+          </a:p>
+        </p:txBody>
+      </p:sp>
+      <p:sp>
+        <p:nvSpPr>
+          <p:cNvPr id="3" name="Slide Number Placeholder 2">
+            <a:extLst>
+              <a:ext uri="{FF2B5EF4-FFF2-40B4-BE49-F238E27FC236}">
+                <a16:creationId xmlns:a16="http://schemas.microsoft.com/office/drawing/2014/main" id="{4CB58DD9-7462-4F66-B011-DAC7CF9A358D}"/>
+              </a:ext>
+            </a:extLst>
+          </p:cNvPr>
+          <p:cNvSpPr>
+            <a:spLocks noGrp="1"/>
+          </p:cNvSpPr>
+          <p:nvPr>
+            <p:ph type="sldNum" sz="quarter" idx="12"/>
+          </p:nvPr>
+        </p:nvSpPr>
+        <p:spPr/>
+        <p:txBody>
+          <a:bodyPr/>
+          <a:lstStyle/>
+          <a:p>
+            <a:fld id="{E50A8D5F-7A10-4D19-B2BD-04FE5CA3B31F}" type="slidenum">
+              <a:rPr lang="en-US" smtClean="0"/>
+              <a:pPr/>
+              <a:t>11</a:t>
+            </a:fld>
+            <a:endParaRPr lang="en-US" dirty="0"/>
+          </a:p>
+        </p:txBody>
+      </p:sp>
+      <p:sp>
+        <p:nvSpPr>
+          <p:cNvPr id="4" name="Title 3">
+            <a:extLst>
+              <a:ext uri="{FF2B5EF4-FFF2-40B4-BE49-F238E27FC236}">
+                <a16:creationId xmlns:a16="http://schemas.microsoft.com/office/drawing/2014/main" id="{D59B0DCA-D1B0-4D44-8C96-53954CF5FE58}"/>
+              </a:ext>
+            </a:extLst>
+          </p:cNvPr>
+          <p:cNvSpPr>
+            <a:spLocks noGrp="1"/>
+          </p:cNvSpPr>
+          <p:nvPr>
+            <p:ph type="title"/>
+          </p:nvPr>
+        </p:nvSpPr>
+        <p:spPr/>
+        <p:txBody>
+          <a:bodyPr/>
+          <a:lstStyle/>
+          <a:p>
+            <a:r>
+              <a:rPr lang="en-US" dirty="0" err="1">
+                <a:latin typeface="Lucida Console" panose="020B0609040504020204" pitchFamily="49" charset="0"/>
+              </a:rPr>
+              <a:t>fitHMM</a:t>
+            </a:r>
+            <a:r>
+              <a:rPr lang="en-US" dirty="0">
+                <a:latin typeface="Lucida Console" panose="020B0609040504020204" pitchFamily="49" charset="0"/>
+              </a:rPr>
+              <a:t>(data, …)</a:t>
+            </a:r>
+          </a:p>
+        </p:txBody>
+      </p:sp>
+    </p:spTree>
+    <p:extLst>
+      <p:ext uri="{BB962C8B-B14F-4D97-AF65-F5344CB8AC3E}">
+        <p14:creationId xmlns:p14="http://schemas.microsoft.com/office/powerpoint/2010/main" val="1156427404"/>
+      </p:ext>
+    </p:extLst>
+  </p:cSld>
+  <p:clrMapOvr>
+    <a:masterClrMapping/>
+  </p:clrMapOvr>
+</p:sld>
+</file>
+
+<file path=ppt/slides/slide12.xml><?xml version="1.0" encoding="utf-8"?>
+<p:sld xmlns:a="http://schemas.openxmlformats.org/drawingml/2006/main" xmlns:r="http://schemas.openxmlformats.org/officeDocument/2006/relationships" xmlns:p="http://schemas.openxmlformats.org/presentationml/2006/main">
+  <p:cSld>
+    <p:spTree>
+      <p:nvGrpSpPr>
+        <p:cNvPr id="1" name=""/>
+        <p:cNvGrpSpPr/>
+        <p:nvPr/>
+      </p:nvGrpSpPr>
+      <p:grpSpPr>
+        <a:xfrm>
+          <a:off x="0" y="0"/>
+          <a:ext cx="0" cy="0"/>
+          <a:chOff x="0" y="0"/>
+          <a:chExt cx="0" cy="0"/>
+        </a:xfrm>
+      </p:grpSpPr>
+      <p:sp>
+        <p:nvSpPr>
+          <p:cNvPr id="2" name="Content Placeholder 1">
+            <a:extLst>
+              <a:ext uri="{FF2B5EF4-FFF2-40B4-BE49-F238E27FC236}">
+                <a16:creationId xmlns:a16="http://schemas.microsoft.com/office/drawing/2014/main" id="{A7CBE74B-2EED-44E3-A630-FAB07C1CB2BA}"/>
+              </a:ext>
+            </a:extLst>
+          </p:cNvPr>
+          <p:cNvSpPr>
+            <a:spLocks noGrp="1"/>
+          </p:cNvSpPr>
+          <p:nvPr>
+            <p:ph idx="1"/>
+          </p:nvPr>
+        </p:nvSpPr>
+        <p:spPr/>
+        <p:txBody>
+          <a:bodyPr/>
+          <a:lstStyle/>
+          <a:p>
+            <a:r>
+              <a:rPr lang="en-CA" dirty="0"/>
+              <a:t>Review estimated parameters and likelihood </a:t>
+            </a:r>
+          </a:p>
+          <a:p>
+            <a:r>
+              <a:rPr lang="en-CA" dirty="0"/>
+              <a:t>Examine </a:t>
+            </a:r>
+            <a:r>
+              <a:rPr lang="en-US" dirty="0"/>
+              <a:t>Pseudo-residuals using  </a:t>
+            </a:r>
+            <a:r>
+              <a:rPr lang="en-US" sz="2400" spc="-107" dirty="0" err="1">
+                <a:solidFill>
+                  <a:schemeClr val="bg2">
+                    <a:lumMod val="10000"/>
+                  </a:schemeClr>
+                </a:solidFill>
+                <a:latin typeface="Lucida Console" panose="020B0609040504020204" pitchFamily="49" charset="0"/>
+                <a:cs typeface="Courier New" panose="02070309020205020404" pitchFamily="49" charset="0"/>
+              </a:rPr>
+              <a:t>plotPR</a:t>
+            </a:r>
+            <a:endParaRPr lang="en-US" sz="2400" spc="-107" dirty="0">
+              <a:solidFill>
+                <a:schemeClr val="bg2">
+                  <a:lumMod val="10000"/>
+                </a:schemeClr>
+              </a:solidFill>
+              <a:latin typeface="Lucida Console" panose="020B0609040504020204" pitchFamily="49" charset="0"/>
+              <a:cs typeface="Courier New" panose="02070309020205020404" pitchFamily="49" charset="0"/>
+            </a:endParaRPr>
+          </a:p>
+          <a:p>
+            <a:r>
+              <a:rPr lang="en-CA" sz="2400" dirty="0"/>
+              <a:t>Simulate tracks using </a:t>
+            </a:r>
+            <a:r>
+              <a:rPr lang="en-CA" sz="2400" spc="-107" dirty="0" err="1">
+                <a:solidFill>
+                  <a:schemeClr val="bg2">
+                    <a:lumMod val="10000"/>
+                  </a:schemeClr>
+                </a:solidFill>
+                <a:latin typeface="Lucida Console" panose="020B0609040504020204" pitchFamily="49" charset="0"/>
+                <a:cs typeface="Courier New" panose="02070309020205020404" pitchFamily="49" charset="0"/>
+              </a:rPr>
+              <a:t>simData</a:t>
+            </a:r>
+            <a:endParaRPr lang="en-CA" sz="2400" spc="-107" dirty="0">
+              <a:solidFill>
+                <a:schemeClr val="bg2">
+                  <a:lumMod val="10000"/>
+                </a:schemeClr>
+              </a:solidFill>
+              <a:latin typeface="Lucida Console" panose="020B0609040504020204" pitchFamily="49" charset="0"/>
+              <a:cs typeface="Courier New" panose="02070309020205020404" pitchFamily="49" charset="0"/>
+            </a:endParaRPr>
+          </a:p>
+          <a:p>
+            <a:r>
+              <a:rPr lang="en-CA" sz="2400" dirty="0"/>
+              <a:t>Check confidence intervals using </a:t>
+            </a:r>
+            <a:r>
+              <a:rPr lang="en-CA" sz="2400" spc="-107" dirty="0" err="1">
+                <a:solidFill>
+                  <a:schemeClr val="bg2">
+                    <a:lumMod val="10000"/>
+                  </a:schemeClr>
+                </a:solidFill>
+                <a:latin typeface="Lucida Console" panose="020B0609040504020204" pitchFamily="49" charset="0"/>
+                <a:cs typeface="Courier New" panose="02070309020205020404" pitchFamily="49" charset="0"/>
+              </a:rPr>
+              <a:t>CIreal</a:t>
+            </a:r>
+            <a:endParaRPr lang="en-US" sz="2400" spc="-107" dirty="0">
+              <a:solidFill>
+                <a:schemeClr val="bg2">
+                  <a:lumMod val="10000"/>
+                </a:schemeClr>
+              </a:solidFill>
+              <a:latin typeface="Lucida Console" panose="020B0609040504020204" pitchFamily="49" charset="0"/>
+              <a:cs typeface="Courier New" panose="02070309020205020404" pitchFamily="49" charset="0"/>
+            </a:endParaRPr>
+          </a:p>
+        </p:txBody>
+      </p:sp>
+      <p:sp>
+        <p:nvSpPr>
+          <p:cNvPr id="3" name="Slide Number Placeholder 2">
+            <a:extLst>
+              <a:ext uri="{FF2B5EF4-FFF2-40B4-BE49-F238E27FC236}">
+                <a16:creationId xmlns:a16="http://schemas.microsoft.com/office/drawing/2014/main" id="{4246CD2A-F44A-45BF-A7E7-99E5AB9C0997}"/>
+              </a:ext>
+            </a:extLst>
+          </p:cNvPr>
+          <p:cNvSpPr>
+            <a:spLocks noGrp="1"/>
+          </p:cNvSpPr>
+          <p:nvPr>
+            <p:ph type="sldNum" sz="quarter" idx="12"/>
+          </p:nvPr>
+        </p:nvSpPr>
+        <p:spPr/>
+        <p:txBody>
+          <a:bodyPr/>
+          <a:lstStyle/>
+          <a:p>
+            <a:fld id="{E50A8D5F-7A10-4D19-B2BD-04FE5CA3B31F}" type="slidenum">
+              <a:rPr lang="en-US" smtClean="0"/>
+              <a:pPr/>
+              <a:t>12</a:t>
+            </a:fld>
+            <a:endParaRPr lang="en-US" dirty="0"/>
+          </a:p>
+        </p:txBody>
+      </p:sp>
+      <p:sp>
+        <p:nvSpPr>
+          <p:cNvPr id="4" name="Title 3">
+            <a:extLst>
+              <a:ext uri="{FF2B5EF4-FFF2-40B4-BE49-F238E27FC236}">
+                <a16:creationId xmlns:a16="http://schemas.microsoft.com/office/drawing/2014/main" id="{923D21AF-BBFC-4231-AEC1-2FD89EED9E27}"/>
+              </a:ext>
+            </a:extLst>
+          </p:cNvPr>
+          <p:cNvSpPr>
+            <a:spLocks noGrp="1"/>
+          </p:cNvSpPr>
+          <p:nvPr>
+            <p:ph type="title"/>
+          </p:nvPr>
+        </p:nvSpPr>
+        <p:spPr/>
+        <p:txBody>
+          <a:bodyPr/>
+          <a:lstStyle/>
+          <a:p>
+            <a:r>
+              <a:rPr lang="en-CA" dirty="0"/>
+              <a:t>3. Assessing model fit and quality</a:t>
+            </a:r>
+            <a:endParaRPr lang="en-US" dirty="0"/>
           </a:p>
         </p:txBody>
       </p:sp>
@@ -4132,6 +4994,557 @@
     <p:extLst>
       <p:ext uri="{BB962C8B-B14F-4D97-AF65-F5344CB8AC3E}">
         <p14:creationId xmlns:p14="http://schemas.microsoft.com/office/powerpoint/2010/main" val="4278494816"/>
+      </p:ext>
+    </p:extLst>
+  </p:cSld>
+  <p:clrMapOvr>
+    <a:masterClrMapping/>
+  </p:clrMapOvr>
+</p:sld>
+</file>
+
+<file path=ppt/slides/slide13.xml><?xml version="1.0" encoding="utf-8"?>
+<p:sld xmlns:a="http://schemas.openxmlformats.org/drawingml/2006/main" xmlns:r="http://schemas.openxmlformats.org/officeDocument/2006/relationships" xmlns:p="http://schemas.openxmlformats.org/presentationml/2006/main">
+  <p:cSld>
+    <p:spTree>
+      <p:nvGrpSpPr>
+        <p:cNvPr id="1" name=""/>
+        <p:cNvGrpSpPr/>
+        <p:nvPr/>
+      </p:nvGrpSpPr>
+      <p:grpSpPr>
+        <a:xfrm>
+          <a:off x="0" y="0"/>
+          <a:ext cx="0" cy="0"/>
+          <a:chOff x="0" y="0"/>
+          <a:chExt cx="0" cy="0"/>
+        </a:xfrm>
+      </p:grpSpPr>
+      <p:sp>
+        <p:nvSpPr>
+          <p:cNvPr id="2" name="Content Placeholder 1">
+            <a:extLst>
+              <a:ext uri="{FF2B5EF4-FFF2-40B4-BE49-F238E27FC236}">
+                <a16:creationId xmlns:a16="http://schemas.microsoft.com/office/drawing/2014/main" id="{A7CBE74B-2EED-44E3-A630-FAB07C1CB2BA}"/>
+              </a:ext>
+            </a:extLst>
+          </p:cNvPr>
+          <p:cNvSpPr>
+            <a:spLocks noGrp="1"/>
+          </p:cNvSpPr>
+          <p:nvPr>
+            <p:ph idx="1"/>
+          </p:nvPr>
+        </p:nvSpPr>
+        <p:spPr/>
+        <p:txBody>
+          <a:bodyPr/>
+          <a:lstStyle/>
+          <a:p>
+            <a:r>
+              <a:rPr lang="en-CA" dirty="0"/>
+              <a:t>Examine effect of environmental covariate on behaviour probability</a:t>
+            </a:r>
+          </a:p>
+          <a:p>
+            <a:r>
+              <a:rPr lang="en-CA" dirty="0"/>
+              <a:t>Model transition probabilities as function of covariate using </a:t>
+            </a:r>
+            <a:r>
+              <a:rPr lang="en-CA" spc="-107" dirty="0">
+                <a:solidFill>
+                  <a:schemeClr val="bg2">
+                    <a:lumMod val="10000"/>
+                  </a:schemeClr>
+                </a:solidFill>
+                <a:latin typeface="Lucida Console" panose="020B0609040504020204" pitchFamily="49" charset="0"/>
+                <a:cs typeface="Courier New" panose="02070309020205020404" pitchFamily="49" charset="0"/>
+              </a:rPr>
+              <a:t>Formula </a:t>
+            </a:r>
+            <a:r>
+              <a:rPr lang="en-CA" dirty="0"/>
+              <a:t>argument in </a:t>
+            </a:r>
+            <a:r>
+              <a:rPr lang="en-CA" spc="-107" dirty="0" err="1">
+                <a:solidFill>
+                  <a:schemeClr val="bg2">
+                    <a:lumMod val="10000"/>
+                  </a:schemeClr>
+                </a:solidFill>
+                <a:latin typeface="Lucida Console" panose="020B0609040504020204" pitchFamily="49" charset="0"/>
+                <a:cs typeface="Courier New" panose="02070309020205020404" pitchFamily="49" charset="0"/>
+              </a:rPr>
+              <a:t>fitHMM</a:t>
+            </a:r>
+            <a:endParaRPr lang="en-CA" spc="-107" dirty="0">
+              <a:solidFill>
+                <a:schemeClr val="bg2">
+                  <a:lumMod val="10000"/>
+                </a:schemeClr>
+              </a:solidFill>
+              <a:latin typeface="Lucida Console" panose="020B0609040504020204" pitchFamily="49" charset="0"/>
+              <a:cs typeface="Courier New" panose="02070309020205020404" pitchFamily="49" charset="0"/>
+            </a:endParaRPr>
+          </a:p>
+          <a:p>
+            <a:r>
+              <a:rPr lang="en-CA" dirty="0"/>
+              <a:t>Examine relationship using </a:t>
+            </a:r>
+            <a:r>
+              <a:rPr lang="en-CA" spc="-107" dirty="0">
+                <a:solidFill>
+                  <a:schemeClr val="bg2">
+                    <a:lumMod val="10000"/>
+                  </a:schemeClr>
+                </a:solidFill>
+                <a:latin typeface="Lucida Console" panose="020B0609040504020204" pitchFamily="49" charset="0"/>
+                <a:cs typeface="Courier New" panose="02070309020205020404" pitchFamily="49" charset="0"/>
+              </a:rPr>
+              <a:t>plot </a:t>
+            </a:r>
+            <a:r>
+              <a:rPr lang="en-CA" dirty="0"/>
+              <a:t>and</a:t>
+            </a:r>
+            <a:r>
+              <a:rPr lang="en-CA" spc="-107" dirty="0">
+                <a:solidFill>
+                  <a:schemeClr val="bg2">
+                    <a:lumMod val="10000"/>
+                  </a:schemeClr>
+                </a:solidFill>
+                <a:latin typeface="Lucida Console" panose="020B0609040504020204" pitchFamily="49" charset="0"/>
+                <a:cs typeface="Courier New" panose="02070309020205020404" pitchFamily="49" charset="0"/>
+              </a:rPr>
+              <a:t> </a:t>
+            </a:r>
+            <a:r>
+              <a:rPr lang="en-CA" spc="-107" dirty="0" err="1">
+                <a:solidFill>
+                  <a:schemeClr val="bg2">
+                    <a:lumMod val="10000"/>
+                  </a:schemeClr>
+                </a:solidFill>
+                <a:latin typeface="Lucida Console" panose="020B0609040504020204" pitchFamily="49" charset="0"/>
+                <a:cs typeface="Courier New" panose="02070309020205020404" pitchFamily="49" charset="0"/>
+              </a:rPr>
+              <a:t>plotStationary</a:t>
+            </a:r>
+            <a:endParaRPr lang="en-CA" spc="-107" dirty="0">
+              <a:solidFill>
+                <a:schemeClr val="bg2">
+                  <a:lumMod val="10000"/>
+                </a:schemeClr>
+              </a:solidFill>
+              <a:latin typeface="Lucida Console" panose="020B0609040504020204" pitchFamily="49" charset="0"/>
+              <a:cs typeface="Courier New" panose="02070309020205020404" pitchFamily="49" charset="0"/>
+            </a:endParaRPr>
+          </a:p>
+          <a:p>
+            <a:endParaRPr lang="en-US" spc="-107" dirty="0">
+              <a:solidFill>
+                <a:schemeClr val="bg2">
+                  <a:lumMod val="10000"/>
+                </a:schemeClr>
+              </a:solidFill>
+              <a:latin typeface="Lucida Console" panose="020B0609040504020204" pitchFamily="49" charset="0"/>
+              <a:cs typeface="Courier New" panose="02070309020205020404" pitchFamily="49" charset="0"/>
+            </a:endParaRPr>
+          </a:p>
+        </p:txBody>
+      </p:sp>
+      <p:sp>
+        <p:nvSpPr>
+          <p:cNvPr id="3" name="Slide Number Placeholder 2">
+            <a:extLst>
+              <a:ext uri="{FF2B5EF4-FFF2-40B4-BE49-F238E27FC236}">
+                <a16:creationId xmlns:a16="http://schemas.microsoft.com/office/drawing/2014/main" id="{4246CD2A-F44A-45BF-A7E7-99E5AB9C0997}"/>
+              </a:ext>
+            </a:extLst>
+          </p:cNvPr>
+          <p:cNvSpPr>
+            <a:spLocks noGrp="1"/>
+          </p:cNvSpPr>
+          <p:nvPr>
+            <p:ph type="sldNum" sz="quarter" idx="12"/>
+          </p:nvPr>
+        </p:nvSpPr>
+        <p:spPr/>
+        <p:txBody>
+          <a:bodyPr/>
+          <a:lstStyle/>
+          <a:p>
+            <a:fld id="{E50A8D5F-7A10-4D19-B2BD-04FE5CA3B31F}" type="slidenum">
+              <a:rPr lang="en-US" smtClean="0"/>
+              <a:pPr/>
+              <a:t>13</a:t>
+            </a:fld>
+            <a:endParaRPr lang="en-US" dirty="0"/>
+          </a:p>
+        </p:txBody>
+      </p:sp>
+      <p:sp>
+        <p:nvSpPr>
+          <p:cNvPr id="4" name="Title 3">
+            <a:extLst>
+              <a:ext uri="{FF2B5EF4-FFF2-40B4-BE49-F238E27FC236}">
+                <a16:creationId xmlns:a16="http://schemas.microsoft.com/office/drawing/2014/main" id="{923D21AF-BBFC-4231-AEC1-2FD89EED9E27}"/>
+              </a:ext>
+            </a:extLst>
+          </p:cNvPr>
+          <p:cNvSpPr>
+            <a:spLocks noGrp="1"/>
+          </p:cNvSpPr>
+          <p:nvPr>
+            <p:ph type="title"/>
+          </p:nvPr>
+        </p:nvSpPr>
+        <p:spPr/>
+        <p:txBody>
+          <a:bodyPr/>
+          <a:lstStyle/>
+          <a:p>
+            <a:r>
+              <a:rPr lang="en-CA" dirty="0"/>
+              <a:t>4. Transition probability covariates</a:t>
+            </a:r>
+          </a:p>
+        </p:txBody>
+      </p:sp>
+    </p:spTree>
+    <p:extLst>
+      <p:ext uri="{BB962C8B-B14F-4D97-AF65-F5344CB8AC3E}">
+        <p14:creationId xmlns:p14="http://schemas.microsoft.com/office/powerpoint/2010/main" val="1140254073"/>
+      </p:ext>
+    </p:extLst>
+  </p:cSld>
+  <p:clrMapOvr>
+    <a:masterClrMapping/>
+  </p:clrMapOvr>
+</p:sld>
+</file>
+
+<file path=ppt/slides/slide14.xml><?xml version="1.0" encoding="utf-8"?>
+<p:sld xmlns:a="http://schemas.openxmlformats.org/drawingml/2006/main" xmlns:r="http://schemas.openxmlformats.org/officeDocument/2006/relationships" xmlns:p="http://schemas.openxmlformats.org/presentationml/2006/main">
+  <p:cSld>
+    <p:spTree>
+      <p:nvGrpSpPr>
+        <p:cNvPr id="1" name=""/>
+        <p:cNvGrpSpPr/>
+        <p:nvPr/>
+      </p:nvGrpSpPr>
+      <p:grpSpPr>
+        <a:xfrm>
+          <a:off x="0" y="0"/>
+          <a:ext cx="0" cy="0"/>
+          <a:chOff x="0" y="0"/>
+          <a:chExt cx="0" cy="0"/>
+        </a:xfrm>
+      </p:grpSpPr>
+      <p:sp>
+        <p:nvSpPr>
+          <p:cNvPr id="2" name="Content Placeholder 1">
+            <a:extLst>
+              <a:ext uri="{FF2B5EF4-FFF2-40B4-BE49-F238E27FC236}">
+                <a16:creationId xmlns:a16="http://schemas.microsoft.com/office/drawing/2014/main" id="{5B9B7B8E-4D36-46D8-AB9D-FAD37AFDB41C}"/>
+              </a:ext>
+            </a:extLst>
+          </p:cNvPr>
+          <p:cNvSpPr>
+            <a:spLocks noGrp="1"/>
+          </p:cNvSpPr>
+          <p:nvPr>
+            <p:ph idx="1"/>
+          </p:nvPr>
+        </p:nvSpPr>
+        <p:spPr/>
+        <p:txBody>
+          <a:bodyPr/>
+          <a:lstStyle/>
+          <a:p>
+            <a:r>
+              <a:rPr lang="en-CA" dirty="0"/>
+              <a:t>Examine effect of covariates on emission probabilities</a:t>
+            </a:r>
+          </a:p>
+          <a:p>
+            <a:r>
+              <a:rPr lang="en-CA" dirty="0"/>
+              <a:t>Model data stream parameters as function of covariate using </a:t>
+            </a:r>
+            <a:br>
+              <a:rPr lang="en-CA" dirty="0"/>
+            </a:br>
+            <a:r>
+              <a:rPr lang="en-CA" spc="-107" dirty="0">
+                <a:solidFill>
+                  <a:schemeClr val="bg2">
+                    <a:lumMod val="10000"/>
+                  </a:schemeClr>
+                </a:solidFill>
+                <a:latin typeface="Lucida Console" panose="020B0609040504020204" pitchFamily="49" charset="0"/>
+                <a:cs typeface="Courier New" panose="02070309020205020404" pitchFamily="49" charset="0"/>
+              </a:rPr>
+              <a:t>DM </a:t>
+            </a:r>
+            <a:r>
+              <a:rPr lang="en-CA" dirty="0"/>
+              <a:t>argument in </a:t>
+            </a:r>
+            <a:r>
+              <a:rPr lang="en-CA" spc="-107" dirty="0" err="1">
+                <a:solidFill>
+                  <a:schemeClr val="bg2">
+                    <a:lumMod val="10000"/>
+                  </a:schemeClr>
+                </a:solidFill>
+                <a:latin typeface="Lucida Console" panose="020B0609040504020204" pitchFamily="49" charset="0"/>
+                <a:cs typeface="Courier New" panose="02070309020205020404" pitchFamily="49" charset="0"/>
+              </a:rPr>
+              <a:t>fitHMM</a:t>
+            </a:r>
+            <a:endParaRPr lang="en-CA" spc="-107" dirty="0">
+              <a:solidFill>
+                <a:schemeClr val="bg2">
+                  <a:lumMod val="10000"/>
+                </a:schemeClr>
+              </a:solidFill>
+              <a:latin typeface="Lucida Console" panose="020B0609040504020204" pitchFamily="49" charset="0"/>
+              <a:cs typeface="Courier New" panose="02070309020205020404" pitchFamily="49" charset="0"/>
+            </a:endParaRPr>
+          </a:p>
+          <a:p>
+            <a:r>
+              <a:rPr lang="en-CA" dirty="0"/>
+              <a:t>Examine relationship using </a:t>
+            </a:r>
+            <a:r>
+              <a:rPr lang="en-CA" spc="-107" dirty="0">
+                <a:solidFill>
+                  <a:schemeClr val="bg2">
+                    <a:lumMod val="10000"/>
+                  </a:schemeClr>
+                </a:solidFill>
+                <a:latin typeface="Lucida Console" panose="020B0609040504020204" pitchFamily="49" charset="0"/>
+                <a:cs typeface="Courier New" panose="02070309020205020404" pitchFamily="49" charset="0"/>
+              </a:rPr>
+              <a:t>plot</a:t>
+            </a:r>
+            <a:endParaRPr lang="en-US" dirty="0"/>
+          </a:p>
+        </p:txBody>
+      </p:sp>
+      <p:sp>
+        <p:nvSpPr>
+          <p:cNvPr id="3" name="Slide Number Placeholder 2">
+            <a:extLst>
+              <a:ext uri="{FF2B5EF4-FFF2-40B4-BE49-F238E27FC236}">
+                <a16:creationId xmlns:a16="http://schemas.microsoft.com/office/drawing/2014/main" id="{CE60055D-A6DC-44C4-9983-99734281F0A8}"/>
+              </a:ext>
+            </a:extLst>
+          </p:cNvPr>
+          <p:cNvSpPr>
+            <a:spLocks noGrp="1"/>
+          </p:cNvSpPr>
+          <p:nvPr>
+            <p:ph type="sldNum" sz="quarter" idx="12"/>
+          </p:nvPr>
+        </p:nvSpPr>
+        <p:spPr/>
+        <p:txBody>
+          <a:bodyPr/>
+          <a:lstStyle/>
+          <a:p>
+            <a:fld id="{E50A8D5F-7A10-4D19-B2BD-04FE5CA3B31F}" type="slidenum">
+              <a:rPr lang="en-US" smtClean="0"/>
+              <a:pPr/>
+              <a:t>14</a:t>
+            </a:fld>
+            <a:endParaRPr lang="en-US" dirty="0"/>
+          </a:p>
+        </p:txBody>
+      </p:sp>
+      <p:sp>
+        <p:nvSpPr>
+          <p:cNvPr id="4" name="Title 3">
+            <a:extLst>
+              <a:ext uri="{FF2B5EF4-FFF2-40B4-BE49-F238E27FC236}">
+                <a16:creationId xmlns:a16="http://schemas.microsoft.com/office/drawing/2014/main" id="{D307F46C-7F60-4FDE-B881-F4F0F667520B}"/>
+              </a:ext>
+            </a:extLst>
+          </p:cNvPr>
+          <p:cNvSpPr>
+            <a:spLocks noGrp="1"/>
+          </p:cNvSpPr>
+          <p:nvPr>
+            <p:ph type="title"/>
+          </p:nvPr>
+        </p:nvSpPr>
+        <p:spPr/>
+        <p:txBody>
+          <a:bodyPr/>
+          <a:lstStyle/>
+          <a:p>
+            <a:r>
+              <a:rPr lang="en-CA" dirty="0"/>
+              <a:t>5. Emission probability covariates</a:t>
+            </a:r>
+            <a:endParaRPr lang="en-US" dirty="0"/>
+          </a:p>
+        </p:txBody>
+      </p:sp>
+    </p:spTree>
+    <p:extLst>
+      <p:ext uri="{BB962C8B-B14F-4D97-AF65-F5344CB8AC3E}">
+        <p14:creationId xmlns:p14="http://schemas.microsoft.com/office/powerpoint/2010/main" val="3002452183"/>
+      </p:ext>
+    </p:extLst>
+  </p:cSld>
+  <p:clrMapOvr>
+    <a:masterClrMapping/>
+  </p:clrMapOvr>
+</p:sld>
+</file>
+
+<file path=ppt/slides/slide15.xml><?xml version="1.0" encoding="utf-8"?>
+<p:sld xmlns:a="http://schemas.openxmlformats.org/drawingml/2006/main" xmlns:r="http://schemas.openxmlformats.org/officeDocument/2006/relationships" xmlns:p="http://schemas.openxmlformats.org/presentationml/2006/main">
+  <p:cSld>
+    <p:spTree>
+      <p:nvGrpSpPr>
+        <p:cNvPr id="1" name=""/>
+        <p:cNvGrpSpPr/>
+        <p:nvPr/>
+      </p:nvGrpSpPr>
+      <p:grpSpPr>
+        <a:xfrm>
+          <a:off x="0" y="0"/>
+          <a:ext cx="0" cy="0"/>
+          <a:chOff x="0" y="0"/>
+          <a:chExt cx="0" cy="0"/>
+        </a:xfrm>
+      </p:grpSpPr>
+      <p:sp>
+        <p:nvSpPr>
+          <p:cNvPr id="2" name="Content Placeholder 1">
+            <a:extLst>
+              <a:ext uri="{FF2B5EF4-FFF2-40B4-BE49-F238E27FC236}">
+                <a16:creationId xmlns:a16="http://schemas.microsoft.com/office/drawing/2014/main" id="{70547F2B-DD29-4EF4-8C6D-3CCD1287CD40}"/>
+              </a:ext>
+            </a:extLst>
+          </p:cNvPr>
+          <p:cNvSpPr>
+            <a:spLocks noGrp="1"/>
+          </p:cNvSpPr>
+          <p:nvPr>
+            <p:ph idx="1"/>
+          </p:nvPr>
+        </p:nvSpPr>
+        <p:spPr/>
+        <p:txBody>
+          <a:bodyPr/>
+          <a:lstStyle/>
+          <a:p>
+            <a:r>
+              <a:rPr lang="en-CA" dirty="0"/>
+              <a:t>Examine effect of interpolating track to different resolutions (e.g., 1, 4, or 8 hours)</a:t>
+            </a:r>
+          </a:p>
+          <a:p>
+            <a:r>
+              <a:rPr lang="en-CA" dirty="0"/>
+              <a:t>Effect on:</a:t>
+            </a:r>
+          </a:p>
+          <a:p>
+            <a:pPr lvl="1"/>
+            <a:r>
+              <a:rPr lang="en-CA" dirty="0"/>
+              <a:t>Estimated parameters</a:t>
+            </a:r>
+          </a:p>
+          <a:p>
+            <a:pPr lvl="1"/>
+            <a:r>
+              <a:rPr lang="en-CA" dirty="0"/>
+              <a:t>Predicted states</a:t>
+            </a:r>
+          </a:p>
+          <a:p>
+            <a:pPr lvl="1"/>
+            <a:r>
+              <a:rPr lang="en-CA" dirty="0"/>
+              <a:t>Model fit</a:t>
+            </a:r>
+          </a:p>
+        </p:txBody>
+      </p:sp>
+      <p:sp>
+        <p:nvSpPr>
+          <p:cNvPr id="3" name="Slide Number Placeholder 2">
+            <a:extLst>
+              <a:ext uri="{FF2B5EF4-FFF2-40B4-BE49-F238E27FC236}">
+                <a16:creationId xmlns:a16="http://schemas.microsoft.com/office/drawing/2014/main" id="{C220B5BF-C783-46E4-B52E-7ECD5A260F31}"/>
+              </a:ext>
+            </a:extLst>
+          </p:cNvPr>
+          <p:cNvSpPr>
+            <a:spLocks noGrp="1"/>
+          </p:cNvSpPr>
+          <p:nvPr>
+            <p:ph type="sldNum" sz="quarter" idx="12"/>
+          </p:nvPr>
+        </p:nvSpPr>
+        <p:spPr/>
+        <p:txBody>
+          <a:bodyPr/>
+          <a:lstStyle/>
+          <a:p>
+            <a:fld id="{E50A8D5F-7A10-4D19-B2BD-04FE5CA3B31F}" type="slidenum">
+              <a:rPr lang="en-US" smtClean="0"/>
+              <a:pPr/>
+              <a:t>15</a:t>
+            </a:fld>
+            <a:endParaRPr lang="en-US" dirty="0"/>
+          </a:p>
+        </p:txBody>
+      </p:sp>
+      <p:sp>
+        <p:nvSpPr>
+          <p:cNvPr id="4" name="Title 3">
+            <a:extLst>
+              <a:ext uri="{FF2B5EF4-FFF2-40B4-BE49-F238E27FC236}">
+                <a16:creationId xmlns:a16="http://schemas.microsoft.com/office/drawing/2014/main" id="{777E7982-230A-40A2-8D52-51F0DB188677}"/>
+              </a:ext>
+            </a:extLst>
+          </p:cNvPr>
+          <p:cNvSpPr>
+            <a:spLocks noGrp="1"/>
+          </p:cNvSpPr>
+          <p:nvPr>
+            <p:ph type="title"/>
+          </p:nvPr>
+        </p:nvSpPr>
+        <p:spPr/>
+        <p:txBody>
+          <a:bodyPr/>
+          <a:lstStyle/>
+          <a:p>
+            <a:r>
+              <a:rPr lang="en-CA" dirty="0"/>
+              <a:t>6. Effect of temporal resolution </a:t>
+            </a:r>
+            <a:endParaRPr lang="en-US" dirty="0"/>
+          </a:p>
+        </p:txBody>
+      </p:sp>
+    </p:spTree>
+    <p:extLst>
+      <p:ext uri="{BB962C8B-B14F-4D97-AF65-F5344CB8AC3E}">
+        <p14:creationId xmlns:p14="http://schemas.microsoft.com/office/powerpoint/2010/main" val="1605605491"/>
       </p:ext>
     </p:extLst>
   </p:cSld>
@@ -4174,17 +5587,23 @@
             <p:ph idx="1"/>
           </p:nvPr>
         </p:nvSpPr>
-        <p:spPr/>
+        <p:spPr>
+          <a:xfrm>
+            <a:off x="623947" y="1431144"/>
+            <a:ext cx="5403431" cy="4726088"/>
+          </a:xfrm>
+        </p:spPr>
         <p:txBody>
           <a:bodyPr/>
           <a:lstStyle/>
           <a:p>
             <a:pPr marL="514350" indent="-514350">
+              <a:buFont typeface="Quicksand" panose="02070303000000060000" pitchFamily="18" charset="0"/>
               <a:buAutoNum type="arabicPeriod"/>
             </a:pPr>
             <a:r>
               <a:rPr lang="en-CA" dirty="0"/>
-              <a:t>Unzip workshop file</a:t>
+              <a:t>Download workshop ZIP</a:t>
             </a:r>
           </a:p>
           <a:p>
@@ -4256,10 +5675,10 @@
       </p:sp>
       <p:pic>
         <p:nvPicPr>
-          <p:cNvPr id="5" name="Picture 4">
-            <a:extLst>
-              <a:ext uri="{FF2B5EF4-FFF2-40B4-BE49-F238E27FC236}">
-                <a16:creationId xmlns:a16="http://schemas.microsoft.com/office/drawing/2014/main" id="{E8004E02-EA56-438C-8DDE-63B1FD626C06}"/>
+          <p:cNvPr id="9" name="Picture 8">
+            <a:extLst>
+              <a:ext uri="{FF2B5EF4-FFF2-40B4-BE49-F238E27FC236}">
+                <a16:creationId xmlns:a16="http://schemas.microsoft.com/office/drawing/2014/main" id="{0F52DF13-8A22-4D6A-9F41-494D3A6E43CC}"/>
               </a:ext>
             </a:extLst>
           </p:cNvPr>
@@ -4276,8 +5695,8 @@
         </p:blipFill>
         <p:spPr>
           <a:xfrm>
-            <a:off x="4766254" y="1431143"/>
-            <a:ext cx="6801799" cy="4686954"/>
+            <a:off x="6437339" y="555796"/>
+            <a:ext cx="4583588" cy="6134835"/>
           </a:xfrm>
           <a:prstGeom prst="rect">
             <a:avLst/>
@@ -4286,10 +5705,10 @@
       </p:pic>
       <p:sp>
         <p:nvSpPr>
-          <p:cNvPr id="6" name="Oval 5">
-            <a:extLst>
-              <a:ext uri="{FF2B5EF4-FFF2-40B4-BE49-F238E27FC236}">
-                <a16:creationId xmlns:a16="http://schemas.microsoft.com/office/drawing/2014/main" id="{752B2E6C-6307-413A-96D5-78344124A07C}"/>
+          <p:cNvPr id="10" name="Oval 9">
+            <a:extLst>
+              <a:ext uri="{FF2B5EF4-FFF2-40B4-BE49-F238E27FC236}">
+                <a16:creationId xmlns:a16="http://schemas.microsoft.com/office/drawing/2014/main" id="{35D20A91-B1C4-4396-B7AD-930DA62601D9}"/>
               </a:ext>
             </a:extLst>
           </p:cNvPr>
@@ -4298,8 +5717,54 @@
         </p:nvSpPr>
         <p:spPr>
           <a:xfrm>
-            <a:off x="6999316" y="3707476"/>
-            <a:ext cx="1596044" cy="433768"/>
+            <a:off x="10010274" y="2777034"/>
+            <a:ext cx="1195137" cy="511598"/>
+          </a:xfrm>
+          <a:prstGeom prst="ellipse">
+            <a:avLst/>
+          </a:prstGeom>
+          <a:noFill/>
+          <a:ln w="38100"/>
+        </p:spPr>
+        <p:style>
+          <a:lnRef idx="2">
+            <a:schemeClr val="accent2"/>
+          </a:lnRef>
+          <a:fillRef idx="1">
+            <a:schemeClr val="lt1"/>
+          </a:fillRef>
+          <a:effectRef idx="0">
+            <a:schemeClr val="accent2"/>
+          </a:effectRef>
+          <a:fontRef idx="minor">
+            <a:schemeClr val="dk1"/>
+          </a:fontRef>
+        </p:style>
+        <p:txBody>
+          <a:bodyPr rtlCol="0" anchor="ctr"/>
+          <a:lstStyle/>
+          <a:p>
+            <a:pPr algn="ctr"/>
+            <a:endParaRPr lang="en-US"/>
+          </a:p>
+        </p:txBody>
+      </p:sp>
+      <p:sp>
+        <p:nvSpPr>
+          <p:cNvPr id="11" name="Oval 10">
+            <a:extLst>
+              <a:ext uri="{FF2B5EF4-FFF2-40B4-BE49-F238E27FC236}">
+                <a16:creationId xmlns:a16="http://schemas.microsoft.com/office/drawing/2014/main" id="{D62E0D56-61BF-4B5E-9AF9-BB2A1FF4034C}"/>
+              </a:ext>
+            </a:extLst>
+          </p:cNvPr>
+          <p:cNvSpPr/>
+          <p:nvPr/>
+        </p:nvSpPr>
+        <p:spPr>
+          <a:xfrm>
+            <a:off x="7323222" y="5432003"/>
+            <a:ext cx="1371599" cy="511598"/>
           </a:xfrm>
           <a:prstGeom prst="ellipse">
             <a:avLst/>
@@ -4360,12 +5825,118 @@
           <a:chExt cx="0" cy="0"/>
         </a:xfrm>
       </p:grpSpPr>
+      <p:sp>
+        <p:nvSpPr>
+          <p:cNvPr id="2" name="Content Placeholder 1">
+            <a:extLst>
+              <a:ext uri="{FF2B5EF4-FFF2-40B4-BE49-F238E27FC236}">
+                <a16:creationId xmlns:a16="http://schemas.microsoft.com/office/drawing/2014/main" id="{5A592B84-F81F-4694-A26A-E3215D232023}"/>
+              </a:ext>
+            </a:extLst>
+          </p:cNvPr>
+          <p:cNvSpPr>
+            <a:spLocks noGrp="1"/>
+          </p:cNvSpPr>
+          <p:nvPr>
+            <p:ph idx="1"/>
+          </p:nvPr>
+        </p:nvSpPr>
+        <p:spPr/>
+        <p:txBody>
+          <a:bodyPr/>
+          <a:lstStyle/>
+          <a:p>
+            <a:pPr marL="514350" indent="-514350">
+              <a:buFont typeface="Quicksand" panose="02070303000000060000" pitchFamily="18" charset="0"/>
+              <a:buAutoNum type="arabicPeriod"/>
+            </a:pPr>
+            <a:r>
+              <a:rPr lang="en-CA" dirty="0"/>
+              <a:t>Download workshop ZIP</a:t>
+            </a:r>
+          </a:p>
+          <a:p>
+            <a:pPr marL="514350" indent="-514350">
+              <a:buAutoNum type="arabicPeriod"/>
+            </a:pPr>
+            <a:r>
+              <a:rPr lang="en-CA" dirty="0"/>
+              <a:t>Unzip workshop file</a:t>
+            </a:r>
+          </a:p>
+          <a:p>
+            <a:pPr marL="514350" indent="-514350">
+              <a:buAutoNum type="arabicPeriod"/>
+            </a:pPr>
+            <a:endParaRPr lang="en-US" dirty="0"/>
+          </a:p>
+        </p:txBody>
+      </p:sp>
+      <p:sp>
+        <p:nvSpPr>
+          <p:cNvPr id="3" name="Slide Number Placeholder 2">
+            <a:extLst>
+              <a:ext uri="{FF2B5EF4-FFF2-40B4-BE49-F238E27FC236}">
+                <a16:creationId xmlns:a16="http://schemas.microsoft.com/office/drawing/2014/main" id="{E86981B5-CB08-49DF-8D72-6AB5B34C700A}"/>
+              </a:ext>
+            </a:extLst>
+          </p:cNvPr>
+          <p:cNvSpPr>
+            <a:spLocks noGrp="1"/>
+          </p:cNvSpPr>
+          <p:nvPr>
+            <p:ph type="sldNum" sz="quarter" idx="12"/>
+          </p:nvPr>
+        </p:nvSpPr>
+        <p:spPr/>
+        <p:txBody>
+          <a:bodyPr/>
+          <a:lstStyle/>
+          <a:p>
+            <a:fld id="{E50A8D5F-7A10-4D19-B2BD-04FE5CA3B31F}" type="slidenum">
+              <a:rPr lang="en-US" smtClean="0"/>
+              <a:pPr/>
+              <a:t>3</a:t>
+            </a:fld>
+            <a:endParaRPr lang="en-US" dirty="0"/>
+          </a:p>
+        </p:txBody>
+      </p:sp>
+      <p:sp>
+        <p:nvSpPr>
+          <p:cNvPr id="4" name="Title 3">
+            <a:extLst>
+              <a:ext uri="{FF2B5EF4-FFF2-40B4-BE49-F238E27FC236}">
+                <a16:creationId xmlns:a16="http://schemas.microsoft.com/office/drawing/2014/main" id="{1315864D-DFFC-436D-84CD-3FE4AE1832A5}"/>
+              </a:ext>
+            </a:extLst>
+          </p:cNvPr>
+          <p:cNvSpPr>
+            <a:spLocks noGrp="1"/>
+          </p:cNvSpPr>
+          <p:nvPr>
+            <p:ph type="title"/>
+          </p:nvPr>
+        </p:nvSpPr>
+        <p:spPr/>
+        <p:txBody>
+          <a:bodyPr/>
+          <a:lstStyle/>
+          <a:p>
+            <a:r>
+              <a:rPr lang="en-CA" dirty="0"/>
+              <a:t>Tutorial setup</a:t>
+            </a:r>
+            <a:endParaRPr lang="en-US" dirty="0"/>
+          </a:p>
+        </p:txBody>
+      </p:sp>
       <p:pic>
         <p:nvPicPr>
-          <p:cNvPr id="9" name="Picture 8">
-            <a:extLst>
-              <a:ext uri="{FF2B5EF4-FFF2-40B4-BE49-F238E27FC236}">
-                <a16:creationId xmlns:a16="http://schemas.microsoft.com/office/drawing/2014/main" id="{4EC5381F-6DED-4F56-B18F-058B09999251}"/>
+          <p:cNvPr id="5" name="Picture 4">
+            <a:extLst>
+              <a:ext uri="{FF2B5EF4-FFF2-40B4-BE49-F238E27FC236}">
+                <a16:creationId xmlns:a16="http://schemas.microsoft.com/office/drawing/2014/main" id="{E8004E02-EA56-438C-8DDE-63B1FD626C06}"/>
               </a:ext>
             </a:extLst>
           </p:cNvPr>
@@ -4374,16 +5945,15 @@
           </p:cNvPicPr>
           <p:nvPr/>
         </p:nvPicPr>
-        <p:blipFill>
+        <p:blipFill rotWithShape="1">
           <a:blip r:embed="rId2"/>
-          <a:stretch>
-            <a:fillRect/>
-          </a:stretch>
+          <a:srcRect r="22519"/>
+          <a:stretch/>
         </p:blipFill>
         <p:spPr>
           <a:xfrm>
-            <a:off x="5951190" y="471470"/>
-            <a:ext cx="5451540" cy="5736034"/>
+            <a:off x="6174010" y="1253450"/>
+            <a:ext cx="5111611" cy="4545971"/>
           </a:xfrm>
           <a:prstGeom prst="rect">
             <a:avLst/>
@@ -4392,135 +5962,19 @@
       </p:pic>
       <p:sp>
         <p:nvSpPr>
-          <p:cNvPr id="2" name="Content Placeholder 1">
-            <a:extLst>
-              <a:ext uri="{FF2B5EF4-FFF2-40B4-BE49-F238E27FC236}">
-                <a16:creationId xmlns:a16="http://schemas.microsoft.com/office/drawing/2014/main" id="{5A592B84-F81F-4694-A26A-E3215D232023}"/>
-              </a:ext>
-            </a:extLst>
-          </p:cNvPr>
-          <p:cNvSpPr>
-            <a:spLocks noGrp="1"/>
-          </p:cNvSpPr>
-          <p:nvPr>
-            <p:ph idx="1"/>
-          </p:nvPr>
+          <p:cNvPr id="6" name="Oval 5">
+            <a:extLst>
+              <a:ext uri="{FF2B5EF4-FFF2-40B4-BE49-F238E27FC236}">
+                <a16:creationId xmlns:a16="http://schemas.microsoft.com/office/drawing/2014/main" id="{752B2E6C-6307-413A-96D5-78344124A07C}"/>
+              </a:ext>
+            </a:extLst>
+          </p:cNvPr>
+          <p:cNvSpPr/>
+          <p:nvPr/>
         </p:nvSpPr>
         <p:spPr>
           <a:xfrm>
-            <a:off x="623948" y="1431144"/>
-            <a:ext cx="4628152" cy="4726088"/>
-          </a:xfrm>
-        </p:spPr>
-        <p:txBody>
-          <a:bodyPr/>
-          <a:lstStyle/>
-          <a:p>
-            <a:pPr marL="514350" indent="-514350">
-              <a:buAutoNum type="arabicPeriod"/>
-            </a:pPr>
-            <a:r>
-              <a:rPr lang="en-CA" dirty="0"/>
-              <a:t>Unzip workshop file</a:t>
-            </a:r>
-          </a:p>
-          <a:p>
-            <a:pPr marL="514350" indent="-514350">
-              <a:buAutoNum type="arabicPeriod"/>
-            </a:pPr>
-            <a:r>
-              <a:rPr lang="en-CA" dirty="0"/>
-              <a:t>In HTML of tutorial for Day 1</a:t>
-            </a:r>
-          </a:p>
-          <a:p>
-            <a:pPr marL="514350" indent="-514350">
-              <a:buAutoNum type="arabicPeriod"/>
-            </a:pPr>
-            <a:endParaRPr lang="en-CA" dirty="0"/>
-          </a:p>
-          <a:p>
-            <a:pPr marL="514350" indent="-514350">
-              <a:buAutoNum type="arabicPeriod"/>
-            </a:pPr>
-            <a:endParaRPr lang="en-US" dirty="0"/>
-          </a:p>
-        </p:txBody>
-      </p:sp>
-      <p:sp>
-        <p:nvSpPr>
-          <p:cNvPr id="3" name="Slide Number Placeholder 2">
-            <a:extLst>
-              <a:ext uri="{FF2B5EF4-FFF2-40B4-BE49-F238E27FC236}">
-                <a16:creationId xmlns:a16="http://schemas.microsoft.com/office/drawing/2014/main" id="{E86981B5-CB08-49DF-8D72-6AB5B34C700A}"/>
-              </a:ext>
-            </a:extLst>
-          </p:cNvPr>
-          <p:cNvSpPr>
-            <a:spLocks noGrp="1"/>
-          </p:cNvSpPr>
-          <p:nvPr>
-            <p:ph type="sldNum" sz="quarter" idx="12"/>
-          </p:nvPr>
-        </p:nvSpPr>
-        <p:spPr/>
-        <p:txBody>
-          <a:bodyPr/>
-          <a:lstStyle/>
-          <a:p>
-            <a:fld id="{E50A8D5F-7A10-4D19-B2BD-04FE5CA3B31F}" type="slidenum">
-              <a:rPr lang="en-US" smtClean="0"/>
-              <a:pPr/>
-              <a:t>3</a:t>
-            </a:fld>
-            <a:endParaRPr lang="en-US" dirty="0"/>
-          </a:p>
-        </p:txBody>
-      </p:sp>
-      <p:sp>
-        <p:nvSpPr>
-          <p:cNvPr id="4" name="Title 3">
-            <a:extLst>
-              <a:ext uri="{FF2B5EF4-FFF2-40B4-BE49-F238E27FC236}">
-                <a16:creationId xmlns:a16="http://schemas.microsoft.com/office/drawing/2014/main" id="{1315864D-DFFC-436D-84CD-3FE4AE1832A5}"/>
-              </a:ext>
-            </a:extLst>
-          </p:cNvPr>
-          <p:cNvSpPr>
-            <a:spLocks noGrp="1"/>
-          </p:cNvSpPr>
-          <p:nvPr>
-            <p:ph type="title"/>
-          </p:nvPr>
-        </p:nvSpPr>
-        <p:spPr/>
-        <p:txBody>
-          <a:bodyPr/>
-          <a:lstStyle/>
-          <a:p>
-            <a:r>
-              <a:rPr lang="en-CA" dirty="0"/>
-              <a:t>Tutorial setup</a:t>
-            </a:r>
-            <a:endParaRPr lang="en-US" dirty="0"/>
-          </a:p>
-        </p:txBody>
-      </p:sp>
-      <p:sp>
-        <p:nvSpPr>
-          <p:cNvPr id="8" name="Oval 7">
-            <a:extLst>
-              <a:ext uri="{FF2B5EF4-FFF2-40B4-BE49-F238E27FC236}">
-                <a16:creationId xmlns:a16="http://schemas.microsoft.com/office/drawing/2014/main" id="{E0AE6E76-753B-4075-AF5E-C2FCB74E3964}"/>
-              </a:ext>
-            </a:extLst>
-          </p:cNvPr>
-          <p:cNvSpPr/>
-          <p:nvPr/>
-        </p:nvSpPr>
-        <p:spPr>
-          <a:xfrm>
-            <a:off x="7517570" y="3450243"/>
+            <a:off x="8378937" y="3475513"/>
             <a:ext cx="1596044" cy="433768"/>
           </a:xfrm>
           <a:prstGeom prst="ellipse">
@@ -4555,7 +6009,7 @@
     </p:spTree>
     <p:extLst>
       <p:ext uri="{BB962C8B-B14F-4D97-AF65-F5344CB8AC3E}">
-        <p14:creationId xmlns:p14="http://schemas.microsoft.com/office/powerpoint/2010/main" val="1945918781"/>
+        <p14:creationId xmlns:p14="http://schemas.microsoft.com/office/powerpoint/2010/main" val="2065456173"/>
       </p:ext>
     </p:extLst>
   </p:cSld>
@@ -4582,12 +6036,139 @@
           <a:chExt cx="0" cy="0"/>
         </a:xfrm>
       </p:grpSpPr>
+      <p:sp>
+        <p:nvSpPr>
+          <p:cNvPr id="2" name="Content Placeholder 1">
+            <a:extLst>
+              <a:ext uri="{FF2B5EF4-FFF2-40B4-BE49-F238E27FC236}">
+                <a16:creationId xmlns:a16="http://schemas.microsoft.com/office/drawing/2014/main" id="{5A592B84-F81F-4694-A26A-E3215D232023}"/>
+              </a:ext>
+            </a:extLst>
+          </p:cNvPr>
+          <p:cNvSpPr>
+            <a:spLocks noGrp="1"/>
+          </p:cNvSpPr>
+          <p:nvPr>
+            <p:ph idx="1"/>
+          </p:nvPr>
+        </p:nvSpPr>
+        <p:spPr>
+          <a:xfrm>
+            <a:off x="623948" y="1431144"/>
+            <a:ext cx="5327242" cy="4726088"/>
+          </a:xfrm>
+        </p:spPr>
+        <p:txBody>
+          <a:bodyPr/>
+          <a:lstStyle/>
+          <a:p>
+            <a:pPr marL="514350" indent="-514350">
+              <a:buFont typeface="Quicksand" panose="02070303000000060000" pitchFamily="18" charset="0"/>
+              <a:buAutoNum type="arabicPeriod"/>
+            </a:pPr>
+            <a:r>
+              <a:rPr lang="en-CA" dirty="0"/>
+              <a:t>Download workshop ZIP</a:t>
+            </a:r>
+          </a:p>
+          <a:p>
+            <a:pPr marL="514350" indent="-514350">
+              <a:buAutoNum type="arabicPeriod"/>
+            </a:pPr>
+            <a:r>
+              <a:rPr lang="en-CA" dirty="0"/>
+              <a:t>Unzip workshop file</a:t>
+            </a:r>
+          </a:p>
+          <a:p>
+            <a:pPr marL="514350" indent="-514350">
+              <a:buFont typeface="Quicksand" panose="02070303000000060000" pitchFamily="18" charset="0"/>
+              <a:buAutoNum type="arabicPeriod"/>
+            </a:pPr>
+            <a:r>
+              <a:rPr lang="en-CA" dirty="0"/>
+              <a:t>Open R and set the working directory to the “Day1” folder</a:t>
+            </a:r>
+          </a:p>
+          <a:p>
+            <a:pPr marL="514350" indent="-514350">
+              <a:buAutoNum type="arabicPeriod"/>
+            </a:pPr>
+            <a:endParaRPr lang="en-CA" dirty="0"/>
+          </a:p>
+          <a:p>
+            <a:pPr marL="514350" indent="-514350">
+              <a:buAutoNum type="arabicPeriod"/>
+            </a:pPr>
+            <a:endParaRPr lang="en-US" dirty="0"/>
+          </a:p>
+        </p:txBody>
+      </p:sp>
+      <p:sp>
+        <p:nvSpPr>
+          <p:cNvPr id="3" name="Slide Number Placeholder 2">
+            <a:extLst>
+              <a:ext uri="{FF2B5EF4-FFF2-40B4-BE49-F238E27FC236}">
+                <a16:creationId xmlns:a16="http://schemas.microsoft.com/office/drawing/2014/main" id="{E86981B5-CB08-49DF-8D72-6AB5B34C700A}"/>
+              </a:ext>
+            </a:extLst>
+          </p:cNvPr>
+          <p:cNvSpPr>
+            <a:spLocks noGrp="1"/>
+          </p:cNvSpPr>
+          <p:nvPr>
+            <p:ph type="sldNum" sz="quarter" idx="12"/>
+          </p:nvPr>
+        </p:nvSpPr>
+        <p:spPr/>
+        <p:txBody>
+          <a:bodyPr/>
+          <a:lstStyle/>
+          <a:p>
+            <a:fld id="{E50A8D5F-7A10-4D19-B2BD-04FE5CA3B31F}" type="slidenum">
+              <a:rPr lang="en-US" smtClean="0"/>
+              <a:pPr/>
+              <a:t>4</a:t>
+            </a:fld>
+            <a:endParaRPr lang="en-US" dirty="0"/>
+          </a:p>
+        </p:txBody>
+      </p:sp>
+      <p:sp>
+        <p:nvSpPr>
+          <p:cNvPr id="4" name="Title 3">
+            <a:extLst>
+              <a:ext uri="{FF2B5EF4-FFF2-40B4-BE49-F238E27FC236}">
+                <a16:creationId xmlns:a16="http://schemas.microsoft.com/office/drawing/2014/main" id="{1315864D-DFFC-436D-84CD-3FE4AE1832A5}"/>
+              </a:ext>
+            </a:extLst>
+          </p:cNvPr>
+          <p:cNvSpPr>
+            <a:spLocks noGrp="1"/>
+          </p:cNvSpPr>
+          <p:nvPr>
+            <p:ph type="title"/>
+          </p:nvPr>
+        </p:nvSpPr>
+        <p:spPr/>
+        <p:txBody>
+          <a:bodyPr/>
+          <a:lstStyle/>
+          <a:p>
+            <a:r>
+              <a:rPr lang="en-CA" dirty="0"/>
+              <a:t>Tutorial setup</a:t>
+            </a:r>
+            <a:endParaRPr lang="en-US" dirty="0"/>
+          </a:p>
+        </p:txBody>
+      </p:sp>
       <p:pic>
         <p:nvPicPr>
           <p:cNvPr id="5" name="Picture 4">
             <a:extLst>
               <a:ext uri="{FF2B5EF4-FFF2-40B4-BE49-F238E27FC236}">
-                <a16:creationId xmlns:a16="http://schemas.microsoft.com/office/drawing/2014/main" id="{886229C9-364C-4280-9F81-90D0984C6C66}"/>
+                <a16:creationId xmlns:a16="http://schemas.microsoft.com/office/drawing/2014/main" id="{9A815E1A-0481-4FAB-8B87-C170A379E416}"/>
               </a:ext>
             </a:extLst>
           </p:cNvPr>
@@ -4604,8 +6185,8 @@
         </p:blipFill>
         <p:spPr>
           <a:xfrm>
-            <a:off x="6190210" y="4015386"/>
-            <a:ext cx="3366183" cy="697654"/>
+            <a:off x="1208340" y="3429001"/>
+            <a:ext cx="10064944" cy="3270920"/>
           </a:xfrm>
           <a:prstGeom prst="rect">
             <a:avLst/>
@@ -4614,157 +6195,140 @@
       </p:pic>
       <p:sp>
         <p:nvSpPr>
-          <p:cNvPr id="2" name="Content Placeholder 1">
-            <a:extLst>
-              <a:ext uri="{FF2B5EF4-FFF2-40B4-BE49-F238E27FC236}">
-                <a16:creationId xmlns:a16="http://schemas.microsoft.com/office/drawing/2014/main" id="{5A592B84-F81F-4694-A26A-E3215D232023}"/>
-              </a:ext>
-            </a:extLst>
-          </p:cNvPr>
-          <p:cNvSpPr>
-            <a:spLocks noGrp="1"/>
-          </p:cNvSpPr>
-          <p:nvPr>
-            <p:ph idx="1"/>
-          </p:nvPr>
+          <p:cNvPr id="6" name="Freeform: Shape 5">
+            <a:extLst>
+              <a:ext uri="{FF2B5EF4-FFF2-40B4-BE49-F238E27FC236}">
+                <a16:creationId xmlns:a16="http://schemas.microsoft.com/office/drawing/2014/main" id="{3550D6F9-3761-421E-AFEF-6A8ACD43F949}"/>
+              </a:ext>
+            </a:extLst>
+          </p:cNvPr>
+          <p:cNvSpPr/>
+          <p:nvPr/>
         </p:nvSpPr>
         <p:spPr>
           <a:xfrm>
-            <a:off x="623948" y="1431144"/>
-            <a:ext cx="4628152" cy="4726088"/>
+            <a:off x="5943600" y="4251158"/>
+            <a:ext cx="1379621" cy="1732547"/>
           </a:xfrm>
+          <a:custGeom>
+            <a:avLst/>
+            <a:gdLst>
+              <a:gd name="connsiteX0" fmla="*/ 0 w 1315453"/>
+              <a:gd name="connsiteY0" fmla="*/ 31488 h 1756014"/>
+              <a:gd name="connsiteX1" fmla="*/ 810127 w 1315453"/>
+              <a:gd name="connsiteY1" fmla="*/ 232014 h 1756014"/>
+              <a:gd name="connsiteX2" fmla="*/ 1315453 w 1315453"/>
+              <a:gd name="connsiteY2" fmla="*/ 1756014 h 1756014"/>
+              <a:gd name="connsiteX0" fmla="*/ 0 w 1315453"/>
+              <a:gd name="connsiteY0" fmla="*/ 4013 h 1728539"/>
+              <a:gd name="connsiteX1" fmla="*/ 1034716 w 1315453"/>
+              <a:gd name="connsiteY1" fmla="*/ 565487 h 1728539"/>
+              <a:gd name="connsiteX2" fmla="*/ 1315453 w 1315453"/>
+              <a:gd name="connsiteY2" fmla="*/ 1728539 h 1728539"/>
+              <a:gd name="connsiteX0" fmla="*/ 0 w 1315453"/>
+              <a:gd name="connsiteY0" fmla="*/ 4194 h 1728720"/>
+              <a:gd name="connsiteX1" fmla="*/ 1034716 w 1315453"/>
+              <a:gd name="connsiteY1" fmla="*/ 565668 h 1728720"/>
+              <a:gd name="connsiteX2" fmla="*/ 1315453 w 1315453"/>
+              <a:gd name="connsiteY2" fmla="*/ 1728720 h 1728720"/>
+              <a:gd name="connsiteX0" fmla="*/ 0 w 1315453"/>
+              <a:gd name="connsiteY0" fmla="*/ 4013 h 1728539"/>
+              <a:gd name="connsiteX1" fmla="*/ 1034716 w 1315453"/>
+              <a:gd name="connsiteY1" fmla="*/ 565487 h 1728539"/>
+              <a:gd name="connsiteX2" fmla="*/ 1315453 w 1315453"/>
+              <a:gd name="connsiteY2" fmla="*/ 1728539 h 1728539"/>
+              <a:gd name="connsiteX0" fmla="*/ 0 w 1315453"/>
+              <a:gd name="connsiteY0" fmla="*/ 4013 h 1728539"/>
+              <a:gd name="connsiteX1" fmla="*/ 1034716 w 1315453"/>
+              <a:gd name="connsiteY1" fmla="*/ 565487 h 1728539"/>
+              <a:gd name="connsiteX2" fmla="*/ 1315453 w 1315453"/>
+              <a:gd name="connsiteY2" fmla="*/ 1728539 h 1728539"/>
+              <a:gd name="connsiteX0" fmla="*/ 0 w 1379621"/>
+              <a:gd name="connsiteY0" fmla="*/ 3938 h 1736485"/>
+              <a:gd name="connsiteX1" fmla="*/ 1098884 w 1379621"/>
+              <a:gd name="connsiteY1" fmla="*/ 573433 h 1736485"/>
+              <a:gd name="connsiteX2" fmla="*/ 1379621 w 1379621"/>
+              <a:gd name="connsiteY2" fmla="*/ 1736485 h 1736485"/>
+              <a:gd name="connsiteX0" fmla="*/ 0 w 1379621"/>
+              <a:gd name="connsiteY0" fmla="*/ 0 h 1732547"/>
+              <a:gd name="connsiteX1" fmla="*/ 1098884 w 1379621"/>
+              <a:gd name="connsiteY1" fmla="*/ 569495 h 1732547"/>
+              <a:gd name="connsiteX2" fmla="*/ 1379621 w 1379621"/>
+              <a:gd name="connsiteY2" fmla="*/ 1732547 h 1732547"/>
+              <a:gd name="connsiteX0" fmla="*/ 0 w 1379621"/>
+              <a:gd name="connsiteY0" fmla="*/ 0 h 1732547"/>
+              <a:gd name="connsiteX1" fmla="*/ 1379621 w 1379621"/>
+              <a:gd name="connsiteY1" fmla="*/ 1732547 h 1732547"/>
+              <a:gd name="connsiteX0" fmla="*/ 0 w 1379621"/>
+              <a:gd name="connsiteY0" fmla="*/ 0 h 1732547"/>
+              <a:gd name="connsiteX1" fmla="*/ 1379621 w 1379621"/>
+              <a:gd name="connsiteY1" fmla="*/ 1732547 h 1732547"/>
+              <a:gd name="connsiteX0" fmla="*/ 0 w 1379621"/>
+              <a:gd name="connsiteY0" fmla="*/ 0 h 1732547"/>
+              <a:gd name="connsiteX1" fmla="*/ 1379621 w 1379621"/>
+              <a:gd name="connsiteY1" fmla="*/ 1732547 h 1732547"/>
+            </a:gdLst>
+            <a:ahLst/>
+            <a:cxnLst>
+              <a:cxn ang="0">
+                <a:pos x="connsiteX0" y="connsiteY0"/>
+              </a:cxn>
+              <a:cxn ang="0">
+                <a:pos x="connsiteX1" y="connsiteY1"/>
+              </a:cxn>
+            </a:cxnLst>
+            <a:rect l="l" t="t" r="r" b="b"/>
+            <a:pathLst>
+              <a:path w="1379621" h="1732547">
+                <a:moveTo>
+                  <a:pt x="0" y="0"/>
+                </a:moveTo>
+                <a:cubicBezTo>
+                  <a:pt x="1213853" y="1"/>
+                  <a:pt x="1376947" y="1090863"/>
+                  <a:pt x="1379621" y="1732547"/>
+                </a:cubicBezTo>
+              </a:path>
+            </a:pathLst>
+          </a:custGeom>
+          <a:noFill/>
+          <a:ln w="38100">
+            <a:solidFill>
+              <a:srgbClr val="FF0000"/>
+            </a:solidFill>
+            <a:headEnd type="none" w="med" len="med"/>
+            <a:tailEnd type="triangle" w="med" len="med"/>
+          </a:ln>
         </p:spPr>
-        <p:txBody>
-          <a:bodyPr/>
+        <p:style>
+          <a:lnRef idx="2">
+            <a:schemeClr val="accent1">
+              <a:shade val="50000"/>
+            </a:schemeClr>
+          </a:lnRef>
+          <a:fillRef idx="1">
+            <a:schemeClr val="accent1"/>
+          </a:fillRef>
+          <a:effectRef idx="0">
+            <a:schemeClr val="accent1"/>
+          </a:effectRef>
+          <a:fontRef idx="minor">
+            <a:schemeClr val="lt1"/>
+          </a:fontRef>
+        </p:style>
+        <p:txBody>
+          <a:bodyPr rtlCol="0" anchor="ctr"/>
           <a:lstStyle/>
           <a:p>
-            <a:pPr marL="514350" indent="-514350">
-              <a:buAutoNum type="arabicPeriod"/>
-            </a:pPr>
-            <a:r>
-              <a:rPr lang="en-CA" dirty="0"/>
-              <a:t>Unzip workshop file</a:t>
-            </a:r>
-          </a:p>
-          <a:p>
-            <a:pPr marL="514350" indent="-514350">
-              <a:buAutoNum type="arabicPeriod"/>
-            </a:pPr>
-            <a:r>
-              <a:rPr lang="en-CA" dirty="0"/>
-              <a:t>In R, open tutorial for Day 1</a:t>
-            </a:r>
-          </a:p>
-          <a:p>
-            <a:pPr marL="514350" indent="-514350">
-              <a:buAutoNum type="arabicPeriod"/>
-            </a:pPr>
-            <a:r>
-              <a:rPr lang="en-CA" dirty="0"/>
-              <a:t>Set </a:t>
-            </a:r>
-            <a:r>
-              <a:rPr lang="en-CA" dirty="0" err="1"/>
-              <a:t>workind</a:t>
-            </a:r>
-            <a:r>
-              <a:rPr lang="en-CA" dirty="0"/>
-              <a:t> directory with:  </a:t>
-            </a:r>
-            <a:r>
-              <a:rPr lang="en-CA" dirty="0" err="1">
-                <a:latin typeface="Courier New" panose="02070309020205020404" pitchFamily="49" charset="0"/>
-                <a:ea typeface="CMU Typewriter Text Variable Wi" panose="02000603000000000000" pitchFamily="2" charset="0"/>
-                <a:cs typeface="Courier New" panose="02070309020205020404" pitchFamily="49" charset="0"/>
-              </a:rPr>
-              <a:t>setwd</a:t>
-            </a:r>
-            <a:r>
-              <a:rPr lang="en-CA" dirty="0">
-                <a:latin typeface="Courier New" panose="02070309020205020404" pitchFamily="49" charset="0"/>
-                <a:ea typeface="CMU Typewriter Text Variable Wi" panose="02000603000000000000" pitchFamily="2" charset="0"/>
-                <a:cs typeface="Courier New" panose="02070309020205020404" pitchFamily="49" charset="0"/>
-              </a:rPr>
-              <a:t>(“Day1/”)</a:t>
-            </a:r>
-          </a:p>
-          <a:p>
-            <a:pPr marL="514350" indent="-514350">
-              <a:buAutoNum type="arabicPeriod"/>
-            </a:pPr>
-            <a:endParaRPr lang="en-CA" dirty="0"/>
-          </a:p>
-          <a:p>
-            <a:pPr marL="514350" indent="-514350">
-              <a:buAutoNum type="arabicPeriod"/>
-            </a:pPr>
-            <a:endParaRPr lang="en-US" dirty="0"/>
-          </a:p>
-        </p:txBody>
-      </p:sp>
-      <p:sp>
-        <p:nvSpPr>
-          <p:cNvPr id="3" name="Slide Number Placeholder 2">
-            <a:extLst>
-              <a:ext uri="{FF2B5EF4-FFF2-40B4-BE49-F238E27FC236}">
-                <a16:creationId xmlns:a16="http://schemas.microsoft.com/office/drawing/2014/main" id="{E86981B5-CB08-49DF-8D72-6AB5B34C700A}"/>
-              </a:ext>
-            </a:extLst>
-          </p:cNvPr>
-          <p:cNvSpPr>
-            <a:spLocks noGrp="1"/>
-          </p:cNvSpPr>
-          <p:nvPr>
-            <p:ph type="sldNum" sz="quarter" idx="12"/>
-          </p:nvPr>
-        </p:nvSpPr>
-        <p:spPr/>
-        <p:txBody>
-          <a:bodyPr/>
-          <a:lstStyle/>
-          <a:p>
-            <a:fld id="{E50A8D5F-7A10-4D19-B2BD-04FE5CA3B31F}" type="slidenum">
-              <a:rPr lang="en-US" smtClean="0"/>
-              <a:pPr/>
-              <a:t>4</a:t>
-            </a:fld>
-            <a:endParaRPr lang="en-US" dirty="0"/>
-          </a:p>
-        </p:txBody>
-      </p:sp>
-      <p:sp>
-        <p:nvSpPr>
-          <p:cNvPr id="4" name="Title 3">
-            <a:extLst>
-              <a:ext uri="{FF2B5EF4-FFF2-40B4-BE49-F238E27FC236}">
-                <a16:creationId xmlns:a16="http://schemas.microsoft.com/office/drawing/2014/main" id="{1315864D-DFFC-436D-84CD-3FE4AE1832A5}"/>
-              </a:ext>
-            </a:extLst>
-          </p:cNvPr>
-          <p:cNvSpPr>
-            <a:spLocks noGrp="1"/>
-          </p:cNvSpPr>
-          <p:nvPr>
-            <p:ph type="title"/>
-          </p:nvPr>
-        </p:nvSpPr>
-        <p:spPr/>
-        <p:txBody>
-          <a:bodyPr/>
-          <a:lstStyle/>
-          <a:p>
-            <a:r>
-              <a:rPr lang="en-CA" dirty="0"/>
-              <a:t>Tutorial setup</a:t>
-            </a:r>
-            <a:endParaRPr lang="en-US" dirty="0"/>
+            <a:pPr algn="ctr"/>
+            <a:endParaRPr lang="en-US"/>
           </a:p>
         </p:txBody>
       </p:sp>
     </p:spTree>
     <p:extLst>
       <p:ext uri="{BB962C8B-B14F-4D97-AF65-F5344CB8AC3E}">
-        <p14:creationId xmlns:p14="http://schemas.microsoft.com/office/powerpoint/2010/main" val="1206867271"/>
+        <p14:creationId xmlns:p14="http://schemas.microsoft.com/office/powerpoint/2010/main" val="1945918781"/>
       </p:ext>
     </p:extLst>
   </p:cSld>
@@ -4791,12 +6355,42 @@
           <a:chExt cx="0" cy="0"/>
         </a:xfrm>
       </p:grpSpPr>
+      <p:pic>
+        <p:nvPicPr>
+          <p:cNvPr id="9" name="Picture 8">
+            <a:extLst>
+              <a:ext uri="{FF2B5EF4-FFF2-40B4-BE49-F238E27FC236}">
+                <a16:creationId xmlns:a16="http://schemas.microsoft.com/office/drawing/2014/main" id="{4EC5381F-6DED-4F56-B18F-058B09999251}"/>
+              </a:ext>
+            </a:extLst>
+          </p:cNvPr>
+          <p:cNvPicPr>
+            <a:picLocks noChangeAspect="1"/>
+          </p:cNvPicPr>
+          <p:nvPr/>
+        </p:nvPicPr>
+        <p:blipFill>
+          <a:blip r:embed="rId2"/>
+          <a:stretch>
+            <a:fillRect/>
+          </a:stretch>
+        </p:blipFill>
+        <p:spPr>
+          <a:xfrm>
+            <a:off x="5951190" y="471470"/>
+            <a:ext cx="5451540" cy="5736034"/>
+          </a:xfrm>
+          <a:prstGeom prst="rect">
+            <a:avLst/>
+          </a:prstGeom>
+        </p:spPr>
+      </p:pic>
       <p:sp>
         <p:nvSpPr>
           <p:cNvPr id="2" name="Content Placeholder 1">
             <a:extLst>
               <a:ext uri="{FF2B5EF4-FFF2-40B4-BE49-F238E27FC236}">
-                <a16:creationId xmlns:a16="http://schemas.microsoft.com/office/drawing/2014/main" id="{1E1A1114-2E5A-4722-88B2-814987517B10}"/>
+                <a16:creationId xmlns:a16="http://schemas.microsoft.com/office/drawing/2014/main" id="{5A592B84-F81F-4694-A26A-E3215D232023}"/>
               </a:ext>
             </a:extLst>
           </p:cNvPr>
@@ -4807,58 +6401,57 @@
             <p:ph idx="1"/>
           </p:nvPr>
         </p:nvSpPr>
-        <p:spPr/>
+        <p:spPr>
+          <a:xfrm>
+            <a:off x="623948" y="1431144"/>
+            <a:ext cx="5327242" cy="4726088"/>
+          </a:xfrm>
+        </p:spPr>
         <p:txBody>
           <a:bodyPr/>
           <a:lstStyle/>
           <a:p>
+            <a:pPr marL="514350" indent="-514350">
+              <a:buFont typeface="Quicksand" panose="02070303000000060000" pitchFamily="18" charset="0"/>
+              <a:buAutoNum type="arabicPeriod"/>
+            </a:pPr>
             <a:r>
               <a:rPr lang="en-CA" dirty="0"/>
-              <a:t>Introduction to </a:t>
-            </a:r>
-            <a:r>
-              <a:rPr lang="en-CA" dirty="0" err="1">
-                <a:latin typeface="Courier New" panose="02070309020205020404" pitchFamily="49" charset="0"/>
-                <a:cs typeface="Courier New" panose="02070309020205020404" pitchFamily="49" charset="0"/>
-              </a:rPr>
-              <a:t>momentuHMM</a:t>
-            </a:r>
+              <a:t>Download workshop ZIP</a:t>
+            </a:r>
+          </a:p>
+          <a:p>
+            <a:pPr marL="514350" indent="-514350">
+              <a:buAutoNum type="arabicPeriod"/>
+            </a:pPr>
             <a:r>
               <a:rPr lang="en-CA" dirty="0"/>
-              <a:t> </a:t>
-            </a:r>
-          </a:p>
-          <a:p>
+              <a:t>Unzip workshop file</a:t>
+            </a:r>
+          </a:p>
+          <a:p>
+            <a:pPr marL="514350" indent="-514350">
+              <a:buFont typeface="Quicksand" panose="02070303000000060000" pitchFamily="18" charset="0"/>
+              <a:buAutoNum type="arabicPeriod"/>
+            </a:pPr>
             <a:r>
               <a:rPr lang="en-CA" dirty="0"/>
-              <a:t>Fit basic HMM to GPS data from grey seal</a:t>
-            </a:r>
-          </a:p>
-          <a:p>
+              <a:t>Open R and set the working directory to the “Day1” folder</a:t>
+            </a:r>
+          </a:p>
+          <a:p>
+            <a:pPr marL="514350" indent="-514350">
+              <a:buAutoNum type="arabicPeriod"/>
+            </a:pPr>
             <a:r>
               <a:rPr lang="en-CA" dirty="0"/>
-              <a:t>Assessing model fit and quality</a:t>
-            </a:r>
-          </a:p>
-          <a:p>
-            <a:r>
-              <a:rPr lang="en-CA" dirty="0"/>
-              <a:t>Troubleshooting failed models </a:t>
-            </a:r>
-          </a:p>
-          <a:p>
-            <a:r>
-              <a:rPr lang="en-CA" dirty="0"/>
-              <a:t>Simulating tracks from fit HMMs</a:t>
-            </a:r>
-          </a:p>
-          <a:p>
-            <a:r>
-              <a:rPr lang="en-CA" dirty="0"/>
-              <a:t>Integrating covariates on transition probability</a:t>
-            </a:r>
-          </a:p>
-          <a:p>
+              <a:t>Follow along with the Day 1 HTML tutorial</a:t>
+            </a:r>
+          </a:p>
+          <a:p>
+            <a:pPr marL="514350" indent="-514350">
+              <a:buAutoNum type="arabicPeriod"/>
+            </a:pPr>
             <a:endParaRPr lang="en-US" dirty="0"/>
           </a:p>
         </p:txBody>
@@ -4868,7 +6461,7 @@
           <p:cNvPr id="3" name="Slide Number Placeholder 2">
             <a:extLst>
               <a:ext uri="{FF2B5EF4-FFF2-40B4-BE49-F238E27FC236}">
-                <a16:creationId xmlns:a16="http://schemas.microsoft.com/office/drawing/2014/main" id="{5A5F0C69-7C98-4366-8D2A-818CC320EE28}"/>
+                <a16:creationId xmlns:a16="http://schemas.microsoft.com/office/drawing/2014/main" id="{E86981B5-CB08-49DF-8D72-6AB5B34C700A}"/>
               </a:ext>
             </a:extLst>
           </p:cNvPr>
@@ -4898,7 +6491,7 @@
           <p:cNvPr id="4" name="Title 3">
             <a:extLst>
               <a:ext uri="{FF2B5EF4-FFF2-40B4-BE49-F238E27FC236}">
-                <a16:creationId xmlns:a16="http://schemas.microsoft.com/office/drawing/2014/main" id="{A23E76A1-B134-45BF-B6B7-76ECDC3F2250}"/>
+                <a16:creationId xmlns:a16="http://schemas.microsoft.com/office/drawing/2014/main" id="{1315864D-DFFC-436D-84CD-3FE4AE1832A5}"/>
               </a:ext>
             </a:extLst>
           </p:cNvPr>
@@ -4916,16 +6509,62 @@
           <a:p>
             <a:r>
               <a:rPr lang="en-CA" dirty="0"/>
-              <a:t>Day 1 Objectives </a:t>
+              <a:t>Tutorial setup</a:t>
             </a:r>
             <a:endParaRPr lang="en-US" dirty="0"/>
+          </a:p>
+        </p:txBody>
+      </p:sp>
+      <p:sp>
+        <p:nvSpPr>
+          <p:cNvPr id="8" name="Oval 7">
+            <a:extLst>
+              <a:ext uri="{FF2B5EF4-FFF2-40B4-BE49-F238E27FC236}">
+                <a16:creationId xmlns:a16="http://schemas.microsoft.com/office/drawing/2014/main" id="{E0AE6E76-753B-4075-AF5E-C2FCB74E3964}"/>
+              </a:ext>
+            </a:extLst>
+          </p:cNvPr>
+          <p:cNvSpPr/>
+          <p:nvPr/>
+        </p:nvSpPr>
+        <p:spPr>
+          <a:xfrm>
+            <a:off x="7517570" y="3450243"/>
+            <a:ext cx="1596044" cy="433768"/>
+          </a:xfrm>
+          <a:prstGeom prst="ellipse">
+            <a:avLst/>
+          </a:prstGeom>
+          <a:noFill/>
+          <a:ln w="38100"/>
+        </p:spPr>
+        <p:style>
+          <a:lnRef idx="2">
+            <a:schemeClr val="accent2"/>
+          </a:lnRef>
+          <a:fillRef idx="1">
+            <a:schemeClr val="lt1"/>
+          </a:fillRef>
+          <a:effectRef idx="0">
+            <a:schemeClr val="accent2"/>
+          </a:effectRef>
+          <a:fontRef idx="minor">
+            <a:schemeClr val="dk1"/>
+          </a:fontRef>
+        </p:style>
+        <p:txBody>
+          <a:bodyPr rtlCol="0" anchor="ctr"/>
+          <a:lstStyle/>
+          <a:p>
+            <a:pPr algn="ctr"/>
+            <a:endParaRPr lang="en-US"/>
           </a:p>
         </p:txBody>
       </p:sp>
     </p:spTree>
     <p:extLst>
       <p:ext uri="{BB962C8B-B14F-4D97-AF65-F5344CB8AC3E}">
-        <p14:creationId xmlns:p14="http://schemas.microsoft.com/office/powerpoint/2010/main" val="1299182405"/>
+        <p14:creationId xmlns:p14="http://schemas.microsoft.com/office/powerpoint/2010/main" val="846823073"/>
       </p:ext>
     </p:extLst>
   </p:cSld>
@@ -4957,7 +6596,7 @@
           <p:cNvPr id="2" name="Content Placeholder 1">
             <a:extLst>
               <a:ext uri="{FF2B5EF4-FFF2-40B4-BE49-F238E27FC236}">
-                <a16:creationId xmlns:a16="http://schemas.microsoft.com/office/drawing/2014/main" id="{EC8489D7-F512-40C5-87F1-DE10D154B2D8}"/>
+                <a16:creationId xmlns:a16="http://schemas.microsoft.com/office/drawing/2014/main" id="{1E1A1114-2E5A-4722-88B2-814987517B10}"/>
               </a:ext>
             </a:extLst>
           </p:cNvPr>
@@ -4973,84 +6612,83 @@
           <a:bodyPr/>
           <a:lstStyle/>
           <a:p>
+            <a:pPr marL="514350" indent="-514350">
+              <a:buFont typeface="+mj-lt"/>
+              <a:buAutoNum type="arabicPeriod"/>
+            </a:pPr>
             <a:r>
               <a:rPr lang="en-CA" dirty="0"/>
-              <a:t>Package by Brett McClintock and </a:t>
-            </a:r>
-            <a:r>
-              <a:rPr lang="en-CA" dirty="0" err="1"/>
-              <a:t>Théo</a:t>
+              <a:t>Fit basic HMM to GPS data from grey seal</a:t>
+            </a:r>
+          </a:p>
+          <a:p>
+            <a:pPr marL="514350" indent="-514350">
+              <a:buFont typeface="+mj-lt"/>
+              <a:buAutoNum type="arabicPeriod"/>
+            </a:pPr>
+            <a:r>
+              <a:rPr lang="en-CA" dirty="0"/>
+              <a:t>Introduction fitting models with </a:t>
+            </a:r>
+            <a:r>
+              <a:rPr lang="en-CA" dirty="0" err="1">
+                <a:solidFill>
+                  <a:schemeClr val="bg2">
+                    <a:lumMod val="10000"/>
+                  </a:schemeClr>
+                </a:solidFill>
+                <a:latin typeface="Lucida Console" panose="020B0609040504020204" pitchFamily="49" charset="0"/>
+                <a:cs typeface="Courier New" panose="02070309020205020404" pitchFamily="49" charset="0"/>
+              </a:rPr>
+              <a:t>momentuHMM</a:t>
             </a:r>
             <a:r>
               <a:rPr lang="en-CA" dirty="0"/>
               <a:t> </a:t>
             </a:r>
-            <a:r>
-              <a:rPr lang="en-CA" dirty="0" err="1"/>
-              <a:t>Michelot</a:t>
-            </a:r>
+          </a:p>
+          <a:p>
+            <a:pPr marL="514350" indent="-514350">
+              <a:buFont typeface="+mj-lt"/>
+              <a:buAutoNum type="arabicPeriod"/>
+            </a:pPr>
             <a:r>
               <a:rPr lang="en-CA" dirty="0"/>
-              <a:t>, based on </a:t>
-            </a:r>
-            <a:r>
-              <a:rPr lang="en-US" dirty="0" err="1">
-                <a:latin typeface="Courier New" panose="02070309020205020404" pitchFamily="49" charset="0"/>
-                <a:cs typeface="Courier New" panose="02070309020205020404" pitchFamily="49" charset="0"/>
-              </a:rPr>
-              <a:t>moveHMM</a:t>
-            </a:r>
-            <a:endParaRPr lang="en-US" dirty="0">
-              <a:latin typeface="Courier New" panose="02070309020205020404" pitchFamily="49" charset="0"/>
-              <a:cs typeface="Courier New" panose="02070309020205020404" pitchFamily="49" charset="0"/>
-            </a:endParaRPr>
-          </a:p>
-          <a:p>
-            <a:r>
-              <a:rPr lang="en-CA" dirty="0">
-                <a:cs typeface="Courier New" panose="02070309020205020404" pitchFamily="49" charset="0"/>
-              </a:rPr>
-              <a:t>Key functions:</a:t>
-            </a:r>
-          </a:p>
-          <a:p>
-            <a:pPr lvl="1"/>
-            <a:r>
-              <a:rPr lang="en-CA" dirty="0" err="1">
-                <a:cs typeface="Courier New" panose="02070309020205020404" pitchFamily="49" charset="0"/>
-              </a:rPr>
-              <a:t>prepData</a:t>
-            </a:r>
-            <a:r>
-              <a:rPr lang="en-CA" dirty="0">
-                <a:cs typeface="Courier New" panose="02070309020205020404" pitchFamily="49" charset="0"/>
-              </a:rPr>
-              <a:t>: prepare data </a:t>
-            </a:r>
-          </a:p>
-          <a:p>
-            <a:pPr lvl="1"/>
-            <a:r>
-              <a:rPr lang="en-US" dirty="0" err="1">
-                <a:cs typeface="Courier New" panose="02070309020205020404" pitchFamily="49" charset="0"/>
-              </a:rPr>
-              <a:t>fitHMM</a:t>
-            </a:r>
-            <a:r>
-              <a:rPr lang="en-US" dirty="0">
-                <a:cs typeface="Courier New" panose="02070309020205020404" pitchFamily="49" charset="0"/>
-              </a:rPr>
-              <a:t>: fit HMM </a:t>
-            </a:r>
-          </a:p>
-          <a:p>
-            <a:pPr lvl="1"/>
-            <a:r>
-              <a:rPr lang="en-US" dirty="0">
-                <a:cs typeface="Courier New" panose="02070309020205020404" pitchFamily="49" charset="0"/>
-              </a:rPr>
-              <a:t>Viterbi: decode most likely state sequence</a:t>
-            </a:r>
+              <a:t>Assessing model fit and quality</a:t>
+            </a:r>
+          </a:p>
+          <a:p>
+            <a:pPr marL="514350" indent="-514350">
+              <a:buFont typeface="+mj-lt"/>
+              <a:buAutoNum type="arabicPeriod"/>
+            </a:pPr>
+            <a:r>
+              <a:rPr lang="en-CA" dirty="0"/>
+              <a:t>Integrating and interpreting covariates on state probability</a:t>
+            </a:r>
+          </a:p>
+          <a:p>
+            <a:pPr marL="514350" indent="-514350">
+              <a:buFont typeface="+mj-lt"/>
+              <a:buAutoNum type="arabicPeriod"/>
+            </a:pPr>
+            <a:r>
+              <a:rPr lang="en-CA" dirty="0"/>
+              <a:t>Integrate covariate on emission probability</a:t>
+            </a:r>
+          </a:p>
+          <a:p>
+            <a:pPr marL="514350" indent="-514350">
+              <a:buFont typeface="+mj-lt"/>
+              <a:buAutoNum type="arabicPeriod"/>
+            </a:pPr>
+            <a:r>
+              <a:rPr lang="en-CA" dirty="0"/>
+              <a:t>Examine effect of different temporal resolutions for track data</a:t>
+            </a:r>
+          </a:p>
+          <a:p>
+            <a:endParaRPr lang="en-US" dirty="0"/>
           </a:p>
         </p:txBody>
       </p:sp>
@@ -5059,7 +6697,7 @@
           <p:cNvPr id="3" name="Slide Number Placeholder 2">
             <a:extLst>
               <a:ext uri="{FF2B5EF4-FFF2-40B4-BE49-F238E27FC236}">
-                <a16:creationId xmlns:a16="http://schemas.microsoft.com/office/drawing/2014/main" id="{C652FC54-3760-4749-A720-9D60BB2068DA}"/>
+                <a16:creationId xmlns:a16="http://schemas.microsoft.com/office/drawing/2014/main" id="{5A5F0C69-7C98-4366-8D2A-818CC320EE28}"/>
               </a:ext>
             </a:extLst>
           </p:cNvPr>
@@ -5089,7 +6727,7 @@
           <p:cNvPr id="4" name="Title 3">
             <a:extLst>
               <a:ext uri="{FF2B5EF4-FFF2-40B4-BE49-F238E27FC236}">
-                <a16:creationId xmlns:a16="http://schemas.microsoft.com/office/drawing/2014/main" id="{16B592B6-27DA-462D-863F-E06EDBEFB08D}"/>
+                <a16:creationId xmlns:a16="http://schemas.microsoft.com/office/drawing/2014/main" id="{A23E76A1-B134-45BF-B6B7-76ECDC3F2250}"/>
               </a:ext>
             </a:extLst>
           </p:cNvPr>
@@ -5106,11 +6744,8 @@
           <a:lstStyle/>
           <a:p>
             <a:r>
-              <a:rPr lang="en-CA" dirty="0" err="1">
-                <a:latin typeface="Courier New" panose="02070309020205020404" pitchFamily="49" charset="0"/>
-                <a:cs typeface="Courier New" panose="02070309020205020404" pitchFamily="49" charset="0"/>
-              </a:rPr>
-              <a:t>momentuHMM</a:t>
+              <a:rPr lang="en-CA" dirty="0"/>
+              <a:t>Day 1 Objectives </a:t>
             </a:r>
             <a:endParaRPr lang="en-US" dirty="0"/>
           </a:p>
@@ -5119,13 +6754,412 @@
     </p:spTree>
     <p:extLst>
       <p:ext uri="{BB962C8B-B14F-4D97-AF65-F5344CB8AC3E}">
-        <p14:creationId xmlns:p14="http://schemas.microsoft.com/office/powerpoint/2010/main" val="1034678634"/>
+        <p14:creationId xmlns:p14="http://schemas.microsoft.com/office/powerpoint/2010/main" val="1299182405"/>
       </p:ext>
     </p:extLst>
   </p:cSld>
   <p:clrMapOvr>
     <a:masterClrMapping/>
   </p:clrMapOvr>
+  <p:timing>
+    <p:tnLst>
+      <p:par>
+        <p:cTn id="1" dur="indefinite" restart="never" nodeType="tmRoot">
+          <p:childTnLst>
+            <p:seq concurrent="1" nextAc="seek">
+              <p:cTn id="2" dur="indefinite" nodeType="mainSeq">
+                <p:childTnLst>
+                  <p:par>
+                    <p:cTn id="3" fill="hold">
+                      <p:stCondLst>
+                        <p:cond delay="indefinite"/>
+                      </p:stCondLst>
+                      <p:childTnLst>
+                        <p:par>
+                          <p:cTn id="4" fill="hold">
+                            <p:stCondLst>
+                              <p:cond delay="0"/>
+                            </p:stCondLst>
+                            <p:childTnLst>
+                              <p:par>
+                                <p:cTn id="5" presetID="10" presetClass="entr" presetSubtype="0" fill="hold" grpId="0" nodeType="clickEffect">
+                                  <p:stCondLst>
+                                    <p:cond delay="0"/>
+                                  </p:stCondLst>
+                                  <p:childTnLst>
+                                    <p:set>
+                                      <p:cBhvr>
+                                        <p:cTn id="6" dur="1" fill="hold">
+                                          <p:stCondLst>
+                                            <p:cond delay="0"/>
+                                          </p:stCondLst>
+                                        </p:cTn>
+                                        <p:tgtEl>
+                                          <p:spTgt spid="2">
+                                            <p:txEl>
+                                              <p:pRg st="0" end="0"/>
+                                            </p:txEl>
+                                          </p:spTgt>
+                                        </p:tgtEl>
+                                        <p:attrNameLst>
+                                          <p:attrName>style.visibility</p:attrName>
+                                        </p:attrNameLst>
+                                      </p:cBhvr>
+                                      <p:to>
+                                        <p:strVal val="visible"/>
+                                      </p:to>
+                                    </p:set>
+                                    <p:animEffect transition="in" filter="fade">
+                                      <p:cBhvr>
+                                        <p:cTn id="7" dur="500"/>
+                                        <p:tgtEl>
+                                          <p:spTgt spid="2">
+                                            <p:txEl>
+                                              <p:pRg st="0" end="0"/>
+                                            </p:txEl>
+                                          </p:spTgt>
+                                        </p:tgtEl>
+                                      </p:cBhvr>
+                                    </p:animEffect>
+                                  </p:childTnLst>
+                                </p:cTn>
+                              </p:par>
+                            </p:childTnLst>
+                          </p:cTn>
+                        </p:par>
+                      </p:childTnLst>
+                    </p:cTn>
+                  </p:par>
+                  <p:par>
+                    <p:cTn id="8" fill="hold">
+                      <p:stCondLst>
+                        <p:cond delay="indefinite"/>
+                      </p:stCondLst>
+                      <p:childTnLst>
+                        <p:par>
+                          <p:cTn id="9" fill="hold">
+                            <p:stCondLst>
+                              <p:cond delay="0"/>
+                            </p:stCondLst>
+                            <p:childTnLst>
+                              <p:par>
+                                <p:cTn id="10" presetID="10" presetClass="entr" presetSubtype="0" fill="hold" grpId="0" nodeType="clickEffect">
+                                  <p:stCondLst>
+                                    <p:cond delay="0"/>
+                                  </p:stCondLst>
+                                  <p:childTnLst>
+                                    <p:set>
+                                      <p:cBhvr>
+                                        <p:cTn id="11" dur="1" fill="hold">
+                                          <p:stCondLst>
+                                            <p:cond delay="0"/>
+                                          </p:stCondLst>
+                                        </p:cTn>
+                                        <p:tgtEl>
+                                          <p:spTgt spid="2">
+                                            <p:txEl>
+                                              <p:pRg st="1" end="1"/>
+                                            </p:txEl>
+                                          </p:spTgt>
+                                        </p:tgtEl>
+                                        <p:attrNameLst>
+                                          <p:attrName>style.visibility</p:attrName>
+                                        </p:attrNameLst>
+                                      </p:cBhvr>
+                                      <p:to>
+                                        <p:strVal val="visible"/>
+                                      </p:to>
+                                    </p:set>
+                                    <p:animEffect transition="in" filter="fade">
+                                      <p:cBhvr>
+                                        <p:cTn id="12" dur="500"/>
+                                        <p:tgtEl>
+                                          <p:spTgt spid="2">
+                                            <p:txEl>
+                                              <p:pRg st="1" end="1"/>
+                                            </p:txEl>
+                                          </p:spTgt>
+                                        </p:tgtEl>
+                                      </p:cBhvr>
+                                    </p:animEffect>
+                                  </p:childTnLst>
+                                </p:cTn>
+                              </p:par>
+                            </p:childTnLst>
+                          </p:cTn>
+                        </p:par>
+                      </p:childTnLst>
+                    </p:cTn>
+                  </p:par>
+                  <p:par>
+                    <p:cTn id="13" fill="hold">
+                      <p:stCondLst>
+                        <p:cond delay="indefinite"/>
+                      </p:stCondLst>
+                      <p:childTnLst>
+                        <p:par>
+                          <p:cTn id="14" fill="hold">
+                            <p:stCondLst>
+                              <p:cond delay="0"/>
+                            </p:stCondLst>
+                            <p:childTnLst>
+                              <p:par>
+                                <p:cTn id="15" presetID="10" presetClass="entr" presetSubtype="0" fill="hold" grpId="0" nodeType="clickEffect">
+                                  <p:stCondLst>
+                                    <p:cond delay="0"/>
+                                  </p:stCondLst>
+                                  <p:childTnLst>
+                                    <p:set>
+                                      <p:cBhvr>
+                                        <p:cTn id="16" dur="1" fill="hold">
+                                          <p:stCondLst>
+                                            <p:cond delay="0"/>
+                                          </p:stCondLst>
+                                        </p:cTn>
+                                        <p:tgtEl>
+                                          <p:spTgt spid="2">
+                                            <p:txEl>
+                                              <p:pRg st="2" end="2"/>
+                                            </p:txEl>
+                                          </p:spTgt>
+                                        </p:tgtEl>
+                                        <p:attrNameLst>
+                                          <p:attrName>style.visibility</p:attrName>
+                                        </p:attrNameLst>
+                                      </p:cBhvr>
+                                      <p:to>
+                                        <p:strVal val="visible"/>
+                                      </p:to>
+                                    </p:set>
+                                    <p:animEffect transition="in" filter="fade">
+                                      <p:cBhvr>
+                                        <p:cTn id="17" dur="500"/>
+                                        <p:tgtEl>
+                                          <p:spTgt spid="2">
+                                            <p:txEl>
+                                              <p:pRg st="2" end="2"/>
+                                            </p:txEl>
+                                          </p:spTgt>
+                                        </p:tgtEl>
+                                      </p:cBhvr>
+                                    </p:animEffect>
+                                  </p:childTnLst>
+                                </p:cTn>
+                              </p:par>
+                            </p:childTnLst>
+                          </p:cTn>
+                        </p:par>
+                      </p:childTnLst>
+                    </p:cTn>
+                  </p:par>
+                  <p:par>
+                    <p:cTn id="18" fill="hold">
+                      <p:stCondLst>
+                        <p:cond delay="indefinite"/>
+                      </p:stCondLst>
+                      <p:childTnLst>
+                        <p:par>
+                          <p:cTn id="19" fill="hold">
+                            <p:stCondLst>
+                              <p:cond delay="0"/>
+                            </p:stCondLst>
+                            <p:childTnLst>
+                              <p:par>
+                                <p:cTn id="20" presetID="10" presetClass="entr" presetSubtype="0" fill="hold" grpId="0" nodeType="clickEffect">
+                                  <p:stCondLst>
+                                    <p:cond delay="0"/>
+                                  </p:stCondLst>
+                                  <p:childTnLst>
+                                    <p:set>
+                                      <p:cBhvr>
+                                        <p:cTn id="21" dur="1" fill="hold">
+                                          <p:stCondLst>
+                                            <p:cond delay="0"/>
+                                          </p:stCondLst>
+                                        </p:cTn>
+                                        <p:tgtEl>
+                                          <p:spTgt spid="2">
+                                            <p:txEl>
+                                              <p:pRg st="3" end="3"/>
+                                            </p:txEl>
+                                          </p:spTgt>
+                                        </p:tgtEl>
+                                        <p:attrNameLst>
+                                          <p:attrName>style.visibility</p:attrName>
+                                        </p:attrNameLst>
+                                      </p:cBhvr>
+                                      <p:to>
+                                        <p:strVal val="visible"/>
+                                      </p:to>
+                                    </p:set>
+                                    <p:animEffect transition="in" filter="fade">
+                                      <p:cBhvr>
+                                        <p:cTn id="22" dur="500"/>
+                                        <p:tgtEl>
+                                          <p:spTgt spid="2">
+                                            <p:txEl>
+                                              <p:pRg st="3" end="3"/>
+                                            </p:txEl>
+                                          </p:spTgt>
+                                        </p:tgtEl>
+                                      </p:cBhvr>
+                                    </p:animEffect>
+                                  </p:childTnLst>
+                                </p:cTn>
+                              </p:par>
+                            </p:childTnLst>
+                          </p:cTn>
+                        </p:par>
+                      </p:childTnLst>
+                    </p:cTn>
+                  </p:par>
+                  <p:par>
+                    <p:cTn id="23" fill="hold">
+                      <p:stCondLst>
+                        <p:cond delay="indefinite"/>
+                      </p:stCondLst>
+                      <p:childTnLst>
+                        <p:par>
+                          <p:cTn id="24" fill="hold">
+                            <p:stCondLst>
+                              <p:cond delay="0"/>
+                            </p:stCondLst>
+                            <p:childTnLst>
+                              <p:par>
+                                <p:cTn id="25" presetID="10" presetClass="entr" presetSubtype="0" fill="hold" grpId="0" nodeType="clickEffect">
+                                  <p:stCondLst>
+                                    <p:cond delay="0"/>
+                                  </p:stCondLst>
+                                  <p:childTnLst>
+                                    <p:set>
+                                      <p:cBhvr>
+                                        <p:cTn id="26" dur="1" fill="hold">
+                                          <p:stCondLst>
+                                            <p:cond delay="0"/>
+                                          </p:stCondLst>
+                                        </p:cTn>
+                                        <p:tgtEl>
+                                          <p:spTgt spid="2">
+                                            <p:txEl>
+                                              <p:pRg st="4" end="4"/>
+                                            </p:txEl>
+                                          </p:spTgt>
+                                        </p:tgtEl>
+                                        <p:attrNameLst>
+                                          <p:attrName>style.visibility</p:attrName>
+                                        </p:attrNameLst>
+                                      </p:cBhvr>
+                                      <p:to>
+                                        <p:strVal val="visible"/>
+                                      </p:to>
+                                    </p:set>
+                                    <p:animEffect transition="in" filter="fade">
+                                      <p:cBhvr>
+                                        <p:cTn id="27" dur="500"/>
+                                        <p:tgtEl>
+                                          <p:spTgt spid="2">
+                                            <p:txEl>
+                                              <p:pRg st="4" end="4"/>
+                                            </p:txEl>
+                                          </p:spTgt>
+                                        </p:tgtEl>
+                                      </p:cBhvr>
+                                    </p:animEffect>
+                                  </p:childTnLst>
+                                </p:cTn>
+                              </p:par>
+                            </p:childTnLst>
+                          </p:cTn>
+                        </p:par>
+                      </p:childTnLst>
+                    </p:cTn>
+                  </p:par>
+                  <p:par>
+                    <p:cTn id="28" fill="hold">
+                      <p:stCondLst>
+                        <p:cond delay="indefinite"/>
+                      </p:stCondLst>
+                      <p:childTnLst>
+                        <p:par>
+                          <p:cTn id="29" fill="hold">
+                            <p:stCondLst>
+                              <p:cond delay="0"/>
+                            </p:stCondLst>
+                            <p:childTnLst>
+                              <p:par>
+                                <p:cTn id="30" presetID="10" presetClass="entr" presetSubtype="0" fill="hold" grpId="0" nodeType="clickEffect">
+                                  <p:stCondLst>
+                                    <p:cond delay="0"/>
+                                  </p:stCondLst>
+                                  <p:childTnLst>
+                                    <p:set>
+                                      <p:cBhvr>
+                                        <p:cTn id="31" dur="1" fill="hold">
+                                          <p:stCondLst>
+                                            <p:cond delay="0"/>
+                                          </p:stCondLst>
+                                        </p:cTn>
+                                        <p:tgtEl>
+                                          <p:spTgt spid="2">
+                                            <p:txEl>
+                                              <p:pRg st="5" end="5"/>
+                                            </p:txEl>
+                                          </p:spTgt>
+                                        </p:tgtEl>
+                                        <p:attrNameLst>
+                                          <p:attrName>style.visibility</p:attrName>
+                                        </p:attrNameLst>
+                                      </p:cBhvr>
+                                      <p:to>
+                                        <p:strVal val="visible"/>
+                                      </p:to>
+                                    </p:set>
+                                    <p:animEffect transition="in" filter="fade">
+                                      <p:cBhvr>
+                                        <p:cTn id="32" dur="500"/>
+                                        <p:tgtEl>
+                                          <p:spTgt spid="2">
+                                            <p:txEl>
+                                              <p:pRg st="5" end="5"/>
+                                            </p:txEl>
+                                          </p:spTgt>
+                                        </p:tgtEl>
+                                      </p:cBhvr>
+                                    </p:animEffect>
+                                  </p:childTnLst>
+                                </p:cTn>
+                              </p:par>
+                            </p:childTnLst>
+                          </p:cTn>
+                        </p:par>
+                      </p:childTnLst>
+                    </p:cTn>
+                  </p:par>
+                </p:childTnLst>
+              </p:cTn>
+              <p:prevCondLst>
+                <p:cond evt="onPrev" delay="0">
+                  <p:tgtEl>
+                    <p:sldTgt/>
+                  </p:tgtEl>
+                </p:cond>
+              </p:prevCondLst>
+              <p:nextCondLst>
+                <p:cond evt="onNext" delay="0">
+                  <p:tgtEl>
+                    <p:sldTgt/>
+                  </p:tgtEl>
+                </p:cond>
+              </p:nextCondLst>
+            </p:seq>
+          </p:childTnLst>
+        </p:cTn>
+      </p:par>
+    </p:tnLst>
+    <p:bldLst>
+      <p:bldP spid="2" grpId="0" build="p"/>
+    </p:bldLst>
+  </p:timing>
 </p:sld>
 </file>
 
@@ -5256,7 +7290,7 @@
           <a:p>
             <a:r>
               <a:rPr lang="en-CA" dirty="0"/>
-              <a:t>Data</a:t>
+              <a:t>1. Grey seal data</a:t>
             </a:r>
             <a:endParaRPr lang="en-US" dirty="0"/>
           </a:p>
@@ -5297,7 +7331,7 @@
           <p:cNvPr id="2" name="Content Placeholder 1">
             <a:extLst>
               <a:ext uri="{FF2B5EF4-FFF2-40B4-BE49-F238E27FC236}">
-                <a16:creationId xmlns:a16="http://schemas.microsoft.com/office/drawing/2014/main" id="{4FFF32C6-03B9-45AE-9006-B19C69A59B6E}"/>
+                <a16:creationId xmlns:a16="http://schemas.microsoft.com/office/drawing/2014/main" id="{EC8489D7-F512-40C5-87F1-DE10D154B2D8}"/>
               </a:ext>
             </a:extLst>
           </p:cNvPr>
@@ -5308,86 +7342,181 @@
             <p:ph idx="1"/>
           </p:nvPr>
         </p:nvSpPr>
-        <p:spPr/>
-        <p:txBody>
-          <a:bodyPr/>
+        <p:spPr>
+          <a:xfrm>
+            <a:off x="623947" y="1431144"/>
+            <a:ext cx="10944109" cy="5089972"/>
+          </a:xfrm>
+        </p:spPr>
+        <p:txBody>
+          <a:bodyPr>
+            <a:normAutofit lnSpcReduction="10000"/>
+          </a:bodyPr>
           <a:lstStyle/>
           <a:p>
             <a:r>
-              <a:rPr lang="en-US" dirty="0" err="1"/>
+              <a:rPr lang="en-CA" dirty="0"/>
+              <a:t>Package by Brett McClintock and </a:t>
+            </a:r>
+            <a:r>
+              <a:rPr lang="en-CA" dirty="0" err="1"/>
+              <a:t>Théo</a:t>
+            </a:r>
+            <a:r>
+              <a:rPr lang="en-CA" dirty="0"/>
+              <a:t> </a:t>
+            </a:r>
+            <a:r>
+              <a:rPr lang="en-CA" dirty="0" err="1"/>
+              <a:t>Michelot</a:t>
+            </a:r>
+            <a:r>
+              <a:rPr lang="en-CA" dirty="0"/>
+              <a:t>, based on </a:t>
+            </a:r>
+            <a:r>
+              <a:rPr lang="en-US" dirty="0" err="1">
+                <a:solidFill>
+                  <a:schemeClr val="bg2">
+                    <a:lumMod val="10000"/>
+                  </a:schemeClr>
+                </a:solidFill>
+                <a:latin typeface="Lucida Console" panose="020B0609040504020204" pitchFamily="49" charset="0"/>
+                <a:cs typeface="Courier New" panose="02070309020205020404" pitchFamily="49" charset="0"/>
+              </a:rPr>
+              <a:t>moveHMM</a:t>
+            </a:r>
+            <a:endParaRPr lang="en-US" dirty="0">
+              <a:solidFill>
+                <a:schemeClr val="bg2">
+                  <a:lumMod val="10000"/>
+                </a:schemeClr>
+              </a:solidFill>
+              <a:latin typeface="Lucida Console" panose="020B0609040504020204" pitchFamily="49" charset="0"/>
+              <a:cs typeface="Courier New" panose="02070309020205020404" pitchFamily="49" charset="0"/>
+            </a:endParaRPr>
+          </a:p>
+          <a:p>
+            <a:r>
+              <a:rPr lang="en-CA" dirty="0">
+                <a:cs typeface="Courier New" panose="02070309020205020404" pitchFamily="49" charset="0"/>
+              </a:rPr>
+              <a:t>Key functions </a:t>
+            </a:r>
+          </a:p>
+          <a:p>
+            <a:pPr lvl="1"/>
+            <a:r>
+              <a:rPr lang="en-CA" spc="-133" dirty="0" err="1">
+                <a:solidFill>
+                  <a:schemeClr val="bg2">
+                    <a:lumMod val="10000"/>
+                  </a:schemeClr>
+                </a:solidFill>
+                <a:latin typeface="Lucida Console" panose="020B0609040504020204" pitchFamily="49" charset="0"/>
+                <a:cs typeface="Courier New" panose="02070309020205020404" pitchFamily="49" charset="0"/>
+              </a:rPr>
               <a:t>prepData</a:t>
             </a:r>
             <a:r>
-              <a:rPr lang="en-US" dirty="0"/>
-              <a:t>(</a:t>
-            </a:r>
-            <a:r>
-              <a:rPr lang="en-US" dirty="0" err="1"/>
-              <a:t>sealreg</a:t>
-            </a:r>
-            <a:r>
-              <a:rPr lang="en-US" dirty="0"/>
-              <a:t>, type = "LL", </a:t>
-            </a:r>
-            <a:r>
-              <a:rPr lang="en-US" dirty="0" err="1"/>
-              <a:t>coordNames</a:t>
-            </a:r>
-            <a:r>
-              <a:rPr lang="en-US" dirty="0"/>
-              <a:t> = c("</a:t>
-            </a:r>
-            <a:r>
-              <a:rPr lang="en-US" dirty="0" err="1"/>
-              <a:t>lon</a:t>
-            </a:r>
-            <a:r>
-              <a:rPr lang="en-US" dirty="0"/>
-              <a:t>", "</a:t>
-            </a:r>
-            <a:r>
-              <a:rPr lang="en-US" dirty="0" err="1"/>
-              <a:t>lat</a:t>
-            </a:r>
-            <a:r>
-              <a:rPr lang="en-US" dirty="0"/>
-              <a:t>"))</a:t>
-            </a:r>
-          </a:p>
-          <a:p>
-            <a:r>
-              <a:rPr lang="en-CA" dirty="0"/>
-              <a:t>T</a:t>
-            </a:r>
-            <a:r>
-              <a:rPr lang="en-US" dirty="0" err="1"/>
-              <a:t>ype</a:t>
-            </a:r>
-            <a:r>
-              <a:rPr lang="en-US" dirty="0"/>
-              <a:t>: coordinate reference system (</a:t>
-            </a:r>
-            <a:r>
-              <a:rPr lang="en-US" dirty="0" err="1"/>
-              <a:t>lat</a:t>
-            </a:r>
-            <a:r>
-              <a:rPr lang="en-US" dirty="0"/>
-              <a:t>/long or projected in m)</a:t>
-            </a:r>
-          </a:p>
-          <a:p>
-            <a:r>
-              <a:rPr lang="en-US" dirty="0" err="1"/>
-              <a:t>coordNames</a:t>
-            </a:r>
-            <a:r>
-              <a:rPr lang="en-US" dirty="0"/>
-              <a:t>: names of coordinate columns</a:t>
-            </a:r>
-          </a:p>
-          <a:p>
-            <a:endParaRPr lang="en-US" dirty="0"/>
+              <a:rPr lang="en-CA" dirty="0">
+                <a:cs typeface="Courier New" panose="02070309020205020404" pitchFamily="49" charset="0"/>
+              </a:rPr>
+              <a:t> – prepare tracking data for fitting HMM</a:t>
+            </a:r>
+          </a:p>
+          <a:p>
+            <a:pPr lvl="2"/>
+            <a:r>
+              <a:rPr lang="en-CA" dirty="0">
+                <a:cs typeface="Courier New" panose="02070309020205020404" pitchFamily="49" charset="0"/>
+              </a:rPr>
+              <a:t>Extract environmental data</a:t>
+            </a:r>
+          </a:p>
+          <a:p>
+            <a:pPr lvl="2"/>
+            <a:r>
+              <a:rPr lang="en-CA" dirty="0">
+                <a:cs typeface="Courier New" panose="02070309020205020404" pitchFamily="49" charset="0"/>
+              </a:rPr>
+              <a:t>Calculate step length and turning angle</a:t>
+            </a:r>
+          </a:p>
+          <a:p>
+            <a:pPr lvl="2"/>
+            <a:r>
+              <a:rPr lang="en-CA" dirty="0">
+                <a:cs typeface="Courier New" panose="02070309020205020404" pitchFamily="49" charset="0"/>
+              </a:rPr>
+              <a:t>Calculate circular covariates (e.g., angle relative to ocean currents)</a:t>
+            </a:r>
+          </a:p>
+          <a:p>
+            <a:pPr lvl="1"/>
+            <a:r>
+              <a:rPr lang="en-US" sz="2800" spc="-133" dirty="0" err="1">
+                <a:solidFill>
+                  <a:schemeClr val="bg2">
+                    <a:lumMod val="10000"/>
+                  </a:schemeClr>
+                </a:solidFill>
+                <a:latin typeface="Lucida Console" panose="020B0609040504020204" pitchFamily="49" charset="0"/>
+                <a:cs typeface="Courier New" panose="02070309020205020404" pitchFamily="49" charset="0"/>
+              </a:rPr>
+              <a:t>fitHMM</a:t>
+            </a:r>
+            <a:r>
+              <a:rPr lang="en-CA" dirty="0">
+                <a:cs typeface="Courier New" panose="02070309020205020404" pitchFamily="49" charset="0"/>
+              </a:rPr>
+              <a:t> – </a:t>
+            </a:r>
+            <a:r>
+              <a:rPr lang="en-US" dirty="0">
+                <a:cs typeface="Courier New" panose="02070309020205020404" pitchFamily="49" charset="0"/>
+              </a:rPr>
+              <a:t>Define HMM structure and fit it to model</a:t>
+            </a:r>
+          </a:p>
+          <a:p>
+            <a:pPr lvl="2"/>
+            <a:r>
+              <a:rPr lang="en-CA" dirty="0">
+                <a:cs typeface="Courier New" panose="02070309020205020404" pitchFamily="49" charset="0"/>
+              </a:rPr>
+              <a:t>Number of states</a:t>
+            </a:r>
+          </a:p>
+          <a:p>
+            <a:pPr lvl="2"/>
+            <a:r>
+              <a:rPr lang="en-CA" dirty="0">
+                <a:cs typeface="Courier New" panose="02070309020205020404" pitchFamily="49" charset="0"/>
+              </a:rPr>
+              <a:t>Distribution associated with each state </a:t>
+            </a:r>
+          </a:p>
+          <a:p>
+            <a:pPr lvl="2"/>
+            <a:r>
+              <a:rPr lang="en-CA" dirty="0">
+                <a:cs typeface="Courier New" panose="02070309020205020404" pitchFamily="49" charset="0"/>
+              </a:rPr>
+              <a:t>Starting parameters </a:t>
+            </a:r>
+          </a:p>
+          <a:p>
+            <a:pPr lvl="2"/>
+            <a:r>
+              <a:rPr lang="en-CA" dirty="0">
+                <a:cs typeface="Courier New" panose="02070309020205020404" pitchFamily="49" charset="0"/>
+              </a:rPr>
+              <a:t>Covariates</a:t>
+            </a:r>
+            <a:endParaRPr lang="en-US" dirty="0">
+              <a:cs typeface="Courier New" panose="02070309020205020404" pitchFamily="49" charset="0"/>
+            </a:endParaRPr>
           </a:p>
         </p:txBody>
       </p:sp>
@@ -5396,7 +7525,7 @@
           <p:cNvPr id="3" name="Slide Number Placeholder 2">
             <a:extLst>
               <a:ext uri="{FF2B5EF4-FFF2-40B4-BE49-F238E27FC236}">
-                <a16:creationId xmlns:a16="http://schemas.microsoft.com/office/drawing/2014/main" id="{FB82CA19-DDF8-4679-8F6B-C6019D4941CE}"/>
+                <a16:creationId xmlns:a16="http://schemas.microsoft.com/office/drawing/2014/main" id="{C652FC54-3760-4749-A720-9D60BB2068DA}"/>
               </a:ext>
             </a:extLst>
           </p:cNvPr>
@@ -5426,7 +7555,7 @@
           <p:cNvPr id="4" name="Title 3">
             <a:extLst>
               <a:ext uri="{FF2B5EF4-FFF2-40B4-BE49-F238E27FC236}">
-                <a16:creationId xmlns:a16="http://schemas.microsoft.com/office/drawing/2014/main" id="{6A30EBB8-01EB-4A75-993E-FD32E3FF45E4}"/>
+                <a16:creationId xmlns:a16="http://schemas.microsoft.com/office/drawing/2014/main" id="{16B592B6-27DA-462D-863F-E06EDBEFB08D}"/>
               </a:ext>
             </a:extLst>
           </p:cNvPr>
@@ -5443,25 +7572,576 @@
           <a:lstStyle/>
           <a:p>
             <a:r>
-              <a:rPr lang="en-CA" dirty="0" err="1">
+              <a:rPr lang="en-CA" dirty="0">
                 <a:cs typeface="Courier New" panose="02070309020205020404" pitchFamily="49" charset="0"/>
               </a:rPr>
-              <a:t>prepData</a:t>
-            </a:r>
-            <a:endParaRPr lang="en-US" dirty="0"/>
+              <a:t>2. Fitting HMM with </a:t>
+            </a:r>
+            <a:r>
+              <a:rPr lang="en-CA" dirty="0" err="1">
+                <a:latin typeface="Lucida Console" panose="020B0609040504020204" pitchFamily="49" charset="0"/>
+                <a:cs typeface="Courier New" panose="02070309020205020404" pitchFamily="49" charset="0"/>
+              </a:rPr>
+              <a:t>momentuHMM</a:t>
+            </a:r>
+            <a:endParaRPr lang="en-US" dirty="0">
+              <a:latin typeface="Lucida Console" panose="020B0609040504020204" pitchFamily="49" charset="0"/>
+            </a:endParaRPr>
           </a:p>
         </p:txBody>
       </p:sp>
     </p:spTree>
     <p:extLst>
       <p:ext uri="{BB962C8B-B14F-4D97-AF65-F5344CB8AC3E}">
-        <p14:creationId xmlns:p14="http://schemas.microsoft.com/office/powerpoint/2010/main" val="2925305773"/>
+        <p14:creationId xmlns:p14="http://schemas.microsoft.com/office/powerpoint/2010/main" val="1034678634"/>
       </p:ext>
     </p:extLst>
   </p:cSld>
   <p:clrMapOvr>
     <a:masterClrMapping/>
   </p:clrMapOvr>
+  <p:timing>
+    <p:tnLst>
+      <p:par>
+        <p:cTn id="1" dur="indefinite" restart="never" nodeType="tmRoot">
+          <p:childTnLst>
+            <p:seq concurrent="1" nextAc="seek">
+              <p:cTn id="2" dur="indefinite" nodeType="mainSeq">
+                <p:childTnLst>
+                  <p:par>
+                    <p:cTn id="3" fill="hold">
+                      <p:stCondLst>
+                        <p:cond delay="indefinite"/>
+                      </p:stCondLst>
+                      <p:childTnLst>
+                        <p:par>
+                          <p:cTn id="4" fill="hold">
+                            <p:stCondLst>
+                              <p:cond delay="0"/>
+                            </p:stCondLst>
+                            <p:childTnLst>
+                              <p:par>
+                                <p:cTn id="5" presetID="10" presetClass="entr" presetSubtype="0" fill="hold" grpId="0" nodeType="clickEffect">
+                                  <p:stCondLst>
+                                    <p:cond delay="0"/>
+                                  </p:stCondLst>
+                                  <p:childTnLst>
+                                    <p:set>
+                                      <p:cBhvr>
+                                        <p:cTn id="6" dur="1" fill="hold">
+                                          <p:stCondLst>
+                                            <p:cond delay="0"/>
+                                          </p:stCondLst>
+                                        </p:cTn>
+                                        <p:tgtEl>
+                                          <p:spTgt spid="2">
+                                            <p:txEl>
+                                              <p:pRg st="0" end="0"/>
+                                            </p:txEl>
+                                          </p:spTgt>
+                                        </p:tgtEl>
+                                        <p:attrNameLst>
+                                          <p:attrName>style.visibility</p:attrName>
+                                        </p:attrNameLst>
+                                      </p:cBhvr>
+                                      <p:to>
+                                        <p:strVal val="visible"/>
+                                      </p:to>
+                                    </p:set>
+                                    <p:animEffect transition="in" filter="fade">
+                                      <p:cBhvr>
+                                        <p:cTn id="7" dur="500"/>
+                                        <p:tgtEl>
+                                          <p:spTgt spid="2">
+                                            <p:txEl>
+                                              <p:pRg st="0" end="0"/>
+                                            </p:txEl>
+                                          </p:spTgt>
+                                        </p:tgtEl>
+                                      </p:cBhvr>
+                                    </p:animEffect>
+                                  </p:childTnLst>
+                                </p:cTn>
+                              </p:par>
+                            </p:childTnLst>
+                          </p:cTn>
+                        </p:par>
+                      </p:childTnLst>
+                    </p:cTn>
+                  </p:par>
+                  <p:par>
+                    <p:cTn id="8" fill="hold">
+                      <p:stCondLst>
+                        <p:cond delay="indefinite"/>
+                      </p:stCondLst>
+                      <p:childTnLst>
+                        <p:par>
+                          <p:cTn id="9" fill="hold">
+                            <p:stCondLst>
+                              <p:cond delay="0"/>
+                            </p:stCondLst>
+                            <p:childTnLst>
+                              <p:par>
+                                <p:cTn id="10" presetID="10" presetClass="entr" presetSubtype="0" fill="hold" grpId="0" nodeType="clickEffect">
+                                  <p:stCondLst>
+                                    <p:cond delay="0"/>
+                                  </p:stCondLst>
+                                  <p:childTnLst>
+                                    <p:set>
+                                      <p:cBhvr>
+                                        <p:cTn id="11" dur="1" fill="hold">
+                                          <p:stCondLst>
+                                            <p:cond delay="0"/>
+                                          </p:stCondLst>
+                                        </p:cTn>
+                                        <p:tgtEl>
+                                          <p:spTgt spid="2">
+                                            <p:txEl>
+                                              <p:pRg st="1" end="1"/>
+                                            </p:txEl>
+                                          </p:spTgt>
+                                        </p:tgtEl>
+                                        <p:attrNameLst>
+                                          <p:attrName>style.visibility</p:attrName>
+                                        </p:attrNameLst>
+                                      </p:cBhvr>
+                                      <p:to>
+                                        <p:strVal val="visible"/>
+                                      </p:to>
+                                    </p:set>
+                                    <p:animEffect transition="in" filter="fade">
+                                      <p:cBhvr>
+                                        <p:cTn id="12" dur="500"/>
+                                        <p:tgtEl>
+                                          <p:spTgt spid="2">
+                                            <p:txEl>
+                                              <p:pRg st="1" end="1"/>
+                                            </p:txEl>
+                                          </p:spTgt>
+                                        </p:tgtEl>
+                                      </p:cBhvr>
+                                    </p:animEffect>
+                                  </p:childTnLst>
+                                </p:cTn>
+                              </p:par>
+                              <p:par>
+                                <p:cTn id="13" presetID="10" presetClass="entr" presetSubtype="0" fill="hold" grpId="0" nodeType="withEffect">
+                                  <p:stCondLst>
+                                    <p:cond delay="0"/>
+                                  </p:stCondLst>
+                                  <p:childTnLst>
+                                    <p:set>
+                                      <p:cBhvr>
+                                        <p:cTn id="14" dur="1" fill="hold">
+                                          <p:stCondLst>
+                                            <p:cond delay="0"/>
+                                          </p:stCondLst>
+                                        </p:cTn>
+                                        <p:tgtEl>
+                                          <p:spTgt spid="2">
+                                            <p:txEl>
+                                              <p:pRg st="2" end="2"/>
+                                            </p:txEl>
+                                          </p:spTgt>
+                                        </p:tgtEl>
+                                        <p:attrNameLst>
+                                          <p:attrName>style.visibility</p:attrName>
+                                        </p:attrNameLst>
+                                      </p:cBhvr>
+                                      <p:to>
+                                        <p:strVal val="visible"/>
+                                      </p:to>
+                                    </p:set>
+                                    <p:animEffect transition="in" filter="fade">
+                                      <p:cBhvr>
+                                        <p:cTn id="15" dur="500"/>
+                                        <p:tgtEl>
+                                          <p:spTgt spid="2">
+                                            <p:txEl>
+                                              <p:pRg st="2" end="2"/>
+                                            </p:txEl>
+                                          </p:spTgt>
+                                        </p:tgtEl>
+                                      </p:cBhvr>
+                                    </p:animEffect>
+                                  </p:childTnLst>
+                                </p:cTn>
+                              </p:par>
+                              <p:par>
+                                <p:cTn id="16" presetID="10" presetClass="entr" presetSubtype="0" fill="hold" grpId="0" nodeType="withEffect">
+                                  <p:stCondLst>
+                                    <p:cond delay="0"/>
+                                  </p:stCondLst>
+                                  <p:childTnLst>
+                                    <p:set>
+                                      <p:cBhvr>
+                                        <p:cTn id="17" dur="1" fill="hold">
+                                          <p:stCondLst>
+                                            <p:cond delay="0"/>
+                                          </p:stCondLst>
+                                        </p:cTn>
+                                        <p:tgtEl>
+                                          <p:spTgt spid="2">
+                                            <p:txEl>
+                                              <p:pRg st="3" end="3"/>
+                                            </p:txEl>
+                                          </p:spTgt>
+                                        </p:tgtEl>
+                                        <p:attrNameLst>
+                                          <p:attrName>style.visibility</p:attrName>
+                                        </p:attrNameLst>
+                                      </p:cBhvr>
+                                      <p:to>
+                                        <p:strVal val="visible"/>
+                                      </p:to>
+                                    </p:set>
+                                    <p:animEffect transition="in" filter="fade">
+                                      <p:cBhvr>
+                                        <p:cTn id="18" dur="500"/>
+                                        <p:tgtEl>
+                                          <p:spTgt spid="2">
+                                            <p:txEl>
+                                              <p:pRg st="3" end="3"/>
+                                            </p:txEl>
+                                          </p:spTgt>
+                                        </p:tgtEl>
+                                      </p:cBhvr>
+                                    </p:animEffect>
+                                  </p:childTnLst>
+                                </p:cTn>
+                              </p:par>
+                              <p:par>
+                                <p:cTn id="19" presetID="10" presetClass="entr" presetSubtype="0" fill="hold" grpId="0" nodeType="withEffect">
+                                  <p:stCondLst>
+                                    <p:cond delay="0"/>
+                                  </p:stCondLst>
+                                  <p:childTnLst>
+                                    <p:set>
+                                      <p:cBhvr>
+                                        <p:cTn id="20" dur="1" fill="hold">
+                                          <p:stCondLst>
+                                            <p:cond delay="0"/>
+                                          </p:stCondLst>
+                                        </p:cTn>
+                                        <p:tgtEl>
+                                          <p:spTgt spid="2">
+                                            <p:txEl>
+                                              <p:pRg st="4" end="4"/>
+                                            </p:txEl>
+                                          </p:spTgt>
+                                        </p:tgtEl>
+                                        <p:attrNameLst>
+                                          <p:attrName>style.visibility</p:attrName>
+                                        </p:attrNameLst>
+                                      </p:cBhvr>
+                                      <p:to>
+                                        <p:strVal val="visible"/>
+                                      </p:to>
+                                    </p:set>
+                                    <p:animEffect transition="in" filter="fade">
+                                      <p:cBhvr>
+                                        <p:cTn id="21" dur="500"/>
+                                        <p:tgtEl>
+                                          <p:spTgt spid="2">
+                                            <p:txEl>
+                                              <p:pRg st="4" end="4"/>
+                                            </p:txEl>
+                                          </p:spTgt>
+                                        </p:tgtEl>
+                                      </p:cBhvr>
+                                    </p:animEffect>
+                                  </p:childTnLst>
+                                </p:cTn>
+                              </p:par>
+                              <p:par>
+                                <p:cTn id="22" presetID="10" presetClass="entr" presetSubtype="0" fill="hold" grpId="0" nodeType="withEffect">
+                                  <p:stCondLst>
+                                    <p:cond delay="0"/>
+                                  </p:stCondLst>
+                                  <p:childTnLst>
+                                    <p:set>
+                                      <p:cBhvr>
+                                        <p:cTn id="23" dur="1" fill="hold">
+                                          <p:stCondLst>
+                                            <p:cond delay="0"/>
+                                          </p:stCondLst>
+                                        </p:cTn>
+                                        <p:tgtEl>
+                                          <p:spTgt spid="2">
+                                            <p:txEl>
+                                              <p:pRg st="5" end="5"/>
+                                            </p:txEl>
+                                          </p:spTgt>
+                                        </p:tgtEl>
+                                        <p:attrNameLst>
+                                          <p:attrName>style.visibility</p:attrName>
+                                        </p:attrNameLst>
+                                      </p:cBhvr>
+                                      <p:to>
+                                        <p:strVal val="visible"/>
+                                      </p:to>
+                                    </p:set>
+                                    <p:animEffect transition="in" filter="fade">
+                                      <p:cBhvr>
+                                        <p:cTn id="24" dur="500"/>
+                                        <p:tgtEl>
+                                          <p:spTgt spid="2">
+                                            <p:txEl>
+                                              <p:pRg st="5" end="5"/>
+                                            </p:txEl>
+                                          </p:spTgt>
+                                        </p:tgtEl>
+                                      </p:cBhvr>
+                                    </p:animEffect>
+                                  </p:childTnLst>
+                                </p:cTn>
+                              </p:par>
+                              <p:par>
+                                <p:cTn id="25" presetID="10" presetClass="entr" presetSubtype="0" fill="hold" grpId="0" nodeType="withEffect">
+                                  <p:stCondLst>
+                                    <p:cond delay="0"/>
+                                  </p:stCondLst>
+                                  <p:childTnLst>
+                                    <p:set>
+                                      <p:cBhvr>
+                                        <p:cTn id="26" dur="1" fill="hold">
+                                          <p:stCondLst>
+                                            <p:cond delay="0"/>
+                                          </p:stCondLst>
+                                        </p:cTn>
+                                        <p:tgtEl>
+                                          <p:spTgt spid="2">
+                                            <p:txEl>
+                                              <p:pRg st="6" end="6"/>
+                                            </p:txEl>
+                                          </p:spTgt>
+                                        </p:tgtEl>
+                                        <p:attrNameLst>
+                                          <p:attrName>style.visibility</p:attrName>
+                                        </p:attrNameLst>
+                                      </p:cBhvr>
+                                      <p:to>
+                                        <p:strVal val="visible"/>
+                                      </p:to>
+                                    </p:set>
+                                    <p:animEffect transition="in" filter="fade">
+                                      <p:cBhvr>
+                                        <p:cTn id="27" dur="500"/>
+                                        <p:tgtEl>
+                                          <p:spTgt spid="2">
+                                            <p:txEl>
+                                              <p:pRg st="6" end="6"/>
+                                            </p:txEl>
+                                          </p:spTgt>
+                                        </p:tgtEl>
+                                      </p:cBhvr>
+                                    </p:animEffect>
+                                  </p:childTnLst>
+                                </p:cTn>
+                              </p:par>
+                              <p:par>
+                                <p:cTn id="28" presetID="10" presetClass="entr" presetSubtype="0" fill="hold" grpId="0" nodeType="withEffect">
+                                  <p:stCondLst>
+                                    <p:cond delay="0"/>
+                                  </p:stCondLst>
+                                  <p:childTnLst>
+                                    <p:set>
+                                      <p:cBhvr>
+                                        <p:cTn id="29" dur="1" fill="hold">
+                                          <p:stCondLst>
+                                            <p:cond delay="0"/>
+                                          </p:stCondLst>
+                                        </p:cTn>
+                                        <p:tgtEl>
+                                          <p:spTgt spid="2">
+                                            <p:txEl>
+                                              <p:pRg st="7" end="7"/>
+                                            </p:txEl>
+                                          </p:spTgt>
+                                        </p:tgtEl>
+                                        <p:attrNameLst>
+                                          <p:attrName>style.visibility</p:attrName>
+                                        </p:attrNameLst>
+                                      </p:cBhvr>
+                                      <p:to>
+                                        <p:strVal val="visible"/>
+                                      </p:to>
+                                    </p:set>
+                                    <p:animEffect transition="in" filter="fade">
+                                      <p:cBhvr>
+                                        <p:cTn id="30" dur="500"/>
+                                        <p:tgtEl>
+                                          <p:spTgt spid="2">
+                                            <p:txEl>
+                                              <p:pRg st="7" end="7"/>
+                                            </p:txEl>
+                                          </p:spTgt>
+                                        </p:tgtEl>
+                                      </p:cBhvr>
+                                    </p:animEffect>
+                                  </p:childTnLst>
+                                </p:cTn>
+                              </p:par>
+                              <p:par>
+                                <p:cTn id="31" presetID="10" presetClass="entr" presetSubtype="0" fill="hold" grpId="0" nodeType="withEffect">
+                                  <p:stCondLst>
+                                    <p:cond delay="0"/>
+                                  </p:stCondLst>
+                                  <p:childTnLst>
+                                    <p:set>
+                                      <p:cBhvr>
+                                        <p:cTn id="32" dur="1" fill="hold">
+                                          <p:stCondLst>
+                                            <p:cond delay="0"/>
+                                          </p:stCondLst>
+                                        </p:cTn>
+                                        <p:tgtEl>
+                                          <p:spTgt spid="2">
+                                            <p:txEl>
+                                              <p:pRg st="8" end="8"/>
+                                            </p:txEl>
+                                          </p:spTgt>
+                                        </p:tgtEl>
+                                        <p:attrNameLst>
+                                          <p:attrName>style.visibility</p:attrName>
+                                        </p:attrNameLst>
+                                      </p:cBhvr>
+                                      <p:to>
+                                        <p:strVal val="visible"/>
+                                      </p:to>
+                                    </p:set>
+                                    <p:animEffect transition="in" filter="fade">
+                                      <p:cBhvr>
+                                        <p:cTn id="33" dur="500"/>
+                                        <p:tgtEl>
+                                          <p:spTgt spid="2">
+                                            <p:txEl>
+                                              <p:pRg st="8" end="8"/>
+                                            </p:txEl>
+                                          </p:spTgt>
+                                        </p:tgtEl>
+                                      </p:cBhvr>
+                                    </p:animEffect>
+                                  </p:childTnLst>
+                                </p:cTn>
+                              </p:par>
+                              <p:par>
+                                <p:cTn id="34" presetID="10" presetClass="entr" presetSubtype="0" fill="hold" grpId="0" nodeType="withEffect">
+                                  <p:stCondLst>
+                                    <p:cond delay="0"/>
+                                  </p:stCondLst>
+                                  <p:childTnLst>
+                                    <p:set>
+                                      <p:cBhvr>
+                                        <p:cTn id="35" dur="1" fill="hold">
+                                          <p:stCondLst>
+                                            <p:cond delay="0"/>
+                                          </p:stCondLst>
+                                        </p:cTn>
+                                        <p:tgtEl>
+                                          <p:spTgt spid="2">
+                                            <p:txEl>
+                                              <p:pRg st="9" end="9"/>
+                                            </p:txEl>
+                                          </p:spTgt>
+                                        </p:tgtEl>
+                                        <p:attrNameLst>
+                                          <p:attrName>style.visibility</p:attrName>
+                                        </p:attrNameLst>
+                                      </p:cBhvr>
+                                      <p:to>
+                                        <p:strVal val="visible"/>
+                                      </p:to>
+                                    </p:set>
+                                    <p:animEffect transition="in" filter="fade">
+                                      <p:cBhvr>
+                                        <p:cTn id="36" dur="500"/>
+                                        <p:tgtEl>
+                                          <p:spTgt spid="2">
+                                            <p:txEl>
+                                              <p:pRg st="9" end="9"/>
+                                            </p:txEl>
+                                          </p:spTgt>
+                                        </p:tgtEl>
+                                      </p:cBhvr>
+                                    </p:animEffect>
+                                  </p:childTnLst>
+                                </p:cTn>
+                              </p:par>
+                              <p:par>
+                                <p:cTn id="37" presetID="10" presetClass="entr" presetSubtype="0" fill="hold" grpId="0" nodeType="withEffect">
+                                  <p:stCondLst>
+                                    <p:cond delay="0"/>
+                                  </p:stCondLst>
+                                  <p:childTnLst>
+                                    <p:set>
+                                      <p:cBhvr>
+                                        <p:cTn id="38" dur="1" fill="hold">
+                                          <p:stCondLst>
+                                            <p:cond delay="0"/>
+                                          </p:stCondLst>
+                                        </p:cTn>
+                                        <p:tgtEl>
+                                          <p:spTgt spid="2">
+                                            <p:txEl>
+                                              <p:pRg st="10" end="10"/>
+                                            </p:txEl>
+                                          </p:spTgt>
+                                        </p:tgtEl>
+                                        <p:attrNameLst>
+                                          <p:attrName>style.visibility</p:attrName>
+                                        </p:attrNameLst>
+                                      </p:cBhvr>
+                                      <p:to>
+                                        <p:strVal val="visible"/>
+                                      </p:to>
+                                    </p:set>
+                                    <p:animEffect transition="in" filter="fade">
+                                      <p:cBhvr>
+                                        <p:cTn id="39" dur="500"/>
+                                        <p:tgtEl>
+                                          <p:spTgt spid="2">
+                                            <p:txEl>
+                                              <p:pRg st="10" end="10"/>
+                                            </p:txEl>
+                                          </p:spTgt>
+                                        </p:tgtEl>
+                                      </p:cBhvr>
+                                    </p:animEffect>
+                                  </p:childTnLst>
+                                </p:cTn>
+                              </p:par>
+                            </p:childTnLst>
+                          </p:cTn>
+                        </p:par>
+                      </p:childTnLst>
+                    </p:cTn>
+                  </p:par>
+                </p:childTnLst>
+              </p:cTn>
+              <p:prevCondLst>
+                <p:cond evt="onPrev" delay="0">
+                  <p:tgtEl>
+                    <p:sldTgt/>
+                  </p:tgtEl>
+                </p:cond>
+              </p:prevCondLst>
+              <p:nextCondLst>
+                <p:cond evt="onNext" delay="0">
+                  <p:tgtEl>
+                    <p:sldTgt/>
+                  </p:tgtEl>
+                </p:cond>
+              </p:nextCondLst>
+            </p:seq>
+          </p:childTnLst>
+        </p:cTn>
+      </p:par>
+    </p:tnLst>
+    <p:bldLst>
+      <p:bldP spid="2" grpId="0" uiExpand="1" build="p"/>
+    </p:bldLst>
+  </p:timing>
 </p:sld>
 </file>
 
@@ -5487,7 +8167,7 @@
           <p:cNvPr id="2" name="Content Placeholder 1">
             <a:extLst>
               <a:ext uri="{FF2B5EF4-FFF2-40B4-BE49-F238E27FC236}">
-                <a16:creationId xmlns:a16="http://schemas.microsoft.com/office/drawing/2014/main" id="{8158A7E8-673A-4442-950A-3B7B01FD0ADF}"/>
+                <a16:creationId xmlns:a16="http://schemas.microsoft.com/office/drawing/2014/main" id="{4FFF32C6-03B9-45AE-9006-B19C69A59B6E}"/>
               </a:ext>
             </a:extLst>
           </p:cNvPr>
@@ -5503,154 +8183,218 @@
           <a:bodyPr/>
           <a:lstStyle/>
           <a:p>
+            <a:pPr marL="0" indent="0">
+              <a:buNone/>
+            </a:pPr>
+            <a:r>
+              <a:rPr lang="en-CA" dirty="0"/>
+              <a:t>Minimum arguments:</a:t>
+            </a:r>
+            <a:endParaRPr lang="en-US" dirty="0"/>
+          </a:p>
+          <a:p>
+            <a:pPr lvl="1"/>
+            <a:r>
+              <a:rPr lang="en-CA" dirty="0">
+                <a:solidFill>
+                  <a:schemeClr val="bg2">
+                    <a:lumMod val="10000"/>
+                  </a:schemeClr>
+                </a:solidFill>
+                <a:latin typeface="Lucida Console" panose="020B0609040504020204" pitchFamily="49" charset="0"/>
+                <a:cs typeface="Courier New" panose="02070309020205020404" pitchFamily="49" charset="0"/>
+              </a:rPr>
+              <a:t>Data</a:t>
+            </a:r>
+            <a:r>
+              <a:rPr lang="en-CA" dirty="0"/>
+              <a:t> (e.g., </a:t>
+            </a:r>
+            <a:r>
+              <a:rPr lang="en-US" dirty="0">
+                <a:solidFill>
+                  <a:schemeClr val="bg2">
+                    <a:lumMod val="10000"/>
+                  </a:schemeClr>
+                </a:solidFill>
+                <a:latin typeface="Lucida Console" panose="020B0609040504020204" pitchFamily="49" charset="0"/>
+                <a:cs typeface="Courier New" panose="02070309020205020404" pitchFamily="49" charset="0"/>
+              </a:rPr>
+              <a:t>data = </a:t>
+            </a:r>
+            <a:r>
+              <a:rPr lang="en-US" dirty="0" err="1">
+                <a:solidFill>
+                  <a:schemeClr val="bg2">
+                    <a:lumMod val="10000"/>
+                  </a:schemeClr>
+                </a:solidFill>
+                <a:latin typeface="Lucida Console" panose="020B0609040504020204" pitchFamily="49" charset="0"/>
+                <a:cs typeface="Courier New" panose="02070309020205020404" pitchFamily="49" charset="0"/>
+              </a:rPr>
+              <a:t>sealreg</a:t>
+            </a:r>
+            <a:r>
+              <a:rPr lang="en-US" dirty="0"/>
+              <a:t>)</a:t>
+            </a:r>
+            <a:endParaRPr lang="en-CA" dirty="0"/>
+          </a:p>
+          <a:p>
+            <a:pPr lvl="1"/>
+            <a:r>
+              <a:rPr lang="en-CA" dirty="0">
+                <a:solidFill>
+                  <a:schemeClr val="bg2">
+                    <a:lumMod val="10000"/>
+                  </a:schemeClr>
+                </a:solidFill>
+                <a:latin typeface="Lucida Console" panose="020B0609040504020204" pitchFamily="49" charset="0"/>
+                <a:cs typeface="Courier New" panose="02070309020205020404" pitchFamily="49" charset="0"/>
+              </a:rPr>
+              <a:t>T</a:t>
+            </a:r>
+            <a:r>
+              <a:rPr lang="en-US" dirty="0" err="1">
+                <a:solidFill>
+                  <a:schemeClr val="bg2">
+                    <a:lumMod val="10000"/>
+                  </a:schemeClr>
+                </a:solidFill>
+                <a:latin typeface="Lucida Console" panose="020B0609040504020204" pitchFamily="49" charset="0"/>
+                <a:cs typeface="Courier New" panose="02070309020205020404" pitchFamily="49" charset="0"/>
+              </a:rPr>
+              <a:t>ype</a:t>
+            </a:r>
+            <a:r>
+              <a:rPr lang="en-US" dirty="0"/>
+              <a:t> - coordinate reference system (</a:t>
+            </a:r>
+            <a:r>
+              <a:rPr lang="en-US" dirty="0">
+                <a:solidFill>
+                  <a:schemeClr val="bg2">
+                    <a:lumMod val="10000"/>
+                  </a:schemeClr>
+                </a:solidFill>
+                <a:latin typeface="Lucida Console" panose="020B0609040504020204" pitchFamily="49" charset="0"/>
+                <a:cs typeface="Courier New" panose="02070309020205020404" pitchFamily="49" charset="0"/>
+              </a:rPr>
+              <a:t>“UTM”</a:t>
+            </a:r>
+            <a:r>
+              <a:rPr lang="en-US" dirty="0"/>
+              <a:t> if not </a:t>
+            </a:r>
             <a:r>
               <a:rPr lang="en-US" dirty="0" err="1"/>
-              <a:t>nbState</a:t>
+              <a:t>lat</a:t>
             </a:r>
             <a:r>
               <a:rPr lang="en-US" dirty="0"/>
-              <a:t>: number of </a:t>
-            </a:r>
-            <a:r>
-              <a:rPr lang="en-US" dirty="0" err="1"/>
-              <a:t>behavioural</a:t>
+              <a:t>/long)</a:t>
+            </a:r>
+          </a:p>
+          <a:p>
+            <a:pPr lvl="1"/>
+            <a:r>
+              <a:rPr lang="en-US" dirty="0" err="1">
+                <a:solidFill>
+                  <a:schemeClr val="bg2">
+                    <a:lumMod val="10000"/>
+                  </a:schemeClr>
+                </a:solidFill>
+                <a:latin typeface="Lucida Console" panose="020B0609040504020204" pitchFamily="49" charset="0"/>
+                <a:cs typeface="Courier New" panose="02070309020205020404" pitchFamily="49" charset="0"/>
+              </a:rPr>
+              <a:t>coordNames</a:t>
             </a:r>
             <a:r>
               <a:rPr lang="en-US" dirty="0"/>
-              <a:t> states</a:t>
-            </a:r>
-          </a:p>
-          <a:p>
-            <a:r>
-              <a:rPr lang="en-US" dirty="0" err="1"/>
-              <a:t>dist</a:t>
+              <a:t> - names of coordinate columns (if not </a:t>
+            </a:r>
+            <a:r>
+              <a:rPr lang="en-US" dirty="0">
+                <a:solidFill>
+                  <a:schemeClr val="bg2">
+                    <a:lumMod val="10000"/>
+                  </a:schemeClr>
+                </a:solidFill>
+                <a:latin typeface="Lucida Console" panose="020B0609040504020204" pitchFamily="49" charset="0"/>
+                <a:cs typeface="Courier New" panose="02070309020205020404" pitchFamily="49" charset="0"/>
+              </a:rPr>
+              <a:t>c(“x”, “y”)</a:t>
             </a:r>
             <a:r>
               <a:rPr lang="en-US" dirty="0"/>
-              <a:t>: </a:t>
-            </a:r>
+              <a:t>)</a:t>
+            </a:r>
+          </a:p>
+          <a:p>
+            <a:pPr marL="0" indent="0">
+              <a:buNone/>
+            </a:pPr>
             <a:r>
               <a:rPr lang="en-CA" dirty="0"/>
-              <a:t>named list </a:t>
+              <a:t>Optional arguments:</a:t>
+            </a:r>
+          </a:p>
+          <a:p>
+            <a:pPr lvl="1"/>
+            <a:r>
+              <a:rPr lang="en-US" dirty="0" err="1">
+                <a:solidFill>
+                  <a:schemeClr val="bg2">
+                    <a:lumMod val="10000"/>
+                  </a:schemeClr>
+                </a:solidFill>
+                <a:latin typeface="Lucida Console" panose="020B0609040504020204" pitchFamily="49" charset="0"/>
+                <a:cs typeface="Courier New" panose="02070309020205020404" pitchFamily="49" charset="0"/>
+              </a:rPr>
+              <a:t>covNames</a:t>
             </a:r>
             <a:r>
               <a:rPr lang="en-US" dirty="0"/>
-              <a:t>distribution associated with each data stream</a:t>
+              <a:t> – names of covariates (fills in missing data with nearest value)</a:t>
             </a:r>
           </a:p>
           <a:p>
             <a:pPr lvl="1"/>
             <a:r>
-              <a:rPr lang="en-CA" dirty="0"/>
-              <a:t>E</a:t>
+              <a:rPr lang="en-US" dirty="0" err="1">
+                <a:solidFill>
+                  <a:schemeClr val="bg2">
+                    <a:lumMod val="10000"/>
+                  </a:schemeClr>
+                </a:solidFill>
+                <a:latin typeface="Lucida Console" panose="020B0609040504020204" pitchFamily="49" charset="0"/>
+                <a:cs typeface="Courier New" panose="02070309020205020404" pitchFamily="49" charset="0"/>
+              </a:rPr>
+              <a:t>spatialCovs</a:t>
             </a:r>
             <a:r>
               <a:rPr lang="en-US" dirty="0"/>
-              <a:t>.g., gamma for step length and von Mises for turning angle</a:t>
+              <a:t> – raster object from which to extract covariate data</a:t>
             </a:r>
           </a:p>
           <a:p>
             <a:pPr lvl="1"/>
             <a:r>
-              <a:rPr lang="en-CA" dirty="0"/>
-              <a:t>E.</a:t>
+              <a:rPr lang="en-US" dirty="0" err="1">
+                <a:solidFill>
+                  <a:schemeClr val="bg2">
+                    <a:lumMod val="10000"/>
+                  </a:schemeClr>
+                </a:solidFill>
+                <a:latin typeface="Lucida Console" panose="020B0609040504020204" pitchFamily="49" charset="0"/>
+                <a:cs typeface="Courier New" panose="02070309020205020404" pitchFamily="49" charset="0"/>
+              </a:rPr>
+              <a:t>angleCovs</a:t>
             </a:r>
             <a:r>
               <a:rPr lang="en-US" dirty="0"/>
-              <a:t>g., </a:t>
-            </a:r>
-            <a:r>
-              <a:rPr lang="en-US" dirty="0" err="1"/>
-              <a:t>dist</a:t>
-            </a:r>
-            <a:r>
-              <a:rPr lang="en-US" dirty="0"/>
-              <a:t>=list(step="gamma", angle="</a:t>
-            </a:r>
-            <a:r>
-              <a:rPr lang="en-US" dirty="0" err="1"/>
-              <a:t>vm</a:t>
-            </a:r>
-            <a:r>
-              <a:rPr lang="en-US" dirty="0"/>
-              <a:t>")</a:t>
-            </a:r>
-          </a:p>
-          <a:p>
-            <a:r>
-              <a:rPr lang="en-CA" dirty="0"/>
-              <a:t>Par0: named list initial parameters for data optimisation</a:t>
-            </a:r>
-          </a:p>
-          <a:p>
-            <a:pPr lvl="1"/>
-            <a:r>
-              <a:rPr lang="en-CA" dirty="0"/>
-              <a:t>E.g., step length ~ gamma(</a:t>
-            </a:r>
-            <a:r>
-              <a:rPr lang="el-GR" dirty="0"/>
-              <a:t>μ</a:t>
-            </a:r>
-            <a:r>
-              <a:rPr lang="en-CA" baseline="-25000" dirty="0" err="1"/>
-              <a:t>i</a:t>
-            </a:r>
-            <a:r>
-              <a:rPr lang="en-CA" dirty="0"/>
-              <a:t>,</a:t>
-            </a:r>
-            <a:r>
-              <a:rPr lang="el-GR" dirty="0"/>
-              <a:t>σ</a:t>
-            </a:r>
-            <a:r>
-              <a:rPr lang="en-CA" baseline="-25000" dirty="0" err="1"/>
-              <a:t>i</a:t>
-            </a:r>
-            <a:r>
-              <a:rPr lang="en-CA" dirty="0"/>
-              <a:t>) , define </a:t>
-            </a:r>
-            <a:r>
-              <a:rPr lang="el-GR" dirty="0"/>
-              <a:t>μ</a:t>
-            </a:r>
-            <a:r>
-              <a:rPr lang="en-CA" dirty="0"/>
-              <a:t> and </a:t>
-            </a:r>
-            <a:r>
-              <a:rPr lang="el-GR" dirty="0"/>
-              <a:t>σ</a:t>
-            </a:r>
-            <a:r>
-              <a:rPr lang="en-CA" dirty="0"/>
-              <a:t> for each state</a:t>
-            </a:r>
-          </a:p>
-          <a:p>
-            <a:pPr lvl="1"/>
-            <a:r>
-              <a:rPr lang="en-CA" dirty="0"/>
-              <a:t>Par0 = list(step=c(mu0, sigma0), angle=kappa0)</a:t>
-            </a:r>
-          </a:p>
-          <a:p>
-            <a:r>
-              <a:rPr lang="en-CA" dirty="0"/>
-              <a:t>Formula: effects of covariates on the transition probability</a:t>
-            </a:r>
-          </a:p>
-          <a:p>
-            <a:pPr lvl="1"/>
-            <a:r>
-              <a:rPr lang="en-CA" dirty="0"/>
-              <a:t>E.g., formula= ~bathy</a:t>
-            </a:r>
-          </a:p>
-          <a:p>
-            <a:endParaRPr lang="en-CA" dirty="0"/>
+              <a:t> – name of angular covariate for which to calculate the relative angle (e.g., turn angle relative to wind</a:t>
+            </a:r>
           </a:p>
         </p:txBody>
       </p:sp>
@@ -5659,7 +8403,7 @@
           <p:cNvPr id="3" name="Slide Number Placeholder 2">
             <a:extLst>
               <a:ext uri="{FF2B5EF4-FFF2-40B4-BE49-F238E27FC236}">
-                <a16:creationId xmlns:a16="http://schemas.microsoft.com/office/drawing/2014/main" id="{4CB58DD9-7462-4F66-B011-DAC7CF9A358D}"/>
+                <a16:creationId xmlns:a16="http://schemas.microsoft.com/office/drawing/2014/main" id="{FB82CA19-DDF8-4679-8F6B-C6019D4941CE}"/>
               </a:ext>
             </a:extLst>
           </p:cNvPr>
@@ -5689,7 +8433,7 @@
           <p:cNvPr id="4" name="Title 3">
             <a:extLst>
               <a:ext uri="{FF2B5EF4-FFF2-40B4-BE49-F238E27FC236}">
-                <a16:creationId xmlns:a16="http://schemas.microsoft.com/office/drawing/2014/main" id="{D59B0DCA-D1B0-4D44-8C96-53954CF5FE58}"/>
+                <a16:creationId xmlns:a16="http://schemas.microsoft.com/office/drawing/2014/main" id="{6A30EBB8-01EB-4A75-993E-FD32E3FF45E4}"/>
               </a:ext>
             </a:extLst>
           </p:cNvPr>
@@ -5706,19 +8450,60 @@
           <a:lstStyle/>
           <a:p>
             <a:r>
-              <a:rPr lang="en-US" dirty="0" err="1">
-                <a:cs typeface="Courier New" panose="02070309020205020404" pitchFamily="49" charset="0"/>
+              <a:rPr lang="en-US" sz="2400" dirty="0" err="1">
+                <a:latin typeface="Lucida Console" panose="020B0609040504020204" pitchFamily="49" charset="0"/>
               </a:rPr>
-              <a:t>fitHMM</a:t>
-            </a:r>
-            <a:endParaRPr lang="en-US" dirty="0"/>
+              <a:t>prepData</a:t>
+            </a:r>
+            <a:r>
+              <a:rPr lang="en-US" sz="2400" dirty="0">
+                <a:latin typeface="Lucida Console" panose="020B0609040504020204" pitchFamily="49" charset="0"/>
+              </a:rPr>
+              <a:t>(data, type = "LL", </a:t>
+            </a:r>
+            <a:r>
+              <a:rPr lang="en-US" sz="2400" dirty="0" err="1">
+                <a:latin typeface="Lucida Console" panose="020B0609040504020204" pitchFamily="49" charset="0"/>
+              </a:rPr>
+              <a:t>coordNames</a:t>
+            </a:r>
+            <a:r>
+              <a:rPr lang="en-US" sz="2400" dirty="0">
+                <a:latin typeface="Lucida Console" panose="020B0609040504020204" pitchFamily="49" charset="0"/>
+              </a:rPr>
+              <a:t> = c("</a:t>
+            </a:r>
+            <a:r>
+              <a:rPr lang="en-US" sz="2400" dirty="0" err="1">
+                <a:latin typeface="Lucida Console" panose="020B0609040504020204" pitchFamily="49" charset="0"/>
+              </a:rPr>
+              <a:t>lon</a:t>
+            </a:r>
+            <a:r>
+              <a:rPr lang="en-US" sz="2400" dirty="0">
+                <a:latin typeface="Lucida Console" panose="020B0609040504020204" pitchFamily="49" charset="0"/>
+              </a:rPr>
+              <a:t>", "</a:t>
+            </a:r>
+            <a:r>
+              <a:rPr lang="en-US" sz="2400" dirty="0" err="1">
+                <a:latin typeface="Lucida Console" panose="020B0609040504020204" pitchFamily="49" charset="0"/>
+              </a:rPr>
+              <a:t>lat</a:t>
+            </a:r>
+            <a:r>
+              <a:rPr lang="en-US" sz="2400" dirty="0">
+                <a:latin typeface="Lucida Console" panose="020B0609040504020204" pitchFamily="49" charset="0"/>
+              </a:rPr>
+              <a:t>"))</a:t>
+            </a:r>
           </a:p>
         </p:txBody>
       </p:sp>
     </p:spTree>
     <p:extLst>
       <p:ext uri="{BB962C8B-B14F-4D97-AF65-F5344CB8AC3E}">
-        <p14:creationId xmlns:p14="http://schemas.microsoft.com/office/powerpoint/2010/main" val="2920903825"/>
+        <p14:creationId xmlns:p14="http://schemas.microsoft.com/office/powerpoint/2010/main" val="1623288044"/>
       </p:ext>
     </p:extLst>
   </p:cSld>

--- a/Day1/HMM_Tutorial_Day1.pptx
+++ b/Day1/HMM_Tutorial_Day1.pptx
@@ -4058,6 +4058,123 @@
           <a:chExt cx="0" cy="0"/>
         </a:xfrm>
       </p:grpSpPr>
+      <p:grpSp>
+        <p:nvGrpSpPr>
+          <p:cNvPr id="84" name="Group 83">
+            <a:extLst>
+              <a:ext uri="{FF2B5EF4-FFF2-40B4-BE49-F238E27FC236}">
+                <a16:creationId xmlns:a16="http://schemas.microsoft.com/office/drawing/2014/main" id="{50AD2639-C5B8-41E6-8F8B-7BDE21256F0D}"/>
+              </a:ext>
+            </a:extLst>
+          </p:cNvPr>
+          <p:cNvGrpSpPr/>
+          <p:nvPr/>
+        </p:nvGrpSpPr>
+        <p:grpSpPr>
+          <a:xfrm>
+            <a:off x="7825781" y="3132881"/>
+            <a:ext cx="2595382" cy="0"/>
+            <a:chOff x="2882724" y="4687767"/>
+            <a:chExt cx="2223115" cy="0"/>
+          </a:xfrm>
+        </p:grpSpPr>
+        <p:cxnSp>
+          <p:nvCxnSpPr>
+            <p:cNvPr id="85" name="Straight Arrow Connector 84">
+              <a:extLst>
+                <a:ext uri="{FF2B5EF4-FFF2-40B4-BE49-F238E27FC236}">
+                  <a16:creationId xmlns:a16="http://schemas.microsoft.com/office/drawing/2014/main" id="{FC888879-E7E0-4892-8EF9-35C9DA0DFECF}"/>
+                </a:ext>
+              </a:extLst>
+            </p:cNvPr>
+            <p:cNvCxnSpPr>
+              <a:cxnSpLocks/>
+            </p:cNvCxnSpPr>
+            <p:nvPr/>
+          </p:nvCxnSpPr>
+          <p:spPr>
+            <a:xfrm>
+              <a:off x="3994281" y="4687767"/>
+              <a:ext cx="1111558" cy="0"/>
+            </a:xfrm>
+            <a:prstGeom prst="straightConnector1">
+              <a:avLst/>
+            </a:prstGeom>
+            <a:ln w="15875">
+              <a:solidFill>
+                <a:srgbClr val="084081">
+                  <a:alpha val="74000"/>
+                </a:srgbClr>
+              </a:solidFill>
+              <a:prstDash val="dash"/>
+              <a:headEnd type="none" w="med" len="med"/>
+              <a:tailEnd type="stealth" w="med" len="med"/>
+            </a:ln>
+          </p:spPr>
+          <p:style>
+            <a:lnRef idx="1">
+              <a:schemeClr val="accent1"/>
+            </a:lnRef>
+            <a:fillRef idx="0">
+              <a:schemeClr val="accent1"/>
+            </a:fillRef>
+            <a:effectRef idx="0">
+              <a:schemeClr val="accent1"/>
+            </a:effectRef>
+            <a:fontRef idx="minor">
+              <a:schemeClr val="tx1"/>
+            </a:fontRef>
+          </p:style>
+        </p:cxnSp>
+        <p:cxnSp>
+          <p:nvCxnSpPr>
+            <p:cNvPr id="86" name="Straight Arrow Connector 85">
+              <a:extLst>
+                <a:ext uri="{FF2B5EF4-FFF2-40B4-BE49-F238E27FC236}">
+                  <a16:creationId xmlns:a16="http://schemas.microsoft.com/office/drawing/2014/main" id="{B47CCA16-E053-458A-A0A4-9BE62B975545}"/>
+                </a:ext>
+              </a:extLst>
+            </p:cNvPr>
+            <p:cNvCxnSpPr>
+              <a:cxnSpLocks/>
+            </p:cNvCxnSpPr>
+            <p:nvPr/>
+          </p:nvCxnSpPr>
+          <p:spPr>
+            <a:xfrm>
+              <a:off x="2882724" y="4687767"/>
+              <a:ext cx="1111558" cy="0"/>
+            </a:xfrm>
+            <a:prstGeom prst="straightConnector1">
+              <a:avLst/>
+            </a:prstGeom>
+            <a:ln w="15875">
+              <a:solidFill>
+                <a:srgbClr val="084081">
+                  <a:alpha val="0"/>
+                </a:srgbClr>
+              </a:solidFill>
+              <a:prstDash val="dash"/>
+              <a:headEnd type="stealth" w="med" len="med"/>
+              <a:tailEnd type="none" w="lg" len="lg"/>
+            </a:ln>
+          </p:spPr>
+          <p:style>
+            <a:lnRef idx="1">
+              <a:schemeClr val="accent1"/>
+            </a:lnRef>
+            <a:fillRef idx="0">
+              <a:schemeClr val="accent1"/>
+            </a:fillRef>
+            <a:effectRef idx="0">
+              <a:schemeClr val="accent1"/>
+            </a:effectRef>
+            <a:fontRef idx="minor">
+              <a:schemeClr val="tx1"/>
+            </a:fontRef>
+          </p:style>
+        </p:cxnSp>
+      </p:grpSp>
       <p:sp>
         <p:nvSpPr>
           <p:cNvPr id="2" name="Content Placeholder 1">
@@ -4074,7 +4191,12 @@
             <p:ph idx="1"/>
           </p:nvPr>
         </p:nvSpPr>
-        <p:spPr/>
+        <p:spPr>
+          <a:xfrm>
+            <a:off x="623947" y="1431144"/>
+            <a:ext cx="10944109" cy="5262264"/>
+          </a:xfrm>
+        </p:spPr>
         <p:txBody>
           <a:bodyPr>
             <a:normAutofit/>
@@ -4150,21 +4272,20 @@
             </a:r>
             <a:r>
               <a:rPr lang="en-US" dirty="0"/>
-              <a:t>.g., gamma for step length and von Mises for turning angle</a:t>
+              <a:t>.g., gamma for step length and </a:t>
+            </a:r>
+            <a:br>
+              <a:rPr lang="en-US" dirty="0"/>
+            </a:br>
+            <a:r>
+              <a:rPr lang="en-US" dirty="0"/>
+              <a:t>von Mises for turning angle</a:t>
             </a:r>
           </a:p>
           <a:p>
             <a:pPr lvl="1"/>
             <a:r>
-              <a:rPr lang="en-CA" dirty="0"/>
-              <a:t>E.</a:t>
-            </a:r>
-            <a:r>
-              <a:rPr lang="en-US" dirty="0"/>
-              <a:t>g., </a:t>
-            </a:r>
-            <a:r>
-              <a:rPr lang="en-US" dirty="0" err="1">
+              <a:rPr lang="en-US" sz="2000" dirty="0" err="1">
                 <a:solidFill>
                   <a:schemeClr val="bg2">
                     <a:lumMod val="10000"/>
@@ -4176,7 +4297,7 @@
               <a:t>dist</a:t>
             </a:r>
             <a:r>
-              <a:rPr lang="en-US" dirty="0">
+              <a:rPr lang="en-US" sz="2000" dirty="0">
                 <a:solidFill>
                   <a:schemeClr val="bg2">
                     <a:lumMod val="10000"/>
@@ -4188,7 +4309,7 @@
               <a:t>=list(step="gamma", angle="</a:t>
             </a:r>
             <a:r>
-              <a:rPr lang="en-US" dirty="0" err="1">
+              <a:rPr lang="en-US" sz="2000" dirty="0" err="1">
                 <a:solidFill>
                   <a:schemeClr val="bg2">
                     <a:lumMod val="10000"/>
@@ -4200,7 +4321,7 @@
               <a:t>vm</a:t>
             </a:r>
             <a:r>
-              <a:rPr lang="en-US" dirty="0">
+              <a:rPr lang="en-US" sz="2000" dirty="0">
                 <a:solidFill>
                   <a:schemeClr val="bg2">
                     <a:lumMod val="10000"/>
@@ -4211,6 +4332,26 @@
               </a:rPr>
               <a:t>")</a:t>
             </a:r>
+            <a:br>
+              <a:rPr lang="en-US" sz="2000" dirty="0">
+                <a:solidFill>
+                  <a:schemeClr val="bg2">
+                    <a:lumMod val="10000"/>
+                  </a:schemeClr>
+                </a:solidFill>
+                <a:latin typeface="Lucida Console" panose="020B0609040504020204" pitchFamily="49" charset="0"/>
+                <a:cs typeface="Courier New" panose="02070309020205020404" pitchFamily="49" charset="0"/>
+              </a:rPr>
+            </a:br>
+            <a:endParaRPr lang="en-US" sz="2000" dirty="0">
+              <a:solidFill>
+                <a:schemeClr val="bg2">
+                  <a:lumMod val="10000"/>
+                </a:schemeClr>
+              </a:solidFill>
+              <a:latin typeface="Lucida Console" panose="020B0609040504020204" pitchFamily="49" charset="0"/>
+              <a:cs typeface="Courier New" panose="02070309020205020404" pitchFamily="49" charset="0"/>
+            </a:endParaRPr>
           </a:p>
           <a:p>
             <a:r>
@@ -4434,6 +4575,3048 @@
           </a:p>
         </p:txBody>
       </p:sp>
+      <p:grpSp>
+        <p:nvGrpSpPr>
+          <p:cNvPr id="12" name="Group 11">
+            <a:extLst>
+              <a:ext uri="{FF2B5EF4-FFF2-40B4-BE49-F238E27FC236}">
+                <a16:creationId xmlns:a16="http://schemas.microsoft.com/office/drawing/2014/main" id="{638034D2-E960-4DBD-BB57-DE7C64C43611}"/>
+              </a:ext>
+            </a:extLst>
+          </p:cNvPr>
+          <p:cNvGrpSpPr/>
+          <p:nvPr/>
+        </p:nvGrpSpPr>
+        <p:grpSpPr>
+          <a:xfrm>
+            <a:off x="9671635" y="1419953"/>
+            <a:ext cx="1453526" cy="1085205"/>
+            <a:chOff x="3855286" y="1529525"/>
+            <a:chExt cx="2128108" cy="1588848"/>
+          </a:xfrm>
+        </p:grpSpPr>
+        <p:sp>
+          <p:nvSpPr>
+            <p:cNvPr id="13" name="Freeform: Shape 12">
+              <a:extLst>
+                <a:ext uri="{FF2B5EF4-FFF2-40B4-BE49-F238E27FC236}">
+                  <a16:creationId xmlns:a16="http://schemas.microsoft.com/office/drawing/2014/main" id="{44592AB2-735C-42FE-B968-C2F6C349B549}"/>
+                </a:ext>
+              </a:extLst>
+            </p:cNvPr>
+            <p:cNvSpPr/>
+            <p:nvPr/>
+          </p:nvSpPr>
+          <p:spPr>
+            <a:xfrm>
+              <a:off x="5188682" y="1529525"/>
+              <a:ext cx="529055" cy="529055"/>
+            </a:xfrm>
+            <a:custGeom>
+              <a:avLst/>
+              <a:gdLst>
+                <a:gd name="connsiteX0" fmla="*/ 398470 w 796940"/>
+                <a:gd name="connsiteY0" fmla="*/ 0 h 796939"/>
+                <a:gd name="connsiteX1" fmla="*/ 490646 w 796940"/>
+                <a:gd name="connsiteY1" fmla="*/ 38180 h 796939"/>
+                <a:gd name="connsiteX2" fmla="*/ 758760 w 796940"/>
+                <a:gd name="connsiteY2" fmla="*/ 306294 h 796939"/>
+                <a:gd name="connsiteX3" fmla="*/ 787395 w 796940"/>
+                <a:gd name="connsiteY3" fmla="*/ 447523 h 796939"/>
+                <a:gd name="connsiteX4" fmla="*/ 758761 w 796940"/>
+                <a:gd name="connsiteY4" fmla="*/ 490644 h 796939"/>
+                <a:gd name="connsiteX5" fmla="*/ 490643 w 796940"/>
+                <a:gd name="connsiteY5" fmla="*/ 758761 h 796939"/>
+                <a:gd name="connsiteX6" fmla="*/ 447524 w 796940"/>
+                <a:gd name="connsiteY6" fmla="*/ 787394 h 796939"/>
+                <a:gd name="connsiteX7" fmla="*/ 306295 w 796940"/>
+                <a:gd name="connsiteY7" fmla="*/ 758759 h 796939"/>
+                <a:gd name="connsiteX8" fmla="*/ 38181 w 796940"/>
+                <a:gd name="connsiteY8" fmla="*/ 490645 h 796939"/>
+                <a:gd name="connsiteX9" fmla="*/ 38181 w 796940"/>
+                <a:gd name="connsiteY9" fmla="*/ 306292 h 796939"/>
+                <a:gd name="connsiteX10" fmla="*/ 306293 w 796940"/>
+                <a:gd name="connsiteY10" fmla="*/ 38180 h 796939"/>
+                <a:gd name="connsiteX11" fmla="*/ 398470 w 796940"/>
+                <a:gd name="connsiteY11" fmla="*/ 0 h 796939"/>
+              </a:gdLst>
+              <a:ahLst/>
+              <a:cxnLst>
+                <a:cxn ang="0">
+                  <a:pos x="connsiteX0" y="connsiteY0"/>
+                </a:cxn>
+                <a:cxn ang="0">
+                  <a:pos x="connsiteX1" y="connsiteY1"/>
+                </a:cxn>
+                <a:cxn ang="0">
+                  <a:pos x="connsiteX2" y="connsiteY2"/>
+                </a:cxn>
+                <a:cxn ang="0">
+                  <a:pos x="connsiteX3" y="connsiteY3"/>
+                </a:cxn>
+                <a:cxn ang="0">
+                  <a:pos x="connsiteX4" y="connsiteY4"/>
+                </a:cxn>
+                <a:cxn ang="0">
+                  <a:pos x="connsiteX5" y="connsiteY5"/>
+                </a:cxn>
+                <a:cxn ang="0">
+                  <a:pos x="connsiteX6" y="connsiteY6"/>
+                </a:cxn>
+                <a:cxn ang="0">
+                  <a:pos x="connsiteX7" y="connsiteY7"/>
+                </a:cxn>
+                <a:cxn ang="0">
+                  <a:pos x="connsiteX8" y="connsiteY8"/>
+                </a:cxn>
+                <a:cxn ang="0">
+                  <a:pos x="connsiteX9" y="connsiteY9"/>
+                </a:cxn>
+                <a:cxn ang="0">
+                  <a:pos x="connsiteX10" y="connsiteY10"/>
+                </a:cxn>
+                <a:cxn ang="0">
+                  <a:pos x="connsiteX11" y="connsiteY11"/>
+                </a:cxn>
+              </a:cxnLst>
+              <a:rect l="l" t="t" r="r" b="b"/>
+              <a:pathLst>
+                <a:path w="796940" h="796939">
+                  <a:moveTo>
+                    <a:pt x="398470" y="0"/>
+                  </a:moveTo>
+                  <a:cubicBezTo>
+                    <a:pt x="431831" y="0"/>
+                    <a:pt x="465192" y="12726"/>
+                    <a:pt x="490646" y="38180"/>
+                  </a:cubicBezTo>
+                  <a:lnTo>
+                    <a:pt x="758760" y="306294"/>
+                  </a:lnTo>
+                  <a:cubicBezTo>
+                    <a:pt x="796940" y="344474"/>
+                    <a:pt x="806485" y="400447"/>
+                    <a:pt x="787395" y="447523"/>
+                  </a:cubicBezTo>
+                  <a:lnTo>
+                    <a:pt x="758761" y="490644"/>
+                  </a:lnTo>
+                  <a:lnTo>
+                    <a:pt x="490643" y="758761"/>
+                  </a:lnTo>
+                  <a:lnTo>
+                    <a:pt x="447524" y="787394"/>
+                  </a:lnTo>
+                  <a:cubicBezTo>
+                    <a:pt x="400448" y="806484"/>
+                    <a:pt x="344475" y="796939"/>
+                    <a:pt x="306295" y="758759"/>
+                  </a:cubicBezTo>
+                  <a:lnTo>
+                    <a:pt x="38181" y="490645"/>
+                  </a:lnTo>
+                  <a:cubicBezTo>
+                    <a:pt x="-12726" y="439737"/>
+                    <a:pt x="-12726" y="357200"/>
+                    <a:pt x="38181" y="306292"/>
+                  </a:cubicBezTo>
+                  <a:lnTo>
+                    <a:pt x="306293" y="38180"/>
+                  </a:lnTo>
+                  <a:cubicBezTo>
+                    <a:pt x="331747" y="12726"/>
+                    <a:pt x="365108" y="0"/>
+                    <a:pt x="398470" y="0"/>
+                  </a:cubicBezTo>
+                  <a:close/>
+                </a:path>
+              </a:pathLst>
+            </a:custGeom>
+            <a:solidFill>
+              <a:srgbClr val="D7301F">
+                <a:alpha val="94902"/>
+              </a:srgbClr>
+            </a:solidFill>
+            <a:ln w="28575">
+              <a:solidFill>
+                <a:srgbClr val="B30000"/>
+              </a:solidFill>
+            </a:ln>
+          </p:spPr>
+          <p:style>
+            <a:lnRef idx="2">
+              <a:schemeClr val="accent1">
+                <a:shade val="50000"/>
+              </a:schemeClr>
+            </a:lnRef>
+            <a:fillRef idx="1">
+              <a:schemeClr val="accent1"/>
+            </a:fillRef>
+            <a:effectRef idx="0">
+              <a:schemeClr val="accent1"/>
+            </a:effectRef>
+            <a:fontRef idx="minor">
+              <a:schemeClr val="lt1"/>
+            </a:fontRef>
+          </p:style>
+          <p:txBody>
+            <a:bodyPr wrap="square" lIns="0" tIns="0" rIns="0" bIns="72000" rtlCol="0" anchor="ctr">
+              <a:noAutofit/>
+            </a:bodyPr>
+            <a:lstStyle/>
+            <a:p>
+              <a:pPr algn="ctr"/>
+              <a:endParaRPr lang="en-CA" dirty="0"/>
+            </a:p>
+          </p:txBody>
+        </p:sp>
+        <p:grpSp>
+          <p:nvGrpSpPr>
+            <p:cNvPr id="14" name="Group 13">
+              <a:extLst>
+                <a:ext uri="{FF2B5EF4-FFF2-40B4-BE49-F238E27FC236}">
+                  <a16:creationId xmlns:a16="http://schemas.microsoft.com/office/drawing/2014/main" id="{FEA872DA-A403-4487-B66C-D9784F9FF808}"/>
+                </a:ext>
+              </a:extLst>
+            </p:cNvPr>
+            <p:cNvGrpSpPr/>
+            <p:nvPr/>
+          </p:nvGrpSpPr>
+          <p:grpSpPr>
+            <a:xfrm>
+              <a:off x="3855286" y="1561920"/>
+              <a:ext cx="2128108" cy="1556453"/>
+              <a:chOff x="7431114" y="3322415"/>
+              <a:chExt cx="3244781" cy="2373164"/>
+            </a:xfrm>
+          </p:grpSpPr>
+          <p:sp>
+            <p:nvSpPr>
+              <p:cNvPr id="15" name="State Drift">
+                <a:extLst>
+                  <a:ext uri="{FF2B5EF4-FFF2-40B4-BE49-F238E27FC236}">
+                    <a16:creationId xmlns:a16="http://schemas.microsoft.com/office/drawing/2014/main" id="{40E71E19-7824-4440-8B4C-F76628AFB020}"/>
+                  </a:ext>
+                </a:extLst>
+              </p:cNvPr>
+              <p:cNvSpPr>
+                <a:spLocks noChangeAspect="1" noEditPoints="1" noChangeArrowheads="1" noChangeShapeType="1"/>
+              </p:cNvSpPr>
+              <p:nvPr/>
+            </p:nvSpPr>
+            <p:spPr bwMode="auto">
+              <a:xfrm rot="16200000" flipH="1">
+                <a:off x="8667262" y="4623014"/>
+                <a:ext cx="727095" cy="726882"/>
+              </a:xfrm>
+              <a:prstGeom prst="ellipse">
+                <a:avLst/>
+              </a:prstGeom>
+              <a:solidFill>
+                <a:srgbClr val="94D9FA"/>
+              </a:solidFill>
+              <a:ln w="38100" algn="ctr">
+                <a:solidFill>
+                  <a:srgbClr val="28ABCA"/>
+                </a:solidFill>
+                <a:miter lim="800000"/>
+                <a:headEnd/>
+                <a:tailEnd/>
+              </a:ln>
+            </p:spPr>
+            <p:txBody>
+              <a:bodyPr vert="horz" wrap="square" lIns="91440" tIns="45720" rIns="91440" bIns="45720" numCol="1" anchor="ctr" anchorCtr="0" compatLnSpc="1">
+                <a:prstTxWarp prst="textNoShape">
+                  <a:avLst/>
+                </a:prstTxWarp>
+              </a:bodyPr>
+              <a:lstStyle/>
+              <a:p>
+                <a:endParaRPr lang="en-CA" sz="2400"/>
+              </a:p>
+            </p:txBody>
+          </p:sp>
+          <p:sp>
+            <p:nvSpPr>
+              <p:cNvPr id="46" name="rounded triangle">
+                <a:extLst>
+                  <a:ext uri="{FF2B5EF4-FFF2-40B4-BE49-F238E27FC236}">
+                    <a16:creationId xmlns:a16="http://schemas.microsoft.com/office/drawing/2014/main" id="{CAA0794B-CBC5-4A50-9444-9A82DA772567}"/>
+                  </a:ext>
+                </a:extLst>
+              </p:cNvPr>
+              <p:cNvSpPr/>
+              <p:nvPr/>
+            </p:nvSpPr>
+            <p:spPr>
+              <a:xfrm flipH="1" flipV="1">
+                <a:off x="7791423" y="3322415"/>
+                <a:ext cx="823184" cy="749031"/>
+              </a:xfrm>
+              <a:custGeom>
+                <a:avLst/>
+                <a:gdLst>
+                  <a:gd name="connsiteX0" fmla="*/ 3187448 w 6376063"/>
+                  <a:gd name="connsiteY0" fmla="*/ 0 h 5801697"/>
+                  <a:gd name="connsiteX1" fmla="*/ 2378058 w 6376063"/>
+                  <a:gd name="connsiteY1" fmla="*/ 369907 h 5801697"/>
+                  <a:gd name="connsiteX2" fmla="*/ 2304880 w 6376063"/>
+                  <a:gd name="connsiteY2" fmla="*/ 465367 h 5801697"/>
+                  <a:gd name="connsiteX3" fmla="*/ 2281974 w 6376063"/>
+                  <a:gd name="connsiteY3" fmla="*/ 504859 h 5801697"/>
+                  <a:gd name="connsiteX4" fmla="*/ 2245788 w 6376063"/>
+                  <a:gd name="connsiteY4" fmla="*/ 571527 h 5801697"/>
+                  <a:gd name="connsiteX5" fmla="*/ 2243306 w 6376063"/>
+                  <a:gd name="connsiteY5" fmla="*/ 571527 h 5801697"/>
+                  <a:gd name="connsiteX6" fmla="*/ 146609 w 6376063"/>
+                  <a:gd name="connsiteY6" fmla="*/ 4186515 h 5801697"/>
+                  <a:gd name="connsiteX7" fmla="*/ 148350 w 6376063"/>
+                  <a:gd name="connsiteY7" fmla="*/ 4189530 h 5801697"/>
+                  <a:gd name="connsiteX8" fmla="*/ 129193 w 6376063"/>
+                  <a:gd name="connsiteY8" fmla="*/ 4221063 h 5801697"/>
+                  <a:gd name="connsiteX9" fmla="*/ 1 w 6376063"/>
+                  <a:gd name="connsiteY9" fmla="*/ 4731285 h 5801697"/>
+                  <a:gd name="connsiteX10" fmla="*/ 960969 w 6376063"/>
+                  <a:gd name="connsiteY10" fmla="*/ 5796172 h 5801697"/>
+                  <a:gd name="connsiteX11" fmla="*/ 1070393 w 6376063"/>
+                  <a:gd name="connsiteY11" fmla="*/ 5801697 h 5801697"/>
+                  <a:gd name="connsiteX12" fmla="*/ 1070433 w 6376063"/>
+                  <a:gd name="connsiteY12" fmla="*/ 5801697 h 5801697"/>
+                  <a:gd name="connsiteX13" fmla="*/ 1078889 w 6376063"/>
+                  <a:gd name="connsiteY13" fmla="*/ 5801270 h 5801697"/>
+                  <a:gd name="connsiteX14" fmla="*/ 1079135 w 6376063"/>
+                  <a:gd name="connsiteY14" fmla="*/ 5801697 h 5801697"/>
+                  <a:gd name="connsiteX15" fmla="*/ 5290111 w 6376063"/>
+                  <a:gd name="connsiteY15" fmla="*/ 5801697 h 5801697"/>
+                  <a:gd name="connsiteX16" fmla="*/ 5290551 w 6376063"/>
+                  <a:gd name="connsiteY16" fmla="*/ 5800936 h 5801697"/>
+                  <a:gd name="connsiteX17" fmla="*/ 5305631 w 6376063"/>
+                  <a:gd name="connsiteY17" fmla="*/ 5801697 h 5801697"/>
+                  <a:gd name="connsiteX18" fmla="*/ 5305671 w 6376063"/>
+                  <a:gd name="connsiteY18" fmla="*/ 5801697 h 5801697"/>
+                  <a:gd name="connsiteX19" fmla="*/ 5415094 w 6376063"/>
+                  <a:gd name="connsiteY19" fmla="*/ 5796172 h 5801697"/>
+                  <a:gd name="connsiteX20" fmla="*/ 6376063 w 6376063"/>
+                  <a:gd name="connsiteY20" fmla="*/ 4731285 h 5801697"/>
+                  <a:gd name="connsiteX21" fmla="*/ 6246869 w 6376063"/>
+                  <a:gd name="connsiteY21" fmla="*/ 4221062 h 5801697"/>
+                  <a:gd name="connsiteX22" fmla="*/ 6224218 w 6376063"/>
+                  <a:gd name="connsiteY22" fmla="*/ 4183776 h 5801697"/>
+                  <a:gd name="connsiteX23" fmla="*/ 6225457 w 6376063"/>
+                  <a:gd name="connsiteY23" fmla="*/ 4181630 h 5801697"/>
+                  <a:gd name="connsiteX24" fmla="*/ 4131594 w 6376063"/>
+                  <a:gd name="connsiteY24" fmla="*/ 571527 h 5801697"/>
+                  <a:gd name="connsiteX25" fmla="*/ 4129108 w 6376063"/>
+                  <a:gd name="connsiteY25" fmla="*/ 571527 h 5801697"/>
+                  <a:gd name="connsiteX26" fmla="*/ 4092857 w 6376063"/>
+                  <a:gd name="connsiteY26" fmla="*/ 504739 h 5801697"/>
+                  <a:gd name="connsiteX27" fmla="*/ 4070035 w 6376063"/>
+                  <a:gd name="connsiteY27" fmla="*/ 465392 h 5801697"/>
+                  <a:gd name="connsiteX28" fmla="*/ 3996838 w 6376063"/>
+                  <a:gd name="connsiteY28" fmla="*/ 369907 h 5801697"/>
+                  <a:gd name="connsiteX29" fmla="*/ 3187448 w 6376063"/>
+                  <a:gd name="connsiteY29" fmla="*/ 0 h 5801697"/>
+                </a:gdLst>
+                <a:ahLst/>
+                <a:cxnLst>
+                  <a:cxn ang="0">
+                    <a:pos x="connsiteX0" y="connsiteY0"/>
+                  </a:cxn>
+                  <a:cxn ang="0">
+                    <a:pos x="connsiteX1" y="connsiteY1"/>
+                  </a:cxn>
+                  <a:cxn ang="0">
+                    <a:pos x="connsiteX2" y="connsiteY2"/>
+                  </a:cxn>
+                  <a:cxn ang="0">
+                    <a:pos x="connsiteX3" y="connsiteY3"/>
+                  </a:cxn>
+                  <a:cxn ang="0">
+                    <a:pos x="connsiteX4" y="connsiteY4"/>
+                  </a:cxn>
+                  <a:cxn ang="0">
+                    <a:pos x="connsiteX5" y="connsiteY5"/>
+                  </a:cxn>
+                  <a:cxn ang="0">
+                    <a:pos x="connsiteX6" y="connsiteY6"/>
+                  </a:cxn>
+                  <a:cxn ang="0">
+                    <a:pos x="connsiteX7" y="connsiteY7"/>
+                  </a:cxn>
+                  <a:cxn ang="0">
+                    <a:pos x="connsiteX8" y="connsiteY8"/>
+                  </a:cxn>
+                  <a:cxn ang="0">
+                    <a:pos x="connsiteX9" y="connsiteY9"/>
+                  </a:cxn>
+                  <a:cxn ang="0">
+                    <a:pos x="connsiteX10" y="connsiteY10"/>
+                  </a:cxn>
+                  <a:cxn ang="0">
+                    <a:pos x="connsiteX11" y="connsiteY11"/>
+                  </a:cxn>
+                  <a:cxn ang="0">
+                    <a:pos x="connsiteX12" y="connsiteY12"/>
+                  </a:cxn>
+                  <a:cxn ang="0">
+                    <a:pos x="connsiteX13" y="connsiteY13"/>
+                  </a:cxn>
+                  <a:cxn ang="0">
+                    <a:pos x="connsiteX14" y="connsiteY14"/>
+                  </a:cxn>
+                  <a:cxn ang="0">
+                    <a:pos x="connsiteX15" y="connsiteY15"/>
+                  </a:cxn>
+                  <a:cxn ang="0">
+                    <a:pos x="connsiteX16" y="connsiteY16"/>
+                  </a:cxn>
+                  <a:cxn ang="0">
+                    <a:pos x="connsiteX17" y="connsiteY17"/>
+                  </a:cxn>
+                  <a:cxn ang="0">
+                    <a:pos x="connsiteX18" y="connsiteY18"/>
+                  </a:cxn>
+                  <a:cxn ang="0">
+                    <a:pos x="connsiteX19" y="connsiteY19"/>
+                  </a:cxn>
+                  <a:cxn ang="0">
+                    <a:pos x="connsiteX20" y="connsiteY20"/>
+                  </a:cxn>
+                  <a:cxn ang="0">
+                    <a:pos x="connsiteX21" y="connsiteY21"/>
+                  </a:cxn>
+                  <a:cxn ang="0">
+                    <a:pos x="connsiteX22" y="connsiteY22"/>
+                  </a:cxn>
+                  <a:cxn ang="0">
+                    <a:pos x="connsiteX23" y="connsiteY23"/>
+                  </a:cxn>
+                  <a:cxn ang="0">
+                    <a:pos x="connsiteX24" y="connsiteY24"/>
+                  </a:cxn>
+                  <a:cxn ang="0">
+                    <a:pos x="connsiteX25" y="connsiteY25"/>
+                  </a:cxn>
+                  <a:cxn ang="0">
+                    <a:pos x="connsiteX26" y="connsiteY26"/>
+                  </a:cxn>
+                  <a:cxn ang="0">
+                    <a:pos x="connsiteX27" y="connsiteY27"/>
+                  </a:cxn>
+                  <a:cxn ang="0">
+                    <a:pos x="connsiteX28" y="connsiteY28"/>
+                  </a:cxn>
+                  <a:cxn ang="0">
+                    <a:pos x="connsiteX29" y="connsiteY29"/>
+                  </a:cxn>
+                </a:cxnLst>
+                <a:rect l="l" t="t" r="r" b="b"/>
+                <a:pathLst>
+                  <a:path w="6376063" h="5801697">
+                    <a:moveTo>
+                      <a:pt x="3187448" y="0"/>
+                    </a:moveTo>
+                    <a:cubicBezTo>
+                      <a:pt x="2864151" y="0"/>
+                      <a:pt x="2574328" y="143327"/>
+                      <a:pt x="2378058" y="369907"/>
+                    </a:cubicBezTo>
+                    <a:lnTo>
+                      <a:pt x="2304880" y="465367"/>
+                    </a:lnTo>
+                    <a:lnTo>
+                      <a:pt x="2281974" y="504859"/>
+                    </a:lnTo>
+                    <a:lnTo>
+                      <a:pt x="2245788" y="571527"/>
+                    </a:lnTo>
+                    <a:lnTo>
+                      <a:pt x="2243306" y="571527"/>
+                    </a:lnTo>
+                    <a:lnTo>
+                      <a:pt x="146609" y="4186515"/>
+                    </a:lnTo>
+                    <a:lnTo>
+                      <a:pt x="148350" y="4189530"/>
+                    </a:lnTo>
+                    <a:lnTo>
+                      <a:pt x="129193" y="4221063"/>
+                    </a:lnTo>
+                    <a:cubicBezTo>
+                      <a:pt x="46801" y="4372733"/>
+                      <a:pt x="0" y="4546544"/>
+                      <a:pt x="1" y="4731285"/>
+                    </a:cubicBezTo>
+                    <a:cubicBezTo>
+                      <a:pt x="0" y="5285509"/>
+                      <a:pt x="421207" y="5741355"/>
+                      <a:pt x="960969" y="5796172"/>
+                    </a:cubicBezTo>
+                    <a:lnTo>
+                      <a:pt x="1070393" y="5801697"/>
+                    </a:lnTo>
+                    <a:lnTo>
+                      <a:pt x="1070433" y="5801697"/>
+                    </a:lnTo>
+                    <a:lnTo>
+                      <a:pt x="1078889" y="5801270"/>
+                    </a:lnTo>
+                    <a:lnTo>
+                      <a:pt x="1079135" y="5801697"/>
+                    </a:lnTo>
+                    <a:lnTo>
+                      <a:pt x="5290111" y="5801697"/>
+                    </a:lnTo>
+                    <a:lnTo>
+                      <a:pt x="5290551" y="5800936"/>
+                    </a:lnTo>
+                    <a:lnTo>
+                      <a:pt x="5305631" y="5801697"/>
+                    </a:lnTo>
+                    <a:lnTo>
+                      <a:pt x="5305671" y="5801697"/>
+                    </a:lnTo>
+                    <a:lnTo>
+                      <a:pt x="5415094" y="5796172"/>
+                    </a:lnTo>
+                    <a:cubicBezTo>
+                      <a:pt x="5954856" y="5741357"/>
+                      <a:pt x="6376063" y="5285510"/>
+                      <a:pt x="6376063" y="4731285"/>
+                    </a:cubicBezTo>
+                    <a:cubicBezTo>
+                      <a:pt x="6376063" y="4546543"/>
+                      <a:pt x="6329262" y="4372732"/>
+                      <a:pt x="6246869" y="4221062"/>
+                    </a:cubicBezTo>
+                    <a:lnTo>
+                      <a:pt x="6224218" y="4183776"/>
+                    </a:lnTo>
+                    <a:lnTo>
+                      <a:pt x="6225457" y="4181630"/>
+                    </a:lnTo>
+                    <a:lnTo>
+                      <a:pt x="4131594" y="571527"/>
+                    </a:lnTo>
+                    <a:lnTo>
+                      <a:pt x="4129108" y="571527"/>
+                    </a:lnTo>
+                    <a:lnTo>
+                      <a:pt x="4092857" y="504739"/>
+                    </a:lnTo>
+                    <a:lnTo>
+                      <a:pt x="4070035" y="465392"/>
+                    </a:lnTo>
+                    <a:lnTo>
+                      <a:pt x="3996838" y="369907"/>
+                    </a:lnTo>
+                    <a:cubicBezTo>
+                      <a:pt x="3800567" y="143327"/>
+                      <a:pt x="3510746" y="0"/>
+                      <a:pt x="3187448" y="0"/>
+                    </a:cubicBezTo>
+                    <a:close/>
+                  </a:path>
+                </a:pathLst>
+              </a:custGeom>
+              <a:solidFill>
+                <a:srgbClr val="A735F5"/>
+              </a:solidFill>
+              <a:ln w="38100">
+                <a:solidFill>
+                  <a:srgbClr val="7030A0"/>
+                </a:solidFill>
+              </a:ln>
+            </p:spPr>
+            <p:style>
+              <a:lnRef idx="2">
+                <a:schemeClr val="accent1">
+                  <a:shade val="50000"/>
+                </a:schemeClr>
+              </a:lnRef>
+              <a:fillRef idx="1">
+                <a:schemeClr val="accent1"/>
+              </a:fillRef>
+              <a:effectRef idx="0">
+                <a:schemeClr val="accent1"/>
+              </a:effectRef>
+              <a:fontRef idx="minor">
+                <a:schemeClr val="lt1"/>
+              </a:fontRef>
+            </p:style>
+            <p:txBody>
+              <a:bodyPr wrap="square" rtlCol="0" anchor="ctr">
+                <a:noAutofit/>
+              </a:bodyPr>
+              <a:lstStyle/>
+              <a:p>
+                <a:pPr algn="ctr"/>
+                <a:endParaRPr lang="en-CA" sz="2400"/>
+              </a:p>
+            </p:txBody>
+          </p:sp>
+          <p:grpSp>
+            <p:nvGrpSpPr>
+              <p:cNvPr id="21" name="Group 20">
+                <a:extLst>
+                  <a:ext uri="{FF2B5EF4-FFF2-40B4-BE49-F238E27FC236}">
+                    <a16:creationId xmlns:a16="http://schemas.microsoft.com/office/drawing/2014/main" id="{C93A0A0E-36C9-42E7-AD3F-ABFAE96B0C06}"/>
+                  </a:ext>
+                </a:extLst>
+              </p:cNvPr>
+              <p:cNvGrpSpPr/>
+              <p:nvPr/>
+            </p:nvGrpSpPr>
+            <p:grpSpPr>
+              <a:xfrm>
+                <a:off x="8378236" y="4024764"/>
+                <a:ext cx="461719" cy="655275"/>
+                <a:chOff x="8076935" y="4477313"/>
+                <a:chExt cx="461719" cy="655275"/>
+              </a:xfrm>
+            </p:grpSpPr>
+            <p:cxnSp>
+              <p:nvCxnSpPr>
+                <p:cNvPr id="31" name="Straight Arrow Connector 30">
+                  <a:extLst>
+                    <a:ext uri="{FF2B5EF4-FFF2-40B4-BE49-F238E27FC236}">
+                      <a16:creationId xmlns:a16="http://schemas.microsoft.com/office/drawing/2014/main" id="{B083C235-D1B6-454B-86AE-95FE708CBAA0}"/>
+                    </a:ext>
+                  </a:extLst>
+                </p:cNvPr>
+                <p:cNvCxnSpPr>
+                  <a:cxnSpLocks/>
+                </p:cNvCxnSpPr>
+                <p:nvPr/>
+              </p:nvCxnSpPr>
+              <p:spPr>
+                <a:xfrm>
+                  <a:off x="8149538" y="4477313"/>
+                  <a:ext cx="389116" cy="594109"/>
+                </a:xfrm>
+                <a:prstGeom prst="straightConnector1">
+                  <a:avLst/>
+                </a:prstGeom>
+                <a:ln w="28575">
+                  <a:solidFill>
+                    <a:srgbClr val="084286"/>
+                  </a:solidFill>
+                  <a:headEnd w="lg" len="lg"/>
+                  <a:tailEnd type="triangle" w="med" len="med"/>
+                </a:ln>
+              </p:spPr>
+              <p:style>
+                <a:lnRef idx="1">
+                  <a:schemeClr val="accent1"/>
+                </a:lnRef>
+                <a:fillRef idx="0">
+                  <a:schemeClr val="accent1"/>
+                </a:fillRef>
+                <a:effectRef idx="0">
+                  <a:schemeClr val="accent1"/>
+                </a:effectRef>
+                <a:fontRef idx="minor">
+                  <a:schemeClr val="tx1"/>
+                </a:fontRef>
+              </p:style>
+            </p:cxnSp>
+            <p:cxnSp>
+              <p:nvCxnSpPr>
+                <p:cNvPr id="32" name="Straight Arrow Connector 31">
+                  <a:extLst>
+                    <a:ext uri="{FF2B5EF4-FFF2-40B4-BE49-F238E27FC236}">
+                      <a16:creationId xmlns:a16="http://schemas.microsoft.com/office/drawing/2014/main" id="{54701BA7-9A95-48B3-BA5B-92267B58E011}"/>
+                    </a:ext>
+                  </a:extLst>
+                </p:cNvPr>
+                <p:cNvCxnSpPr>
+                  <a:cxnSpLocks/>
+                </p:cNvCxnSpPr>
+                <p:nvPr/>
+              </p:nvCxnSpPr>
+              <p:spPr>
+                <a:xfrm flipH="1" flipV="1">
+                  <a:off x="8076935" y="4557577"/>
+                  <a:ext cx="376608" cy="575011"/>
+                </a:xfrm>
+                <a:prstGeom prst="straightConnector1">
+                  <a:avLst/>
+                </a:prstGeom>
+                <a:ln w="28575">
+                  <a:solidFill>
+                    <a:srgbClr val="084286"/>
+                  </a:solidFill>
+                  <a:headEnd w="lg" len="lg"/>
+                  <a:tailEnd type="triangle" w="med" len="med"/>
+                </a:ln>
+              </p:spPr>
+              <p:style>
+                <a:lnRef idx="1">
+                  <a:schemeClr val="accent1"/>
+                </a:lnRef>
+                <a:fillRef idx="0">
+                  <a:schemeClr val="accent1"/>
+                </a:fillRef>
+                <a:effectRef idx="0">
+                  <a:schemeClr val="accent1"/>
+                </a:effectRef>
+                <a:fontRef idx="minor">
+                  <a:schemeClr val="tx1"/>
+                </a:fontRef>
+              </p:style>
+            </p:cxnSp>
+          </p:grpSp>
+          <p:grpSp>
+            <p:nvGrpSpPr>
+              <p:cNvPr id="22" name="Group 21">
+                <a:extLst>
+                  <a:ext uri="{FF2B5EF4-FFF2-40B4-BE49-F238E27FC236}">
+                    <a16:creationId xmlns:a16="http://schemas.microsoft.com/office/drawing/2014/main" id="{7298E5CA-806C-4A35-BAD8-44D07AB6FEFC}"/>
+                  </a:ext>
+                </a:extLst>
+              </p:cNvPr>
+              <p:cNvGrpSpPr/>
+              <p:nvPr/>
+            </p:nvGrpSpPr>
+            <p:grpSpPr>
+              <a:xfrm>
+                <a:off x="7431114" y="3396429"/>
+                <a:ext cx="2405198" cy="2299150"/>
+                <a:chOff x="7129813" y="3848978"/>
+                <a:chExt cx="2405198" cy="2299150"/>
+              </a:xfrm>
+            </p:grpSpPr>
+            <p:sp>
+              <p:nvSpPr>
+                <p:cNvPr id="27" name="Arc 51">
+                  <a:extLst>
+                    <a:ext uri="{FF2B5EF4-FFF2-40B4-BE49-F238E27FC236}">
+                      <a16:creationId xmlns:a16="http://schemas.microsoft.com/office/drawing/2014/main" id="{11A997D9-D38C-4B01-A7B0-A3796EA64444}"/>
+                    </a:ext>
+                  </a:extLst>
+                </p:cNvPr>
+                <p:cNvSpPr>
+                  <a:spLocks noChangeAspect="1" noEditPoints="1" noChangeArrowheads="1" noChangeShapeType="1"/>
+                </p:cNvSpPr>
+                <p:nvPr/>
+              </p:nvSpPr>
+              <p:spPr bwMode="auto">
+                <a:xfrm rot="8159664">
+                  <a:off x="7129813" y="3848978"/>
+                  <a:ext cx="393758" cy="393875"/>
+                </a:xfrm>
+                <a:custGeom>
+                  <a:avLst/>
+                  <a:gdLst>
+                    <a:gd name="T0" fmla="*/ 222250 w 444500"/>
+                    <a:gd name="T1" fmla="*/ 0 h 444500"/>
+                    <a:gd name="T2" fmla="*/ 444500 w 444500"/>
+                    <a:gd name="T3" fmla="*/ 222250 h 444500"/>
+                    <a:gd name="T4" fmla="*/ 222250 w 444500"/>
+                    <a:gd name="T5" fmla="*/ 444500 h 444500"/>
+                    <a:gd name="T6" fmla="*/ 0 w 444500"/>
+                    <a:gd name="T7" fmla="*/ 222250 h 444500"/>
+                    <a:gd name="T8" fmla="*/ 0 60000 65536"/>
+                    <a:gd name="T9" fmla="*/ 0 60000 65536"/>
+                    <a:gd name="T10" fmla="*/ 0 60000 65536"/>
+                    <a:gd name="T11" fmla="*/ 0 60000 65536"/>
+                  </a:gdLst>
+                  <a:ahLst/>
+                  <a:cxnLst>
+                    <a:cxn ang="T8">
+                      <a:pos x="T0" y="T1"/>
+                    </a:cxn>
+                    <a:cxn ang="T9">
+                      <a:pos x="T2" y="T3"/>
+                    </a:cxn>
+                    <a:cxn ang="T10">
+                      <a:pos x="T4" y="T5"/>
+                    </a:cxn>
+                    <a:cxn ang="T11">
+                      <a:pos x="T6" y="T7"/>
+                    </a:cxn>
+                  </a:cxnLst>
+                  <a:rect l="0" t="0" r="r" b="b"/>
+                  <a:pathLst>
+                    <a:path w="444500" h="444500" stroke="0">
+                      <a:moveTo>
+                        <a:pt x="222250" y="0"/>
+                      </a:moveTo>
+                      <a:cubicBezTo>
+                        <a:pt x="344995" y="0"/>
+                        <a:pt x="444500" y="99505"/>
+                        <a:pt x="444500" y="222250"/>
+                      </a:cubicBezTo>
+                      <a:cubicBezTo>
+                        <a:pt x="444500" y="344995"/>
+                        <a:pt x="344995" y="444500"/>
+                        <a:pt x="222250" y="444500"/>
+                      </a:cubicBezTo>
+                      <a:cubicBezTo>
+                        <a:pt x="99505" y="444500"/>
+                        <a:pt x="0" y="344995"/>
+                        <a:pt x="0" y="222250"/>
+                      </a:cubicBezTo>
+                      <a:lnTo>
+                        <a:pt x="222250" y="222250"/>
+                      </a:lnTo>
+                      <a:lnTo>
+                        <a:pt x="222250" y="0"/>
+                      </a:lnTo>
+                      <a:close/>
+                    </a:path>
+                    <a:path w="444500" h="444500" fill="none">
+                      <a:moveTo>
+                        <a:pt x="222250" y="0"/>
+                      </a:moveTo>
+                      <a:cubicBezTo>
+                        <a:pt x="344995" y="0"/>
+                        <a:pt x="444500" y="99505"/>
+                        <a:pt x="444500" y="222250"/>
+                      </a:cubicBezTo>
+                      <a:cubicBezTo>
+                        <a:pt x="444500" y="344995"/>
+                        <a:pt x="344995" y="444500"/>
+                        <a:pt x="222250" y="444500"/>
+                      </a:cubicBezTo>
+                      <a:cubicBezTo>
+                        <a:pt x="99505" y="444500"/>
+                        <a:pt x="0" y="344995"/>
+                        <a:pt x="0" y="222250"/>
+                      </a:cubicBezTo>
+                    </a:path>
+                  </a:pathLst>
+                </a:custGeom>
+                <a:noFill/>
+                <a:ln w="28575" cap="flat" cmpd="sng" algn="ctr">
+                  <a:solidFill>
+                    <a:srgbClr val="084286"/>
+                  </a:solidFill>
+                  <a:prstDash val="solid"/>
+                  <a:miter lim="800000"/>
+                  <a:headEnd/>
+                  <a:tailEnd type="triangle" w="med" len="med"/>
+                </a:ln>
+                <a:extLst/>
+              </p:spPr>
+              <p:txBody>
+                <a:bodyPr vert="horz" wrap="square" lIns="91440" tIns="45720" rIns="91440" bIns="45720" numCol="1" anchor="ctr" anchorCtr="0" compatLnSpc="1">
+                  <a:prstTxWarp prst="textNoShape">
+                    <a:avLst/>
+                  </a:prstTxWarp>
+                </a:bodyPr>
+                <a:lstStyle/>
+                <a:p>
+                  <a:endParaRPr lang="en-CA" sz="2400" dirty="0"/>
+                </a:p>
+              </p:txBody>
+            </p:sp>
+            <p:sp>
+              <p:nvSpPr>
+                <p:cNvPr id="28" name="Arc 50">
+                  <a:extLst>
+                    <a:ext uri="{FF2B5EF4-FFF2-40B4-BE49-F238E27FC236}">
+                      <a16:creationId xmlns:a16="http://schemas.microsoft.com/office/drawing/2014/main" id="{662D56E8-F897-4AFA-A490-6D43D10E35CD}"/>
+                    </a:ext>
+                  </a:extLst>
+                </p:cNvPr>
+                <p:cNvSpPr>
+                  <a:spLocks noChangeAspect="1" noEditPoints="1" noChangeArrowheads="1" noChangeShapeType="1"/>
+                </p:cNvSpPr>
+                <p:nvPr/>
+              </p:nvSpPr>
+              <p:spPr bwMode="auto">
+                <a:xfrm rot="13500000" flipH="1" flipV="1">
+                  <a:off x="8578528" y="5754311"/>
+                  <a:ext cx="393758" cy="393875"/>
+                </a:xfrm>
+                <a:custGeom>
+                  <a:avLst/>
+                  <a:gdLst>
+                    <a:gd name="T0" fmla="*/ 222250 w 444500"/>
+                    <a:gd name="T1" fmla="*/ 0 h 444500"/>
+                    <a:gd name="T2" fmla="*/ 444500 w 444500"/>
+                    <a:gd name="T3" fmla="*/ 222250 h 444500"/>
+                    <a:gd name="T4" fmla="*/ 222250 w 444500"/>
+                    <a:gd name="T5" fmla="*/ 444500 h 444500"/>
+                    <a:gd name="T6" fmla="*/ 0 w 444500"/>
+                    <a:gd name="T7" fmla="*/ 222250 h 444500"/>
+                    <a:gd name="T8" fmla="*/ 0 60000 65536"/>
+                    <a:gd name="T9" fmla="*/ 0 60000 65536"/>
+                    <a:gd name="T10" fmla="*/ 0 60000 65536"/>
+                    <a:gd name="T11" fmla="*/ 0 60000 65536"/>
+                  </a:gdLst>
+                  <a:ahLst/>
+                  <a:cxnLst>
+                    <a:cxn ang="T8">
+                      <a:pos x="T0" y="T1"/>
+                    </a:cxn>
+                    <a:cxn ang="T9">
+                      <a:pos x="T2" y="T3"/>
+                    </a:cxn>
+                    <a:cxn ang="T10">
+                      <a:pos x="T4" y="T5"/>
+                    </a:cxn>
+                    <a:cxn ang="T11">
+                      <a:pos x="T6" y="T7"/>
+                    </a:cxn>
+                  </a:cxnLst>
+                  <a:rect l="0" t="0" r="r" b="b"/>
+                  <a:pathLst>
+                    <a:path w="444500" h="444500" stroke="0">
+                      <a:moveTo>
+                        <a:pt x="222250" y="0"/>
+                      </a:moveTo>
+                      <a:cubicBezTo>
+                        <a:pt x="344995" y="0"/>
+                        <a:pt x="444500" y="99505"/>
+                        <a:pt x="444500" y="222250"/>
+                      </a:cubicBezTo>
+                      <a:cubicBezTo>
+                        <a:pt x="444500" y="344995"/>
+                        <a:pt x="344995" y="444500"/>
+                        <a:pt x="222250" y="444500"/>
+                      </a:cubicBezTo>
+                      <a:cubicBezTo>
+                        <a:pt x="99505" y="444500"/>
+                        <a:pt x="0" y="344995"/>
+                        <a:pt x="0" y="222250"/>
+                      </a:cubicBezTo>
+                      <a:lnTo>
+                        <a:pt x="222250" y="222250"/>
+                      </a:lnTo>
+                      <a:lnTo>
+                        <a:pt x="222250" y="0"/>
+                      </a:lnTo>
+                      <a:close/>
+                    </a:path>
+                    <a:path w="444500" h="444500" fill="none">
+                      <a:moveTo>
+                        <a:pt x="222250" y="0"/>
+                      </a:moveTo>
+                      <a:cubicBezTo>
+                        <a:pt x="344995" y="0"/>
+                        <a:pt x="444500" y="99505"/>
+                        <a:pt x="444500" y="222250"/>
+                      </a:cubicBezTo>
+                      <a:cubicBezTo>
+                        <a:pt x="444500" y="344995"/>
+                        <a:pt x="344995" y="444500"/>
+                        <a:pt x="222250" y="444500"/>
+                      </a:cubicBezTo>
+                      <a:cubicBezTo>
+                        <a:pt x="99505" y="444500"/>
+                        <a:pt x="0" y="344995"/>
+                        <a:pt x="0" y="222250"/>
+                      </a:cubicBezTo>
+                    </a:path>
+                  </a:pathLst>
+                </a:custGeom>
+                <a:noFill/>
+                <a:ln w="28575" cap="flat" cmpd="sng" algn="ctr">
+                  <a:solidFill>
+                    <a:srgbClr val="084286"/>
+                  </a:solidFill>
+                  <a:prstDash val="solid"/>
+                  <a:miter lim="800000"/>
+                  <a:headEnd/>
+                  <a:tailEnd type="triangle" w="med" len="med"/>
+                </a:ln>
+                <a:extLst/>
+              </p:spPr>
+              <p:txBody>
+                <a:bodyPr vert="horz" wrap="square" lIns="91440" tIns="45720" rIns="91440" bIns="45720" numCol="1" anchor="ctr" anchorCtr="0" compatLnSpc="1">
+                  <a:prstTxWarp prst="textNoShape">
+                    <a:avLst/>
+                  </a:prstTxWarp>
+                </a:bodyPr>
+                <a:lstStyle/>
+                <a:p>
+                  <a:endParaRPr lang="en-CA" sz="2400" dirty="0"/>
+                </a:p>
+              </p:txBody>
+            </p:sp>
+            <p:cxnSp>
+              <p:nvCxnSpPr>
+                <p:cNvPr id="29" name="Straight Arrow Connector 28">
+                  <a:extLst>
+                    <a:ext uri="{FF2B5EF4-FFF2-40B4-BE49-F238E27FC236}">
+                      <a16:creationId xmlns:a16="http://schemas.microsoft.com/office/drawing/2014/main" id="{5BBD370B-0CA4-40AF-95B5-2B97391BE65F}"/>
+                    </a:ext>
+                  </a:extLst>
+                </p:cNvPr>
+                <p:cNvCxnSpPr>
+                  <a:cxnSpLocks/>
+                </p:cNvCxnSpPr>
+                <p:nvPr/>
+              </p:nvCxnSpPr>
+              <p:spPr>
+                <a:xfrm flipH="1">
+                  <a:off x="8376332" y="4128830"/>
+                  <a:ext cx="671151" cy="0"/>
+                </a:xfrm>
+                <a:prstGeom prst="straightConnector1">
+                  <a:avLst/>
+                </a:prstGeom>
+                <a:ln w="28575">
+                  <a:solidFill>
+                    <a:srgbClr val="084286"/>
+                  </a:solidFill>
+                  <a:headEnd w="lg" len="lg"/>
+                  <a:tailEnd type="triangle" w="med" len="med"/>
+                </a:ln>
+              </p:spPr>
+              <p:style>
+                <a:lnRef idx="1">
+                  <a:schemeClr val="accent1"/>
+                </a:lnRef>
+                <a:fillRef idx="0">
+                  <a:schemeClr val="accent1"/>
+                </a:fillRef>
+                <a:effectRef idx="0">
+                  <a:schemeClr val="accent1"/>
+                </a:effectRef>
+                <a:fontRef idx="minor">
+                  <a:schemeClr val="tx1"/>
+                </a:fontRef>
+              </p:style>
+            </p:cxnSp>
+            <p:cxnSp>
+              <p:nvCxnSpPr>
+                <p:cNvPr id="30" name="Straight Arrow Connector 29">
+                  <a:extLst>
+                    <a:ext uri="{FF2B5EF4-FFF2-40B4-BE49-F238E27FC236}">
+                      <a16:creationId xmlns:a16="http://schemas.microsoft.com/office/drawing/2014/main" id="{7D80B57B-461E-435D-995F-7716DBDDC414}"/>
+                    </a:ext>
+                  </a:extLst>
+                </p:cNvPr>
+                <p:cNvCxnSpPr>
+                  <a:cxnSpLocks/>
+                </p:cNvCxnSpPr>
+                <p:nvPr/>
+              </p:nvCxnSpPr>
+              <p:spPr>
+                <a:xfrm rot="4500000">
+                  <a:off x="9043399" y="4550918"/>
+                  <a:ext cx="389116" cy="594109"/>
+                </a:xfrm>
+                <a:prstGeom prst="straightConnector1">
+                  <a:avLst/>
+                </a:prstGeom>
+                <a:ln w="28575">
+                  <a:solidFill>
+                    <a:srgbClr val="084286"/>
+                  </a:solidFill>
+                  <a:headEnd w="lg" len="lg"/>
+                  <a:tailEnd type="triangle" w="med" len="med"/>
+                </a:ln>
+              </p:spPr>
+              <p:style>
+                <a:lnRef idx="1">
+                  <a:schemeClr val="accent1"/>
+                </a:lnRef>
+                <a:fillRef idx="0">
+                  <a:schemeClr val="accent1"/>
+                </a:fillRef>
+                <a:effectRef idx="0">
+                  <a:schemeClr val="accent1"/>
+                </a:effectRef>
+                <a:fontRef idx="minor">
+                  <a:schemeClr val="tx1"/>
+                </a:fontRef>
+              </p:style>
+            </p:cxnSp>
+          </p:grpSp>
+          <p:grpSp>
+            <p:nvGrpSpPr>
+              <p:cNvPr id="23" name="Group 22">
+                <a:extLst>
+                  <a:ext uri="{FF2B5EF4-FFF2-40B4-BE49-F238E27FC236}">
+                    <a16:creationId xmlns:a16="http://schemas.microsoft.com/office/drawing/2014/main" id="{65440CBE-CF24-499E-8169-FDC26C10444B}"/>
+                  </a:ext>
+                </a:extLst>
+              </p:cNvPr>
+              <p:cNvGrpSpPr/>
+              <p:nvPr/>
+            </p:nvGrpSpPr>
+            <p:grpSpPr>
+              <a:xfrm>
+                <a:off x="8679019" y="3447229"/>
+                <a:ext cx="1996876" cy="1070473"/>
+                <a:chOff x="8377718" y="3899778"/>
+                <a:chExt cx="1996876" cy="1070473"/>
+              </a:xfrm>
+            </p:grpSpPr>
+            <p:sp>
+              <p:nvSpPr>
+                <p:cNvPr id="24" name="Arc 50">
+                  <a:extLst>
+                    <a:ext uri="{FF2B5EF4-FFF2-40B4-BE49-F238E27FC236}">
+                      <a16:creationId xmlns:a16="http://schemas.microsoft.com/office/drawing/2014/main" id="{43D03339-DB25-4F25-AC9E-7685B90B3F14}"/>
+                    </a:ext>
+                  </a:extLst>
+                </p:cNvPr>
+                <p:cNvSpPr>
+                  <a:spLocks noChangeAspect="1" noEditPoints="1" noChangeArrowheads="1" noChangeShapeType="1"/>
+                </p:cNvSpPr>
+                <p:nvPr/>
+              </p:nvSpPr>
+              <p:spPr bwMode="auto">
+                <a:xfrm rot="19267848">
+                  <a:off x="9980836" y="3899778"/>
+                  <a:ext cx="393758" cy="393875"/>
+                </a:xfrm>
+                <a:custGeom>
+                  <a:avLst/>
+                  <a:gdLst>
+                    <a:gd name="T0" fmla="*/ 222250 w 444500"/>
+                    <a:gd name="T1" fmla="*/ 0 h 444500"/>
+                    <a:gd name="T2" fmla="*/ 444500 w 444500"/>
+                    <a:gd name="T3" fmla="*/ 222250 h 444500"/>
+                    <a:gd name="T4" fmla="*/ 222250 w 444500"/>
+                    <a:gd name="T5" fmla="*/ 444500 h 444500"/>
+                    <a:gd name="T6" fmla="*/ 0 w 444500"/>
+                    <a:gd name="T7" fmla="*/ 222250 h 444500"/>
+                    <a:gd name="T8" fmla="*/ 0 60000 65536"/>
+                    <a:gd name="T9" fmla="*/ 0 60000 65536"/>
+                    <a:gd name="T10" fmla="*/ 0 60000 65536"/>
+                    <a:gd name="T11" fmla="*/ 0 60000 65536"/>
+                  </a:gdLst>
+                  <a:ahLst/>
+                  <a:cxnLst>
+                    <a:cxn ang="T8">
+                      <a:pos x="T0" y="T1"/>
+                    </a:cxn>
+                    <a:cxn ang="T9">
+                      <a:pos x="T2" y="T3"/>
+                    </a:cxn>
+                    <a:cxn ang="T10">
+                      <a:pos x="T4" y="T5"/>
+                    </a:cxn>
+                    <a:cxn ang="T11">
+                      <a:pos x="T6" y="T7"/>
+                    </a:cxn>
+                  </a:cxnLst>
+                  <a:rect l="0" t="0" r="r" b="b"/>
+                  <a:pathLst>
+                    <a:path w="444500" h="444500" stroke="0">
+                      <a:moveTo>
+                        <a:pt x="222250" y="0"/>
+                      </a:moveTo>
+                      <a:cubicBezTo>
+                        <a:pt x="344995" y="0"/>
+                        <a:pt x="444500" y="99505"/>
+                        <a:pt x="444500" y="222250"/>
+                      </a:cubicBezTo>
+                      <a:cubicBezTo>
+                        <a:pt x="444500" y="344995"/>
+                        <a:pt x="344995" y="444500"/>
+                        <a:pt x="222250" y="444500"/>
+                      </a:cubicBezTo>
+                      <a:cubicBezTo>
+                        <a:pt x="99505" y="444500"/>
+                        <a:pt x="0" y="344995"/>
+                        <a:pt x="0" y="222250"/>
+                      </a:cubicBezTo>
+                      <a:lnTo>
+                        <a:pt x="222250" y="222250"/>
+                      </a:lnTo>
+                      <a:lnTo>
+                        <a:pt x="222250" y="0"/>
+                      </a:lnTo>
+                      <a:close/>
+                    </a:path>
+                    <a:path w="444500" h="444500" fill="none">
+                      <a:moveTo>
+                        <a:pt x="222250" y="0"/>
+                      </a:moveTo>
+                      <a:cubicBezTo>
+                        <a:pt x="344995" y="0"/>
+                        <a:pt x="444500" y="99505"/>
+                        <a:pt x="444500" y="222250"/>
+                      </a:cubicBezTo>
+                      <a:cubicBezTo>
+                        <a:pt x="444500" y="344995"/>
+                        <a:pt x="344995" y="444500"/>
+                        <a:pt x="222250" y="444500"/>
+                      </a:cubicBezTo>
+                      <a:cubicBezTo>
+                        <a:pt x="99505" y="444500"/>
+                        <a:pt x="0" y="344995"/>
+                        <a:pt x="0" y="222250"/>
+                      </a:cubicBezTo>
+                    </a:path>
+                  </a:pathLst>
+                </a:custGeom>
+                <a:noFill/>
+                <a:ln w="28575" cap="flat" cmpd="sng" algn="ctr">
+                  <a:solidFill>
+                    <a:srgbClr val="084286"/>
+                  </a:solidFill>
+                  <a:prstDash val="solid"/>
+                  <a:miter lim="800000"/>
+                  <a:headEnd/>
+                  <a:tailEnd type="triangle" w="med" len="med"/>
+                </a:ln>
+                <a:extLst/>
+              </p:spPr>
+              <p:txBody>
+                <a:bodyPr vert="horz" wrap="square" lIns="91440" tIns="45720" rIns="91440" bIns="45720" numCol="1" anchor="ctr" anchorCtr="0" compatLnSpc="1">
+                  <a:prstTxWarp prst="textNoShape">
+                    <a:avLst/>
+                  </a:prstTxWarp>
+                </a:bodyPr>
+                <a:lstStyle/>
+                <a:p>
+                  <a:endParaRPr lang="en-CA" sz="2400"/>
+                </a:p>
+              </p:txBody>
+            </p:sp>
+            <p:cxnSp>
+              <p:nvCxnSpPr>
+                <p:cNvPr id="25" name="Straight Arrow Connector 24">
+                  <a:extLst>
+                    <a:ext uri="{FF2B5EF4-FFF2-40B4-BE49-F238E27FC236}">
+                      <a16:creationId xmlns:a16="http://schemas.microsoft.com/office/drawing/2014/main" id="{CD854D6C-E017-4DE9-91DD-E33FD82DBCAD}"/>
+                    </a:ext>
+                  </a:extLst>
+                </p:cNvPr>
+                <p:cNvCxnSpPr>
+                  <a:cxnSpLocks/>
+                </p:cNvCxnSpPr>
+                <p:nvPr/>
+              </p:nvCxnSpPr>
+              <p:spPr>
+                <a:xfrm>
+                  <a:off x="8377718" y="4017052"/>
+                  <a:ext cx="686072" cy="0"/>
+                </a:xfrm>
+                <a:prstGeom prst="straightConnector1">
+                  <a:avLst/>
+                </a:prstGeom>
+                <a:ln w="28575">
+                  <a:solidFill>
+                    <a:srgbClr val="084286"/>
+                  </a:solidFill>
+                  <a:headEnd w="lg" len="lg"/>
+                  <a:tailEnd type="triangle" w="med" len="med"/>
+                </a:ln>
+              </p:spPr>
+              <p:style>
+                <a:lnRef idx="1">
+                  <a:schemeClr val="accent1"/>
+                </a:lnRef>
+                <a:fillRef idx="0">
+                  <a:schemeClr val="accent1"/>
+                </a:fillRef>
+                <a:effectRef idx="0">
+                  <a:schemeClr val="accent1"/>
+                </a:effectRef>
+                <a:fontRef idx="minor">
+                  <a:schemeClr val="tx1"/>
+                </a:fontRef>
+              </p:style>
+            </p:cxnSp>
+            <p:cxnSp>
+              <p:nvCxnSpPr>
+                <p:cNvPr id="26" name="Straight Arrow Connector 25">
+                  <a:extLst>
+                    <a:ext uri="{FF2B5EF4-FFF2-40B4-BE49-F238E27FC236}">
+                      <a16:creationId xmlns:a16="http://schemas.microsoft.com/office/drawing/2014/main" id="{4B7F3EA3-5233-4AE1-A332-A6E6AD8E163C}"/>
+                    </a:ext>
+                  </a:extLst>
+                </p:cNvPr>
+                <p:cNvCxnSpPr>
+                  <a:cxnSpLocks/>
+                </p:cNvCxnSpPr>
+                <p:nvPr/>
+              </p:nvCxnSpPr>
+              <p:spPr>
+                <a:xfrm rot="4500000" flipH="1" flipV="1">
+                  <a:off x="8975644" y="4494441"/>
+                  <a:ext cx="376608" cy="575011"/>
+                </a:xfrm>
+                <a:prstGeom prst="straightConnector1">
+                  <a:avLst/>
+                </a:prstGeom>
+                <a:ln w="28575">
+                  <a:solidFill>
+                    <a:srgbClr val="084286"/>
+                  </a:solidFill>
+                  <a:headEnd w="lg" len="lg"/>
+                  <a:tailEnd type="triangle" w="med" len="med"/>
+                </a:ln>
+              </p:spPr>
+              <p:style>
+                <a:lnRef idx="1">
+                  <a:schemeClr val="accent1"/>
+                </a:lnRef>
+                <a:fillRef idx="0">
+                  <a:schemeClr val="accent1"/>
+                </a:fillRef>
+                <a:effectRef idx="0">
+                  <a:schemeClr val="accent1"/>
+                </a:effectRef>
+                <a:fontRef idx="minor">
+                  <a:schemeClr val="tx1"/>
+                </a:fontRef>
+              </p:style>
+            </p:cxnSp>
+          </p:grpSp>
+        </p:grpSp>
+      </p:grpSp>
+      <p:grpSp>
+        <p:nvGrpSpPr>
+          <p:cNvPr id="48" name="Group 47">
+            <a:extLst>
+              <a:ext uri="{FF2B5EF4-FFF2-40B4-BE49-F238E27FC236}">
+                <a16:creationId xmlns:a16="http://schemas.microsoft.com/office/drawing/2014/main" id="{6F1E8C6F-E766-45C3-98CB-D1002FC1914C}"/>
+              </a:ext>
+            </a:extLst>
+          </p:cNvPr>
+          <p:cNvGrpSpPr/>
+          <p:nvPr/>
+        </p:nvGrpSpPr>
+        <p:grpSpPr>
+          <a:xfrm>
+            <a:off x="7773513" y="1755516"/>
+            <a:ext cx="1413402" cy="445979"/>
+            <a:chOff x="3565053" y="1570106"/>
+            <a:chExt cx="3332728" cy="1051598"/>
+          </a:xfrm>
+        </p:grpSpPr>
+        <p:grpSp>
+          <p:nvGrpSpPr>
+            <p:cNvPr id="49" name="Group 48">
+              <a:extLst>
+                <a:ext uri="{FF2B5EF4-FFF2-40B4-BE49-F238E27FC236}">
+                  <a16:creationId xmlns:a16="http://schemas.microsoft.com/office/drawing/2014/main" id="{1FEA74F3-0186-4A07-91D9-A8885E705CF1}"/>
+                </a:ext>
+              </a:extLst>
+            </p:cNvPr>
+            <p:cNvGrpSpPr/>
+            <p:nvPr/>
+          </p:nvGrpSpPr>
+          <p:grpSpPr>
+            <a:xfrm>
+              <a:off x="3565053" y="1570106"/>
+              <a:ext cx="3332728" cy="1051598"/>
+              <a:chOff x="4567376" y="1695554"/>
+              <a:chExt cx="3644839" cy="1150080"/>
+            </a:xfrm>
+          </p:grpSpPr>
+          <p:sp>
+            <p:nvSpPr>
+              <p:cNvPr id="51" name="Freeform: Shape 50">
+                <a:extLst>
+                  <a:ext uri="{FF2B5EF4-FFF2-40B4-BE49-F238E27FC236}">
+                    <a16:creationId xmlns:a16="http://schemas.microsoft.com/office/drawing/2014/main" id="{4088BFD9-7480-4B32-AD57-54F2A63F9552}"/>
+                  </a:ext>
+                </a:extLst>
+              </p:cNvPr>
+              <p:cNvSpPr/>
+              <p:nvPr/>
+            </p:nvSpPr>
+            <p:spPr>
+              <a:xfrm>
+                <a:off x="6809304" y="1809248"/>
+                <a:ext cx="922697" cy="922694"/>
+              </a:xfrm>
+              <a:custGeom>
+                <a:avLst/>
+                <a:gdLst>
+                  <a:gd name="connsiteX0" fmla="*/ 398470 w 796940"/>
+                  <a:gd name="connsiteY0" fmla="*/ 0 h 796939"/>
+                  <a:gd name="connsiteX1" fmla="*/ 490646 w 796940"/>
+                  <a:gd name="connsiteY1" fmla="*/ 38180 h 796939"/>
+                  <a:gd name="connsiteX2" fmla="*/ 758760 w 796940"/>
+                  <a:gd name="connsiteY2" fmla="*/ 306294 h 796939"/>
+                  <a:gd name="connsiteX3" fmla="*/ 787395 w 796940"/>
+                  <a:gd name="connsiteY3" fmla="*/ 447523 h 796939"/>
+                  <a:gd name="connsiteX4" fmla="*/ 758761 w 796940"/>
+                  <a:gd name="connsiteY4" fmla="*/ 490644 h 796939"/>
+                  <a:gd name="connsiteX5" fmla="*/ 490643 w 796940"/>
+                  <a:gd name="connsiteY5" fmla="*/ 758761 h 796939"/>
+                  <a:gd name="connsiteX6" fmla="*/ 447524 w 796940"/>
+                  <a:gd name="connsiteY6" fmla="*/ 787394 h 796939"/>
+                  <a:gd name="connsiteX7" fmla="*/ 306295 w 796940"/>
+                  <a:gd name="connsiteY7" fmla="*/ 758759 h 796939"/>
+                  <a:gd name="connsiteX8" fmla="*/ 38181 w 796940"/>
+                  <a:gd name="connsiteY8" fmla="*/ 490645 h 796939"/>
+                  <a:gd name="connsiteX9" fmla="*/ 38181 w 796940"/>
+                  <a:gd name="connsiteY9" fmla="*/ 306292 h 796939"/>
+                  <a:gd name="connsiteX10" fmla="*/ 306293 w 796940"/>
+                  <a:gd name="connsiteY10" fmla="*/ 38180 h 796939"/>
+                  <a:gd name="connsiteX11" fmla="*/ 398470 w 796940"/>
+                  <a:gd name="connsiteY11" fmla="*/ 0 h 796939"/>
+                </a:gdLst>
+                <a:ahLst/>
+                <a:cxnLst>
+                  <a:cxn ang="0">
+                    <a:pos x="connsiteX0" y="connsiteY0"/>
+                  </a:cxn>
+                  <a:cxn ang="0">
+                    <a:pos x="connsiteX1" y="connsiteY1"/>
+                  </a:cxn>
+                  <a:cxn ang="0">
+                    <a:pos x="connsiteX2" y="connsiteY2"/>
+                  </a:cxn>
+                  <a:cxn ang="0">
+                    <a:pos x="connsiteX3" y="connsiteY3"/>
+                  </a:cxn>
+                  <a:cxn ang="0">
+                    <a:pos x="connsiteX4" y="connsiteY4"/>
+                  </a:cxn>
+                  <a:cxn ang="0">
+                    <a:pos x="connsiteX5" y="connsiteY5"/>
+                  </a:cxn>
+                  <a:cxn ang="0">
+                    <a:pos x="connsiteX6" y="connsiteY6"/>
+                  </a:cxn>
+                  <a:cxn ang="0">
+                    <a:pos x="connsiteX7" y="connsiteY7"/>
+                  </a:cxn>
+                  <a:cxn ang="0">
+                    <a:pos x="connsiteX8" y="connsiteY8"/>
+                  </a:cxn>
+                  <a:cxn ang="0">
+                    <a:pos x="connsiteX9" y="connsiteY9"/>
+                  </a:cxn>
+                  <a:cxn ang="0">
+                    <a:pos x="connsiteX10" y="connsiteY10"/>
+                  </a:cxn>
+                  <a:cxn ang="0">
+                    <a:pos x="connsiteX11" y="connsiteY11"/>
+                  </a:cxn>
+                </a:cxnLst>
+                <a:rect l="l" t="t" r="r" b="b"/>
+                <a:pathLst>
+                  <a:path w="796940" h="796939">
+                    <a:moveTo>
+                      <a:pt x="398470" y="0"/>
+                    </a:moveTo>
+                    <a:cubicBezTo>
+                      <a:pt x="431831" y="0"/>
+                      <a:pt x="465192" y="12726"/>
+                      <a:pt x="490646" y="38180"/>
+                    </a:cubicBezTo>
+                    <a:lnTo>
+                      <a:pt x="758760" y="306294"/>
+                    </a:lnTo>
+                    <a:cubicBezTo>
+                      <a:pt x="796940" y="344474"/>
+                      <a:pt x="806485" y="400447"/>
+                      <a:pt x="787395" y="447523"/>
+                    </a:cubicBezTo>
+                    <a:lnTo>
+                      <a:pt x="758761" y="490644"/>
+                    </a:lnTo>
+                    <a:lnTo>
+                      <a:pt x="490643" y="758761"/>
+                    </a:lnTo>
+                    <a:lnTo>
+                      <a:pt x="447524" y="787394"/>
+                    </a:lnTo>
+                    <a:cubicBezTo>
+                      <a:pt x="400448" y="806484"/>
+                      <a:pt x="344475" y="796939"/>
+                      <a:pt x="306295" y="758759"/>
+                    </a:cubicBezTo>
+                    <a:lnTo>
+                      <a:pt x="38181" y="490645"/>
+                    </a:lnTo>
+                    <a:cubicBezTo>
+                      <a:pt x="-12726" y="439737"/>
+                      <a:pt x="-12726" y="357200"/>
+                      <a:pt x="38181" y="306292"/>
+                    </a:cubicBezTo>
+                    <a:lnTo>
+                      <a:pt x="306293" y="38180"/>
+                    </a:lnTo>
+                    <a:cubicBezTo>
+                      <a:pt x="331747" y="12726"/>
+                      <a:pt x="365108" y="0"/>
+                      <a:pt x="398470" y="0"/>
+                    </a:cubicBezTo>
+                    <a:close/>
+                  </a:path>
+                </a:pathLst>
+              </a:custGeom>
+              <a:solidFill>
+                <a:srgbClr val="D7301F">
+                  <a:alpha val="94902"/>
+                </a:srgbClr>
+              </a:solidFill>
+              <a:ln w="28575">
+                <a:solidFill>
+                  <a:srgbClr val="7F0000"/>
+                </a:solidFill>
+              </a:ln>
+            </p:spPr>
+            <p:style>
+              <a:lnRef idx="2">
+                <a:schemeClr val="accent1">
+                  <a:shade val="50000"/>
+                </a:schemeClr>
+              </a:lnRef>
+              <a:fillRef idx="1">
+                <a:schemeClr val="accent1"/>
+              </a:fillRef>
+              <a:effectRef idx="0">
+                <a:schemeClr val="accent1"/>
+              </a:effectRef>
+              <a:fontRef idx="minor">
+                <a:schemeClr val="lt1"/>
+              </a:fontRef>
+            </p:style>
+            <p:txBody>
+              <a:bodyPr wrap="square" rtlCol="0" anchor="ctr">
+                <a:noAutofit/>
+              </a:bodyPr>
+              <a:lstStyle/>
+              <a:p>
+                <a:pPr algn="ctr"/>
+                <a:endParaRPr lang="en-CA" sz="2800" dirty="0"/>
+              </a:p>
+            </p:txBody>
+          </p:sp>
+          <p:sp>
+            <p:nvSpPr>
+              <p:cNvPr id="52" name="Arc 50">
+                <a:extLst>
+                  <a:ext uri="{FF2B5EF4-FFF2-40B4-BE49-F238E27FC236}">
+                    <a16:creationId xmlns:a16="http://schemas.microsoft.com/office/drawing/2014/main" id="{46F89840-9200-46A6-8FF6-8C979E112C26}"/>
+                  </a:ext>
+                </a:extLst>
+              </p:cNvPr>
+              <p:cNvSpPr>
+                <a:spLocks noChangeAspect="1" noEditPoints="1" noChangeArrowheads="1" noChangeShapeType="1"/>
+              </p:cNvSpPr>
+              <p:nvPr/>
+            </p:nvSpPr>
+            <p:spPr bwMode="auto">
+              <a:xfrm rot="8113418">
+                <a:off x="4567376" y="2022337"/>
+                <a:ext cx="520548" cy="520698"/>
+              </a:xfrm>
+              <a:custGeom>
+                <a:avLst/>
+                <a:gdLst>
+                  <a:gd name="T0" fmla="*/ 222250 w 444500"/>
+                  <a:gd name="T1" fmla="*/ 0 h 444500"/>
+                  <a:gd name="T2" fmla="*/ 444500 w 444500"/>
+                  <a:gd name="T3" fmla="*/ 222250 h 444500"/>
+                  <a:gd name="T4" fmla="*/ 222250 w 444500"/>
+                  <a:gd name="T5" fmla="*/ 444500 h 444500"/>
+                  <a:gd name="T6" fmla="*/ 0 w 444500"/>
+                  <a:gd name="T7" fmla="*/ 222250 h 444500"/>
+                  <a:gd name="T8" fmla="*/ 0 60000 65536"/>
+                  <a:gd name="T9" fmla="*/ 0 60000 65536"/>
+                  <a:gd name="T10" fmla="*/ 0 60000 65536"/>
+                  <a:gd name="T11" fmla="*/ 0 60000 65536"/>
+                </a:gdLst>
+                <a:ahLst/>
+                <a:cxnLst>
+                  <a:cxn ang="T8">
+                    <a:pos x="T0" y="T1"/>
+                  </a:cxn>
+                  <a:cxn ang="T9">
+                    <a:pos x="T2" y="T3"/>
+                  </a:cxn>
+                  <a:cxn ang="T10">
+                    <a:pos x="T4" y="T5"/>
+                  </a:cxn>
+                  <a:cxn ang="T11">
+                    <a:pos x="T6" y="T7"/>
+                  </a:cxn>
+                </a:cxnLst>
+                <a:rect l="0" t="0" r="r" b="b"/>
+                <a:pathLst>
+                  <a:path w="444500" h="444500" stroke="0">
+                    <a:moveTo>
+                      <a:pt x="222250" y="0"/>
+                    </a:moveTo>
+                    <a:cubicBezTo>
+                      <a:pt x="344995" y="0"/>
+                      <a:pt x="444500" y="99505"/>
+                      <a:pt x="444500" y="222250"/>
+                    </a:cubicBezTo>
+                    <a:cubicBezTo>
+                      <a:pt x="444500" y="344995"/>
+                      <a:pt x="344995" y="444500"/>
+                      <a:pt x="222250" y="444500"/>
+                    </a:cubicBezTo>
+                    <a:cubicBezTo>
+                      <a:pt x="99505" y="444500"/>
+                      <a:pt x="0" y="344995"/>
+                      <a:pt x="0" y="222250"/>
+                    </a:cubicBezTo>
+                    <a:lnTo>
+                      <a:pt x="222250" y="222250"/>
+                    </a:lnTo>
+                    <a:lnTo>
+                      <a:pt x="222250" y="0"/>
+                    </a:lnTo>
+                    <a:close/>
+                  </a:path>
+                  <a:path w="444500" h="444500" fill="none">
+                    <a:moveTo>
+                      <a:pt x="222250" y="0"/>
+                    </a:moveTo>
+                    <a:cubicBezTo>
+                      <a:pt x="344995" y="0"/>
+                      <a:pt x="444500" y="99505"/>
+                      <a:pt x="444500" y="222250"/>
+                    </a:cubicBezTo>
+                    <a:cubicBezTo>
+                      <a:pt x="444500" y="344995"/>
+                      <a:pt x="344995" y="444500"/>
+                      <a:pt x="222250" y="444500"/>
+                    </a:cubicBezTo>
+                    <a:cubicBezTo>
+                      <a:pt x="99505" y="444500"/>
+                      <a:pt x="0" y="344995"/>
+                      <a:pt x="0" y="222250"/>
+                    </a:cubicBezTo>
+                  </a:path>
+                </a:pathLst>
+              </a:custGeom>
+              <a:noFill/>
+              <a:ln w="38100" cap="flat" cmpd="sng" algn="ctr">
+                <a:solidFill>
+                  <a:srgbClr val="7A36AD"/>
+                </a:solidFill>
+                <a:prstDash val="solid"/>
+                <a:miter lim="800000"/>
+                <a:headEnd/>
+                <a:tailEnd type="triangle" w="med" len="med"/>
+              </a:ln>
+              <a:extLst>
+                <a:ext uri="{909E8E84-426E-40DD-AFC4-6F175D3DCCD1}">
+                  <a14:hiddenFill xmlns:a14="http://schemas.microsoft.com/office/drawing/2010/main">
+                    <a:solidFill>
+                      <a:srgbClr val="FFFFFF"/>
+                    </a:solidFill>
+                  </a14:hiddenFill>
+                </a:ext>
+              </a:extLst>
+            </p:spPr>
+            <p:txBody>
+              <a:bodyPr vert="horz" wrap="square" lIns="91440" tIns="45720" rIns="91440" bIns="45720" numCol="1" anchor="ctr" anchorCtr="0" compatLnSpc="1">
+                <a:prstTxWarp prst="textNoShape">
+                  <a:avLst/>
+                </a:prstTxWarp>
+              </a:bodyPr>
+              <a:lstStyle/>
+              <a:p>
+                <a:endParaRPr lang="en-CA" i="1" dirty="0"/>
+              </a:p>
+            </p:txBody>
+          </p:sp>
+          <p:sp>
+            <p:nvSpPr>
+              <p:cNvPr id="53" name="Arc 50">
+                <a:extLst>
+                  <a:ext uri="{FF2B5EF4-FFF2-40B4-BE49-F238E27FC236}">
+                    <a16:creationId xmlns:a16="http://schemas.microsoft.com/office/drawing/2014/main" id="{49198C5F-2C46-4C2A-B21B-A00D7354A86A}"/>
+                  </a:ext>
+                </a:extLst>
+              </p:cNvPr>
+              <p:cNvSpPr>
+                <a:spLocks noChangeAspect="1" noEditPoints="1" noChangeArrowheads="1" noChangeShapeType="1"/>
+              </p:cNvSpPr>
+              <p:nvPr/>
+            </p:nvSpPr>
+            <p:spPr bwMode="auto">
+              <a:xfrm rot="8113418" flipH="1" flipV="1">
+                <a:off x="7691667" y="2003891"/>
+                <a:ext cx="520548" cy="520698"/>
+              </a:xfrm>
+              <a:custGeom>
+                <a:avLst/>
+                <a:gdLst>
+                  <a:gd name="T0" fmla="*/ 222250 w 444500"/>
+                  <a:gd name="T1" fmla="*/ 0 h 444500"/>
+                  <a:gd name="T2" fmla="*/ 444500 w 444500"/>
+                  <a:gd name="T3" fmla="*/ 222250 h 444500"/>
+                  <a:gd name="T4" fmla="*/ 222250 w 444500"/>
+                  <a:gd name="T5" fmla="*/ 444500 h 444500"/>
+                  <a:gd name="T6" fmla="*/ 0 w 444500"/>
+                  <a:gd name="T7" fmla="*/ 222250 h 444500"/>
+                  <a:gd name="T8" fmla="*/ 0 60000 65536"/>
+                  <a:gd name="T9" fmla="*/ 0 60000 65536"/>
+                  <a:gd name="T10" fmla="*/ 0 60000 65536"/>
+                  <a:gd name="T11" fmla="*/ 0 60000 65536"/>
+                </a:gdLst>
+                <a:ahLst/>
+                <a:cxnLst>
+                  <a:cxn ang="T8">
+                    <a:pos x="T0" y="T1"/>
+                  </a:cxn>
+                  <a:cxn ang="T9">
+                    <a:pos x="T2" y="T3"/>
+                  </a:cxn>
+                  <a:cxn ang="T10">
+                    <a:pos x="T4" y="T5"/>
+                  </a:cxn>
+                  <a:cxn ang="T11">
+                    <a:pos x="T6" y="T7"/>
+                  </a:cxn>
+                </a:cxnLst>
+                <a:rect l="0" t="0" r="r" b="b"/>
+                <a:pathLst>
+                  <a:path w="444500" h="444500" stroke="0">
+                    <a:moveTo>
+                      <a:pt x="222250" y="0"/>
+                    </a:moveTo>
+                    <a:cubicBezTo>
+                      <a:pt x="344995" y="0"/>
+                      <a:pt x="444500" y="99505"/>
+                      <a:pt x="444500" y="222250"/>
+                    </a:cubicBezTo>
+                    <a:cubicBezTo>
+                      <a:pt x="444500" y="344995"/>
+                      <a:pt x="344995" y="444500"/>
+                      <a:pt x="222250" y="444500"/>
+                    </a:cubicBezTo>
+                    <a:cubicBezTo>
+                      <a:pt x="99505" y="444500"/>
+                      <a:pt x="0" y="344995"/>
+                      <a:pt x="0" y="222250"/>
+                    </a:cubicBezTo>
+                    <a:lnTo>
+                      <a:pt x="222250" y="222250"/>
+                    </a:lnTo>
+                    <a:lnTo>
+                      <a:pt x="222250" y="0"/>
+                    </a:lnTo>
+                    <a:close/>
+                  </a:path>
+                  <a:path w="444500" h="444500" fill="none">
+                    <a:moveTo>
+                      <a:pt x="222250" y="0"/>
+                    </a:moveTo>
+                    <a:cubicBezTo>
+                      <a:pt x="344995" y="0"/>
+                      <a:pt x="444500" y="99505"/>
+                      <a:pt x="444500" y="222250"/>
+                    </a:cubicBezTo>
+                    <a:cubicBezTo>
+                      <a:pt x="444500" y="344995"/>
+                      <a:pt x="344995" y="444500"/>
+                      <a:pt x="222250" y="444500"/>
+                    </a:cubicBezTo>
+                    <a:cubicBezTo>
+                      <a:pt x="99505" y="444500"/>
+                      <a:pt x="0" y="344995"/>
+                      <a:pt x="0" y="222250"/>
+                    </a:cubicBezTo>
+                  </a:path>
+                </a:pathLst>
+              </a:custGeom>
+              <a:noFill/>
+              <a:ln w="38100" cap="flat" cmpd="sng" algn="ctr">
+                <a:solidFill>
+                  <a:srgbClr val="D7301F"/>
+                </a:solidFill>
+                <a:prstDash val="solid"/>
+                <a:miter lim="800000"/>
+                <a:headEnd/>
+                <a:tailEnd type="triangle" w="med" len="med"/>
+              </a:ln>
+              <a:extLst>
+                <a:ext uri="{909E8E84-426E-40DD-AFC4-6F175D3DCCD1}">
+                  <a14:hiddenFill xmlns:a14="http://schemas.microsoft.com/office/drawing/2010/main">
+                    <a:solidFill>
+                      <a:srgbClr val="FFFFFF"/>
+                    </a:solidFill>
+                  </a14:hiddenFill>
+                </a:ext>
+              </a:extLst>
+            </p:spPr>
+            <p:txBody>
+              <a:bodyPr vert="horz" wrap="square" lIns="91440" tIns="45720" rIns="91440" bIns="45720" numCol="1" anchor="ctr" anchorCtr="0" compatLnSpc="1">
+                <a:prstTxWarp prst="textNoShape">
+                  <a:avLst/>
+                </a:prstTxWarp>
+              </a:bodyPr>
+              <a:lstStyle/>
+              <a:p>
+                <a:endParaRPr lang="en-CA" i="1" dirty="0"/>
+              </a:p>
+            </p:txBody>
+          </p:sp>
+          <p:sp>
+            <p:nvSpPr>
+              <p:cNvPr id="54" name="Arc 53">
+                <a:extLst>
+                  <a:ext uri="{FF2B5EF4-FFF2-40B4-BE49-F238E27FC236}">
+                    <a16:creationId xmlns:a16="http://schemas.microsoft.com/office/drawing/2014/main" id="{E00F1BD2-DD21-4E18-812C-E18687F44BBD}"/>
+                  </a:ext>
+                </a:extLst>
+              </p:cNvPr>
+              <p:cNvSpPr/>
+              <p:nvPr/>
+            </p:nvSpPr>
+            <p:spPr>
+              <a:xfrm>
+                <a:off x="5659721" y="1695554"/>
+                <a:ext cx="1460149" cy="1150080"/>
+              </a:xfrm>
+              <a:prstGeom prst="arc">
+                <a:avLst>
+                  <a:gd name="adj1" fmla="val 12568956"/>
+                  <a:gd name="adj2" fmla="val 19702535"/>
+                </a:avLst>
+              </a:prstGeom>
+              <a:ln w="38100">
+                <a:solidFill>
+                  <a:srgbClr val="7A36AD"/>
+                </a:solidFill>
+                <a:headEnd type="none" w="med" len="med"/>
+                <a:tailEnd type="triangle" w="med" len="med"/>
+              </a:ln>
+            </p:spPr>
+            <p:style>
+              <a:lnRef idx="1">
+                <a:schemeClr val="accent1"/>
+              </a:lnRef>
+              <a:fillRef idx="0">
+                <a:schemeClr val="accent1"/>
+              </a:fillRef>
+              <a:effectRef idx="0">
+                <a:schemeClr val="accent1"/>
+              </a:effectRef>
+              <a:fontRef idx="minor">
+                <a:schemeClr val="tx1"/>
+              </a:fontRef>
+            </p:style>
+            <p:txBody>
+              <a:bodyPr rtlCol="0" anchor="ctr"/>
+              <a:lstStyle/>
+              <a:p>
+                <a:pPr algn="ctr"/>
+                <a:endParaRPr lang="en-US" dirty="0"/>
+              </a:p>
+            </p:txBody>
+          </p:sp>
+          <p:sp>
+            <p:nvSpPr>
+              <p:cNvPr id="55" name="Arc 54">
+                <a:extLst>
+                  <a:ext uri="{FF2B5EF4-FFF2-40B4-BE49-F238E27FC236}">
+                    <a16:creationId xmlns:a16="http://schemas.microsoft.com/office/drawing/2014/main" id="{7349EE49-5A63-4956-9E07-AC70DBEF15CE}"/>
+                  </a:ext>
+                </a:extLst>
+              </p:cNvPr>
+              <p:cNvSpPr/>
+              <p:nvPr/>
+            </p:nvSpPr>
+            <p:spPr>
+              <a:xfrm rot="10800000">
+                <a:off x="5659721" y="1695554"/>
+                <a:ext cx="1460149" cy="1150080"/>
+              </a:xfrm>
+              <a:prstGeom prst="arc">
+                <a:avLst>
+                  <a:gd name="adj1" fmla="val 12671126"/>
+                  <a:gd name="adj2" fmla="val 19885843"/>
+                </a:avLst>
+              </a:prstGeom>
+              <a:ln w="38100">
+                <a:solidFill>
+                  <a:srgbClr val="D7301F"/>
+                </a:solidFill>
+                <a:headEnd type="none" w="med" len="med"/>
+                <a:tailEnd type="triangle" w="med" len="med"/>
+              </a:ln>
+            </p:spPr>
+            <p:style>
+              <a:lnRef idx="1">
+                <a:schemeClr val="accent1"/>
+              </a:lnRef>
+              <a:fillRef idx="0">
+                <a:schemeClr val="accent1"/>
+              </a:fillRef>
+              <a:effectRef idx="0">
+                <a:schemeClr val="accent1"/>
+              </a:effectRef>
+              <a:fontRef idx="minor">
+                <a:schemeClr val="tx1"/>
+              </a:fontRef>
+            </p:style>
+            <p:txBody>
+              <a:bodyPr rtlCol="0" anchor="ctr"/>
+              <a:lstStyle/>
+              <a:p>
+                <a:pPr algn="ctr"/>
+                <a:endParaRPr lang="en-US" dirty="0"/>
+              </a:p>
+            </p:txBody>
+          </p:sp>
+        </p:grpSp>
+        <p:sp>
+          <p:nvSpPr>
+            <p:cNvPr id="50" name="rounded triangle">
+              <a:extLst>
+                <a:ext uri="{FF2B5EF4-FFF2-40B4-BE49-F238E27FC236}">
+                  <a16:creationId xmlns:a16="http://schemas.microsoft.com/office/drawing/2014/main" id="{61D899B3-5C09-4B9D-A046-DF74EE1275CF}"/>
+                </a:ext>
+              </a:extLst>
+            </p:cNvPr>
+            <p:cNvSpPr/>
+            <p:nvPr/>
+          </p:nvSpPr>
+          <p:spPr>
+            <a:xfrm flipH="1" flipV="1">
+              <a:off x="3991528" y="1821774"/>
+              <a:ext cx="751433" cy="683743"/>
+            </a:xfrm>
+            <a:custGeom>
+              <a:avLst/>
+              <a:gdLst>
+                <a:gd name="connsiteX0" fmla="*/ 3187448 w 6376063"/>
+                <a:gd name="connsiteY0" fmla="*/ 0 h 5801697"/>
+                <a:gd name="connsiteX1" fmla="*/ 2378058 w 6376063"/>
+                <a:gd name="connsiteY1" fmla="*/ 369907 h 5801697"/>
+                <a:gd name="connsiteX2" fmla="*/ 2304880 w 6376063"/>
+                <a:gd name="connsiteY2" fmla="*/ 465367 h 5801697"/>
+                <a:gd name="connsiteX3" fmla="*/ 2281974 w 6376063"/>
+                <a:gd name="connsiteY3" fmla="*/ 504859 h 5801697"/>
+                <a:gd name="connsiteX4" fmla="*/ 2245788 w 6376063"/>
+                <a:gd name="connsiteY4" fmla="*/ 571527 h 5801697"/>
+                <a:gd name="connsiteX5" fmla="*/ 2243306 w 6376063"/>
+                <a:gd name="connsiteY5" fmla="*/ 571527 h 5801697"/>
+                <a:gd name="connsiteX6" fmla="*/ 146609 w 6376063"/>
+                <a:gd name="connsiteY6" fmla="*/ 4186515 h 5801697"/>
+                <a:gd name="connsiteX7" fmla="*/ 148350 w 6376063"/>
+                <a:gd name="connsiteY7" fmla="*/ 4189530 h 5801697"/>
+                <a:gd name="connsiteX8" fmla="*/ 129193 w 6376063"/>
+                <a:gd name="connsiteY8" fmla="*/ 4221063 h 5801697"/>
+                <a:gd name="connsiteX9" fmla="*/ 1 w 6376063"/>
+                <a:gd name="connsiteY9" fmla="*/ 4731285 h 5801697"/>
+                <a:gd name="connsiteX10" fmla="*/ 960969 w 6376063"/>
+                <a:gd name="connsiteY10" fmla="*/ 5796172 h 5801697"/>
+                <a:gd name="connsiteX11" fmla="*/ 1070393 w 6376063"/>
+                <a:gd name="connsiteY11" fmla="*/ 5801697 h 5801697"/>
+                <a:gd name="connsiteX12" fmla="*/ 1070433 w 6376063"/>
+                <a:gd name="connsiteY12" fmla="*/ 5801697 h 5801697"/>
+                <a:gd name="connsiteX13" fmla="*/ 1078889 w 6376063"/>
+                <a:gd name="connsiteY13" fmla="*/ 5801270 h 5801697"/>
+                <a:gd name="connsiteX14" fmla="*/ 1079135 w 6376063"/>
+                <a:gd name="connsiteY14" fmla="*/ 5801697 h 5801697"/>
+                <a:gd name="connsiteX15" fmla="*/ 5290111 w 6376063"/>
+                <a:gd name="connsiteY15" fmla="*/ 5801697 h 5801697"/>
+                <a:gd name="connsiteX16" fmla="*/ 5290551 w 6376063"/>
+                <a:gd name="connsiteY16" fmla="*/ 5800936 h 5801697"/>
+                <a:gd name="connsiteX17" fmla="*/ 5305631 w 6376063"/>
+                <a:gd name="connsiteY17" fmla="*/ 5801697 h 5801697"/>
+                <a:gd name="connsiteX18" fmla="*/ 5305671 w 6376063"/>
+                <a:gd name="connsiteY18" fmla="*/ 5801697 h 5801697"/>
+                <a:gd name="connsiteX19" fmla="*/ 5415094 w 6376063"/>
+                <a:gd name="connsiteY19" fmla="*/ 5796172 h 5801697"/>
+                <a:gd name="connsiteX20" fmla="*/ 6376063 w 6376063"/>
+                <a:gd name="connsiteY20" fmla="*/ 4731285 h 5801697"/>
+                <a:gd name="connsiteX21" fmla="*/ 6246869 w 6376063"/>
+                <a:gd name="connsiteY21" fmla="*/ 4221062 h 5801697"/>
+                <a:gd name="connsiteX22" fmla="*/ 6224218 w 6376063"/>
+                <a:gd name="connsiteY22" fmla="*/ 4183776 h 5801697"/>
+                <a:gd name="connsiteX23" fmla="*/ 6225457 w 6376063"/>
+                <a:gd name="connsiteY23" fmla="*/ 4181630 h 5801697"/>
+                <a:gd name="connsiteX24" fmla="*/ 4131594 w 6376063"/>
+                <a:gd name="connsiteY24" fmla="*/ 571527 h 5801697"/>
+                <a:gd name="connsiteX25" fmla="*/ 4129108 w 6376063"/>
+                <a:gd name="connsiteY25" fmla="*/ 571527 h 5801697"/>
+                <a:gd name="connsiteX26" fmla="*/ 4092857 w 6376063"/>
+                <a:gd name="connsiteY26" fmla="*/ 504739 h 5801697"/>
+                <a:gd name="connsiteX27" fmla="*/ 4070035 w 6376063"/>
+                <a:gd name="connsiteY27" fmla="*/ 465392 h 5801697"/>
+                <a:gd name="connsiteX28" fmla="*/ 3996838 w 6376063"/>
+                <a:gd name="connsiteY28" fmla="*/ 369907 h 5801697"/>
+                <a:gd name="connsiteX29" fmla="*/ 3187448 w 6376063"/>
+                <a:gd name="connsiteY29" fmla="*/ 0 h 5801697"/>
+              </a:gdLst>
+              <a:ahLst/>
+              <a:cxnLst>
+                <a:cxn ang="0">
+                  <a:pos x="connsiteX0" y="connsiteY0"/>
+                </a:cxn>
+                <a:cxn ang="0">
+                  <a:pos x="connsiteX1" y="connsiteY1"/>
+                </a:cxn>
+                <a:cxn ang="0">
+                  <a:pos x="connsiteX2" y="connsiteY2"/>
+                </a:cxn>
+                <a:cxn ang="0">
+                  <a:pos x="connsiteX3" y="connsiteY3"/>
+                </a:cxn>
+                <a:cxn ang="0">
+                  <a:pos x="connsiteX4" y="connsiteY4"/>
+                </a:cxn>
+                <a:cxn ang="0">
+                  <a:pos x="connsiteX5" y="connsiteY5"/>
+                </a:cxn>
+                <a:cxn ang="0">
+                  <a:pos x="connsiteX6" y="connsiteY6"/>
+                </a:cxn>
+                <a:cxn ang="0">
+                  <a:pos x="connsiteX7" y="connsiteY7"/>
+                </a:cxn>
+                <a:cxn ang="0">
+                  <a:pos x="connsiteX8" y="connsiteY8"/>
+                </a:cxn>
+                <a:cxn ang="0">
+                  <a:pos x="connsiteX9" y="connsiteY9"/>
+                </a:cxn>
+                <a:cxn ang="0">
+                  <a:pos x="connsiteX10" y="connsiteY10"/>
+                </a:cxn>
+                <a:cxn ang="0">
+                  <a:pos x="connsiteX11" y="connsiteY11"/>
+                </a:cxn>
+                <a:cxn ang="0">
+                  <a:pos x="connsiteX12" y="connsiteY12"/>
+                </a:cxn>
+                <a:cxn ang="0">
+                  <a:pos x="connsiteX13" y="connsiteY13"/>
+                </a:cxn>
+                <a:cxn ang="0">
+                  <a:pos x="connsiteX14" y="connsiteY14"/>
+                </a:cxn>
+                <a:cxn ang="0">
+                  <a:pos x="connsiteX15" y="connsiteY15"/>
+                </a:cxn>
+                <a:cxn ang="0">
+                  <a:pos x="connsiteX16" y="connsiteY16"/>
+                </a:cxn>
+                <a:cxn ang="0">
+                  <a:pos x="connsiteX17" y="connsiteY17"/>
+                </a:cxn>
+                <a:cxn ang="0">
+                  <a:pos x="connsiteX18" y="connsiteY18"/>
+                </a:cxn>
+                <a:cxn ang="0">
+                  <a:pos x="connsiteX19" y="connsiteY19"/>
+                </a:cxn>
+                <a:cxn ang="0">
+                  <a:pos x="connsiteX20" y="connsiteY20"/>
+                </a:cxn>
+                <a:cxn ang="0">
+                  <a:pos x="connsiteX21" y="connsiteY21"/>
+                </a:cxn>
+                <a:cxn ang="0">
+                  <a:pos x="connsiteX22" y="connsiteY22"/>
+                </a:cxn>
+                <a:cxn ang="0">
+                  <a:pos x="connsiteX23" y="connsiteY23"/>
+                </a:cxn>
+                <a:cxn ang="0">
+                  <a:pos x="connsiteX24" y="connsiteY24"/>
+                </a:cxn>
+                <a:cxn ang="0">
+                  <a:pos x="connsiteX25" y="connsiteY25"/>
+                </a:cxn>
+                <a:cxn ang="0">
+                  <a:pos x="connsiteX26" y="connsiteY26"/>
+                </a:cxn>
+                <a:cxn ang="0">
+                  <a:pos x="connsiteX27" y="connsiteY27"/>
+                </a:cxn>
+                <a:cxn ang="0">
+                  <a:pos x="connsiteX28" y="connsiteY28"/>
+                </a:cxn>
+                <a:cxn ang="0">
+                  <a:pos x="connsiteX29" y="connsiteY29"/>
+                </a:cxn>
+              </a:cxnLst>
+              <a:rect l="l" t="t" r="r" b="b"/>
+              <a:pathLst>
+                <a:path w="6376063" h="5801697">
+                  <a:moveTo>
+                    <a:pt x="3187448" y="0"/>
+                  </a:moveTo>
+                  <a:cubicBezTo>
+                    <a:pt x="2864151" y="0"/>
+                    <a:pt x="2574328" y="143327"/>
+                    <a:pt x="2378058" y="369907"/>
+                  </a:cubicBezTo>
+                  <a:lnTo>
+                    <a:pt x="2304880" y="465367"/>
+                  </a:lnTo>
+                  <a:lnTo>
+                    <a:pt x="2281974" y="504859"/>
+                  </a:lnTo>
+                  <a:lnTo>
+                    <a:pt x="2245788" y="571527"/>
+                  </a:lnTo>
+                  <a:lnTo>
+                    <a:pt x="2243306" y="571527"/>
+                  </a:lnTo>
+                  <a:lnTo>
+                    <a:pt x="146609" y="4186515"/>
+                  </a:lnTo>
+                  <a:lnTo>
+                    <a:pt x="148350" y="4189530"/>
+                  </a:lnTo>
+                  <a:lnTo>
+                    <a:pt x="129193" y="4221063"/>
+                  </a:lnTo>
+                  <a:cubicBezTo>
+                    <a:pt x="46801" y="4372733"/>
+                    <a:pt x="0" y="4546544"/>
+                    <a:pt x="1" y="4731285"/>
+                  </a:cubicBezTo>
+                  <a:cubicBezTo>
+                    <a:pt x="0" y="5285509"/>
+                    <a:pt x="421207" y="5741355"/>
+                    <a:pt x="960969" y="5796172"/>
+                  </a:cubicBezTo>
+                  <a:lnTo>
+                    <a:pt x="1070393" y="5801697"/>
+                  </a:lnTo>
+                  <a:lnTo>
+                    <a:pt x="1070433" y="5801697"/>
+                  </a:lnTo>
+                  <a:lnTo>
+                    <a:pt x="1078889" y="5801270"/>
+                  </a:lnTo>
+                  <a:lnTo>
+                    <a:pt x="1079135" y="5801697"/>
+                  </a:lnTo>
+                  <a:lnTo>
+                    <a:pt x="5290111" y="5801697"/>
+                  </a:lnTo>
+                  <a:lnTo>
+                    <a:pt x="5290551" y="5800936"/>
+                  </a:lnTo>
+                  <a:lnTo>
+                    <a:pt x="5305631" y="5801697"/>
+                  </a:lnTo>
+                  <a:lnTo>
+                    <a:pt x="5305671" y="5801697"/>
+                  </a:lnTo>
+                  <a:lnTo>
+                    <a:pt x="5415094" y="5796172"/>
+                  </a:lnTo>
+                  <a:cubicBezTo>
+                    <a:pt x="5954856" y="5741357"/>
+                    <a:pt x="6376063" y="5285510"/>
+                    <a:pt x="6376063" y="4731285"/>
+                  </a:cubicBezTo>
+                  <a:cubicBezTo>
+                    <a:pt x="6376063" y="4546543"/>
+                    <a:pt x="6329262" y="4372732"/>
+                    <a:pt x="6246869" y="4221062"/>
+                  </a:cubicBezTo>
+                  <a:lnTo>
+                    <a:pt x="6224218" y="4183776"/>
+                  </a:lnTo>
+                  <a:lnTo>
+                    <a:pt x="6225457" y="4181630"/>
+                  </a:lnTo>
+                  <a:lnTo>
+                    <a:pt x="4131594" y="571527"/>
+                  </a:lnTo>
+                  <a:lnTo>
+                    <a:pt x="4129108" y="571527"/>
+                  </a:lnTo>
+                  <a:lnTo>
+                    <a:pt x="4092857" y="504739"/>
+                  </a:lnTo>
+                  <a:lnTo>
+                    <a:pt x="4070035" y="465392"/>
+                  </a:lnTo>
+                  <a:lnTo>
+                    <a:pt x="3996838" y="369907"/>
+                  </a:lnTo>
+                  <a:cubicBezTo>
+                    <a:pt x="3800567" y="143327"/>
+                    <a:pt x="3510746" y="0"/>
+                    <a:pt x="3187448" y="0"/>
+                  </a:cubicBezTo>
+                  <a:close/>
+                </a:path>
+              </a:pathLst>
+            </a:custGeom>
+            <a:solidFill>
+              <a:srgbClr val="A735F5"/>
+            </a:solidFill>
+            <a:ln w="38100">
+              <a:solidFill>
+                <a:srgbClr val="7030A0"/>
+              </a:solidFill>
+            </a:ln>
+          </p:spPr>
+          <p:style>
+            <a:lnRef idx="2">
+              <a:schemeClr val="accent1">
+                <a:shade val="50000"/>
+              </a:schemeClr>
+            </a:lnRef>
+            <a:fillRef idx="1">
+              <a:schemeClr val="accent1"/>
+            </a:fillRef>
+            <a:effectRef idx="0">
+              <a:schemeClr val="accent1"/>
+            </a:effectRef>
+            <a:fontRef idx="minor">
+              <a:schemeClr val="lt1"/>
+            </a:fontRef>
+          </p:style>
+          <p:txBody>
+            <a:bodyPr wrap="square" rtlCol="0" anchor="ctr">
+              <a:noAutofit/>
+            </a:bodyPr>
+            <a:lstStyle/>
+            <a:p>
+              <a:pPr algn="ctr"/>
+              <a:endParaRPr lang="en-CA" sz="2400" dirty="0"/>
+            </a:p>
+          </p:txBody>
+        </p:sp>
+      </p:grpSp>
+      <p:grpSp>
+        <p:nvGrpSpPr>
+          <p:cNvPr id="63" name="Group 62">
+            <a:extLst>
+              <a:ext uri="{FF2B5EF4-FFF2-40B4-BE49-F238E27FC236}">
+                <a16:creationId xmlns:a16="http://schemas.microsoft.com/office/drawing/2014/main" id="{77560B76-2069-47EC-ADE4-49002D74E0DA}"/>
+              </a:ext>
+            </a:extLst>
+          </p:cNvPr>
+          <p:cNvGrpSpPr/>
+          <p:nvPr/>
+        </p:nvGrpSpPr>
+        <p:grpSpPr>
+          <a:xfrm>
+            <a:off x="6500543" y="2990120"/>
+            <a:ext cx="5330388" cy="1575932"/>
+            <a:chOff x="6500543" y="2990120"/>
+            <a:chExt cx="5330388" cy="1575932"/>
+          </a:xfrm>
+        </p:grpSpPr>
+        <p:pic>
+          <p:nvPicPr>
+            <p:cNvPr id="61" name="Picture 60">
+              <a:extLst>
+                <a:ext uri="{FF2B5EF4-FFF2-40B4-BE49-F238E27FC236}">
+                  <a16:creationId xmlns:a16="http://schemas.microsoft.com/office/drawing/2014/main" id="{21A9D85B-3E09-48E0-BD54-13772E9A26E1}"/>
+                </a:ext>
+              </a:extLst>
+            </p:cNvPr>
+            <p:cNvPicPr>
+              <a:picLocks noChangeAspect="1"/>
+            </p:cNvPicPr>
+            <p:nvPr/>
+          </p:nvPicPr>
+          <p:blipFill rotWithShape="1">
+            <a:blip r:embed="rId2">
+              <a:extLst>
+                <a:ext uri="{28A0092B-C50C-407E-A947-70E740481C1C}">
+                  <a14:useLocalDpi xmlns:a14="http://schemas.microsoft.com/office/drawing/2010/main" val="0"/>
+                </a:ext>
+              </a:extLst>
+            </a:blip>
+            <a:srcRect b="50000"/>
+            <a:stretch/>
+          </p:blipFill>
+          <p:spPr>
+            <a:xfrm>
+              <a:off x="6500543" y="3003799"/>
+              <a:ext cx="2693709" cy="1562253"/>
+            </a:xfrm>
+            <a:prstGeom prst="rect">
+              <a:avLst/>
+            </a:prstGeom>
+          </p:spPr>
+        </p:pic>
+        <p:pic>
+          <p:nvPicPr>
+            <p:cNvPr id="62" name="Picture 61">
+              <a:extLst>
+                <a:ext uri="{FF2B5EF4-FFF2-40B4-BE49-F238E27FC236}">
+                  <a16:creationId xmlns:a16="http://schemas.microsoft.com/office/drawing/2014/main" id="{4A4725F3-5AF4-4535-A207-6B14150B42B8}"/>
+                </a:ext>
+              </a:extLst>
+            </p:cNvPr>
+            <p:cNvPicPr>
+              <a:picLocks noChangeAspect="1"/>
+            </p:cNvPicPr>
+            <p:nvPr/>
+          </p:nvPicPr>
+          <p:blipFill rotWithShape="1">
+            <a:blip r:embed="rId2">
+              <a:extLst>
+                <a:ext uri="{28A0092B-C50C-407E-A947-70E740481C1C}">
+                  <a14:useLocalDpi xmlns:a14="http://schemas.microsoft.com/office/drawing/2010/main" val="0"/>
+                </a:ext>
+              </a:extLst>
+            </a:blip>
+            <a:srcRect t="50440"/>
+            <a:stretch/>
+          </p:blipFill>
+          <p:spPr>
+            <a:xfrm>
+              <a:off x="9137222" y="2990120"/>
+              <a:ext cx="2693709" cy="1548500"/>
+            </a:xfrm>
+            <a:prstGeom prst="rect">
+              <a:avLst/>
+            </a:prstGeom>
+          </p:spPr>
+        </p:pic>
+      </p:grpSp>
+      <p:cxnSp>
+        <p:nvCxnSpPr>
+          <p:cNvPr id="76" name="Straight Arrow Connector 75">
+            <a:extLst>
+              <a:ext uri="{FF2B5EF4-FFF2-40B4-BE49-F238E27FC236}">
+                <a16:creationId xmlns:a16="http://schemas.microsoft.com/office/drawing/2014/main" id="{26E3A0E8-70E4-4E65-B895-305FD2CFD218}"/>
+              </a:ext>
+            </a:extLst>
+          </p:cNvPr>
+          <p:cNvCxnSpPr>
+            <a:cxnSpLocks/>
+          </p:cNvCxnSpPr>
+          <p:nvPr/>
+        </p:nvCxnSpPr>
+        <p:spPr>
+          <a:xfrm>
+            <a:off x="9123474" y="3133832"/>
+            <a:ext cx="1297692" cy="0"/>
+          </a:xfrm>
+          <a:prstGeom prst="straightConnector1">
+            <a:avLst/>
+          </a:prstGeom>
+          <a:ln w="15875">
+            <a:solidFill>
+              <a:srgbClr val="084081">
+                <a:alpha val="74000"/>
+              </a:srgbClr>
+            </a:solidFill>
+            <a:prstDash val="dash"/>
+            <a:headEnd type="none" w="lg" len="lg"/>
+            <a:tailEnd type="stealth" w="med" len="med"/>
+          </a:ln>
+        </p:spPr>
+        <p:style>
+          <a:lnRef idx="1">
+            <a:schemeClr val="accent1"/>
+          </a:lnRef>
+          <a:fillRef idx="0">
+            <a:schemeClr val="accent1"/>
+          </a:fillRef>
+          <a:effectRef idx="0">
+            <a:schemeClr val="accent1"/>
+          </a:effectRef>
+          <a:fontRef idx="minor">
+            <a:schemeClr val="tx1"/>
+          </a:fontRef>
+        </p:style>
+      </p:cxnSp>
+      <p:cxnSp>
+        <p:nvCxnSpPr>
+          <p:cNvPr id="77" name="Straight Arrow Connector 76">
+            <a:extLst>
+              <a:ext uri="{FF2B5EF4-FFF2-40B4-BE49-F238E27FC236}">
+                <a16:creationId xmlns:a16="http://schemas.microsoft.com/office/drawing/2014/main" id="{441965AB-00DB-403C-B3F2-BB4B392FA784}"/>
+              </a:ext>
+            </a:extLst>
+          </p:cNvPr>
+          <p:cNvCxnSpPr>
+            <a:cxnSpLocks/>
+          </p:cNvCxnSpPr>
+          <p:nvPr/>
+        </p:nvCxnSpPr>
+        <p:spPr>
+          <a:xfrm>
+            <a:off x="9124200" y="3140046"/>
+            <a:ext cx="1045262" cy="710657"/>
+          </a:xfrm>
+          <a:prstGeom prst="straightConnector1">
+            <a:avLst/>
+          </a:prstGeom>
+          <a:ln w="28575">
+            <a:solidFill>
+              <a:srgbClr val="084081"/>
+            </a:solidFill>
+            <a:headEnd type="oval" w="lg" len="lg"/>
+            <a:tailEnd type="stealth" w="med" len="med"/>
+          </a:ln>
+        </p:spPr>
+        <p:style>
+          <a:lnRef idx="1">
+            <a:schemeClr val="accent1"/>
+          </a:lnRef>
+          <a:fillRef idx="0">
+            <a:schemeClr val="accent1"/>
+          </a:fillRef>
+          <a:effectRef idx="0">
+            <a:schemeClr val="accent1"/>
+          </a:effectRef>
+          <a:fontRef idx="minor">
+            <a:schemeClr val="tx1"/>
+          </a:fontRef>
+        </p:style>
+      </p:cxnSp>
+      <p:cxnSp>
+        <p:nvCxnSpPr>
+          <p:cNvPr id="78" name="Straight Arrow Connector 77">
+            <a:extLst>
+              <a:ext uri="{FF2B5EF4-FFF2-40B4-BE49-F238E27FC236}">
+                <a16:creationId xmlns:a16="http://schemas.microsoft.com/office/drawing/2014/main" id="{7A55B9F2-2D61-4E4D-A34C-9FA69652923A}"/>
+              </a:ext>
+            </a:extLst>
+          </p:cNvPr>
+          <p:cNvCxnSpPr>
+            <a:cxnSpLocks/>
+          </p:cNvCxnSpPr>
+          <p:nvPr/>
+        </p:nvCxnSpPr>
+        <p:spPr>
+          <a:xfrm>
+            <a:off x="8017199" y="3132293"/>
+            <a:ext cx="1102637" cy="0"/>
+          </a:xfrm>
+          <a:prstGeom prst="straightConnector1">
+            <a:avLst/>
+          </a:prstGeom>
+          <a:ln w="28575">
+            <a:solidFill>
+              <a:srgbClr val="084081"/>
+            </a:solidFill>
+            <a:headEnd type="oval" w="lg" len="lg"/>
+            <a:tailEnd type="none" w="lg" len="lg"/>
+          </a:ln>
+        </p:spPr>
+        <p:style>
+          <a:lnRef idx="1">
+            <a:schemeClr val="accent1"/>
+          </a:lnRef>
+          <a:fillRef idx="0">
+            <a:schemeClr val="accent1"/>
+          </a:fillRef>
+          <a:effectRef idx="0">
+            <a:schemeClr val="accent1"/>
+          </a:effectRef>
+          <a:fontRef idx="minor">
+            <a:schemeClr val="tx1"/>
+          </a:fontRef>
+        </p:style>
+      </p:cxnSp>
+      <p:grpSp>
+        <p:nvGrpSpPr>
+          <p:cNvPr id="79" name="Group 78">
+            <a:extLst>
+              <a:ext uri="{FF2B5EF4-FFF2-40B4-BE49-F238E27FC236}">
+                <a16:creationId xmlns:a16="http://schemas.microsoft.com/office/drawing/2014/main" id="{8D3CB647-6773-49CD-8C16-3C3B529B0217}"/>
+              </a:ext>
+            </a:extLst>
+          </p:cNvPr>
+          <p:cNvGrpSpPr/>
+          <p:nvPr/>
+        </p:nvGrpSpPr>
+        <p:grpSpPr>
+          <a:xfrm>
+            <a:off x="8017198" y="3254752"/>
+            <a:ext cx="1102635" cy="640826"/>
+            <a:chOff x="2815745" y="4436822"/>
+            <a:chExt cx="1102635" cy="640826"/>
+          </a:xfrm>
+        </p:grpSpPr>
+        <p:sp>
+          <p:nvSpPr>
+            <p:cNvPr id="80" name="Right Brace 79">
+              <a:extLst>
+                <a:ext uri="{FF2B5EF4-FFF2-40B4-BE49-F238E27FC236}">
+                  <a16:creationId xmlns:a16="http://schemas.microsoft.com/office/drawing/2014/main" id="{BA03149E-5703-4C8B-B0FA-9C8060940E92}"/>
+                </a:ext>
+              </a:extLst>
+            </p:cNvPr>
+            <p:cNvSpPr/>
+            <p:nvPr/>
+          </p:nvSpPr>
+          <p:spPr>
+            <a:xfrm rot="5400000">
+              <a:off x="3253251" y="3999316"/>
+              <a:ext cx="227623" cy="1102635"/>
+            </a:xfrm>
+            <a:prstGeom prst="rightBrace">
+              <a:avLst>
+                <a:gd name="adj1" fmla="val 204933"/>
+                <a:gd name="adj2" fmla="val 50000"/>
+              </a:avLst>
+            </a:prstGeom>
+            <a:ln w="12700">
+              <a:solidFill>
+                <a:srgbClr val="084081">
+                  <a:alpha val="75000"/>
+                </a:srgbClr>
+              </a:solidFill>
+            </a:ln>
+          </p:spPr>
+          <p:style>
+            <a:lnRef idx="1">
+              <a:schemeClr val="accent1"/>
+            </a:lnRef>
+            <a:fillRef idx="0">
+              <a:schemeClr val="accent1"/>
+            </a:fillRef>
+            <a:effectRef idx="0">
+              <a:schemeClr val="accent1"/>
+            </a:effectRef>
+            <a:fontRef idx="minor">
+              <a:schemeClr val="tx1"/>
+            </a:fontRef>
+          </p:style>
+          <p:txBody>
+            <a:bodyPr rtlCol="0" anchor="ctr"/>
+            <a:lstStyle/>
+            <a:p>
+              <a:pPr algn="ctr"/>
+              <a:endParaRPr lang="en-CA"/>
+            </a:p>
+          </p:txBody>
+        </p:sp>
+        <p:sp>
+          <p:nvSpPr>
+            <p:cNvPr id="81" name="Content Placeholder 2">
+              <a:extLst>
+                <a:ext uri="{FF2B5EF4-FFF2-40B4-BE49-F238E27FC236}">
+                  <a16:creationId xmlns:a16="http://schemas.microsoft.com/office/drawing/2014/main" id="{637EABB5-4E89-4996-974D-80C75A0E3F03}"/>
+                </a:ext>
+              </a:extLst>
+            </p:cNvPr>
+            <p:cNvSpPr txBox="1">
+              <a:spLocks/>
+            </p:cNvSpPr>
+            <p:nvPr/>
+          </p:nvSpPr>
+          <p:spPr>
+            <a:xfrm>
+              <a:off x="3053032" y="4681108"/>
+              <a:ext cx="529204" cy="396540"/>
+            </a:xfrm>
+            <a:prstGeom prst="rect">
+              <a:avLst/>
+            </a:prstGeom>
+          </p:spPr>
+          <p:txBody>
+            <a:bodyPr lIns="0" tIns="0" rIns="0" bIns="0" anchor="ctr">
+              <a:normAutofit/>
+            </a:bodyPr>
+            <a:lstStyle>
+              <a:lvl1pPr marL="612000" marR="0" indent="-403200" algn="l" defTabSz="914354" rtl="0" eaLnBrk="1" fontAlgn="auto" latinLnBrk="0" hangingPunct="1">
+                <a:lnSpc>
+                  <a:spcPct val="90000"/>
+                </a:lnSpc>
+                <a:spcBef>
+                  <a:spcPts val="2000"/>
+                </a:spcBef>
+                <a:spcAft>
+                  <a:spcPts val="0"/>
+                </a:spcAft>
+                <a:buClrTx/>
+                <a:buSzPct val="75000"/>
+                <a:buFont typeface="STSong" panose="02010600040101010101" pitchFamily="2" charset="-122"/>
+                <a:buChar char="◦"/>
+                <a:tabLst/>
+                <a:defRPr sz="4000" kern="1200" spc="-133" baseline="0">
+                  <a:solidFill>
+                    <a:srgbClr val="005E98"/>
+                  </a:solidFill>
+                  <a:latin typeface="Quicksand" panose="020B0604020202020204" charset="0"/>
+                  <a:ea typeface="+mn-ea"/>
+                  <a:cs typeface="+mn-cs"/>
+                </a:defRPr>
+              </a:lvl1pPr>
+              <a:lvl2pPr marL="997200" marR="0" indent="-360000" algn="l" defTabSz="914354" rtl="0" eaLnBrk="1" fontAlgn="auto" latinLnBrk="0" hangingPunct="1">
+                <a:lnSpc>
+                  <a:spcPct val="90000"/>
+                </a:lnSpc>
+                <a:spcBef>
+                  <a:spcPts val="500"/>
+                </a:spcBef>
+                <a:spcAft>
+                  <a:spcPts val="0"/>
+                </a:spcAft>
+                <a:buClrTx/>
+                <a:buSzPct val="85000"/>
+                <a:buFont typeface="Arial" panose="020B0604020202020204" pitchFamily="34" charset="0"/>
+                <a:buChar char="•"/>
+                <a:tabLst/>
+                <a:defRPr sz="3000" kern="1200" spc="-107">
+                  <a:solidFill>
+                    <a:srgbClr val="0F77B1"/>
+                  </a:solidFill>
+                  <a:latin typeface="Quicksand" panose="020B0604020202020204" charset="0"/>
+                  <a:ea typeface="+mn-ea"/>
+                  <a:cs typeface="+mn-cs"/>
+                </a:defRPr>
+              </a:lvl2pPr>
+              <a:lvl3pPr marL="1357200" marR="0" indent="-360000" algn="l" defTabSz="914354" rtl="0" eaLnBrk="1" fontAlgn="auto" latinLnBrk="0" hangingPunct="1">
+                <a:lnSpc>
+                  <a:spcPct val="100000"/>
+                </a:lnSpc>
+                <a:spcBef>
+                  <a:spcPts val="500"/>
+                </a:spcBef>
+                <a:spcAft>
+                  <a:spcPts val="0"/>
+                </a:spcAft>
+                <a:buClrTx/>
+                <a:buSzPct val="85000"/>
+                <a:buFont typeface="Arial" panose="020B0604020202020204" pitchFamily="34" charset="0"/>
+                <a:buChar char="•"/>
+                <a:tabLst/>
+                <a:defRPr sz="2800" kern="1200" spc="-107">
+                  <a:solidFill>
+                    <a:srgbClr val="0F77B1"/>
+                  </a:solidFill>
+                  <a:latin typeface="Quicksand" panose="020B0604020202020204" charset="0"/>
+                  <a:ea typeface="+mn-ea"/>
+                  <a:cs typeface="+mn-cs"/>
+                </a:defRPr>
+              </a:lvl3pPr>
+              <a:lvl4pPr marL="1717200" marR="0" indent="-360000" algn="l" defTabSz="914354" rtl="0" eaLnBrk="1" fontAlgn="auto" latinLnBrk="0" hangingPunct="1">
+                <a:lnSpc>
+                  <a:spcPct val="100000"/>
+                </a:lnSpc>
+                <a:spcBef>
+                  <a:spcPts val="500"/>
+                </a:spcBef>
+                <a:spcAft>
+                  <a:spcPts val="0"/>
+                </a:spcAft>
+                <a:buClrTx/>
+                <a:buSzPct val="85000"/>
+                <a:buFont typeface="Arial" panose="020B0604020202020204" pitchFamily="34" charset="0"/>
+                <a:buChar char="•"/>
+                <a:tabLst/>
+                <a:defRPr sz="2800" kern="1200" spc="-107">
+                  <a:solidFill>
+                    <a:srgbClr val="0F77B1"/>
+                  </a:solidFill>
+                  <a:latin typeface="Quicksand" panose="020B0604020202020204" charset="0"/>
+                  <a:ea typeface="+mn-ea"/>
+                  <a:cs typeface="+mn-cs"/>
+                </a:defRPr>
+              </a:lvl4pPr>
+              <a:lvl5pPr marL="2077200" marR="0" indent="-360000" algn="l" defTabSz="914354" rtl="0" eaLnBrk="1" fontAlgn="auto" latinLnBrk="0" hangingPunct="1">
+                <a:lnSpc>
+                  <a:spcPct val="100000"/>
+                </a:lnSpc>
+                <a:spcBef>
+                  <a:spcPts val="500"/>
+                </a:spcBef>
+                <a:spcAft>
+                  <a:spcPts val="0"/>
+                </a:spcAft>
+                <a:buClrTx/>
+                <a:buSzPct val="85000"/>
+                <a:buFont typeface="Arial" panose="020B0604020202020204" pitchFamily="34" charset="0"/>
+                <a:buChar char="•"/>
+                <a:tabLst/>
+                <a:defRPr sz="2800" kern="1200" spc="-107" baseline="0">
+                  <a:solidFill>
+                    <a:srgbClr val="0F77B1"/>
+                  </a:solidFill>
+                  <a:latin typeface="Quicksand" panose="020B0604020202020204" charset="0"/>
+                  <a:ea typeface="+mn-ea"/>
+                  <a:cs typeface="+mn-cs"/>
+                </a:defRPr>
+              </a:lvl5pPr>
+              <a:lvl6pPr marL="2514474" indent="-228589" algn="l" defTabSz="914354" rtl="0" eaLnBrk="1" latinLnBrk="0" hangingPunct="1">
+                <a:lnSpc>
+                  <a:spcPct val="90000"/>
+                </a:lnSpc>
+                <a:spcBef>
+                  <a:spcPts val="500"/>
+                </a:spcBef>
+                <a:buFont typeface="Arial" panose="020B0604020202020204" pitchFamily="34" charset="0"/>
+                <a:buChar char="•"/>
+                <a:defRPr sz="1800" kern="1200">
+                  <a:solidFill>
+                    <a:schemeClr val="tx1"/>
+                  </a:solidFill>
+                  <a:latin typeface="+mn-lt"/>
+                  <a:ea typeface="+mn-ea"/>
+                  <a:cs typeface="+mn-cs"/>
+                </a:defRPr>
+              </a:lvl6pPr>
+              <a:lvl7pPr marL="2971652" indent="-228589" algn="l" defTabSz="914354" rtl="0" eaLnBrk="1" latinLnBrk="0" hangingPunct="1">
+                <a:lnSpc>
+                  <a:spcPct val="90000"/>
+                </a:lnSpc>
+                <a:spcBef>
+                  <a:spcPts val="500"/>
+                </a:spcBef>
+                <a:buFont typeface="Arial" panose="020B0604020202020204" pitchFamily="34" charset="0"/>
+                <a:buChar char="•"/>
+                <a:defRPr sz="1800" kern="1200">
+                  <a:solidFill>
+                    <a:schemeClr val="tx1"/>
+                  </a:solidFill>
+                  <a:latin typeface="+mn-lt"/>
+                  <a:ea typeface="+mn-ea"/>
+                  <a:cs typeface="+mn-cs"/>
+                </a:defRPr>
+              </a:lvl7pPr>
+              <a:lvl8pPr marL="3428829" indent="-228589" algn="l" defTabSz="914354" rtl="0" eaLnBrk="1" latinLnBrk="0" hangingPunct="1">
+                <a:lnSpc>
+                  <a:spcPct val="90000"/>
+                </a:lnSpc>
+                <a:spcBef>
+                  <a:spcPts val="500"/>
+                </a:spcBef>
+                <a:buFont typeface="Arial" panose="020B0604020202020204" pitchFamily="34" charset="0"/>
+                <a:buChar char="•"/>
+                <a:defRPr sz="1800" kern="1200">
+                  <a:solidFill>
+                    <a:schemeClr val="tx1"/>
+                  </a:solidFill>
+                  <a:latin typeface="+mn-lt"/>
+                  <a:ea typeface="+mn-ea"/>
+                  <a:cs typeface="+mn-cs"/>
+                </a:defRPr>
+              </a:lvl8pPr>
+              <a:lvl9pPr marL="3886006" indent="-228589" algn="l" defTabSz="914354" rtl="0" eaLnBrk="1" latinLnBrk="0" hangingPunct="1">
+                <a:lnSpc>
+                  <a:spcPct val="90000"/>
+                </a:lnSpc>
+                <a:spcBef>
+                  <a:spcPts val="500"/>
+                </a:spcBef>
+                <a:buFont typeface="Arial" panose="020B0604020202020204" pitchFamily="34" charset="0"/>
+                <a:buChar char="•"/>
+                <a:defRPr sz="1800" kern="1200">
+                  <a:solidFill>
+                    <a:schemeClr val="tx1"/>
+                  </a:solidFill>
+                  <a:latin typeface="+mn-lt"/>
+                  <a:ea typeface="+mn-ea"/>
+                  <a:cs typeface="+mn-cs"/>
+                </a:defRPr>
+              </a:lvl9pPr>
+            </a:lstStyle>
+            <a:p>
+              <a:pPr marL="0" indent="0" algn="ctr">
+                <a:buNone/>
+              </a:pPr>
+              <a:r>
+                <a:rPr lang="en-CA" sz="2400" i="1" dirty="0">
+                  <a:latin typeface="CMU Serif" panose="02000603000000000000" pitchFamily="2" charset="0"/>
+                  <a:ea typeface="CMU Serif" panose="02000603000000000000" pitchFamily="2" charset="0"/>
+                  <a:cs typeface="CMU Serif" panose="02000603000000000000" pitchFamily="2" charset="0"/>
+                </a:rPr>
+                <a:t>l</a:t>
+              </a:r>
+            </a:p>
+          </p:txBody>
+        </p:sp>
+      </p:grpSp>
+      <p:sp>
+        <p:nvSpPr>
+          <p:cNvPr id="82" name="Arc 81">
+            <a:extLst>
+              <a:ext uri="{FF2B5EF4-FFF2-40B4-BE49-F238E27FC236}">
+                <a16:creationId xmlns:a16="http://schemas.microsoft.com/office/drawing/2014/main" id="{5D9739C0-79F4-4AEF-AB89-E695418B39C4}"/>
+              </a:ext>
+            </a:extLst>
+          </p:cNvPr>
+          <p:cNvSpPr/>
+          <p:nvPr/>
+        </p:nvSpPr>
+        <p:spPr>
+          <a:xfrm rot="5400000">
+            <a:off x="8391705" y="2379189"/>
+            <a:ext cx="1481138" cy="1481138"/>
+          </a:xfrm>
+          <a:prstGeom prst="arc">
+            <a:avLst>
+              <a:gd name="adj1" fmla="val 16221635"/>
+              <a:gd name="adj2" fmla="val 18254379"/>
+            </a:avLst>
+          </a:prstGeom>
+          <a:ln w="12700">
+            <a:solidFill>
+              <a:srgbClr val="084081">
+                <a:alpha val="74902"/>
+              </a:srgbClr>
+            </a:solidFill>
+            <a:prstDash val="solid"/>
+            <a:tailEnd type="stealth"/>
+          </a:ln>
+        </p:spPr>
+        <p:style>
+          <a:lnRef idx="1">
+            <a:schemeClr val="accent1"/>
+          </a:lnRef>
+          <a:fillRef idx="0">
+            <a:schemeClr val="accent1"/>
+          </a:fillRef>
+          <a:effectRef idx="0">
+            <a:schemeClr val="accent1"/>
+          </a:effectRef>
+          <a:fontRef idx="minor">
+            <a:schemeClr val="tx1"/>
+          </a:fontRef>
+        </p:style>
+        <p:txBody>
+          <a:bodyPr rtlCol="0" anchor="ctr"/>
+          <a:lstStyle/>
+          <a:p>
+            <a:pPr algn="ctr"/>
+            <a:endParaRPr lang="en-CA"/>
+          </a:p>
+        </p:txBody>
+      </p:sp>
+      <p:sp>
+        <p:nvSpPr>
+          <p:cNvPr id="83" name="Content Placeholder 2">
+            <a:extLst>
+              <a:ext uri="{FF2B5EF4-FFF2-40B4-BE49-F238E27FC236}">
+                <a16:creationId xmlns:a16="http://schemas.microsoft.com/office/drawing/2014/main" id="{9A1619B9-BF36-48F3-B2DA-700178482730}"/>
+              </a:ext>
+            </a:extLst>
+          </p:cNvPr>
+          <p:cNvSpPr txBox="1">
+            <a:spLocks/>
+          </p:cNvSpPr>
+          <p:nvPr/>
+        </p:nvSpPr>
+        <p:spPr>
+          <a:xfrm>
+            <a:off x="9815363" y="3260144"/>
+            <a:ext cx="529204" cy="396540"/>
+          </a:xfrm>
+          <a:prstGeom prst="rect">
+            <a:avLst/>
+          </a:prstGeom>
+        </p:spPr>
+        <p:txBody>
+          <a:bodyPr lIns="0" tIns="0" rIns="0" bIns="0" anchor="ctr">
+            <a:normAutofit/>
+          </a:bodyPr>
+          <a:lstStyle>
+            <a:lvl1pPr marL="612000" marR="0" indent="-403200" algn="l" defTabSz="914354" rtl="0" eaLnBrk="1" fontAlgn="auto" latinLnBrk="0" hangingPunct="1">
+              <a:lnSpc>
+                <a:spcPct val="90000"/>
+              </a:lnSpc>
+              <a:spcBef>
+                <a:spcPts val="2000"/>
+              </a:spcBef>
+              <a:spcAft>
+                <a:spcPts val="0"/>
+              </a:spcAft>
+              <a:buClrTx/>
+              <a:buSzPct val="75000"/>
+              <a:buFont typeface="STSong" panose="02010600040101010101" pitchFamily="2" charset="-122"/>
+              <a:buChar char="◦"/>
+              <a:tabLst/>
+              <a:defRPr sz="4000" kern="1200" spc="-133" baseline="0">
+                <a:solidFill>
+                  <a:srgbClr val="005E98"/>
+                </a:solidFill>
+                <a:latin typeface="Quicksand" panose="020B0604020202020204" charset="0"/>
+                <a:ea typeface="+mn-ea"/>
+                <a:cs typeface="+mn-cs"/>
+              </a:defRPr>
+            </a:lvl1pPr>
+            <a:lvl2pPr marL="997200" marR="0" indent="-360000" algn="l" defTabSz="914354" rtl="0" eaLnBrk="1" fontAlgn="auto" latinLnBrk="0" hangingPunct="1">
+              <a:lnSpc>
+                <a:spcPct val="90000"/>
+              </a:lnSpc>
+              <a:spcBef>
+                <a:spcPts val="500"/>
+              </a:spcBef>
+              <a:spcAft>
+                <a:spcPts val="0"/>
+              </a:spcAft>
+              <a:buClrTx/>
+              <a:buSzPct val="85000"/>
+              <a:buFont typeface="Arial" panose="020B0604020202020204" pitchFamily="34" charset="0"/>
+              <a:buChar char="•"/>
+              <a:tabLst/>
+              <a:defRPr sz="3000" kern="1200" spc="-107">
+                <a:solidFill>
+                  <a:srgbClr val="0F77B1"/>
+                </a:solidFill>
+                <a:latin typeface="Quicksand" panose="020B0604020202020204" charset="0"/>
+                <a:ea typeface="+mn-ea"/>
+                <a:cs typeface="+mn-cs"/>
+              </a:defRPr>
+            </a:lvl2pPr>
+            <a:lvl3pPr marL="1357200" marR="0" indent="-360000" algn="l" defTabSz="914354" rtl="0" eaLnBrk="1" fontAlgn="auto" latinLnBrk="0" hangingPunct="1">
+              <a:lnSpc>
+                <a:spcPct val="100000"/>
+              </a:lnSpc>
+              <a:spcBef>
+                <a:spcPts val="500"/>
+              </a:spcBef>
+              <a:spcAft>
+                <a:spcPts val="0"/>
+              </a:spcAft>
+              <a:buClrTx/>
+              <a:buSzPct val="85000"/>
+              <a:buFont typeface="Arial" panose="020B0604020202020204" pitchFamily="34" charset="0"/>
+              <a:buChar char="•"/>
+              <a:tabLst/>
+              <a:defRPr sz="2800" kern="1200" spc="-107">
+                <a:solidFill>
+                  <a:srgbClr val="0F77B1"/>
+                </a:solidFill>
+                <a:latin typeface="Quicksand" panose="020B0604020202020204" charset="0"/>
+                <a:ea typeface="+mn-ea"/>
+                <a:cs typeface="+mn-cs"/>
+              </a:defRPr>
+            </a:lvl3pPr>
+            <a:lvl4pPr marL="1717200" marR="0" indent="-360000" algn="l" defTabSz="914354" rtl="0" eaLnBrk="1" fontAlgn="auto" latinLnBrk="0" hangingPunct="1">
+              <a:lnSpc>
+                <a:spcPct val="100000"/>
+              </a:lnSpc>
+              <a:spcBef>
+                <a:spcPts val="500"/>
+              </a:spcBef>
+              <a:spcAft>
+                <a:spcPts val="0"/>
+              </a:spcAft>
+              <a:buClrTx/>
+              <a:buSzPct val="85000"/>
+              <a:buFont typeface="Arial" panose="020B0604020202020204" pitchFamily="34" charset="0"/>
+              <a:buChar char="•"/>
+              <a:tabLst/>
+              <a:defRPr sz="2800" kern="1200" spc="-107">
+                <a:solidFill>
+                  <a:srgbClr val="0F77B1"/>
+                </a:solidFill>
+                <a:latin typeface="Quicksand" panose="020B0604020202020204" charset="0"/>
+                <a:ea typeface="+mn-ea"/>
+                <a:cs typeface="+mn-cs"/>
+              </a:defRPr>
+            </a:lvl4pPr>
+            <a:lvl5pPr marL="2077200" marR="0" indent="-360000" algn="l" defTabSz="914354" rtl="0" eaLnBrk="1" fontAlgn="auto" latinLnBrk="0" hangingPunct="1">
+              <a:lnSpc>
+                <a:spcPct val="100000"/>
+              </a:lnSpc>
+              <a:spcBef>
+                <a:spcPts val="500"/>
+              </a:spcBef>
+              <a:spcAft>
+                <a:spcPts val="0"/>
+              </a:spcAft>
+              <a:buClrTx/>
+              <a:buSzPct val="85000"/>
+              <a:buFont typeface="Arial" panose="020B0604020202020204" pitchFamily="34" charset="0"/>
+              <a:buChar char="•"/>
+              <a:tabLst/>
+              <a:defRPr sz="2800" kern="1200" spc="-107" baseline="0">
+                <a:solidFill>
+                  <a:srgbClr val="0F77B1"/>
+                </a:solidFill>
+                <a:latin typeface="Quicksand" panose="020B0604020202020204" charset="0"/>
+                <a:ea typeface="+mn-ea"/>
+                <a:cs typeface="+mn-cs"/>
+              </a:defRPr>
+            </a:lvl5pPr>
+            <a:lvl6pPr marL="2514474" indent="-228589" algn="l" defTabSz="914354" rtl="0" eaLnBrk="1" latinLnBrk="0" hangingPunct="1">
+              <a:lnSpc>
+                <a:spcPct val="90000"/>
+              </a:lnSpc>
+              <a:spcBef>
+                <a:spcPts val="500"/>
+              </a:spcBef>
+              <a:buFont typeface="Arial" panose="020B0604020202020204" pitchFamily="34" charset="0"/>
+              <a:buChar char="•"/>
+              <a:defRPr sz="1800" kern="1200">
+                <a:solidFill>
+                  <a:schemeClr val="tx1"/>
+                </a:solidFill>
+                <a:latin typeface="+mn-lt"/>
+                <a:ea typeface="+mn-ea"/>
+                <a:cs typeface="+mn-cs"/>
+              </a:defRPr>
+            </a:lvl6pPr>
+            <a:lvl7pPr marL="2971652" indent="-228589" algn="l" defTabSz="914354" rtl="0" eaLnBrk="1" latinLnBrk="0" hangingPunct="1">
+              <a:lnSpc>
+                <a:spcPct val="90000"/>
+              </a:lnSpc>
+              <a:spcBef>
+                <a:spcPts val="500"/>
+              </a:spcBef>
+              <a:buFont typeface="Arial" panose="020B0604020202020204" pitchFamily="34" charset="0"/>
+              <a:buChar char="•"/>
+              <a:defRPr sz="1800" kern="1200">
+                <a:solidFill>
+                  <a:schemeClr val="tx1"/>
+                </a:solidFill>
+                <a:latin typeface="+mn-lt"/>
+                <a:ea typeface="+mn-ea"/>
+                <a:cs typeface="+mn-cs"/>
+              </a:defRPr>
+            </a:lvl7pPr>
+            <a:lvl8pPr marL="3428829" indent="-228589" algn="l" defTabSz="914354" rtl="0" eaLnBrk="1" latinLnBrk="0" hangingPunct="1">
+              <a:lnSpc>
+                <a:spcPct val="90000"/>
+              </a:lnSpc>
+              <a:spcBef>
+                <a:spcPts val="500"/>
+              </a:spcBef>
+              <a:buFont typeface="Arial" panose="020B0604020202020204" pitchFamily="34" charset="0"/>
+              <a:buChar char="•"/>
+              <a:defRPr sz="1800" kern="1200">
+                <a:solidFill>
+                  <a:schemeClr val="tx1"/>
+                </a:solidFill>
+                <a:latin typeface="+mn-lt"/>
+                <a:ea typeface="+mn-ea"/>
+                <a:cs typeface="+mn-cs"/>
+              </a:defRPr>
+            </a:lvl8pPr>
+            <a:lvl9pPr marL="3886006" indent="-228589" algn="l" defTabSz="914354" rtl="0" eaLnBrk="1" latinLnBrk="0" hangingPunct="1">
+              <a:lnSpc>
+                <a:spcPct val="90000"/>
+              </a:lnSpc>
+              <a:spcBef>
+                <a:spcPts val="500"/>
+              </a:spcBef>
+              <a:buFont typeface="Arial" panose="020B0604020202020204" pitchFamily="34" charset="0"/>
+              <a:buChar char="•"/>
+              <a:defRPr sz="1800" kern="1200">
+                <a:solidFill>
+                  <a:schemeClr val="tx1"/>
+                </a:solidFill>
+                <a:latin typeface="+mn-lt"/>
+                <a:ea typeface="+mn-ea"/>
+                <a:cs typeface="+mn-cs"/>
+              </a:defRPr>
+            </a:lvl9pPr>
+          </a:lstStyle>
+          <a:p>
+            <a:pPr marL="0" indent="0" algn="ctr">
+              <a:buNone/>
+            </a:pPr>
+            <a:r>
+              <a:rPr lang="el-GR" sz="2400" i="1" dirty="0">
+                <a:solidFill>
+                  <a:schemeClr val="accent1">
+                    <a:lumMod val="75000"/>
+                  </a:schemeClr>
+                </a:solidFill>
+                <a:latin typeface="Latin Modern Math" panose="02000503000000000000" pitchFamily="2" charset="0"/>
+                <a:ea typeface="Latin Modern Math" panose="02000503000000000000" pitchFamily="2" charset="0"/>
+                <a:cs typeface="CMU Serif" panose="02000603000000000000" pitchFamily="2" charset="0"/>
+              </a:rPr>
+              <a:t>ϕ</a:t>
+            </a:r>
+            <a:endParaRPr lang="en-CA" sz="2400" dirty="0">
+              <a:latin typeface="CMU Serif" panose="02000603000000000000" pitchFamily="2" charset="0"/>
+              <a:ea typeface="CMU Serif" panose="02000603000000000000" pitchFamily="2" charset="0"/>
+              <a:cs typeface="CMU Serif" panose="02000603000000000000" pitchFamily="2" charset="0"/>
+            </a:endParaRPr>
+          </a:p>
+        </p:txBody>
+      </p:sp>
     </p:spTree>
     <p:extLst>
       <p:ext uri="{BB962C8B-B14F-4D97-AF65-F5344CB8AC3E}">
@@ -4444,6 +7627,987 @@
   <p:clrMapOvr>
     <a:masterClrMapping/>
   </p:clrMapOvr>
+  <p:timing>
+    <p:tnLst>
+      <p:par>
+        <p:cTn id="1" dur="indefinite" restart="never" nodeType="tmRoot">
+          <p:childTnLst>
+            <p:seq concurrent="1" nextAc="seek">
+              <p:cTn id="2" dur="indefinite" nodeType="mainSeq">
+                <p:childTnLst>
+                  <p:par>
+                    <p:cTn id="3" fill="hold">
+                      <p:stCondLst>
+                        <p:cond delay="indefinite"/>
+                      </p:stCondLst>
+                      <p:childTnLst>
+                        <p:par>
+                          <p:cTn id="4" fill="hold">
+                            <p:stCondLst>
+                              <p:cond delay="0"/>
+                            </p:stCondLst>
+                            <p:childTnLst>
+                              <p:par>
+                                <p:cTn id="5" presetID="10" presetClass="entr" presetSubtype="0" fill="hold" grpId="0" nodeType="clickEffect">
+                                  <p:stCondLst>
+                                    <p:cond delay="0"/>
+                                  </p:stCondLst>
+                                  <p:childTnLst>
+                                    <p:set>
+                                      <p:cBhvr>
+                                        <p:cTn id="6" dur="1" fill="hold">
+                                          <p:stCondLst>
+                                            <p:cond delay="0"/>
+                                          </p:stCondLst>
+                                        </p:cTn>
+                                        <p:tgtEl>
+                                          <p:spTgt spid="2">
+                                            <p:txEl>
+                                              <p:pRg st="0" end="0"/>
+                                            </p:txEl>
+                                          </p:spTgt>
+                                        </p:tgtEl>
+                                        <p:attrNameLst>
+                                          <p:attrName>style.visibility</p:attrName>
+                                        </p:attrNameLst>
+                                      </p:cBhvr>
+                                      <p:to>
+                                        <p:strVal val="visible"/>
+                                      </p:to>
+                                    </p:set>
+                                    <p:animEffect transition="in" filter="fade">
+                                      <p:cBhvr>
+                                        <p:cTn id="7" dur="500"/>
+                                        <p:tgtEl>
+                                          <p:spTgt spid="2">
+                                            <p:txEl>
+                                              <p:pRg st="0" end="0"/>
+                                            </p:txEl>
+                                          </p:spTgt>
+                                        </p:tgtEl>
+                                      </p:cBhvr>
+                                    </p:animEffect>
+                                  </p:childTnLst>
+                                </p:cTn>
+                              </p:par>
+                            </p:childTnLst>
+                          </p:cTn>
+                        </p:par>
+                      </p:childTnLst>
+                    </p:cTn>
+                  </p:par>
+                  <p:par>
+                    <p:cTn id="8" fill="hold">
+                      <p:stCondLst>
+                        <p:cond delay="indefinite"/>
+                      </p:stCondLst>
+                      <p:childTnLst>
+                        <p:par>
+                          <p:cTn id="9" fill="hold">
+                            <p:stCondLst>
+                              <p:cond delay="0"/>
+                            </p:stCondLst>
+                            <p:childTnLst>
+                              <p:par>
+                                <p:cTn id="10" presetID="10" presetClass="entr" presetSubtype="0" fill="hold" grpId="0" nodeType="clickEffect">
+                                  <p:stCondLst>
+                                    <p:cond delay="0"/>
+                                  </p:stCondLst>
+                                  <p:childTnLst>
+                                    <p:set>
+                                      <p:cBhvr>
+                                        <p:cTn id="11" dur="1" fill="hold">
+                                          <p:stCondLst>
+                                            <p:cond delay="0"/>
+                                          </p:stCondLst>
+                                        </p:cTn>
+                                        <p:tgtEl>
+                                          <p:spTgt spid="2">
+                                            <p:txEl>
+                                              <p:pRg st="1" end="1"/>
+                                            </p:txEl>
+                                          </p:spTgt>
+                                        </p:tgtEl>
+                                        <p:attrNameLst>
+                                          <p:attrName>style.visibility</p:attrName>
+                                        </p:attrNameLst>
+                                      </p:cBhvr>
+                                      <p:to>
+                                        <p:strVal val="visible"/>
+                                      </p:to>
+                                    </p:set>
+                                    <p:animEffect transition="in" filter="fade">
+                                      <p:cBhvr>
+                                        <p:cTn id="12" dur="500"/>
+                                        <p:tgtEl>
+                                          <p:spTgt spid="2">
+                                            <p:txEl>
+                                              <p:pRg st="1" end="1"/>
+                                            </p:txEl>
+                                          </p:spTgt>
+                                        </p:tgtEl>
+                                      </p:cBhvr>
+                                    </p:animEffect>
+                                  </p:childTnLst>
+                                </p:cTn>
+                              </p:par>
+                              <p:par>
+                                <p:cTn id="13" presetID="10" presetClass="entr" presetSubtype="0" fill="hold" nodeType="withEffect">
+                                  <p:stCondLst>
+                                    <p:cond delay="0"/>
+                                  </p:stCondLst>
+                                  <p:childTnLst>
+                                    <p:set>
+                                      <p:cBhvr>
+                                        <p:cTn id="14" dur="1" fill="hold">
+                                          <p:stCondLst>
+                                            <p:cond delay="0"/>
+                                          </p:stCondLst>
+                                        </p:cTn>
+                                        <p:tgtEl>
+                                          <p:spTgt spid="48"/>
+                                        </p:tgtEl>
+                                        <p:attrNameLst>
+                                          <p:attrName>style.visibility</p:attrName>
+                                        </p:attrNameLst>
+                                      </p:cBhvr>
+                                      <p:to>
+                                        <p:strVal val="visible"/>
+                                      </p:to>
+                                    </p:set>
+                                    <p:animEffect transition="in" filter="fade">
+                                      <p:cBhvr>
+                                        <p:cTn id="15" dur="500"/>
+                                        <p:tgtEl>
+                                          <p:spTgt spid="48"/>
+                                        </p:tgtEl>
+                                      </p:cBhvr>
+                                    </p:animEffect>
+                                  </p:childTnLst>
+                                </p:cTn>
+                              </p:par>
+                              <p:par>
+                                <p:cTn id="16" presetID="10" presetClass="entr" presetSubtype="0" fill="hold" nodeType="withEffect">
+                                  <p:stCondLst>
+                                    <p:cond delay="0"/>
+                                  </p:stCondLst>
+                                  <p:childTnLst>
+                                    <p:set>
+                                      <p:cBhvr>
+                                        <p:cTn id="17" dur="1" fill="hold">
+                                          <p:stCondLst>
+                                            <p:cond delay="0"/>
+                                          </p:stCondLst>
+                                        </p:cTn>
+                                        <p:tgtEl>
+                                          <p:spTgt spid="12"/>
+                                        </p:tgtEl>
+                                        <p:attrNameLst>
+                                          <p:attrName>style.visibility</p:attrName>
+                                        </p:attrNameLst>
+                                      </p:cBhvr>
+                                      <p:to>
+                                        <p:strVal val="visible"/>
+                                      </p:to>
+                                    </p:set>
+                                    <p:animEffect transition="in" filter="fade">
+                                      <p:cBhvr>
+                                        <p:cTn id="18" dur="500"/>
+                                        <p:tgtEl>
+                                          <p:spTgt spid="12"/>
+                                        </p:tgtEl>
+                                      </p:cBhvr>
+                                    </p:animEffect>
+                                  </p:childTnLst>
+                                </p:cTn>
+                              </p:par>
+                            </p:childTnLst>
+                          </p:cTn>
+                        </p:par>
+                      </p:childTnLst>
+                    </p:cTn>
+                  </p:par>
+                  <p:par>
+                    <p:cTn id="19" fill="hold">
+                      <p:stCondLst>
+                        <p:cond delay="indefinite"/>
+                      </p:stCondLst>
+                      <p:childTnLst>
+                        <p:par>
+                          <p:cTn id="20" fill="hold">
+                            <p:stCondLst>
+                              <p:cond delay="0"/>
+                            </p:stCondLst>
+                            <p:childTnLst>
+                              <p:par>
+                                <p:cTn id="21" presetID="10" presetClass="entr" presetSubtype="0" fill="hold" grpId="0" nodeType="clickEffect">
+                                  <p:stCondLst>
+                                    <p:cond delay="0"/>
+                                  </p:stCondLst>
+                                  <p:childTnLst>
+                                    <p:set>
+                                      <p:cBhvr>
+                                        <p:cTn id="22" dur="1" fill="hold">
+                                          <p:stCondLst>
+                                            <p:cond delay="0"/>
+                                          </p:stCondLst>
+                                        </p:cTn>
+                                        <p:tgtEl>
+                                          <p:spTgt spid="2">
+                                            <p:txEl>
+                                              <p:pRg st="2" end="2"/>
+                                            </p:txEl>
+                                          </p:spTgt>
+                                        </p:tgtEl>
+                                        <p:attrNameLst>
+                                          <p:attrName>style.visibility</p:attrName>
+                                        </p:attrNameLst>
+                                      </p:cBhvr>
+                                      <p:to>
+                                        <p:strVal val="visible"/>
+                                      </p:to>
+                                    </p:set>
+                                    <p:animEffect transition="in" filter="fade">
+                                      <p:cBhvr>
+                                        <p:cTn id="23" dur="500"/>
+                                        <p:tgtEl>
+                                          <p:spTgt spid="2">
+                                            <p:txEl>
+                                              <p:pRg st="2" end="2"/>
+                                            </p:txEl>
+                                          </p:spTgt>
+                                        </p:tgtEl>
+                                      </p:cBhvr>
+                                    </p:animEffect>
+                                  </p:childTnLst>
+                                </p:cTn>
+                              </p:par>
+                            </p:childTnLst>
+                          </p:cTn>
+                        </p:par>
+                        <p:par>
+                          <p:cTn id="24" fill="hold">
+                            <p:stCondLst>
+                              <p:cond delay="500"/>
+                            </p:stCondLst>
+                            <p:childTnLst>
+                              <p:par>
+                                <p:cTn id="25" presetID="22" presetClass="entr" presetSubtype="8" fill="hold" nodeType="afterEffect">
+                                  <p:stCondLst>
+                                    <p:cond delay="0"/>
+                                  </p:stCondLst>
+                                  <p:childTnLst>
+                                    <p:set>
+                                      <p:cBhvr>
+                                        <p:cTn id="26" dur="1" fill="hold">
+                                          <p:stCondLst>
+                                            <p:cond delay="0"/>
+                                          </p:stCondLst>
+                                        </p:cTn>
+                                        <p:tgtEl>
+                                          <p:spTgt spid="78"/>
+                                        </p:tgtEl>
+                                        <p:attrNameLst>
+                                          <p:attrName>style.visibility</p:attrName>
+                                        </p:attrNameLst>
+                                      </p:cBhvr>
+                                      <p:to>
+                                        <p:strVal val="visible"/>
+                                      </p:to>
+                                    </p:set>
+                                    <p:animEffect transition="in" filter="wipe(left)">
+                                      <p:cBhvr>
+                                        <p:cTn id="27" dur="350"/>
+                                        <p:tgtEl>
+                                          <p:spTgt spid="78"/>
+                                        </p:tgtEl>
+                                      </p:cBhvr>
+                                    </p:animEffect>
+                                  </p:childTnLst>
+                                </p:cTn>
+                              </p:par>
+                            </p:childTnLst>
+                          </p:cTn>
+                        </p:par>
+                        <p:par>
+                          <p:cTn id="28" fill="hold">
+                            <p:stCondLst>
+                              <p:cond delay="850"/>
+                            </p:stCondLst>
+                            <p:childTnLst>
+                              <p:par>
+                                <p:cTn id="29" presetID="22" presetClass="entr" presetSubtype="8" fill="hold" nodeType="afterEffect">
+                                  <p:stCondLst>
+                                    <p:cond delay="150"/>
+                                  </p:stCondLst>
+                                  <p:childTnLst>
+                                    <p:set>
+                                      <p:cBhvr>
+                                        <p:cTn id="30" dur="1" fill="hold">
+                                          <p:stCondLst>
+                                            <p:cond delay="0"/>
+                                          </p:stCondLst>
+                                        </p:cTn>
+                                        <p:tgtEl>
+                                          <p:spTgt spid="77"/>
+                                        </p:tgtEl>
+                                        <p:attrNameLst>
+                                          <p:attrName>style.visibility</p:attrName>
+                                        </p:attrNameLst>
+                                      </p:cBhvr>
+                                      <p:to>
+                                        <p:strVal val="visible"/>
+                                      </p:to>
+                                    </p:set>
+                                    <p:animEffect transition="in" filter="wipe(left)">
+                                      <p:cBhvr>
+                                        <p:cTn id="31" dur="350"/>
+                                        <p:tgtEl>
+                                          <p:spTgt spid="77"/>
+                                        </p:tgtEl>
+                                      </p:cBhvr>
+                                    </p:animEffect>
+                                  </p:childTnLst>
+                                </p:cTn>
+                              </p:par>
+                            </p:childTnLst>
+                          </p:cTn>
+                        </p:par>
+                      </p:childTnLst>
+                    </p:cTn>
+                  </p:par>
+                  <p:par>
+                    <p:cTn id="32" fill="hold">
+                      <p:stCondLst>
+                        <p:cond delay="indefinite"/>
+                      </p:stCondLst>
+                      <p:childTnLst>
+                        <p:par>
+                          <p:cTn id="33" fill="hold">
+                            <p:stCondLst>
+                              <p:cond delay="0"/>
+                            </p:stCondLst>
+                            <p:childTnLst>
+                              <p:par>
+                                <p:cTn id="34" presetID="22" presetClass="entr" presetSubtype="8" fill="hold" nodeType="clickEffect">
+                                  <p:stCondLst>
+                                    <p:cond delay="0"/>
+                                  </p:stCondLst>
+                                  <p:childTnLst>
+                                    <p:set>
+                                      <p:cBhvr>
+                                        <p:cTn id="35" dur="1" fill="hold">
+                                          <p:stCondLst>
+                                            <p:cond delay="0"/>
+                                          </p:stCondLst>
+                                        </p:cTn>
+                                        <p:tgtEl>
+                                          <p:spTgt spid="79"/>
+                                        </p:tgtEl>
+                                        <p:attrNameLst>
+                                          <p:attrName>style.visibility</p:attrName>
+                                        </p:attrNameLst>
+                                      </p:cBhvr>
+                                      <p:to>
+                                        <p:strVal val="visible"/>
+                                      </p:to>
+                                    </p:set>
+                                    <p:animEffect transition="in" filter="wipe(left)">
+                                      <p:cBhvr>
+                                        <p:cTn id="36" dur="500"/>
+                                        <p:tgtEl>
+                                          <p:spTgt spid="79"/>
+                                        </p:tgtEl>
+                                      </p:cBhvr>
+                                    </p:animEffect>
+                                  </p:childTnLst>
+                                </p:cTn>
+                              </p:par>
+                            </p:childTnLst>
+                          </p:cTn>
+                        </p:par>
+                      </p:childTnLst>
+                    </p:cTn>
+                  </p:par>
+                  <p:par>
+                    <p:cTn id="37" fill="hold">
+                      <p:stCondLst>
+                        <p:cond delay="indefinite"/>
+                      </p:stCondLst>
+                      <p:childTnLst>
+                        <p:par>
+                          <p:cTn id="38" fill="hold">
+                            <p:stCondLst>
+                              <p:cond delay="0"/>
+                            </p:stCondLst>
+                            <p:childTnLst>
+                              <p:par>
+                                <p:cTn id="39" presetID="22" presetClass="entr" presetSubtype="8" fill="hold" nodeType="clickEffect">
+                                  <p:stCondLst>
+                                    <p:cond delay="0"/>
+                                  </p:stCondLst>
+                                  <p:childTnLst>
+                                    <p:set>
+                                      <p:cBhvr>
+                                        <p:cTn id="40" dur="1" fill="hold">
+                                          <p:stCondLst>
+                                            <p:cond delay="0"/>
+                                          </p:stCondLst>
+                                        </p:cTn>
+                                        <p:tgtEl>
+                                          <p:spTgt spid="76"/>
+                                        </p:tgtEl>
+                                        <p:attrNameLst>
+                                          <p:attrName>style.visibility</p:attrName>
+                                        </p:attrNameLst>
+                                      </p:cBhvr>
+                                      <p:to>
+                                        <p:strVal val="visible"/>
+                                      </p:to>
+                                    </p:set>
+                                    <p:animEffect transition="in" filter="wipe(left)">
+                                      <p:cBhvr>
+                                        <p:cTn id="41" dur="500"/>
+                                        <p:tgtEl>
+                                          <p:spTgt spid="76"/>
+                                        </p:tgtEl>
+                                      </p:cBhvr>
+                                    </p:animEffect>
+                                  </p:childTnLst>
+                                </p:cTn>
+                              </p:par>
+                            </p:childTnLst>
+                          </p:cTn>
+                        </p:par>
+                        <p:par>
+                          <p:cTn id="42" fill="hold">
+                            <p:stCondLst>
+                              <p:cond delay="500"/>
+                            </p:stCondLst>
+                            <p:childTnLst>
+                              <p:par>
+                                <p:cTn id="43" presetID="10" presetClass="entr" presetSubtype="0" fill="hold" nodeType="afterEffect">
+                                  <p:stCondLst>
+                                    <p:cond delay="0"/>
+                                  </p:stCondLst>
+                                  <p:childTnLst>
+                                    <p:set>
+                                      <p:cBhvr>
+                                        <p:cTn id="44" dur="1" fill="hold">
+                                          <p:stCondLst>
+                                            <p:cond delay="0"/>
+                                          </p:stCondLst>
+                                        </p:cTn>
+                                        <p:tgtEl>
+                                          <p:spTgt spid="84"/>
+                                        </p:tgtEl>
+                                        <p:attrNameLst>
+                                          <p:attrName>style.visibility</p:attrName>
+                                        </p:attrNameLst>
+                                      </p:cBhvr>
+                                      <p:to>
+                                        <p:strVal val="visible"/>
+                                      </p:to>
+                                    </p:set>
+                                    <p:animEffect transition="in" filter="fade">
+                                      <p:cBhvr>
+                                        <p:cTn id="45" dur="50"/>
+                                        <p:tgtEl>
+                                          <p:spTgt spid="84"/>
+                                        </p:tgtEl>
+                                      </p:cBhvr>
+                                    </p:animEffect>
+                                  </p:childTnLst>
+                                </p:cTn>
+                              </p:par>
+                              <p:par>
+                                <p:cTn id="46" presetID="8" presetClass="emph" presetSubtype="0" decel="32000" fill="hold" nodeType="withEffect">
+                                  <p:stCondLst>
+                                    <p:cond delay="0"/>
+                                  </p:stCondLst>
+                                  <p:childTnLst>
+                                    <p:animRot by="2040000">
+                                      <p:cBhvr>
+                                        <p:cTn id="47" dur="1200" fill="hold"/>
+                                        <p:tgtEl>
+                                          <p:spTgt spid="84"/>
+                                        </p:tgtEl>
+                                        <p:attrNameLst>
+                                          <p:attrName>r</p:attrName>
+                                        </p:attrNameLst>
+                                      </p:cBhvr>
+                                    </p:animRot>
+                                  </p:childTnLst>
+                                </p:cTn>
+                              </p:par>
+                              <p:par>
+                                <p:cTn id="48" presetID="21" presetClass="entr" presetSubtype="1" fill="hold" grpId="0" nodeType="withEffect">
+                                  <p:stCondLst>
+                                    <p:cond delay="0"/>
+                                  </p:stCondLst>
+                                  <p:childTnLst>
+                                    <p:set>
+                                      <p:cBhvr>
+                                        <p:cTn id="49" dur="1" fill="hold">
+                                          <p:stCondLst>
+                                            <p:cond delay="0"/>
+                                          </p:stCondLst>
+                                        </p:cTn>
+                                        <p:tgtEl>
+                                          <p:spTgt spid="82"/>
+                                        </p:tgtEl>
+                                        <p:attrNameLst>
+                                          <p:attrName>style.visibility</p:attrName>
+                                        </p:attrNameLst>
+                                      </p:cBhvr>
+                                      <p:to>
+                                        <p:strVal val="visible"/>
+                                      </p:to>
+                                    </p:set>
+                                    <p:animEffect transition="in" filter="wheel(1)">
+                                      <p:cBhvr>
+                                        <p:cTn id="50" dur="1900"/>
+                                        <p:tgtEl>
+                                          <p:spTgt spid="82"/>
+                                        </p:tgtEl>
+                                      </p:cBhvr>
+                                    </p:animEffect>
+                                  </p:childTnLst>
+                                </p:cTn>
+                              </p:par>
+                              <p:par>
+                                <p:cTn id="51" presetID="22" presetClass="entr" presetSubtype="1" fill="hold" grpId="0" nodeType="withEffect">
+                                  <p:stCondLst>
+                                    <p:cond delay="300"/>
+                                  </p:stCondLst>
+                                  <p:childTnLst>
+                                    <p:set>
+                                      <p:cBhvr>
+                                        <p:cTn id="52" dur="1" fill="hold">
+                                          <p:stCondLst>
+                                            <p:cond delay="0"/>
+                                          </p:stCondLst>
+                                        </p:cTn>
+                                        <p:tgtEl>
+                                          <p:spTgt spid="83"/>
+                                        </p:tgtEl>
+                                        <p:attrNameLst>
+                                          <p:attrName>style.visibility</p:attrName>
+                                        </p:attrNameLst>
+                                      </p:cBhvr>
+                                      <p:to>
+                                        <p:strVal val="visible"/>
+                                      </p:to>
+                                    </p:set>
+                                    <p:animEffect transition="in" filter="wipe(up)">
+                                      <p:cBhvr>
+                                        <p:cTn id="53" dur="700"/>
+                                        <p:tgtEl>
+                                          <p:spTgt spid="83"/>
+                                        </p:tgtEl>
+                                      </p:cBhvr>
+                                    </p:animEffect>
+                                  </p:childTnLst>
+                                </p:cTn>
+                              </p:par>
+                            </p:childTnLst>
+                          </p:cTn>
+                        </p:par>
+                        <p:par>
+                          <p:cTn id="54" fill="hold">
+                            <p:stCondLst>
+                              <p:cond delay="2400"/>
+                            </p:stCondLst>
+                            <p:childTnLst>
+                              <p:par>
+                                <p:cTn id="55" presetID="1" presetClass="exit" presetSubtype="0" fill="hold" nodeType="afterEffect">
+                                  <p:stCondLst>
+                                    <p:cond delay="0"/>
+                                  </p:stCondLst>
+                                  <p:childTnLst>
+                                    <p:set>
+                                      <p:cBhvr>
+                                        <p:cTn id="56" dur="1" fill="hold">
+                                          <p:stCondLst>
+                                            <p:cond delay="0"/>
+                                          </p:stCondLst>
+                                        </p:cTn>
+                                        <p:tgtEl>
+                                          <p:spTgt spid="84"/>
+                                        </p:tgtEl>
+                                        <p:attrNameLst>
+                                          <p:attrName>style.visibility</p:attrName>
+                                        </p:attrNameLst>
+                                      </p:cBhvr>
+                                      <p:to>
+                                        <p:strVal val="hidden"/>
+                                      </p:to>
+                                    </p:set>
+                                  </p:childTnLst>
+                                </p:cTn>
+                              </p:par>
+                            </p:childTnLst>
+                          </p:cTn>
+                        </p:par>
+                      </p:childTnLst>
+                    </p:cTn>
+                  </p:par>
+                  <p:par>
+                    <p:cTn id="57" fill="hold">
+                      <p:stCondLst>
+                        <p:cond delay="indefinite"/>
+                      </p:stCondLst>
+                      <p:childTnLst>
+                        <p:par>
+                          <p:cTn id="58" fill="hold">
+                            <p:stCondLst>
+                              <p:cond delay="0"/>
+                            </p:stCondLst>
+                            <p:childTnLst>
+                              <p:par>
+                                <p:cTn id="59" presetID="10" presetClass="entr" presetSubtype="0" fill="hold" grpId="0" nodeType="clickEffect">
+                                  <p:stCondLst>
+                                    <p:cond delay="0"/>
+                                  </p:stCondLst>
+                                  <p:childTnLst>
+                                    <p:set>
+                                      <p:cBhvr>
+                                        <p:cTn id="60" dur="1" fill="hold">
+                                          <p:stCondLst>
+                                            <p:cond delay="0"/>
+                                          </p:stCondLst>
+                                        </p:cTn>
+                                        <p:tgtEl>
+                                          <p:spTgt spid="2">
+                                            <p:txEl>
+                                              <p:pRg st="3" end="3"/>
+                                            </p:txEl>
+                                          </p:spTgt>
+                                        </p:tgtEl>
+                                        <p:attrNameLst>
+                                          <p:attrName>style.visibility</p:attrName>
+                                        </p:attrNameLst>
+                                      </p:cBhvr>
+                                      <p:to>
+                                        <p:strVal val="visible"/>
+                                      </p:to>
+                                    </p:set>
+                                    <p:animEffect transition="in" filter="fade">
+                                      <p:cBhvr>
+                                        <p:cTn id="61" dur="500"/>
+                                        <p:tgtEl>
+                                          <p:spTgt spid="2">
+                                            <p:txEl>
+                                              <p:pRg st="3" end="3"/>
+                                            </p:txEl>
+                                          </p:spTgt>
+                                        </p:tgtEl>
+                                      </p:cBhvr>
+                                    </p:animEffect>
+                                  </p:childTnLst>
+                                </p:cTn>
+                              </p:par>
+                              <p:par>
+                                <p:cTn id="62" presetID="10" presetClass="entr" presetSubtype="0" fill="hold" grpId="0" nodeType="withEffect">
+                                  <p:stCondLst>
+                                    <p:cond delay="0"/>
+                                  </p:stCondLst>
+                                  <p:childTnLst>
+                                    <p:set>
+                                      <p:cBhvr>
+                                        <p:cTn id="63" dur="1" fill="hold">
+                                          <p:stCondLst>
+                                            <p:cond delay="0"/>
+                                          </p:stCondLst>
+                                        </p:cTn>
+                                        <p:tgtEl>
+                                          <p:spTgt spid="2">
+                                            <p:txEl>
+                                              <p:pRg st="4" end="4"/>
+                                            </p:txEl>
+                                          </p:spTgt>
+                                        </p:tgtEl>
+                                        <p:attrNameLst>
+                                          <p:attrName>style.visibility</p:attrName>
+                                        </p:attrNameLst>
+                                      </p:cBhvr>
+                                      <p:to>
+                                        <p:strVal val="visible"/>
+                                      </p:to>
+                                    </p:set>
+                                    <p:animEffect transition="in" filter="fade">
+                                      <p:cBhvr>
+                                        <p:cTn id="64" dur="500"/>
+                                        <p:tgtEl>
+                                          <p:spTgt spid="2">
+                                            <p:txEl>
+                                              <p:pRg st="4" end="4"/>
+                                            </p:txEl>
+                                          </p:spTgt>
+                                        </p:tgtEl>
+                                      </p:cBhvr>
+                                    </p:animEffect>
+                                  </p:childTnLst>
+                                </p:cTn>
+                              </p:par>
+                              <p:par>
+                                <p:cTn id="65" presetID="10" presetClass="entr" presetSubtype="0" fill="hold" nodeType="withEffect">
+                                  <p:stCondLst>
+                                    <p:cond delay="0"/>
+                                  </p:stCondLst>
+                                  <p:childTnLst>
+                                    <p:set>
+                                      <p:cBhvr>
+                                        <p:cTn id="66" dur="1" fill="hold">
+                                          <p:stCondLst>
+                                            <p:cond delay="0"/>
+                                          </p:stCondLst>
+                                        </p:cTn>
+                                        <p:tgtEl>
+                                          <p:spTgt spid="63"/>
+                                        </p:tgtEl>
+                                        <p:attrNameLst>
+                                          <p:attrName>style.visibility</p:attrName>
+                                        </p:attrNameLst>
+                                      </p:cBhvr>
+                                      <p:to>
+                                        <p:strVal val="visible"/>
+                                      </p:to>
+                                    </p:set>
+                                    <p:animEffect transition="in" filter="fade">
+                                      <p:cBhvr>
+                                        <p:cTn id="67" dur="500"/>
+                                        <p:tgtEl>
+                                          <p:spTgt spid="63"/>
+                                        </p:tgtEl>
+                                      </p:cBhvr>
+                                    </p:animEffect>
+                                  </p:childTnLst>
+                                </p:cTn>
+                              </p:par>
+                            </p:childTnLst>
+                          </p:cTn>
+                        </p:par>
+                      </p:childTnLst>
+                    </p:cTn>
+                  </p:par>
+                  <p:par>
+                    <p:cTn id="68" fill="hold">
+                      <p:stCondLst>
+                        <p:cond delay="indefinite"/>
+                      </p:stCondLst>
+                      <p:childTnLst>
+                        <p:par>
+                          <p:cTn id="69" fill="hold">
+                            <p:stCondLst>
+                              <p:cond delay="0"/>
+                            </p:stCondLst>
+                            <p:childTnLst>
+                              <p:par>
+                                <p:cTn id="70" presetID="10" presetClass="entr" presetSubtype="0" fill="hold" grpId="0" nodeType="clickEffect">
+                                  <p:stCondLst>
+                                    <p:cond delay="0"/>
+                                  </p:stCondLst>
+                                  <p:childTnLst>
+                                    <p:set>
+                                      <p:cBhvr>
+                                        <p:cTn id="71" dur="1" fill="hold">
+                                          <p:stCondLst>
+                                            <p:cond delay="0"/>
+                                          </p:stCondLst>
+                                        </p:cTn>
+                                        <p:tgtEl>
+                                          <p:spTgt spid="2">
+                                            <p:txEl>
+                                              <p:pRg st="5" end="5"/>
+                                            </p:txEl>
+                                          </p:spTgt>
+                                        </p:tgtEl>
+                                        <p:attrNameLst>
+                                          <p:attrName>style.visibility</p:attrName>
+                                        </p:attrNameLst>
+                                      </p:cBhvr>
+                                      <p:to>
+                                        <p:strVal val="visible"/>
+                                      </p:to>
+                                    </p:set>
+                                    <p:animEffect transition="in" filter="fade">
+                                      <p:cBhvr>
+                                        <p:cTn id="72" dur="500"/>
+                                        <p:tgtEl>
+                                          <p:spTgt spid="2">
+                                            <p:txEl>
+                                              <p:pRg st="5" end="5"/>
+                                            </p:txEl>
+                                          </p:spTgt>
+                                        </p:tgtEl>
+                                      </p:cBhvr>
+                                    </p:animEffect>
+                                  </p:childTnLst>
+                                </p:cTn>
+                              </p:par>
+                              <p:par>
+                                <p:cTn id="73" presetID="10" presetClass="entr" presetSubtype="0" fill="hold" grpId="0" nodeType="withEffect">
+                                  <p:stCondLst>
+                                    <p:cond delay="0"/>
+                                  </p:stCondLst>
+                                  <p:childTnLst>
+                                    <p:set>
+                                      <p:cBhvr>
+                                        <p:cTn id="74" dur="1" fill="hold">
+                                          <p:stCondLst>
+                                            <p:cond delay="0"/>
+                                          </p:stCondLst>
+                                        </p:cTn>
+                                        <p:tgtEl>
+                                          <p:spTgt spid="2">
+                                            <p:txEl>
+                                              <p:pRg st="6" end="6"/>
+                                            </p:txEl>
+                                          </p:spTgt>
+                                        </p:tgtEl>
+                                        <p:attrNameLst>
+                                          <p:attrName>style.visibility</p:attrName>
+                                        </p:attrNameLst>
+                                      </p:cBhvr>
+                                      <p:to>
+                                        <p:strVal val="visible"/>
+                                      </p:to>
+                                    </p:set>
+                                    <p:animEffect transition="in" filter="fade">
+                                      <p:cBhvr>
+                                        <p:cTn id="75" dur="500"/>
+                                        <p:tgtEl>
+                                          <p:spTgt spid="2">
+                                            <p:txEl>
+                                              <p:pRg st="6" end="6"/>
+                                            </p:txEl>
+                                          </p:spTgt>
+                                        </p:tgtEl>
+                                      </p:cBhvr>
+                                    </p:animEffect>
+                                  </p:childTnLst>
+                                </p:cTn>
+                              </p:par>
+                              <p:par>
+                                <p:cTn id="76" presetID="10" presetClass="entr" presetSubtype="0" fill="hold" grpId="0" nodeType="withEffect">
+                                  <p:stCondLst>
+                                    <p:cond delay="0"/>
+                                  </p:stCondLst>
+                                  <p:childTnLst>
+                                    <p:set>
+                                      <p:cBhvr>
+                                        <p:cTn id="77" dur="1" fill="hold">
+                                          <p:stCondLst>
+                                            <p:cond delay="0"/>
+                                          </p:stCondLst>
+                                        </p:cTn>
+                                        <p:tgtEl>
+                                          <p:spTgt spid="2">
+                                            <p:txEl>
+                                              <p:pRg st="7" end="7"/>
+                                            </p:txEl>
+                                          </p:spTgt>
+                                        </p:tgtEl>
+                                        <p:attrNameLst>
+                                          <p:attrName>style.visibility</p:attrName>
+                                        </p:attrNameLst>
+                                      </p:cBhvr>
+                                      <p:to>
+                                        <p:strVal val="visible"/>
+                                      </p:to>
+                                    </p:set>
+                                    <p:animEffect transition="in" filter="fade">
+                                      <p:cBhvr>
+                                        <p:cTn id="78" dur="500"/>
+                                        <p:tgtEl>
+                                          <p:spTgt spid="2">
+                                            <p:txEl>
+                                              <p:pRg st="7" end="7"/>
+                                            </p:txEl>
+                                          </p:spTgt>
+                                        </p:tgtEl>
+                                      </p:cBhvr>
+                                    </p:animEffect>
+                                  </p:childTnLst>
+                                </p:cTn>
+                              </p:par>
+                              <p:par>
+                                <p:cTn id="79" presetID="10" presetClass="entr" presetSubtype="0" fill="hold" grpId="0" nodeType="withEffect">
+                                  <p:stCondLst>
+                                    <p:cond delay="0"/>
+                                  </p:stCondLst>
+                                  <p:childTnLst>
+                                    <p:set>
+                                      <p:cBhvr>
+                                        <p:cTn id="80" dur="1" fill="hold">
+                                          <p:stCondLst>
+                                            <p:cond delay="0"/>
+                                          </p:stCondLst>
+                                        </p:cTn>
+                                        <p:tgtEl>
+                                          <p:spTgt spid="2">
+                                            <p:txEl>
+                                              <p:pRg st="8" end="8"/>
+                                            </p:txEl>
+                                          </p:spTgt>
+                                        </p:tgtEl>
+                                        <p:attrNameLst>
+                                          <p:attrName>style.visibility</p:attrName>
+                                        </p:attrNameLst>
+                                      </p:cBhvr>
+                                      <p:to>
+                                        <p:strVal val="visible"/>
+                                      </p:to>
+                                    </p:set>
+                                    <p:animEffect transition="in" filter="fade">
+                                      <p:cBhvr>
+                                        <p:cTn id="81" dur="500"/>
+                                        <p:tgtEl>
+                                          <p:spTgt spid="2">
+                                            <p:txEl>
+                                              <p:pRg st="8" end="8"/>
+                                            </p:txEl>
+                                          </p:spTgt>
+                                        </p:tgtEl>
+                                      </p:cBhvr>
+                                    </p:animEffect>
+                                  </p:childTnLst>
+                                </p:cTn>
+                              </p:par>
+                            </p:childTnLst>
+                          </p:cTn>
+                        </p:par>
+                      </p:childTnLst>
+                    </p:cTn>
+                  </p:par>
+                </p:childTnLst>
+              </p:cTn>
+              <p:prevCondLst>
+                <p:cond evt="onPrev" delay="0">
+                  <p:tgtEl>
+                    <p:sldTgt/>
+                  </p:tgtEl>
+                </p:cond>
+              </p:prevCondLst>
+              <p:nextCondLst>
+                <p:cond evt="onNext" delay="0">
+                  <p:tgtEl>
+                    <p:sldTgt/>
+                  </p:tgtEl>
+                </p:cond>
+              </p:nextCondLst>
+            </p:seq>
+          </p:childTnLst>
+        </p:cTn>
+      </p:par>
+    </p:tnLst>
+    <p:bldLst>
+      <p:bldP spid="2" grpId="0" uiExpand="1" build="p"/>
+      <p:bldP spid="82" grpId="0" animBg="1"/>
+      <p:bldP spid="83" grpId="0"/>
+    </p:bldLst>
+  </p:timing>
 </p:sld>
 </file>
 
@@ -4514,7 +8678,7 @@
             </a:r>
             <a:r>
               <a:rPr lang="en-CA" dirty="0"/>
-              <a:t>effects of covariates on the transition probability</a:t>
+              <a:t>effects of covariates on transition probability</a:t>
             </a:r>
           </a:p>
           <a:p>
@@ -4788,6 +8952,1377 @@
           </a:p>
         </p:txBody>
       </p:sp>
+      <p:grpSp>
+        <p:nvGrpSpPr>
+          <p:cNvPr id="5" name="Group 4">
+            <a:extLst>
+              <a:ext uri="{FF2B5EF4-FFF2-40B4-BE49-F238E27FC236}">
+                <a16:creationId xmlns:a16="http://schemas.microsoft.com/office/drawing/2014/main" id="{ACBC9ED0-0CBD-44A3-83B1-AE741B6459CC}"/>
+              </a:ext>
+            </a:extLst>
+          </p:cNvPr>
+          <p:cNvGrpSpPr/>
+          <p:nvPr/>
+        </p:nvGrpSpPr>
+        <p:grpSpPr>
+          <a:xfrm>
+            <a:off x="10284605" y="1621159"/>
+            <a:ext cx="1453526" cy="1085205"/>
+            <a:chOff x="3855286" y="1529525"/>
+            <a:chExt cx="2128108" cy="1588848"/>
+          </a:xfrm>
+        </p:grpSpPr>
+        <p:sp>
+          <p:nvSpPr>
+            <p:cNvPr id="6" name="Freeform: Shape 5">
+              <a:extLst>
+                <a:ext uri="{FF2B5EF4-FFF2-40B4-BE49-F238E27FC236}">
+                  <a16:creationId xmlns:a16="http://schemas.microsoft.com/office/drawing/2014/main" id="{5243B16E-C760-4CE9-840D-41468F000BD6}"/>
+                </a:ext>
+              </a:extLst>
+            </p:cNvPr>
+            <p:cNvSpPr/>
+            <p:nvPr/>
+          </p:nvSpPr>
+          <p:spPr>
+            <a:xfrm>
+              <a:off x="5188682" y="1529525"/>
+              <a:ext cx="529055" cy="529055"/>
+            </a:xfrm>
+            <a:custGeom>
+              <a:avLst/>
+              <a:gdLst>
+                <a:gd name="connsiteX0" fmla="*/ 398470 w 796940"/>
+                <a:gd name="connsiteY0" fmla="*/ 0 h 796939"/>
+                <a:gd name="connsiteX1" fmla="*/ 490646 w 796940"/>
+                <a:gd name="connsiteY1" fmla="*/ 38180 h 796939"/>
+                <a:gd name="connsiteX2" fmla="*/ 758760 w 796940"/>
+                <a:gd name="connsiteY2" fmla="*/ 306294 h 796939"/>
+                <a:gd name="connsiteX3" fmla="*/ 787395 w 796940"/>
+                <a:gd name="connsiteY3" fmla="*/ 447523 h 796939"/>
+                <a:gd name="connsiteX4" fmla="*/ 758761 w 796940"/>
+                <a:gd name="connsiteY4" fmla="*/ 490644 h 796939"/>
+                <a:gd name="connsiteX5" fmla="*/ 490643 w 796940"/>
+                <a:gd name="connsiteY5" fmla="*/ 758761 h 796939"/>
+                <a:gd name="connsiteX6" fmla="*/ 447524 w 796940"/>
+                <a:gd name="connsiteY6" fmla="*/ 787394 h 796939"/>
+                <a:gd name="connsiteX7" fmla="*/ 306295 w 796940"/>
+                <a:gd name="connsiteY7" fmla="*/ 758759 h 796939"/>
+                <a:gd name="connsiteX8" fmla="*/ 38181 w 796940"/>
+                <a:gd name="connsiteY8" fmla="*/ 490645 h 796939"/>
+                <a:gd name="connsiteX9" fmla="*/ 38181 w 796940"/>
+                <a:gd name="connsiteY9" fmla="*/ 306292 h 796939"/>
+                <a:gd name="connsiteX10" fmla="*/ 306293 w 796940"/>
+                <a:gd name="connsiteY10" fmla="*/ 38180 h 796939"/>
+                <a:gd name="connsiteX11" fmla="*/ 398470 w 796940"/>
+                <a:gd name="connsiteY11" fmla="*/ 0 h 796939"/>
+              </a:gdLst>
+              <a:ahLst/>
+              <a:cxnLst>
+                <a:cxn ang="0">
+                  <a:pos x="connsiteX0" y="connsiteY0"/>
+                </a:cxn>
+                <a:cxn ang="0">
+                  <a:pos x="connsiteX1" y="connsiteY1"/>
+                </a:cxn>
+                <a:cxn ang="0">
+                  <a:pos x="connsiteX2" y="connsiteY2"/>
+                </a:cxn>
+                <a:cxn ang="0">
+                  <a:pos x="connsiteX3" y="connsiteY3"/>
+                </a:cxn>
+                <a:cxn ang="0">
+                  <a:pos x="connsiteX4" y="connsiteY4"/>
+                </a:cxn>
+                <a:cxn ang="0">
+                  <a:pos x="connsiteX5" y="connsiteY5"/>
+                </a:cxn>
+                <a:cxn ang="0">
+                  <a:pos x="connsiteX6" y="connsiteY6"/>
+                </a:cxn>
+                <a:cxn ang="0">
+                  <a:pos x="connsiteX7" y="connsiteY7"/>
+                </a:cxn>
+                <a:cxn ang="0">
+                  <a:pos x="connsiteX8" y="connsiteY8"/>
+                </a:cxn>
+                <a:cxn ang="0">
+                  <a:pos x="connsiteX9" y="connsiteY9"/>
+                </a:cxn>
+                <a:cxn ang="0">
+                  <a:pos x="connsiteX10" y="connsiteY10"/>
+                </a:cxn>
+                <a:cxn ang="0">
+                  <a:pos x="connsiteX11" y="connsiteY11"/>
+                </a:cxn>
+              </a:cxnLst>
+              <a:rect l="l" t="t" r="r" b="b"/>
+              <a:pathLst>
+                <a:path w="796940" h="796939">
+                  <a:moveTo>
+                    <a:pt x="398470" y="0"/>
+                  </a:moveTo>
+                  <a:cubicBezTo>
+                    <a:pt x="431831" y="0"/>
+                    <a:pt x="465192" y="12726"/>
+                    <a:pt x="490646" y="38180"/>
+                  </a:cubicBezTo>
+                  <a:lnTo>
+                    <a:pt x="758760" y="306294"/>
+                  </a:lnTo>
+                  <a:cubicBezTo>
+                    <a:pt x="796940" y="344474"/>
+                    <a:pt x="806485" y="400447"/>
+                    <a:pt x="787395" y="447523"/>
+                  </a:cubicBezTo>
+                  <a:lnTo>
+                    <a:pt x="758761" y="490644"/>
+                  </a:lnTo>
+                  <a:lnTo>
+                    <a:pt x="490643" y="758761"/>
+                  </a:lnTo>
+                  <a:lnTo>
+                    <a:pt x="447524" y="787394"/>
+                  </a:lnTo>
+                  <a:cubicBezTo>
+                    <a:pt x="400448" y="806484"/>
+                    <a:pt x="344475" y="796939"/>
+                    <a:pt x="306295" y="758759"/>
+                  </a:cubicBezTo>
+                  <a:lnTo>
+                    <a:pt x="38181" y="490645"/>
+                  </a:lnTo>
+                  <a:cubicBezTo>
+                    <a:pt x="-12726" y="439737"/>
+                    <a:pt x="-12726" y="357200"/>
+                    <a:pt x="38181" y="306292"/>
+                  </a:cubicBezTo>
+                  <a:lnTo>
+                    <a:pt x="306293" y="38180"/>
+                  </a:lnTo>
+                  <a:cubicBezTo>
+                    <a:pt x="331747" y="12726"/>
+                    <a:pt x="365108" y="0"/>
+                    <a:pt x="398470" y="0"/>
+                  </a:cubicBezTo>
+                  <a:close/>
+                </a:path>
+              </a:pathLst>
+            </a:custGeom>
+            <a:solidFill>
+              <a:srgbClr val="D7301F">
+                <a:alpha val="94902"/>
+              </a:srgbClr>
+            </a:solidFill>
+            <a:ln w="28575">
+              <a:solidFill>
+                <a:srgbClr val="B30000"/>
+              </a:solidFill>
+            </a:ln>
+          </p:spPr>
+          <p:style>
+            <a:lnRef idx="2">
+              <a:schemeClr val="accent1">
+                <a:shade val="50000"/>
+              </a:schemeClr>
+            </a:lnRef>
+            <a:fillRef idx="1">
+              <a:schemeClr val="accent1"/>
+            </a:fillRef>
+            <a:effectRef idx="0">
+              <a:schemeClr val="accent1"/>
+            </a:effectRef>
+            <a:fontRef idx="minor">
+              <a:schemeClr val="lt1"/>
+            </a:fontRef>
+          </p:style>
+          <p:txBody>
+            <a:bodyPr wrap="square" lIns="0" tIns="0" rIns="0" bIns="72000" rtlCol="0" anchor="ctr">
+              <a:noAutofit/>
+            </a:bodyPr>
+            <a:lstStyle/>
+            <a:p>
+              <a:pPr algn="ctr"/>
+              <a:endParaRPr lang="en-CA" dirty="0"/>
+            </a:p>
+          </p:txBody>
+        </p:sp>
+        <p:grpSp>
+          <p:nvGrpSpPr>
+            <p:cNvPr id="7" name="Group 6">
+              <a:extLst>
+                <a:ext uri="{FF2B5EF4-FFF2-40B4-BE49-F238E27FC236}">
+                  <a16:creationId xmlns:a16="http://schemas.microsoft.com/office/drawing/2014/main" id="{0EFD42A9-83AB-4B19-BAF1-3D496E560878}"/>
+                </a:ext>
+              </a:extLst>
+            </p:cNvPr>
+            <p:cNvGrpSpPr/>
+            <p:nvPr/>
+          </p:nvGrpSpPr>
+          <p:grpSpPr>
+            <a:xfrm>
+              <a:off x="3855286" y="1561920"/>
+              <a:ext cx="2128108" cy="1556453"/>
+              <a:chOff x="7431114" y="3322415"/>
+              <a:chExt cx="3244781" cy="2373164"/>
+            </a:xfrm>
+          </p:grpSpPr>
+          <p:sp>
+            <p:nvSpPr>
+              <p:cNvPr id="8" name="State Drift">
+                <a:extLst>
+                  <a:ext uri="{FF2B5EF4-FFF2-40B4-BE49-F238E27FC236}">
+                    <a16:creationId xmlns:a16="http://schemas.microsoft.com/office/drawing/2014/main" id="{E51912DD-3178-49C2-8704-E6A9B5D4F514}"/>
+                  </a:ext>
+                </a:extLst>
+              </p:cNvPr>
+              <p:cNvSpPr>
+                <a:spLocks noChangeAspect="1" noEditPoints="1" noChangeArrowheads="1" noChangeShapeType="1"/>
+              </p:cNvSpPr>
+              <p:nvPr/>
+            </p:nvSpPr>
+            <p:spPr bwMode="auto">
+              <a:xfrm rot="16200000" flipH="1">
+                <a:off x="8667262" y="4623014"/>
+                <a:ext cx="727095" cy="726882"/>
+              </a:xfrm>
+              <a:prstGeom prst="ellipse">
+                <a:avLst/>
+              </a:prstGeom>
+              <a:solidFill>
+                <a:srgbClr val="94D9FA"/>
+              </a:solidFill>
+              <a:ln w="38100" algn="ctr">
+                <a:solidFill>
+                  <a:srgbClr val="28ABCA"/>
+                </a:solidFill>
+                <a:miter lim="800000"/>
+                <a:headEnd/>
+                <a:tailEnd/>
+              </a:ln>
+            </p:spPr>
+            <p:txBody>
+              <a:bodyPr vert="horz" wrap="square" lIns="91440" tIns="45720" rIns="91440" bIns="45720" numCol="1" anchor="ctr" anchorCtr="0" compatLnSpc="1">
+                <a:prstTxWarp prst="textNoShape">
+                  <a:avLst/>
+                </a:prstTxWarp>
+              </a:bodyPr>
+              <a:lstStyle/>
+              <a:p>
+                <a:endParaRPr lang="en-CA" sz="2400"/>
+              </a:p>
+            </p:txBody>
+          </p:sp>
+          <p:sp>
+            <p:nvSpPr>
+              <p:cNvPr id="9" name="rounded triangle">
+                <a:extLst>
+                  <a:ext uri="{FF2B5EF4-FFF2-40B4-BE49-F238E27FC236}">
+                    <a16:creationId xmlns:a16="http://schemas.microsoft.com/office/drawing/2014/main" id="{0F527B43-B513-460E-85A8-4E94FA762406}"/>
+                  </a:ext>
+                </a:extLst>
+              </p:cNvPr>
+              <p:cNvSpPr/>
+              <p:nvPr/>
+            </p:nvSpPr>
+            <p:spPr>
+              <a:xfrm flipH="1" flipV="1">
+                <a:off x="7791423" y="3322415"/>
+                <a:ext cx="823184" cy="749031"/>
+              </a:xfrm>
+              <a:custGeom>
+                <a:avLst/>
+                <a:gdLst>
+                  <a:gd name="connsiteX0" fmla="*/ 3187448 w 6376063"/>
+                  <a:gd name="connsiteY0" fmla="*/ 0 h 5801697"/>
+                  <a:gd name="connsiteX1" fmla="*/ 2378058 w 6376063"/>
+                  <a:gd name="connsiteY1" fmla="*/ 369907 h 5801697"/>
+                  <a:gd name="connsiteX2" fmla="*/ 2304880 w 6376063"/>
+                  <a:gd name="connsiteY2" fmla="*/ 465367 h 5801697"/>
+                  <a:gd name="connsiteX3" fmla="*/ 2281974 w 6376063"/>
+                  <a:gd name="connsiteY3" fmla="*/ 504859 h 5801697"/>
+                  <a:gd name="connsiteX4" fmla="*/ 2245788 w 6376063"/>
+                  <a:gd name="connsiteY4" fmla="*/ 571527 h 5801697"/>
+                  <a:gd name="connsiteX5" fmla="*/ 2243306 w 6376063"/>
+                  <a:gd name="connsiteY5" fmla="*/ 571527 h 5801697"/>
+                  <a:gd name="connsiteX6" fmla="*/ 146609 w 6376063"/>
+                  <a:gd name="connsiteY6" fmla="*/ 4186515 h 5801697"/>
+                  <a:gd name="connsiteX7" fmla="*/ 148350 w 6376063"/>
+                  <a:gd name="connsiteY7" fmla="*/ 4189530 h 5801697"/>
+                  <a:gd name="connsiteX8" fmla="*/ 129193 w 6376063"/>
+                  <a:gd name="connsiteY8" fmla="*/ 4221063 h 5801697"/>
+                  <a:gd name="connsiteX9" fmla="*/ 1 w 6376063"/>
+                  <a:gd name="connsiteY9" fmla="*/ 4731285 h 5801697"/>
+                  <a:gd name="connsiteX10" fmla="*/ 960969 w 6376063"/>
+                  <a:gd name="connsiteY10" fmla="*/ 5796172 h 5801697"/>
+                  <a:gd name="connsiteX11" fmla="*/ 1070393 w 6376063"/>
+                  <a:gd name="connsiteY11" fmla="*/ 5801697 h 5801697"/>
+                  <a:gd name="connsiteX12" fmla="*/ 1070433 w 6376063"/>
+                  <a:gd name="connsiteY12" fmla="*/ 5801697 h 5801697"/>
+                  <a:gd name="connsiteX13" fmla="*/ 1078889 w 6376063"/>
+                  <a:gd name="connsiteY13" fmla="*/ 5801270 h 5801697"/>
+                  <a:gd name="connsiteX14" fmla="*/ 1079135 w 6376063"/>
+                  <a:gd name="connsiteY14" fmla="*/ 5801697 h 5801697"/>
+                  <a:gd name="connsiteX15" fmla="*/ 5290111 w 6376063"/>
+                  <a:gd name="connsiteY15" fmla="*/ 5801697 h 5801697"/>
+                  <a:gd name="connsiteX16" fmla="*/ 5290551 w 6376063"/>
+                  <a:gd name="connsiteY16" fmla="*/ 5800936 h 5801697"/>
+                  <a:gd name="connsiteX17" fmla="*/ 5305631 w 6376063"/>
+                  <a:gd name="connsiteY17" fmla="*/ 5801697 h 5801697"/>
+                  <a:gd name="connsiteX18" fmla="*/ 5305671 w 6376063"/>
+                  <a:gd name="connsiteY18" fmla="*/ 5801697 h 5801697"/>
+                  <a:gd name="connsiteX19" fmla="*/ 5415094 w 6376063"/>
+                  <a:gd name="connsiteY19" fmla="*/ 5796172 h 5801697"/>
+                  <a:gd name="connsiteX20" fmla="*/ 6376063 w 6376063"/>
+                  <a:gd name="connsiteY20" fmla="*/ 4731285 h 5801697"/>
+                  <a:gd name="connsiteX21" fmla="*/ 6246869 w 6376063"/>
+                  <a:gd name="connsiteY21" fmla="*/ 4221062 h 5801697"/>
+                  <a:gd name="connsiteX22" fmla="*/ 6224218 w 6376063"/>
+                  <a:gd name="connsiteY22" fmla="*/ 4183776 h 5801697"/>
+                  <a:gd name="connsiteX23" fmla="*/ 6225457 w 6376063"/>
+                  <a:gd name="connsiteY23" fmla="*/ 4181630 h 5801697"/>
+                  <a:gd name="connsiteX24" fmla="*/ 4131594 w 6376063"/>
+                  <a:gd name="connsiteY24" fmla="*/ 571527 h 5801697"/>
+                  <a:gd name="connsiteX25" fmla="*/ 4129108 w 6376063"/>
+                  <a:gd name="connsiteY25" fmla="*/ 571527 h 5801697"/>
+                  <a:gd name="connsiteX26" fmla="*/ 4092857 w 6376063"/>
+                  <a:gd name="connsiteY26" fmla="*/ 504739 h 5801697"/>
+                  <a:gd name="connsiteX27" fmla="*/ 4070035 w 6376063"/>
+                  <a:gd name="connsiteY27" fmla="*/ 465392 h 5801697"/>
+                  <a:gd name="connsiteX28" fmla="*/ 3996838 w 6376063"/>
+                  <a:gd name="connsiteY28" fmla="*/ 369907 h 5801697"/>
+                  <a:gd name="connsiteX29" fmla="*/ 3187448 w 6376063"/>
+                  <a:gd name="connsiteY29" fmla="*/ 0 h 5801697"/>
+                </a:gdLst>
+                <a:ahLst/>
+                <a:cxnLst>
+                  <a:cxn ang="0">
+                    <a:pos x="connsiteX0" y="connsiteY0"/>
+                  </a:cxn>
+                  <a:cxn ang="0">
+                    <a:pos x="connsiteX1" y="connsiteY1"/>
+                  </a:cxn>
+                  <a:cxn ang="0">
+                    <a:pos x="connsiteX2" y="connsiteY2"/>
+                  </a:cxn>
+                  <a:cxn ang="0">
+                    <a:pos x="connsiteX3" y="connsiteY3"/>
+                  </a:cxn>
+                  <a:cxn ang="0">
+                    <a:pos x="connsiteX4" y="connsiteY4"/>
+                  </a:cxn>
+                  <a:cxn ang="0">
+                    <a:pos x="connsiteX5" y="connsiteY5"/>
+                  </a:cxn>
+                  <a:cxn ang="0">
+                    <a:pos x="connsiteX6" y="connsiteY6"/>
+                  </a:cxn>
+                  <a:cxn ang="0">
+                    <a:pos x="connsiteX7" y="connsiteY7"/>
+                  </a:cxn>
+                  <a:cxn ang="0">
+                    <a:pos x="connsiteX8" y="connsiteY8"/>
+                  </a:cxn>
+                  <a:cxn ang="0">
+                    <a:pos x="connsiteX9" y="connsiteY9"/>
+                  </a:cxn>
+                  <a:cxn ang="0">
+                    <a:pos x="connsiteX10" y="connsiteY10"/>
+                  </a:cxn>
+                  <a:cxn ang="0">
+                    <a:pos x="connsiteX11" y="connsiteY11"/>
+                  </a:cxn>
+                  <a:cxn ang="0">
+                    <a:pos x="connsiteX12" y="connsiteY12"/>
+                  </a:cxn>
+                  <a:cxn ang="0">
+                    <a:pos x="connsiteX13" y="connsiteY13"/>
+                  </a:cxn>
+                  <a:cxn ang="0">
+                    <a:pos x="connsiteX14" y="connsiteY14"/>
+                  </a:cxn>
+                  <a:cxn ang="0">
+                    <a:pos x="connsiteX15" y="connsiteY15"/>
+                  </a:cxn>
+                  <a:cxn ang="0">
+                    <a:pos x="connsiteX16" y="connsiteY16"/>
+                  </a:cxn>
+                  <a:cxn ang="0">
+                    <a:pos x="connsiteX17" y="connsiteY17"/>
+                  </a:cxn>
+                  <a:cxn ang="0">
+                    <a:pos x="connsiteX18" y="connsiteY18"/>
+                  </a:cxn>
+                  <a:cxn ang="0">
+                    <a:pos x="connsiteX19" y="connsiteY19"/>
+                  </a:cxn>
+                  <a:cxn ang="0">
+                    <a:pos x="connsiteX20" y="connsiteY20"/>
+                  </a:cxn>
+                  <a:cxn ang="0">
+                    <a:pos x="connsiteX21" y="connsiteY21"/>
+                  </a:cxn>
+                  <a:cxn ang="0">
+                    <a:pos x="connsiteX22" y="connsiteY22"/>
+                  </a:cxn>
+                  <a:cxn ang="0">
+                    <a:pos x="connsiteX23" y="connsiteY23"/>
+                  </a:cxn>
+                  <a:cxn ang="0">
+                    <a:pos x="connsiteX24" y="connsiteY24"/>
+                  </a:cxn>
+                  <a:cxn ang="0">
+                    <a:pos x="connsiteX25" y="connsiteY25"/>
+                  </a:cxn>
+                  <a:cxn ang="0">
+                    <a:pos x="connsiteX26" y="connsiteY26"/>
+                  </a:cxn>
+                  <a:cxn ang="0">
+                    <a:pos x="connsiteX27" y="connsiteY27"/>
+                  </a:cxn>
+                  <a:cxn ang="0">
+                    <a:pos x="connsiteX28" y="connsiteY28"/>
+                  </a:cxn>
+                  <a:cxn ang="0">
+                    <a:pos x="connsiteX29" y="connsiteY29"/>
+                  </a:cxn>
+                </a:cxnLst>
+                <a:rect l="l" t="t" r="r" b="b"/>
+                <a:pathLst>
+                  <a:path w="6376063" h="5801697">
+                    <a:moveTo>
+                      <a:pt x="3187448" y="0"/>
+                    </a:moveTo>
+                    <a:cubicBezTo>
+                      <a:pt x="2864151" y="0"/>
+                      <a:pt x="2574328" y="143327"/>
+                      <a:pt x="2378058" y="369907"/>
+                    </a:cubicBezTo>
+                    <a:lnTo>
+                      <a:pt x="2304880" y="465367"/>
+                    </a:lnTo>
+                    <a:lnTo>
+                      <a:pt x="2281974" y="504859"/>
+                    </a:lnTo>
+                    <a:lnTo>
+                      <a:pt x="2245788" y="571527"/>
+                    </a:lnTo>
+                    <a:lnTo>
+                      <a:pt x="2243306" y="571527"/>
+                    </a:lnTo>
+                    <a:lnTo>
+                      <a:pt x="146609" y="4186515"/>
+                    </a:lnTo>
+                    <a:lnTo>
+                      <a:pt x="148350" y="4189530"/>
+                    </a:lnTo>
+                    <a:lnTo>
+                      <a:pt x="129193" y="4221063"/>
+                    </a:lnTo>
+                    <a:cubicBezTo>
+                      <a:pt x="46801" y="4372733"/>
+                      <a:pt x="0" y="4546544"/>
+                      <a:pt x="1" y="4731285"/>
+                    </a:cubicBezTo>
+                    <a:cubicBezTo>
+                      <a:pt x="0" y="5285509"/>
+                      <a:pt x="421207" y="5741355"/>
+                      <a:pt x="960969" y="5796172"/>
+                    </a:cubicBezTo>
+                    <a:lnTo>
+                      <a:pt x="1070393" y="5801697"/>
+                    </a:lnTo>
+                    <a:lnTo>
+                      <a:pt x="1070433" y="5801697"/>
+                    </a:lnTo>
+                    <a:lnTo>
+                      <a:pt x="1078889" y="5801270"/>
+                    </a:lnTo>
+                    <a:lnTo>
+                      <a:pt x="1079135" y="5801697"/>
+                    </a:lnTo>
+                    <a:lnTo>
+                      <a:pt x="5290111" y="5801697"/>
+                    </a:lnTo>
+                    <a:lnTo>
+                      <a:pt x="5290551" y="5800936"/>
+                    </a:lnTo>
+                    <a:lnTo>
+                      <a:pt x="5305631" y="5801697"/>
+                    </a:lnTo>
+                    <a:lnTo>
+                      <a:pt x="5305671" y="5801697"/>
+                    </a:lnTo>
+                    <a:lnTo>
+                      <a:pt x="5415094" y="5796172"/>
+                    </a:lnTo>
+                    <a:cubicBezTo>
+                      <a:pt x="5954856" y="5741357"/>
+                      <a:pt x="6376063" y="5285510"/>
+                      <a:pt x="6376063" y="4731285"/>
+                    </a:cubicBezTo>
+                    <a:cubicBezTo>
+                      <a:pt x="6376063" y="4546543"/>
+                      <a:pt x="6329262" y="4372732"/>
+                      <a:pt x="6246869" y="4221062"/>
+                    </a:cubicBezTo>
+                    <a:lnTo>
+                      <a:pt x="6224218" y="4183776"/>
+                    </a:lnTo>
+                    <a:lnTo>
+                      <a:pt x="6225457" y="4181630"/>
+                    </a:lnTo>
+                    <a:lnTo>
+                      <a:pt x="4131594" y="571527"/>
+                    </a:lnTo>
+                    <a:lnTo>
+                      <a:pt x="4129108" y="571527"/>
+                    </a:lnTo>
+                    <a:lnTo>
+                      <a:pt x="4092857" y="504739"/>
+                    </a:lnTo>
+                    <a:lnTo>
+                      <a:pt x="4070035" y="465392"/>
+                    </a:lnTo>
+                    <a:lnTo>
+                      <a:pt x="3996838" y="369907"/>
+                    </a:lnTo>
+                    <a:cubicBezTo>
+                      <a:pt x="3800567" y="143327"/>
+                      <a:pt x="3510746" y="0"/>
+                      <a:pt x="3187448" y="0"/>
+                    </a:cubicBezTo>
+                    <a:close/>
+                  </a:path>
+                </a:pathLst>
+              </a:custGeom>
+              <a:solidFill>
+                <a:srgbClr val="A735F5"/>
+              </a:solidFill>
+              <a:ln w="38100">
+                <a:solidFill>
+                  <a:srgbClr val="7030A0"/>
+                </a:solidFill>
+              </a:ln>
+            </p:spPr>
+            <p:style>
+              <a:lnRef idx="2">
+                <a:schemeClr val="accent1">
+                  <a:shade val="50000"/>
+                </a:schemeClr>
+              </a:lnRef>
+              <a:fillRef idx="1">
+                <a:schemeClr val="accent1"/>
+              </a:fillRef>
+              <a:effectRef idx="0">
+                <a:schemeClr val="accent1"/>
+              </a:effectRef>
+              <a:fontRef idx="minor">
+                <a:schemeClr val="lt1"/>
+              </a:fontRef>
+            </p:style>
+            <p:txBody>
+              <a:bodyPr wrap="square" rtlCol="0" anchor="ctr">
+                <a:noAutofit/>
+              </a:bodyPr>
+              <a:lstStyle/>
+              <a:p>
+                <a:pPr algn="ctr"/>
+                <a:endParaRPr lang="en-CA" sz="2400"/>
+              </a:p>
+            </p:txBody>
+          </p:sp>
+          <p:grpSp>
+            <p:nvGrpSpPr>
+              <p:cNvPr id="10" name="Group 9">
+                <a:extLst>
+                  <a:ext uri="{FF2B5EF4-FFF2-40B4-BE49-F238E27FC236}">
+                    <a16:creationId xmlns:a16="http://schemas.microsoft.com/office/drawing/2014/main" id="{F7DBDA92-9A43-4ACF-84ED-E5C1507CF305}"/>
+                  </a:ext>
+                </a:extLst>
+              </p:cNvPr>
+              <p:cNvGrpSpPr/>
+              <p:nvPr/>
+            </p:nvGrpSpPr>
+            <p:grpSpPr>
+              <a:xfrm>
+                <a:off x="8378236" y="4024764"/>
+                <a:ext cx="461719" cy="655275"/>
+                <a:chOff x="8076935" y="4477313"/>
+                <a:chExt cx="461719" cy="655275"/>
+              </a:xfrm>
+            </p:grpSpPr>
+            <p:cxnSp>
+              <p:nvCxnSpPr>
+                <p:cNvPr id="20" name="Straight Arrow Connector 19">
+                  <a:extLst>
+                    <a:ext uri="{FF2B5EF4-FFF2-40B4-BE49-F238E27FC236}">
+                      <a16:creationId xmlns:a16="http://schemas.microsoft.com/office/drawing/2014/main" id="{0DB28F6D-8448-4381-BB1F-1F3BA8F17BD7}"/>
+                    </a:ext>
+                  </a:extLst>
+                </p:cNvPr>
+                <p:cNvCxnSpPr>
+                  <a:cxnSpLocks/>
+                </p:cNvCxnSpPr>
+                <p:nvPr/>
+              </p:nvCxnSpPr>
+              <p:spPr>
+                <a:xfrm>
+                  <a:off x="8149538" y="4477313"/>
+                  <a:ext cx="389116" cy="594109"/>
+                </a:xfrm>
+                <a:prstGeom prst="straightConnector1">
+                  <a:avLst/>
+                </a:prstGeom>
+                <a:ln w="28575">
+                  <a:solidFill>
+                    <a:srgbClr val="084286"/>
+                  </a:solidFill>
+                  <a:headEnd w="lg" len="lg"/>
+                  <a:tailEnd type="triangle" w="med" len="med"/>
+                </a:ln>
+              </p:spPr>
+              <p:style>
+                <a:lnRef idx="1">
+                  <a:schemeClr val="accent1"/>
+                </a:lnRef>
+                <a:fillRef idx="0">
+                  <a:schemeClr val="accent1"/>
+                </a:fillRef>
+                <a:effectRef idx="0">
+                  <a:schemeClr val="accent1"/>
+                </a:effectRef>
+                <a:fontRef idx="minor">
+                  <a:schemeClr val="tx1"/>
+                </a:fontRef>
+              </p:style>
+            </p:cxnSp>
+            <p:cxnSp>
+              <p:nvCxnSpPr>
+                <p:cNvPr id="21" name="Straight Arrow Connector 20">
+                  <a:extLst>
+                    <a:ext uri="{FF2B5EF4-FFF2-40B4-BE49-F238E27FC236}">
+                      <a16:creationId xmlns:a16="http://schemas.microsoft.com/office/drawing/2014/main" id="{2372907C-3445-4E09-AB1C-3D7548A73452}"/>
+                    </a:ext>
+                  </a:extLst>
+                </p:cNvPr>
+                <p:cNvCxnSpPr>
+                  <a:cxnSpLocks/>
+                </p:cNvCxnSpPr>
+                <p:nvPr/>
+              </p:nvCxnSpPr>
+              <p:spPr>
+                <a:xfrm flipH="1" flipV="1">
+                  <a:off x="8076935" y="4557577"/>
+                  <a:ext cx="376608" cy="575011"/>
+                </a:xfrm>
+                <a:prstGeom prst="straightConnector1">
+                  <a:avLst/>
+                </a:prstGeom>
+                <a:ln w="28575">
+                  <a:solidFill>
+                    <a:srgbClr val="084286"/>
+                  </a:solidFill>
+                  <a:headEnd w="lg" len="lg"/>
+                  <a:tailEnd type="triangle" w="med" len="med"/>
+                </a:ln>
+              </p:spPr>
+              <p:style>
+                <a:lnRef idx="1">
+                  <a:schemeClr val="accent1"/>
+                </a:lnRef>
+                <a:fillRef idx="0">
+                  <a:schemeClr val="accent1"/>
+                </a:fillRef>
+                <a:effectRef idx="0">
+                  <a:schemeClr val="accent1"/>
+                </a:effectRef>
+                <a:fontRef idx="minor">
+                  <a:schemeClr val="tx1"/>
+                </a:fontRef>
+              </p:style>
+            </p:cxnSp>
+          </p:grpSp>
+          <p:grpSp>
+            <p:nvGrpSpPr>
+              <p:cNvPr id="11" name="Group 10">
+                <a:extLst>
+                  <a:ext uri="{FF2B5EF4-FFF2-40B4-BE49-F238E27FC236}">
+                    <a16:creationId xmlns:a16="http://schemas.microsoft.com/office/drawing/2014/main" id="{7C974C13-CFC9-4154-868D-F142B12B426E}"/>
+                  </a:ext>
+                </a:extLst>
+              </p:cNvPr>
+              <p:cNvGrpSpPr/>
+              <p:nvPr/>
+            </p:nvGrpSpPr>
+            <p:grpSpPr>
+              <a:xfrm>
+                <a:off x="7431114" y="3396429"/>
+                <a:ext cx="2405198" cy="2299150"/>
+                <a:chOff x="7129813" y="3848978"/>
+                <a:chExt cx="2405198" cy="2299150"/>
+              </a:xfrm>
+            </p:grpSpPr>
+            <p:sp>
+              <p:nvSpPr>
+                <p:cNvPr id="16" name="Arc 51">
+                  <a:extLst>
+                    <a:ext uri="{FF2B5EF4-FFF2-40B4-BE49-F238E27FC236}">
+                      <a16:creationId xmlns:a16="http://schemas.microsoft.com/office/drawing/2014/main" id="{D787E381-C99A-4C67-9275-6C7C0F47A86C}"/>
+                    </a:ext>
+                  </a:extLst>
+                </p:cNvPr>
+                <p:cNvSpPr>
+                  <a:spLocks noChangeAspect="1" noEditPoints="1" noChangeArrowheads="1" noChangeShapeType="1"/>
+                </p:cNvSpPr>
+                <p:nvPr/>
+              </p:nvSpPr>
+              <p:spPr bwMode="auto">
+                <a:xfrm rot="8159664">
+                  <a:off x="7129813" y="3848978"/>
+                  <a:ext cx="393758" cy="393875"/>
+                </a:xfrm>
+                <a:custGeom>
+                  <a:avLst/>
+                  <a:gdLst>
+                    <a:gd name="T0" fmla="*/ 222250 w 444500"/>
+                    <a:gd name="T1" fmla="*/ 0 h 444500"/>
+                    <a:gd name="T2" fmla="*/ 444500 w 444500"/>
+                    <a:gd name="T3" fmla="*/ 222250 h 444500"/>
+                    <a:gd name="T4" fmla="*/ 222250 w 444500"/>
+                    <a:gd name="T5" fmla="*/ 444500 h 444500"/>
+                    <a:gd name="T6" fmla="*/ 0 w 444500"/>
+                    <a:gd name="T7" fmla="*/ 222250 h 444500"/>
+                    <a:gd name="T8" fmla="*/ 0 60000 65536"/>
+                    <a:gd name="T9" fmla="*/ 0 60000 65536"/>
+                    <a:gd name="T10" fmla="*/ 0 60000 65536"/>
+                    <a:gd name="T11" fmla="*/ 0 60000 65536"/>
+                  </a:gdLst>
+                  <a:ahLst/>
+                  <a:cxnLst>
+                    <a:cxn ang="T8">
+                      <a:pos x="T0" y="T1"/>
+                    </a:cxn>
+                    <a:cxn ang="T9">
+                      <a:pos x="T2" y="T3"/>
+                    </a:cxn>
+                    <a:cxn ang="T10">
+                      <a:pos x="T4" y="T5"/>
+                    </a:cxn>
+                    <a:cxn ang="T11">
+                      <a:pos x="T6" y="T7"/>
+                    </a:cxn>
+                  </a:cxnLst>
+                  <a:rect l="0" t="0" r="r" b="b"/>
+                  <a:pathLst>
+                    <a:path w="444500" h="444500" stroke="0">
+                      <a:moveTo>
+                        <a:pt x="222250" y="0"/>
+                      </a:moveTo>
+                      <a:cubicBezTo>
+                        <a:pt x="344995" y="0"/>
+                        <a:pt x="444500" y="99505"/>
+                        <a:pt x="444500" y="222250"/>
+                      </a:cubicBezTo>
+                      <a:cubicBezTo>
+                        <a:pt x="444500" y="344995"/>
+                        <a:pt x="344995" y="444500"/>
+                        <a:pt x="222250" y="444500"/>
+                      </a:cubicBezTo>
+                      <a:cubicBezTo>
+                        <a:pt x="99505" y="444500"/>
+                        <a:pt x="0" y="344995"/>
+                        <a:pt x="0" y="222250"/>
+                      </a:cubicBezTo>
+                      <a:lnTo>
+                        <a:pt x="222250" y="222250"/>
+                      </a:lnTo>
+                      <a:lnTo>
+                        <a:pt x="222250" y="0"/>
+                      </a:lnTo>
+                      <a:close/>
+                    </a:path>
+                    <a:path w="444500" h="444500" fill="none">
+                      <a:moveTo>
+                        <a:pt x="222250" y="0"/>
+                      </a:moveTo>
+                      <a:cubicBezTo>
+                        <a:pt x="344995" y="0"/>
+                        <a:pt x="444500" y="99505"/>
+                        <a:pt x="444500" y="222250"/>
+                      </a:cubicBezTo>
+                      <a:cubicBezTo>
+                        <a:pt x="444500" y="344995"/>
+                        <a:pt x="344995" y="444500"/>
+                        <a:pt x="222250" y="444500"/>
+                      </a:cubicBezTo>
+                      <a:cubicBezTo>
+                        <a:pt x="99505" y="444500"/>
+                        <a:pt x="0" y="344995"/>
+                        <a:pt x="0" y="222250"/>
+                      </a:cubicBezTo>
+                    </a:path>
+                  </a:pathLst>
+                </a:custGeom>
+                <a:noFill/>
+                <a:ln w="28575" cap="flat" cmpd="sng" algn="ctr">
+                  <a:solidFill>
+                    <a:srgbClr val="084286"/>
+                  </a:solidFill>
+                  <a:prstDash val="solid"/>
+                  <a:miter lim="800000"/>
+                  <a:headEnd/>
+                  <a:tailEnd type="triangle" w="med" len="med"/>
+                </a:ln>
+                <a:extLst/>
+              </p:spPr>
+              <p:txBody>
+                <a:bodyPr vert="horz" wrap="square" lIns="91440" tIns="45720" rIns="91440" bIns="45720" numCol="1" anchor="ctr" anchorCtr="0" compatLnSpc="1">
+                  <a:prstTxWarp prst="textNoShape">
+                    <a:avLst/>
+                  </a:prstTxWarp>
+                </a:bodyPr>
+                <a:lstStyle/>
+                <a:p>
+                  <a:endParaRPr lang="en-CA" sz="2400" dirty="0"/>
+                </a:p>
+              </p:txBody>
+            </p:sp>
+            <p:sp>
+              <p:nvSpPr>
+                <p:cNvPr id="17" name="Arc 50">
+                  <a:extLst>
+                    <a:ext uri="{FF2B5EF4-FFF2-40B4-BE49-F238E27FC236}">
+                      <a16:creationId xmlns:a16="http://schemas.microsoft.com/office/drawing/2014/main" id="{8EF33014-9892-4F86-989D-5B42FC3A643F}"/>
+                    </a:ext>
+                  </a:extLst>
+                </p:cNvPr>
+                <p:cNvSpPr>
+                  <a:spLocks noChangeAspect="1" noEditPoints="1" noChangeArrowheads="1" noChangeShapeType="1"/>
+                </p:cNvSpPr>
+                <p:nvPr/>
+              </p:nvSpPr>
+              <p:spPr bwMode="auto">
+                <a:xfrm rot="13500000" flipH="1" flipV="1">
+                  <a:off x="8578528" y="5754311"/>
+                  <a:ext cx="393758" cy="393875"/>
+                </a:xfrm>
+                <a:custGeom>
+                  <a:avLst/>
+                  <a:gdLst>
+                    <a:gd name="T0" fmla="*/ 222250 w 444500"/>
+                    <a:gd name="T1" fmla="*/ 0 h 444500"/>
+                    <a:gd name="T2" fmla="*/ 444500 w 444500"/>
+                    <a:gd name="T3" fmla="*/ 222250 h 444500"/>
+                    <a:gd name="T4" fmla="*/ 222250 w 444500"/>
+                    <a:gd name="T5" fmla="*/ 444500 h 444500"/>
+                    <a:gd name="T6" fmla="*/ 0 w 444500"/>
+                    <a:gd name="T7" fmla="*/ 222250 h 444500"/>
+                    <a:gd name="T8" fmla="*/ 0 60000 65536"/>
+                    <a:gd name="T9" fmla="*/ 0 60000 65536"/>
+                    <a:gd name="T10" fmla="*/ 0 60000 65536"/>
+                    <a:gd name="T11" fmla="*/ 0 60000 65536"/>
+                  </a:gdLst>
+                  <a:ahLst/>
+                  <a:cxnLst>
+                    <a:cxn ang="T8">
+                      <a:pos x="T0" y="T1"/>
+                    </a:cxn>
+                    <a:cxn ang="T9">
+                      <a:pos x="T2" y="T3"/>
+                    </a:cxn>
+                    <a:cxn ang="T10">
+                      <a:pos x="T4" y="T5"/>
+                    </a:cxn>
+                    <a:cxn ang="T11">
+                      <a:pos x="T6" y="T7"/>
+                    </a:cxn>
+                  </a:cxnLst>
+                  <a:rect l="0" t="0" r="r" b="b"/>
+                  <a:pathLst>
+                    <a:path w="444500" h="444500" stroke="0">
+                      <a:moveTo>
+                        <a:pt x="222250" y="0"/>
+                      </a:moveTo>
+                      <a:cubicBezTo>
+                        <a:pt x="344995" y="0"/>
+                        <a:pt x="444500" y="99505"/>
+                        <a:pt x="444500" y="222250"/>
+                      </a:cubicBezTo>
+                      <a:cubicBezTo>
+                        <a:pt x="444500" y="344995"/>
+                        <a:pt x="344995" y="444500"/>
+                        <a:pt x="222250" y="444500"/>
+                      </a:cubicBezTo>
+                      <a:cubicBezTo>
+                        <a:pt x="99505" y="444500"/>
+                        <a:pt x="0" y="344995"/>
+                        <a:pt x="0" y="222250"/>
+                      </a:cubicBezTo>
+                      <a:lnTo>
+                        <a:pt x="222250" y="222250"/>
+                      </a:lnTo>
+                      <a:lnTo>
+                        <a:pt x="222250" y="0"/>
+                      </a:lnTo>
+                      <a:close/>
+                    </a:path>
+                    <a:path w="444500" h="444500" fill="none">
+                      <a:moveTo>
+                        <a:pt x="222250" y="0"/>
+                      </a:moveTo>
+                      <a:cubicBezTo>
+                        <a:pt x="344995" y="0"/>
+                        <a:pt x="444500" y="99505"/>
+                        <a:pt x="444500" y="222250"/>
+                      </a:cubicBezTo>
+                      <a:cubicBezTo>
+                        <a:pt x="444500" y="344995"/>
+                        <a:pt x="344995" y="444500"/>
+                        <a:pt x="222250" y="444500"/>
+                      </a:cubicBezTo>
+                      <a:cubicBezTo>
+                        <a:pt x="99505" y="444500"/>
+                        <a:pt x="0" y="344995"/>
+                        <a:pt x="0" y="222250"/>
+                      </a:cubicBezTo>
+                    </a:path>
+                  </a:pathLst>
+                </a:custGeom>
+                <a:noFill/>
+                <a:ln w="28575" cap="flat" cmpd="sng" algn="ctr">
+                  <a:solidFill>
+                    <a:srgbClr val="084286"/>
+                  </a:solidFill>
+                  <a:prstDash val="solid"/>
+                  <a:miter lim="800000"/>
+                  <a:headEnd/>
+                  <a:tailEnd type="triangle" w="med" len="med"/>
+                </a:ln>
+                <a:extLst/>
+              </p:spPr>
+              <p:txBody>
+                <a:bodyPr vert="horz" wrap="square" lIns="91440" tIns="45720" rIns="91440" bIns="45720" numCol="1" anchor="ctr" anchorCtr="0" compatLnSpc="1">
+                  <a:prstTxWarp prst="textNoShape">
+                    <a:avLst/>
+                  </a:prstTxWarp>
+                </a:bodyPr>
+                <a:lstStyle/>
+                <a:p>
+                  <a:endParaRPr lang="en-CA" sz="2400" dirty="0"/>
+                </a:p>
+              </p:txBody>
+            </p:sp>
+            <p:cxnSp>
+              <p:nvCxnSpPr>
+                <p:cNvPr id="18" name="Straight Arrow Connector 17">
+                  <a:extLst>
+                    <a:ext uri="{FF2B5EF4-FFF2-40B4-BE49-F238E27FC236}">
+                      <a16:creationId xmlns:a16="http://schemas.microsoft.com/office/drawing/2014/main" id="{6942441C-FC13-421A-A0A5-0548985F5FC7}"/>
+                    </a:ext>
+                  </a:extLst>
+                </p:cNvPr>
+                <p:cNvCxnSpPr>
+                  <a:cxnSpLocks/>
+                </p:cNvCxnSpPr>
+                <p:nvPr/>
+              </p:nvCxnSpPr>
+              <p:spPr>
+                <a:xfrm flipH="1">
+                  <a:off x="8376332" y="4128830"/>
+                  <a:ext cx="671151" cy="0"/>
+                </a:xfrm>
+                <a:prstGeom prst="straightConnector1">
+                  <a:avLst/>
+                </a:prstGeom>
+                <a:ln w="28575">
+                  <a:solidFill>
+                    <a:srgbClr val="084286"/>
+                  </a:solidFill>
+                  <a:headEnd w="lg" len="lg"/>
+                  <a:tailEnd type="triangle" w="med" len="med"/>
+                </a:ln>
+              </p:spPr>
+              <p:style>
+                <a:lnRef idx="1">
+                  <a:schemeClr val="accent1"/>
+                </a:lnRef>
+                <a:fillRef idx="0">
+                  <a:schemeClr val="accent1"/>
+                </a:fillRef>
+                <a:effectRef idx="0">
+                  <a:schemeClr val="accent1"/>
+                </a:effectRef>
+                <a:fontRef idx="minor">
+                  <a:schemeClr val="tx1"/>
+                </a:fontRef>
+              </p:style>
+            </p:cxnSp>
+            <p:cxnSp>
+              <p:nvCxnSpPr>
+                <p:cNvPr id="19" name="Straight Arrow Connector 18">
+                  <a:extLst>
+                    <a:ext uri="{FF2B5EF4-FFF2-40B4-BE49-F238E27FC236}">
+                      <a16:creationId xmlns:a16="http://schemas.microsoft.com/office/drawing/2014/main" id="{A72030B4-E0E5-447D-A9D4-5B01443B6E76}"/>
+                    </a:ext>
+                  </a:extLst>
+                </p:cNvPr>
+                <p:cNvCxnSpPr>
+                  <a:cxnSpLocks/>
+                </p:cNvCxnSpPr>
+                <p:nvPr/>
+              </p:nvCxnSpPr>
+              <p:spPr>
+                <a:xfrm rot="4500000">
+                  <a:off x="9043399" y="4550918"/>
+                  <a:ext cx="389116" cy="594109"/>
+                </a:xfrm>
+                <a:prstGeom prst="straightConnector1">
+                  <a:avLst/>
+                </a:prstGeom>
+                <a:ln w="28575">
+                  <a:solidFill>
+                    <a:srgbClr val="084286"/>
+                  </a:solidFill>
+                  <a:headEnd w="lg" len="lg"/>
+                  <a:tailEnd type="triangle" w="med" len="med"/>
+                </a:ln>
+              </p:spPr>
+              <p:style>
+                <a:lnRef idx="1">
+                  <a:schemeClr val="accent1"/>
+                </a:lnRef>
+                <a:fillRef idx="0">
+                  <a:schemeClr val="accent1"/>
+                </a:fillRef>
+                <a:effectRef idx="0">
+                  <a:schemeClr val="accent1"/>
+                </a:effectRef>
+                <a:fontRef idx="minor">
+                  <a:schemeClr val="tx1"/>
+                </a:fontRef>
+              </p:style>
+            </p:cxnSp>
+          </p:grpSp>
+          <p:grpSp>
+            <p:nvGrpSpPr>
+              <p:cNvPr id="12" name="Group 11">
+                <a:extLst>
+                  <a:ext uri="{FF2B5EF4-FFF2-40B4-BE49-F238E27FC236}">
+                    <a16:creationId xmlns:a16="http://schemas.microsoft.com/office/drawing/2014/main" id="{3F82BABA-4233-44E5-9E8F-C301D64FBC74}"/>
+                  </a:ext>
+                </a:extLst>
+              </p:cNvPr>
+              <p:cNvGrpSpPr/>
+              <p:nvPr/>
+            </p:nvGrpSpPr>
+            <p:grpSpPr>
+              <a:xfrm>
+                <a:off x="8679019" y="3447229"/>
+                <a:ext cx="1996876" cy="1070473"/>
+                <a:chOff x="8377718" y="3899778"/>
+                <a:chExt cx="1996876" cy="1070473"/>
+              </a:xfrm>
+            </p:grpSpPr>
+            <p:sp>
+              <p:nvSpPr>
+                <p:cNvPr id="13" name="Arc 50">
+                  <a:extLst>
+                    <a:ext uri="{FF2B5EF4-FFF2-40B4-BE49-F238E27FC236}">
+                      <a16:creationId xmlns:a16="http://schemas.microsoft.com/office/drawing/2014/main" id="{6B0EDA00-B8BA-4F93-92AF-D073EA0B3DBC}"/>
+                    </a:ext>
+                  </a:extLst>
+                </p:cNvPr>
+                <p:cNvSpPr>
+                  <a:spLocks noChangeAspect="1" noEditPoints="1" noChangeArrowheads="1" noChangeShapeType="1"/>
+                </p:cNvSpPr>
+                <p:nvPr/>
+              </p:nvSpPr>
+              <p:spPr bwMode="auto">
+                <a:xfrm rot="19267848">
+                  <a:off x="9980836" y="3899778"/>
+                  <a:ext cx="393758" cy="393875"/>
+                </a:xfrm>
+                <a:custGeom>
+                  <a:avLst/>
+                  <a:gdLst>
+                    <a:gd name="T0" fmla="*/ 222250 w 444500"/>
+                    <a:gd name="T1" fmla="*/ 0 h 444500"/>
+                    <a:gd name="T2" fmla="*/ 444500 w 444500"/>
+                    <a:gd name="T3" fmla="*/ 222250 h 444500"/>
+                    <a:gd name="T4" fmla="*/ 222250 w 444500"/>
+                    <a:gd name="T5" fmla="*/ 444500 h 444500"/>
+                    <a:gd name="T6" fmla="*/ 0 w 444500"/>
+                    <a:gd name="T7" fmla="*/ 222250 h 444500"/>
+                    <a:gd name="T8" fmla="*/ 0 60000 65536"/>
+                    <a:gd name="T9" fmla="*/ 0 60000 65536"/>
+                    <a:gd name="T10" fmla="*/ 0 60000 65536"/>
+                    <a:gd name="T11" fmla="*/ 0 60000 65536"/>
+                  </a:gdLst>
+                  <a:ahLst/>
+                  <a:cxnLst>
+                    <a:cxn ang="T8">
+                      <a:pos x="T0" y="T1"/>
+                    </a:cxn>
+                    <a:cxn ang="T9">
+                      <a:pos x="T2" y="T3"/>
+                    </a:cxn>
+                    <a:cxn ang="T10">
+                      <a:pos x="T4" y="T5"/>
+                    </a:cxn>
+                    <a:cxn ang="T11">
+                      <a:pos x="T6" y="T7"/>
+                    </a:cxn>
+                  </a:cxnLst>
+                  <a:rect l="0" t="0" r="r" b="b"/>
+                  <a:pathLst>
+                    <a:path w="444500" h="444500" stroke="0">
+                      <a:moveTo>
+                        <a:pt x="222250" y="0"/>
+                      </a:moveTo>
+                      <a:cubicBezTo>
+                        <a:pt x="344995" y="0"/>
+                        <a:pt x="444500" y="99505"/>
+                        <a:pt x="444500" y="222250"/>
+                      </a:cubicBezTo>
+                      <a:cubicBezTo>
+                        <a:pt x="444500" y="344995"/>
+                        <a:pt x="344995" y="444500"/>
+                        <a:pt x="222250" y="444500"/>
+                      </a:cubicBezTo>
+                      <a:cubicBezTo>
+                        <a:pt x="99505" y="444500"/>
+                        <a:pt x="0" y="344995"/>
+                        <a:pt x="0" y="222250"/>
+                      </a:cubicBezTo>
+                      <a:lnTo>
+                        <a:pt x="222250" y="222250"/>
+                      </a:lnTo>
+                      <a:lnTo>
+                        <a:pt x="222250" y="0"/>
+                      </a:lnTo>
+                      <a:close/>
+                    </a:path>
+                    <a:path w="444500" h="444500" fill="none">
+                      <a:moveTo>
+                        <a:pt x="222250" y="0"/>
+                      </a:moveTo>
+                      <a:cubicBezTo>
+                        <a:pt x="344995" y="0"/>
+                        <a:pt x="444500" y="99505"/>
+                        <a:pt x="444500" y="222250"/>
+                      </a:cubicBezTo>
+                      <a:cubicBezTo>
+                        <a:pt x="444500" y="344995"/>
+                        <a:pt x="344995" y="444500"/>
+                        <a:pt x="222250" y="444500"/>
+                      </a:cubicBezTo>
+                      <a:cubicBezTo>
+                        <a:pt x="99505" y="444500"/>
+                        <a:pt x="0" y="344995"/>
+                        <a:pt x="0" y="222250"/>
+                      </a:cubicBezTo>
+                    </a:path>
+                  </a:pathLst>
+                </a:custGeom>
+                <a:noFill/>
+                <a:ln w="28575" cap="flat" cmpd="sng" algn="ctr">
+                  <a:solidFill>
+                    <a:srgbClr val="084286"/>
+                  </a:solidFill>
+                  <a:prstDash val="solid"/>
+                  <a:miter lim="800000"/>
+                  <a:headEnd/>
+                  <a:tailEnd type="triangle" w="med" len="med"/>
+                </a:ln>
+                <a:extLst/>
+              </p:spPr>
+              <p:txBody>
+                <a:bodyPr vert="horz" wrap="square" lIns="91440" tIns="45720" rIns="91440" bIns="45720" numCol="1" anchor="ctr" anchorCtr="0" compatLnSpc="1">
+                  <a:prstTxWarp prst="textNoShape">
+                    <a:avLst/>
+                  </a:prstTxWarp>
+                </a:bodyPr>
+                <a:lstStyle/>
+                <a:p>
+                  <a:endParaRPr lang="en-CA" sz="2400"/>
+                </a:p>
+              </p:txBody>
+            </p:sp>
+            <p:cxnSp>
+              <p:nvCxnSpPr>
+                <p:cNvPr id="14" name="Straight Arrow Connector 13">
+                  <a:extLst>
+                    <a:ext uri="{FF2B5EF4-FFF2-40B4-BE49-F238E27FC236}">
+                      <a16:creationId xmlns:a16="http://schemas.microsoft.com/office/drawing/2014/main" id="{638C085C-4334-43E6-8D2D-89CD614B6234}"/>
+                    </a:ext>
+                  </a:extLst>
+                </p:cNvPr>
+                <p:cNvCxnSpPr>
+                  <a:cxnSpLocks/>
+                </p:cNvCxnSpPr>
+                <p:nvPr/>
+              </p:nvCxnSpPr>
+              <p:spPr>
+                <a:xfrm>
+                  <a:off x="8377718" y="4017052"/>
+                  <a:ext cx="686072" cy="0"/>
+                </a:xfrm>
+                <a:prstGeom prst="straightConnector1">
+                  <a:avLst/>
+                </a:prstGeom>
+                <a:ln w="28575">
+                  <a:solidFill>
+                    <a:srgbClr val="084286"/>
+                  </a:solidFill>
+                  <a:headEnd w="lg" len="lg"/>
+                  <a:tailEnd type="triangle" w="med" len="med"/>
+                </a:ln>
+              </p:spPr>
+              <p:style>
+                <a:lnRef idx="1">
+                  <a:schemeClr val="accent1"/>
+                </a:lnRef>
+                <a:fillRef idx="0">
+                  <a:schemeClr val="accent1"/>
+                </a:fillRef>
+                <a:effectRef idx="0">
+                  <a:schemeClr val="accent1"/>
+                </a:effectRef>
+                <a:fontRef idx="minor">
+                  <a:schemeClr val="tx1"/>
+                </a:fontRef>
+              </p:style>
+            </p:cxnSp>
+            <p:cxnSp>
+              <p:nvCxnSpPr>
+                <p:cNvPr id="15" name="Straight Arrow Connector 14">
+                  <a:extLst>
+                    <a:ext uri="{FF2B5EF4-FFF2-40B4-BE49-F238E27FC236}">
+                      <a16:creationId xmlns:a16="http://schemas.microsoft.com/office/drawing/2014/main" id="{20E60634-02C9-4AC3-8C0E-2C4A36DB2836}"/>
+                    </a:ext>
+                  </a:extLst>
+                </p:cNvPr>
+                <p:cNvCxnSpPr>
+                  <a:cxnSpLocks/>
+                </p:cNvCxnSpPr>
+                <p:nvPr/>
+              </p:nvCxnSpPr>
+              <p:spPr>
+                <a:xfrm rot="4500000" flipH="1" flipV="1">
+                  <a:off x="8975644" y="4494441"/>
+                  <a:ext cx="376608" cy="575011"/>
+                </a:xfrm>
+                <a:prstGeom prst="straightConnector1">
+                  <a:avLst/>
+                </a:prstGeom>
+                <a:ln w="28575">
+                  <a:solidFill>
+                    <a:srgbClr val="084286"/>
+                  </a:solidFill>
+                  <a:headEnd w="lg" len="lg"/>
+                  <a:tailEnd type="triangle" w="med" len="med"/>
+                </a:ln>
+              </p:spPr>
+              <p:style>
+                <a:lnRef idx="1">
+                  <a:schemeClr val="accent1"/>
+                </a:lnRef>
+                <a:fillRef idx="0">
+                  <a:schemeClr val="accent1"/>
+                </a:fillRef>
+                <a:effectRef idx="0">
+                  <a:schemeClr val="accent1"/>
+                </a:effectRef>
+                <a:fontRef idx="minor">
+                  <a:schemeClr val="tx1"/>
+                </a:fontRef>
+              </p:style>
+            </p:cxnSp>
+          </p:grpSp>
+        </p:grpSp>
+      </p:grpSp>
+      <p:pic>
+        <p:nvPicPr>
+          <p:cNvPr id="24" name="Picture 23">
+            <a:extLst>
+              <a:ext uri="{FF2B5EF4-FFF2-40B4-BE49-F238E27FC236}">
+                <a16:creationId xmlns:a16="http://schemas.microsoft.com/office/drawing/2014/main" id="{B7DA0917-643A-4109-977F-A2D37219516B}"/>
+              </a:ext>
+            </a:extLst>
+          </p:cNvPr>
+          <p:cNvPicPr>
+            <a:picLocks noChangeAspect="1"/>
+          </p:cNvPicPr>
+          <p:nvPr/>
+        </p:nvPicPr>
+        <p:blipFill>
+          <a:blip r:embed="rId2">
+            <a:extLst>
+              <a:ext uri="{28A0092B-C50C-407E-A947-70E740481C1C}">
+                <a14:useLocalDpi xmlns:a14="http://schemas.microsoft.com/office/drawing/2010/main" val="0"/>
+              </a:ext>
+            </a:extLst>
+          </a:blip>
+          <a:stretch>
+            <a:fillRect/>
+          </a:stretch>
+        </p:blipFill>
+        <p:spPr>
+          <a:xfrm>
+            <a:off x="9232946" y="1764660"/>
+            <a:ext cx="687442" cy="679390"/>
+          </a:xfrm>
+          <a:prstGeom prst="rect">
+            <a:avLst/>
+          </a:prstGeom>
+        </p:spPr>
+      </p:pic>
+      <p:cxnSp>
+        <p:nvCxnSpPr>
+          <p:cNvPr id="25" name="Straight Arrow Connector 24">
+            <a:extLst>
+              <a:ext uri="{FF2B5EF4-FFF2-40B4-BE49-F238E27FC236}">
+                <a16:creationId xmlns:a16="http://schemas.microsoft.com/office/drawing/2014/main" id="{E02CCBFC-216A-4FBB-9717-09E01BB67973}"/>
+              </a:ext>
+            </a:extLst>
+          </p:cNvPr>
+          <p:cNvCxnSpPr>
+            <a:cxnSpLocks/>
+          </p:cNvCxnSpPr>
+          <p:nvPr/>
+        </p:nvCxnSpPr>
+        <p:spPr>
+          <a:xfrm>
+            <a:off x="9988417" y="2119224"/>
+            <a:ext cx="292578" cy="0"/>
+          </a:xfrm>
+          <a:prstGeom prst="straightConnector1">
+            <a:avLst/>
+          </a:prstGeom>
+          <a:ln w="28575">
+            <a:solidFill>
+              <a:srgbClr val="084081"/>
+            </a:solidFill>
+            <a:headEnd type="none" w="med" len="med"/>
+            <a:tailEnd type="triangle" w="med" len="med"/>
+          </a:ln>
+        </p:spPr>
+        <p:style>
+          <a:lnRef idx="1">
+            <a:schemeClr val="accent1"/>
+          </a:lnRef>
+          <a:fillRef idx="0">
+            <a:schemeClr val="accent1"/>
+          </a:fillRef>
+          <a:effectRef idx="0">
+            <a:schemeClr val="accent1"/>
+          </a:effectRef>
+          <a:fontRef idx="minor">
+            <a:schemeClr val="tx1"/>
+          </a:fontRef>
+        </p:style>
+      </p:cxnSp>
     </p:spTree>
     <p:extLst>
       <p:ext uri="{BB962C8B-B14F-4D97-AF65-F5344CB8AC3E}">
@@ -4798,6 +10333,641 @@
   <p:clrMapOvr>
     <a:masterClrMapping/>
   </p:clrMapOvr>
+  <p:timing>
+    <p:tnLst>
+      <p:par>
+        <p:cTn id="1" dur="indefinite" restart="never" nodeType="tmRoot">
+          <p:childTnLst>
+            <p:seq concurrent="1" nextAc="seek">
+              <p:cTn id="2" dur="indefinite" nodeType="mainSeq">
+                <p:childTnLst>
+                  <p:par>
+                    <p:cTn id="3" fill="hold">
+                      <p:stCondLst>
+                        <p:cond delay="indefinite"/>
+                      </p:stCondLst>
+                      <p:childTnLst>
+                        <p:par>
+                          <p:cTn id="4" fill="hold">
+                            <p:stCondLst>
+                              <p:cond delay="0"/>
+                            </p:stCondLst>
+                            <p:childTnLst>
+                              <p:par>
+                                <p:cTn id="5" presetID="10" presetClass="entr" presetSubtype="0" fill="hold" grpId="0" nodeType="clickEffect">
+                                  <p:stCondLst>
+                                    <p:cond delay="0"/>
+                                  </p:stCondLst>
+                                  <p:childTnLst>
+                                    <p:set>
+                                      <p:cBhvr>
+                                        <p:cTn id="6" dur="1" fill="hold">
+                                          <p:stCondLst>
+                                            <p:cond delay="0"/>
+                                          </p:stCondLst>
+                                        </p:cTn>
+                                        <p:tgtEl>
+                                          <p:spTgt spid="2">
+                                            <p:txEl>
+                                              <p:pRg st="0" end="0"/>
+                                            </p:txEl>
+                                          </p:spTgt>
+                                        </p:tgtEl>
+                                        <p:attrNameLst>
+                                          <p:attrName>style.visibility</p:attrName>
+                                        </p:attrNameLst>
+                                      </p:cBhvr>
+                                      <p:to>
+                                        <p:strVal val="visible"/>
+                                      </p:to>
+                                    </p:set>
+                                    <p:animEffect transition="in" filter="fade">
+                                      <p:cBhvr>
+                                        <p:cTn id="7" dur="500"/>
+                                        <p:tgtEl>
+                                          <p:spTgt spid="2">
+                                            <p:txEl>
+                                              <p:pRg st="0" end="0"/>
+                                            </p:txEl>
+                                          </p:spTgt>
+                                        </p:tgtEl>
+                                      </p:cBhvr>
+                                    </p:animEffect>
+                                  </p:childTnLst>
+                                </p:cTn>
+                              </p:par>
+                            </p:childTnLst>
+                          </p:cTn>
+                        </p:par>
+                      </p:childTnLst>
+                    </p:cTn>
+                  </p:par>
+                  <p:par>
+                    <p:cTn id="8" fill="hold">
+                      <p:stCondLst>
+                        <p:cond delay="indefinite"/>
+                      </p:stCondLst>
+                      <p:childTnLst>
+                        <p:par>
+                          <p:cTn id="9" fill="hold">
+                            <p:stCondLst>
+                              <p:cond delay="0"/>
+                            </p:stCondLst>
+                            <p:childTnLst>
+                              <p:par>
+                                <p:cTn id="10" presetID="10" presetClass="entr" presetSubtype="0" fill="hold" grpId="0" nodeType="clickEffect">
+                                  <p:stCondLst>
+                                    <p:cond delay="0"/>
+                                  </p:stCondLst>
+                                  <p:childTnLst>
+                                    <p:set>
+                                      <p:cBhvr>
+                                        <p:cTn id="11" dur="1" fill="hold">
+                                          <p:stCondLst>
+                                            <p:cond delay="0"/>
+                                          </p:stCondLst>
+                                        </p:cTn>
+                                        <p:tgtEl>
+                                          <p:spTgt spid="2">
+                                            <p:txEl>
+                                              <p:pRg st="1" end="1"/>
+                                            </p:txEl>
+                                          </p:spTgt>
+                                        </p:tgtEl>
+                                        <p:attrNameLst>
+                                          <p:attrName>style.visibility</p:attrName>
+                                        </p:attrNameLst>
+                                      </p:cBhvr>
+                                      <p:to>
+                                        <p:strVal val="visible"/>
+                                      </p:to>
+                                    </p:set>
+                                    <p:animEffect transition="in" filter="fade">
+                                      <p:cBhvr>
+                                        <p:cTn id="12" dur="500"/>
+                                        <p:tgtEl>
+                                          <p:spTgt spid="2">
+                                            <p:txEl>
+                                              <p:pRg st="1" end="1"/>
+                                            </p:txEl>
+                                          </p:spTgt>
+                                        </p:tgtEl>
+                                      </p:cBhvr>
+                                    </p:animEffect>
+                                  </p:childTnLst>
+                                </p:cTn>
+                              </p:par>
+                              <p:par>
+                                <p:cTn id="13" presetID="10" presetClass="entr" presetSubtype="0" fill="hold" grpId="0" nodeType="withEffect">
+                                  <p:stCondLst>
+                                    <p:cond delay="0"/>
+                                  </p:stCondLst>
+                                  <p:childTnLst>
+                                    <p:set>
+                                      <p:cBhvr>
+                                        <p:cTn id="14" dur="1" fill="hold">
+                                          <p:stCondLst>
+                                            <p:cond delay="0"/>
+                                          </p:stCondLst>
+                                        </p:cTn>
+                                        <p:tgtEl>
+                                          <p:spTgt spid="2">
+                                            <p:txEl>
+                                              <p:pRg st="2" end="2"/>
+                                            </p:txEl>
+                                          </p:spTgt>
+                                        </p:tgtEl>
+                                        <p:attrNameLst>
+                                          <p:attrName>style.visibility</p:attrName>
+                                        </p:attrNameLst>
+                                      </p:cBhvr>
+                                      <p:to>
+                                        <p:strVal val="visible"/>
+                                      </p:to>
+                                    </p:set>
+                                    <p:animEffect transition="in" filter="fade">
+                                      <p:cBhvr>
+                                        <p:cTn id="15" dur="500"/>
+                                        <p:tgtEl>
+                                          <p:spTgt spid="2">
+                                            <p:txEl>
+                                              <p:pRg st="2" end="2"/>
+                                            </p:txEl>
+                                          </p:spTgt>
+                                        </p:tgtEl>
+                                      </p:cBhvr>
+                                    </p:animEffect>
+                                  </p:childTnLst>
+                                </p:cTn>
+                              </p:par>
+                            </p:childTnLst>
+                          </p:cTn>
+                        </p:par>
+                      </p:childTnLst>
+                    </p:cTn>
+                  </p:par>
+                  <p:par>
+                    <p:cTn id="16" fill="hold">
+                      <p:stCondLst>
+                        <p:cond delay="indefinite"/>
+                      </p:stCondLst>
+                      <p:childTnLst>
+                        <p:par>
+                          <p:cTn id="17" fill="hold">
+                            <p:stCondLst>
+                              <p:cond delay="0"/>
+                            </p:stCondLst>
+                            <p:childTnLst>
+                              <p:par>
+                                <p:cTn id="18" presetID="10" presetClass="entr" presetSubtype="0" fill="hold" nodeType="clickEffect">
+                                  <p:stCondLst>
+                                    <p:cond delay="0"/>
+                                  </p:stCondLst>
+                                  <p:childTnLst>
+                                    <p:set>
+                                      <p:cBhvr>
+                                        <p:cTn id="19" dur="1" fill="hold">
+                                          <p:stCondLst>
+                                            <p:cond delay="0"/>
+                                          </p:stCondLst>
+                                        </p:cTn>
+                                        <p:tgtEl>
+                                          <p:spTgt spid="24"/>
+                                        </p:tgtEl>
+                                        <p:attrNameLst>
+                                          <p:attrName>style.visibility</p:attrName>
+                                        </p:attrNameLst>
+                                      </p:cBhvr>
+                                      <p:to>
+                                        <p:strVal val="visible"/>
+                                      </p:to>
+                                    </p:set>
+                                    <p:animEffect transition="in" filter="fade">
+                                      <p:cBhvr>
+                                        <p:cTn id="20" dur="500"/>
+                                        <p:tgtEl>
+                                          <p:spTgt spid="24"/>
+                                        </p:tgtEl>
+                                      </p:cBhvr>
+                                    </p:animEffect>
+                                  </p:childTnLst>
+                                </p:cTn>
+                              </p:par>
+                              <p:par>
+                                <p:cTn id="21" presetID="10" presetClass="entr" presetSubtype="0" fill="hold" nodeType="withEffect">
+                                  <p:stCondLst>
+                                    <p:cond delay="0"/>
+                                  </p:stCondLst>
+                                  <p:childTnLst>
+                                    <p:set>
+                                      <p:cBhvr>
+                                        <p:cTn id="22" dur="1" fill="hold">
+                                          <p:stCondLst>
+                                            <p:cond delay="0"/>
+                                          </p:stCondLst>
+                                        </p:cTn>
+                                        <p:tgtEl>
+                                          <p:spTgt spid="5"/>
+                                        </p:tgtEl>
+                                        <p:attrNameLst>
+                                          <p:attrName>style.visibility</p:attrName>
+                                        </p:attrNameLst>
+                                      </p:cBhvr>
+                                      <p:to>
+                                        <p:strVal val="visible"/>
+                                      </p:to>
+                                    </p:set>
+                                    <p:animEffect transition="in" filter="fade">
+                                      <p:cBhvr>
+                                        <p:cTn id="23" dur="500"/>
+                                        <p:tgtEl>
+                                          <p:spTgt spid="5"/>
+                                        </p:tgtEl>
+                                      </p:cBhvr>
+                                    </p:animEffect>
+                                  </p:childTnLst>
+                                </p:cTn>
+                              </p:par>
+                            </p:childTnLst>
+                          </p:cTn>
+                        </p:par>
+                        <p:par>
+                          <p:cTn id="24" fill="hold">
+                            <p:stCondLst>
+                              <p:cond delay="500"/>
+                            </p:stCondLst>
+                            <p:childTnLst>
+                              <p:par>
+                                <p:cTn id="25" presetID="22" presetClass="entr" presetSubtype="8" fill="hold" nodeType="afterEffect">
+                                  <p:stCondLst>
+                                    <p:cond delay="0"/>
+                                  </p:stCondLst>
+                                  <p:childTnLst>
+                                    <p:set>
+                                      <p:cBhvr>
+                                        <p:cTn id="26" dur="1" fill="hold">
+                                          <p:stCondLst>
+                                            <p:cond delay="0"/>
+                                          </p:stCondLst>
+                                        </p:cTn>
+                                        <p:tgtEl>
+                                          <p:spTgt spid="25"/>
+                                        </p:tgtEl>
+                                        <p:attrNameLst>
+                                          <p:attrName>style.visibility</p:attrName>
+                                        </p:attrNameLst>
+                                      </p:cBhvr>
+                                      <p:to>
+                                        <p:strVal val="visible"/>
+                                      </p:to>
+                                    </p:set>
+                                    <p:animEffect transition="in" filter="wipe(left)">
+                                      <p:cBhvr>
+                                        <p:cTn id="27" dur="350"/>
+                                        <p:tgtEl>
+                                          <p:spTgt spid="25"/>
+                                        </p:tgtEl>
+                                      </p:cBhvr>
+                                    </p:animEffect>
+                                  </p:childTnLst>
+                                </p:cTn>
+                              </p:par>
+                            </p:childTnLst>
+                          </p:cTn>
+                        </p:par>
+                      </p:childTnLst>
+                    </p:cTn>
+                  </p:par>
+                  <p:par>
+                    <p:cTn id="28" fill="hold">
+                      <p:stCondLst>
+                        <p:cond delay="indefinite"/>
+                      </p:stCondLst>
+                      <p:childTnLst>
+                        <p:par>
+                          <p:cTn id="29" fill="hold">
+                            <p:stCondLst>
+                              <p:cond delay="0"/>
+                            </p:stCondLst>
+                            <p:childTnLst>
+                              <p:par>
+                                <p:cTn id="30" presetID="10" presetClass="entr" presetSubtype="0" fill="hold" grpId="0" nodeType="clickEffect">
+                                  <p:stCondLst>
+                                    <p:cond delay="0"/>
+                                  </p:stCondLst>
+                                  <p:childTnLst>
+                                    <p:set>
+                                      <p:cBhvr>
+                                        <p:cTn id="31" dur="1" fill="hold">
+                                          <p:stCondLst>
+                                            <p:cond delay="0"/>
+                                          </p:stCondLst>
+                                        </p:cTn>
+                                        <p:tgtEl>
+                                          <p:spTgt spid="2">
+                                            <p:txEl>
+                                              <p:pRg st="3" end="3"/>
+                                            </p:txEl>
+                                          </p:spTgt>
+                                        </p:tgtEl>
+                                        <p:attrNameLst>
+                                          <p:attrName>style.visibility</p:attrName>
+                                        </p:attrNameLst>
+                                      </p:cBhvr>
+                                      <p:to>
+                                        <p:strVal val="visible"/>
+                                      </p:to>
+                                    </p:set>
+                                    <p:animEffect transition="in" filter="fade">
+                                      <p:cBhvr>
+                                        <p:cTn id="32" dur="500"/>
+                                        <p:tgtEl>
+                                          <p:spTgt spid="2">
+                                            <p:txEl>
+                                              <p:pRg st="3" end="3"/>
+                                            </p:txEl>
+                                          </p:spTgt>
+                                        </p:tgtEl>
+                                      </p:cBhvr>
+                                    </p:animEffect>
+                                  </p:childTnLst>
+                                </p:cTn>
+                              </p:par>
+                            </p:childTnLst>
+                          </p:cTn>
+                        </p:par>
+                      </p:childTnLst>
+                    </p:cTn>
+                  </p:par>
+                  <p:par>
+                    <p:cTn id="33" fill="hold">
+                      <p:stCondLst>
+                        <p:cond delay="indefinite"/>
+                      </p:stCondLst>
+                      <p:childTnLst>
+                        <p:par>
+                          <p:cTn id="34" fill="hold">
+                            <p:stCondLst>
+                              <p:cond delay="0"/>
+                            </p:stCondLst>
+                            <p:childTnLst>
+                              <p:par>
+                                <p:cTn id="35" presetID="10" presetClass="entr" presetSubtype="0" fill="hold" grpId="0" nodeType="clickEffect">
+                                  <p:stCondLst>
+                                    <p:cond delay="0"/>
+                                  </p:stCondLst>
+                                  <p:childTnLst>
+                                    <p:set>
+                                      <p:cBhvr>
+                                        <p:cTn id="36" dur="1" fill="hold">
+                                          <p:stCondLst>
+                                            <p:cond delay="0"/>
+                                          </p:stCondLst>
+                                        </p:cTn>
+                                        <p:tgtEl>
+                                          <p:spTgt spid="2">
+                                            <p:txEl>
+                                              <p:pRg st="4" end="4"/>
+                                            </p:txEl>
+                                          </p:spTgt>
+                                        </p:tgtEl>
+                                        <p:attrNameLst>
+                                          <p:attrName>style.visibility</p:attrName>
+                                        </p:attrNameLst>
+                                      </p:cBhvr>
+                                      <p:to>
+                                        <p:strVal val="visible"/>
+                                      </p:to>
+                                    </p:set>
+                                    <p:animEffect transition="in" filter="fade">
+                                      <p:cBhvr>
+                                        <p:cTn id="37" dur="500"/>
+                                        <p:tgtEl>
+                                          <p:spTgt spid="2">
+                                            <p:txEl>
+                                              <p:pRg st="4" end="4"/>
+                                            </p:txEl>
+                                          </p:spTgt>
+                                        </p:tgtEl>
+                                      </p:cBhvr>
+                                    </p:animEffect>
+                                  </p:childTnLst>
+                                </p:cTn>
+                              </p:par>
+                            </p:childTnLst>
+                          </p:cTn>
+                        </p:par>
+                      </p:childTnLst>
+                    </p:cTn>
+                  </p:par>
+                  <p:par>
+                    <p:cTn id="38" fill="hold">
+                      <p:stCondLst>
+                        <p:cond delay="indefinite"/>
+                      </p:stCondLst>
+                      <p:childTnLst>
+                        <p:par>
+                          <p:cTn id="39" fill="hold">
+                            <p:stCondLst>
+                              <p:cond delay="0"/>
+                            </p:stCondLst>
+                            <p:childTnLst>
+                              <p:par>
+                                <p:cTn id="40" presetID="10" presetClass="entr" presetSubtype="0" fill="hold" grpId="0" nodeType="clickEffect">
+                                  <p:stCondLst>
+                                    <p:cond delay="0"/>
+                                  </p:stCondLst>
+                                  <p:childTnLst>
+                                    <p:set>
+                                      <p:cBhvr>
+                                        <p:cTn id="41" dur="1" fill="hold">
+                                          <p:stCondLst>
+                                            <p:cond delay="0"/>
+                                          </p:stCondLst>
+                                        </p:cTn>
+                                        <p:tgtEl>
+                                          <p:spTgt spid="2">
+                                            <p:txEl>
+                                              <p:pRg st="5" end="5"/>
+                                            </p:txEl>
+                                          </p:spTgt>
+                                        </p:tgtEl>
+                                        <p:attrNameLst>
+                                          <p:attrName>style.visibility</p:attrName>
+                                        </p:attrNameLst>
+                                      </p:cBhvr>
+                                      <p:to>
+                                        <p:strVal val="visible"/>
+                                      </p:to>
+                                    </p:set>
+                                    <p:animEffect transition="in" filter="fade">
+                                      <p:cBhvr>
+                                        <p:cTn id="42" dur="500"/>
+                                        <p:tgtEl>
+                                          <p:spTgt spid="2">
+                                            <p:txEl>
+                                              <p:pRg st="5" end="5"/>
+                                            </p:txEl>
+                                          </p:spTgt>
+                                        </p:tgtEl>
+                                      </p:cBhvr>
+                                    </p:animEffect>
+                                  </p:childTnLst>
+                                </p:cTn>
+                              </p:par>
+                            </p:childTnLst>
+                          </p:cTn>
+                        </p:par>
+                      </p:childTnLst>
+                    </p:cTn>
+                  </p:par>
+                  <p:par>
+                    <p:cTn id="43" fill="hold">
+                      <p:stCondLst>
+                        <p:cond delay="indefinite"/>
+                      </p:stCondLst>
+                      <p:childTnLst>
+                        <p:par>
+                          <p:cTn id="44" fill="hold">
+                            <p:stCondLst>
+                              <p:cond delay="0"/>
+                            </p:stCondLst>
+                            <p:childTnLst>
+                              <p:par>
+                                <p:cTn id="45" presetID="10" presetClass="entr" presetSubtype="0" fill="hold" grpId="0" nodeType="clickEffect">
+                                  <p:stCondLst>
+                                    <p:cond delay="0"/>
+                                  </p:stCondLst>
+                                  <p:childTnLst>
+                                    <p:set>
+                                      <p:cBhvr>
+                                        <p:cTn id="46" dur="1" fill="hold">
+                                          <p:stCondLst>
+                                            <p:cond delay="0"/>
+                                          </p:stCondLst>
+                                        </p:cTn>
+                                        <p:tgtEl>
+                                          <p:spTgt spid="2">
+                                            <p:txEl>
+                                              <p:pRg st="6" end="6"/>
+                                            </p:txEl>
+                                          </p:spTgt>
+                                        </p:tgtEl>
+                                        <p:attrNameLst>
+                                          <p:attrName>style.visibility</p:attrName>
+                                        </p:attrNameLst>
+                                      </p:cBhvr>
+                                      <p:to>
+                                        <p:strVal val="visible"/>
+                                      </p:to>
+                                    </p:set>
+                                    <p:animEffect transition="in" filter="fade">
+                                      <p:cBhvr>
+                                        <p:cTn id="47" dur="500"/>
+                                        <p:tgtEl>
+                                          <p:spTgt spid="2">
+                                            <p:txEl>
+                                              <p:pRg st="6" end="6"/>
+                                            </p:txEl>
+                                          </p:spTgt>
+                                        </p:tgtEl>
+                                      </p:cBhvr>
+                                    </p:animEffect>
+                                  </p:childTnLst>
+                                </p:cTn>
+                              </p:par>
+                            </p:childTnLst>
+                          </p:cTn>
+                        </p:par>
+                      </p:childTnLst>
+                    </p:cTn>
+                  </p:par>
+                  <p:par>
+                    <p:cTn id="48" fill="hold">
+                      <p:stCondLst>
+                        <p:cond delay="indefinite"/>
+                      </p:stCondLst>
+                      <p:childTnLst>
+                        <p:par>
+                          <p:cTn id="49" fill="hold">
+                            <p:stCondLst>
+                              <p:cond delay="0"/>
+                            </p:stCondLst>
+                            <p:childTnLst>
+                              <p:par>
+                                <p:cTn id="50" presetID="10" presetClass="entr" presetSubtype="0" fill="hold" grpId="0" nodeType="clickEffect">
+                                  <p:stCondLst>
+                                    <p:cond delay="0"/>
+                                  </p:stCondLst>
+                                  <p:childTnLst>
+                                    <p:set>
+                                      <p:cBhvr>
+                                        <p:cTn id="51" dur="1" fill="hold">
+                                          <p:stCondLst>
+                                            <p:cond delay="0"/>
+                                          </p:stCondLst>
+                                        </p:cTn>
+                                        <p:tgtEl>
+                                          <p:spTgt spid="2">
+                                            <p:txEl>
+                                              <p:pRg st="7" end="7"/>
+                                            </p:txEl>
+                                          </p:spTgt>
+                                        </p:tgtEl>
+                                        <p:attrNameLst>
+                                          <p:attrName>style.visibility</p:attrName>
+                                        </p:attrNameLst>
+                                      </p:cBhvr>
+                                      <p:to>
+                                        <p:strVal val="visible"/>
+                                      </p:to>
+                                    </p:set>
+                                    <p:animEffect transition="in" filter="fade">
+                                      <p:cBhvr>
+                                        <p:cTn id="52" dur="500"/>
+                                        <p:tgtEl>
+                                          <p:spTgt spid="2">
+                                            <p:txEl>
+                                              <p:pRg st="7" end="7"/>
+                                            </p:txEl>
+                                          </p:spTgt>
+                                        </p:tgtEl>
+                                      </p:cBhvr>
+                                    </p:animEffect>
+                                  </p:childTnLst>
+                                </p:cTn>
+                              </p:par>
+                            </p:childTnLst>
+                          </p:cTn>
+                        </p:par>
+                      </p:childTnLst>
+                    </p:cTn>
+                  </p:par>
+                </p:childTnLst>
+              </p:cTn>
+              <p:prevCondLst>
+                <p:cond evt="onPrev" delay="0">
+                  <p:tgtEl>
+                    <p:sldTgt/>
+                  </p:tgtEl>
+                </p:cond>
+              </p:prevCondLst>
+              <p:nextCondLst>
+                <p:cond evt="onNext" delay="0">
+                  <p:tgtEl>
+                    <p:sldTgt/>
+                  </p:tgtEl>
+                </p:cond>
+              </p:nextCondLst>
+            </p:seq>
+          </p:childTnLst>
+        </p:cTn>
+      </p:par>
+    </p:tnLst>
+    <p:bldLst>
+      <p:bldP spid="2" grpId="0" uiExpand="1" build="p"/>
+    </p:bldLst>
+  </p:timing>
 </p:sld>
 </file>
 
@@ -4836,21 +11006,23 @@
         </p:nvSpPr>
         <p:spPr/>
         <p:txBody>
-          <a:bodyPr/>
+          <a:bodyPr>
+            <a:normAutofit/>
+          </a:bodyPr>
           <a:lstStyle/>
           <a:p>
             <a:r>
-              <a:rPr lang="en-CA" dirty="0"/>
+              <a:rPr lang="en-CA" sz="2400" dirty="0"/>
               <a:t>Review estimated parameters and likelihood </a:t>
             </a:r>
           </a:p>
           <a:p>
             <a:r>
-              <a:rPr lang="en-CA" dirty="0"/>
+              <a:rPr lang="en-CA" sz="2400" dirty="0"/>
               <a:t>Examine </a:t>
             </a:r>
             <a:r>
-              <a:rPr lang="en-US" dirty="0"/>
+              <a:rPr lang="en-US" sz="2400" dirty="0"/>
               <a:t>Pseudo-residuals using  </a:t>
             </a:r>
             <a:r>
@@ -4990,6 +11162,51 @@
           </a:p>
         </p:txBody>
       </p:sp>
+      <p:pic>
+        <p:nvPicPr>
+          <p:cNvPr id="1026" name="Picture 2">
+            <a:extLst>
+              <a:ext uri="{FF2B5EF4-FFF2-40B4-BE49-F238E27FC236}">
+                <a16:creationId xmlns:a16="http://schemas.microsoft.com/office/drawing/2014/main" id="{8A0046D9-63E0-46DD-AE06-13D08F450884}"/>
+              </a:ext>
+            </a:extLst>
+          </p:cNvPr>
+          <p:cNvPicPr>
+            <a:picLocks noChangeAspect="1" noChangeArrowheads="1"/>
+          </p:cNvPicPr>
+          <p:nvPr/>
+        </p:nvPicPr>
+        <p:blipFill rotWithShape="1">
+          <a:blip r:embed="rId2">
+            <a:extLst>
+              <a:ext uri="{28A0092B-C50C-407E-A947-70E740481C1C}">
+                <a14:useLocalDpi xmlns:a14="http://schemas.microsoft.com/office/drawing/2010/main" val="0"/>
+              </a:ext>
+            </a:extLst>
+          </a:blip>
+          <a:srcRect b="51325"/>
+          <a:stretch/>
+        </p:blipFill>
+        <p:spPr bwMode="auto">
+          <a:xfrm>
+            <a:off x="2553021" y="3871306"/>
+            <a:ext cx="7085957" cy="2463620"/>
+          </a:xfrm>
+          <a:prstGeom prst="rect">
+            <a:avLst/>
+          </a:prstGeom>
+          <a:noFill/>
+          <a:extLst>
+            <a:ext uri="{909E8E84-426E-40DD-AFC4-6F175D3DCCD1}">
+              <a14:hiddenFill xmlns:a14="http://schemas.microsoft.com/office/drawing/2010/main">
+                <a:solidFill>
+                  <a:srgbClr val="FFFFFF"/>
+                </a:solidFill>
+              </a14:hiddenFill>
+            </a:ext>
+          </a:extLst>
+        </p:spPr>
+      </p:pic>
     </p:spTree>
     <p:extLst>
       <p:ext uri="{BB962C8B-B14F-4D97-AF65-F5344CB8AC3E}">
@@ -5000,6 +11217,318 @@
   <p:clrMapOvr>
     <a:masterClrMapping/>
   </p:clrMapOvr>
+  <p:timing>
+    <p:tnLst>
+      <p:par>
+        <p:cTn id="1" dur="indefinite" restart="never" nodeType="tmRoot">
+          <p:childTnLst>
+            <p:seq concurrent="1" nextAc="seek">
+              <p:cTn id="2" dur="indefinite" nodeType="mainSeq">
+                <p:childTnLst>
+                  <p:par>
+                    <p:cTn id="3" fill="hold">
+                      <p:stCondLst>
+                        <p:cond delay="indefinite"/>
+                      </p:stCondLst>
+                      <p:childTnLst>
+                        <p:par>
+                          <p:cTn id="4" fill="hold">
+                            <p:stCondLst>
+                              <p:cond delay="0"/>
+                            </p:stCondLst>
+                            <p:childTnLst>
+                              <p:par>
+                                <p:cTn id="5" presetID="10" presetClass="entr" presetSubtype="0" fill="hold" grpId="0" nodeType="clickEffect">
+                                  <p:stCondLst>
+                                    <p:cond delay="0"/>
+                                  </p:stCondLst>
+                                  <p:childTnLst>
+                                    <p:set>
+                                      <p:cBhvr>
+                                        <p:cTn id="6" dur="1" fill="hold">
+                                          <p:stCondLst>
+                                            <p:cond delay="0"/>
+                                          </p:stCondLst>
+                                        </p:cTn>
+                                        <p:tgtEl>
+                                          <p:spTgt spid="2">
+                                            <p:txEl>
+                                              <p:pRg st="0" end="0"/>
+                                            </p:txEl>
+                                          </p:spTgt>
+                                        </p:tgtEl>
+                                        <p:attrNameLst>
+                                          <p:attrName>style.visibility</p:attrName>
+                                        </p:attrNameLst>
+                                      </p:cBhvr>
+                                      <p:to>
+                                        <p:strVal val="visible"/>
+                                      </p:to>
+                                    </p:set>
+                                    <p:animEffect transition="in" filter="fade">
+                                      <p:cBhvr>
+                                        <p:cTn id="7" dur="500"/>
+                                        <p:tgtEl>
+                                          <p:spTgt spid="2">
+                                            <p:txEl>
+                                              <p:pRg st="0" end="0"/>
+                                            </p:txEl>
+                                          </p:spTgt>
+                                        </p:tgtEl>
+                                      </p:cBhvr>
+                                    </p:animEffect>
+                                  </p:childTnLst>
+                                </p:cTn>
+                              </p:par>
+                            </p:childTnLst>
+                          </p:cTn>
+                        </p:par>
+                      </p:childTnLst>
+                    </p:cTn>
+                  </p:par>
+                  <p:par>
+                    <p:cTn id="8" fill="hold">
+                      <p:stCondLst>
+                        <p:cond delay="indefinite"/>
+                      </p:stCondLst>
+                      <p:childTnLst>
+                        <p:par>
+                          <p:cTn id="9" fill="hold">
+                            <p:stCondLst>
+                              <p:cond delay="0"/>
+                            </p:stCondLst>
+                            <p:childTnLst>
+                              <p:par>
+                                <p:cTn id="10" presetID="10" presetClass="entr" presetSubtype="0" fill="hold" grpId="0" nodeType="clickEffect">
+                                  <p:stCondLst>
+                                    <p:cond delay="0"/>
+                                  </p:stCondLst>
+                                  <p:childTnLst>
+                                    <p:set>
+                                      <p:cBhvr>
+                                        <p:cTn id="11" dur="1" fill="hold">
+                                          <p:stCondLst>
+                                            <p:cond delay="0"/>
+                                          </p:stCondLst>
+                                        </p:cTn>
+                                        <p:tgtEl>
+                                          <p:spTgt spid="2">
+                                            <p:txEl>
+                                              <p:pRg st="1" end="1"/>
+                                            </p:txEl>
+                                          </p:spTgt>
+                                        </p:tgtEl>
+                                        <p:attrNameLst>
+                                          <p:attrName>style.visibility</p:attrName>
+                                        </p:attrNameLst>
+                                      </p:cBhvr>
+                                      <p:to>
+                                        <p:strVal val="visible"/>
+                                      </p:to>
+                                    </p:set>
+                                    <p:animEffect transition="in" filter="fade">
+                                      <p:cBhvr>
+                                        <p:cTn id="12" dur="500"/>
+                                        <p:tgtEl>
+                                          <p:spTgt spid="2">
+                                            <p:txEl>
+                                              <p:pRg st="1" end="1"/>
+                                            </p:txEl>
+                                          </p:spTgt>
+                                        </p:tgtEl>
+                                      </p:cBhvr>
+                                    </p:animEffect>
+                                  </p:childTnLst>
+                                </p:cTn>
+                              </p:par>
+                              <p:par>
+                                <p:cTn id="13" presetID="10" presetClass="entr" presetSubtype="0" fill="hold" nodeType="withEffect">
+                                  <p:stCondLst>
+                                    <p:cond delay="0"/>
+                                  </p:stCondLst>
+                                  <p:childTnLst>
+                                    <p:set>
+                                      <p:cBhvr>
+                                        <p:cTn id="14" dur="1" fill="hold">
+                                          <p:stCondLst>
+                                            <p:cond delay="0"/>
+                                          </p:stCondLst>
+                                        </p:cTn>
+                                        <p:tgtEl>
+                                          <p:spTgt spid="1026"/>
+                                        </p:tgtEl>
+                                        <p:attrNameLst>
+                                          <p:attrName>style.visibility</p:attrName>
+                                        </p:attrNameLst>
+                                      </p:cBhvr>
+                                      <p:to>
+                                        <p:strVal val="visible"/>
+                                      </p:to>
+                                    </p:set>
+                                    <p:animEffect transition="in" filter="fade">
+                                      <p:cBhvr>
+                                        <p:cTn id="15" dur="500"/>
+                                        <p:tgtEl>
+                                          <p:spTgt spid="1026"/>
+                                        </p:tgtEl>
+                                      </p:cBhvr>
+                                    </p:animEffect>
+                                  </p:childTnLst>
+                                </p:cTn>
+                              </p:par>
+                            </p:childTnLst>
+                          </p:cTn>
+                        </p:par>
+                      </p:childTnLst>
+                    </p:cTn>
+                  </p:par>
+                  <p:par>
+                    <p:cTn id="16" fill="hold">
+                      <p:stCondLst>
+                        <p:cond delay="indefinite"/>
+                      </p:stCondLst>
+                      <p:childTnLst>
+                        <p:par>
+                          <p:cTn id="17" fill="hold">
+                            <p:stCondLst>
+                              <p:cond delay="0"/>
+                            </p:stCondLst>
+                            <p:childTnLst>
+                              <p:par>
+                                <p:cTn id="18" presetID="10" presetClass="entr" presetSubtype="0" fill="hold" grpId="0" nodeType="clickEffect">
+                                  <p:stCondLst>
+                                    <p:cond delay="0"/>
+                                  </p:stCondLst>
+                                  <p:childTnLst>
+                                    <p:set>
+                                      <p:cBhvr>
+                                        <p:cTn id="19" dur="1" fill="hold">
+                                          <p:stCondLst>
+                                            <p:cond delay="0"/>
+                                          </p:stCondLst>
+                                        </p:cTn>
+                                        <p:tgtEl>
+                                          <p:spTgt spid="2">
+                                            <p:txEl>
+                                              <p:pRg st="2" end="2"/>
+                                            </p:txEl>
+                                          </p:spTgt>
+                                        </p:tgtEl>
+                                        <p:attrNameLst>
+                                          <p:attrName>style.visibility</p:attrName>
+                                        </p:attrNameLst>
+                                      </p:cBhvr>
+                                      <p:to>
+                                        <p:strVal val="visible"/>
+                                      </p:to>
+                                    </p:set>
+                                    <p:animEffect transition="in" filter="fade">
+                                      <p:cBhvr>
+                                        <p:cTn id="20" dur="500"/>
+                                        <p:tgtEl>
+                                          <p:spTgt spid="2">
+                                            <p:txEl>
+                                              <p:pRg st="2" end="2"/>
+                                            </p:txEl>
+                                          </p:spTgt>
+                                        </p:tgtEl>
+                                      </p:cBhvr>
+                                    </p:animEffect>
+                                  </p:childTnLst>
+                                </p:cTn>
+                              </p:par>
+                            </p:childTnLst>
+                          </p:cTn>
+                        </p:par>
+                      </p:childTnLst>
+                    </p:cTn>
+                  </p:par>
+                  <p:par>
+                    <p:cTn id="21" fill="hold">
+                      <p:stCondLst>
+                        <p:cond delay="indefinite"/>
+                      </p:stCondLst>
+                      <p:childTnLst>
+                        <p:par>
+                          <p:cTn id="22" fill="hold">
+                            <p:stCondLst>
+                              <p:cond delay="0"/>
+                            </p:stCondLst>
+                            <p:childTnLst>
+                              <p:par>
+                                <p:cTn id="23" presetID="10" presetClass="entr" presetSubtype="0" fill="hold" grpId="0" nodeType="clickEffect">
+                                  <p:stCondLst>
+                                    <p:cond delay="0"/>
+                                  </p:stCondLst>
+                                  <p:childTnLst>
+                                    <p:set>
+                                      <p:cBhvr>
+                                        <p:cTn id="24" dur="1" fill="hold">
+                                          <p:stCondLst>
+                                            <p:cond delay="0"/>
+                                          </p:stCondLst>
+                                        </p:cTn>
+                                        <p:tgtEl>
+                                          <p:spTgt spid="2">
+                                            <p:txEl>
+                                              <p:pRg st="3" end="3"/>
+                                            </p:txEl>
+                                          </p:spTgt>
+                                        </p:tgtEl>
+                                        <p:attrNameLst>
+                                          <p:attrName>style.visibility</p:attrName>
+                                        </p:attrNameLst>
+                                      </p:cBhvr>
+                                      <p:to>
+                                        <p:strVal val="visible"/>
+                                      </p:to>
+                                    </p:set>
+                                    <p:animEffect transition="in" filter="fade">
+                                      <p:cBhvr>
+                                        <p:cTn id="25" dur="500"/>
+                                        <p:tgtEl>
+                                          <p:spTgt spid="2">
+                                            <p:txEl>
+                                              <p:pRg st="3" end="3"/>
+                                            </p:txEl>
+                                          </p:spTgt>
+                                        </p:tgtEl>
+                                      </p:cBhvr>
+                                    </p:animEffect>
+                                  </p:childTnLst>
+                                </p:cTn>
+                              </p:par>
+                            </p:childTnLst>
+                          </p:cTn>
+                        </p:par>
+                      </p:childTnLst>
+                    </p:cTn>
+                  </p:par>
+                </p:childTnLst>
+              </p:cTn>
+              <p:prevCondLst>
+                <p:cond evt="onPrev" delay="0">
+                  <p:tgtEl>
+                    <p:sldTgt/>
+                  </p:tgtEl>
+                </p:cond>
+              </p:prevCondLst>
+              <p:nextCondLst>
+                <p:cond evt="onNext" delay="0">
+                  <p:tgtEl>
+                    <p:sldTgt/>
+                  </p:tgtEl>
+                </p:cond>
+              </p:nextCondLst>
+            </p:seq>
+          </p:childTnLst>
+        </p:cTn>
+      </p:par>
+    </p:tnLst>
+    <p:bldLst>
+      <p:bldP spid="2" grpId="0" uiExpand="1" build="p"/>
+    </p:bldLst>
+  </p:timing>
 </p:sld>
 </file>
 
@@ -7296,6 +13825,42 @@
           </a:p>
         </p:txBody>
       </p:sp>
+      <p:pic>
+        <p:nvPicPr>
+          <p:cNvPr id="6" name="Picture 5">
+            <a:extLst>
+              <a:ext uri="{FF2B5EF4-FFF2-40B4-BE49-F238E27FC236}">
+                <a16:creationId xmlns:a16="http://schemas.microsoft.com/office/drawing/2014/main" id="{8E005C4E-FF24-4C78-A97A-2F8B9FDFE11C}"/>
+              </a:ext>
+            </a:extLst>
+          </p:cNvPr>
+          <p:cNvPicPr>
+            <a:picLocks noChangeAspect="1"/>
+          </p:cNvPicPr>
+          <p:nvPr/>
+        </p:nvPicPr>
+        <p:blipFill>
+          <a:blip r:embed="rId2">
+            <a:extLst>
+              <a:ext uri="{28A0092B-C50C-407E-A947-70E740481C1C}">
+                <a14:useLocalDpi xmlns:a14="http://schemas.microsoft.com/office/drawing/2010/main" val="0"/>
+              </a:ext>
+            </a:extLst>
+          </a:blip>
+          <a:stretch>
+            <a:fillRect/>
+          </a:stretch>
+        </p:blipFill>
+        <p:spPr>
+          <a:xfrm>
+            <a:off x="2284967" y="4508299"/>
+            <a:ext cx="7622065" cy="1837113"/>
+          </a:xfrm>
+          <a:prstGeom prst="rect">
+            <a:avLst/>
+          </a:prstGeom>
+        </p:spPr>
+      </p:pic>
     </p:spTree>
     <p:extLst>
       <p:ext uri="{BB962C8B-B14F-4D97-AF65-F5344CB8AC3E}">
@@ -7306,6 +13871,344 @@
   <p:clrMapOvr>
     <a:masterClrMapping/>
   </p:clrMapOvr>
+  <p:timing>
+    <p:tnLst>
+      <p:par>
+        <p:cTn id="1" dur="indefinite" restart="never" nodeType="tmRoot">
+          <p:childTnLst>
+            <p:seq concurrent="1" nextAc="seek">
+              <p:cTn id="2" dur="indefinite" nodeType="mainSeq">
+                <p:childTnLst>
+                  <p:par>
+                    <p:cTn id="3" fill="hold">
+                      <p:stCondLst>
+                        <p:cond delay="indefinite"/>
+                      </p:stCondLst>
+                      <p:childTnLst>
+                        <p:par>
+                          <p:cTn id="4" fill="hold">
+                            <p:stCondLst>
+                              <p:cond delay="0"/>
+                            </p:stCondLst>
+                            <p:childTnLst>
+                              <p:par>
+                                <p:cTn id="5" presetID="10" presetClass="entr" presetSubtype="0" fill="hold" grpId="0" nodeType="clickEffect">
+                                  <p:stCondLst>
+                                    <p:cond delay="0"/>
+                                  </p:stCondLst>
+                                  <p:childTnLst>
+                                    <p:set>
+                                      <p:cBhvr>
+                                        <p:cTn id="6" dur="1" fill="hold">
+                                          <p:stCondLst>
+                                            <p:cond delay="0"/>
+                                          </p:stCondLst>
+                                        </p:cTn>
+                                        <p:tgtEl>
+                                          <p:spTgt spid="2">
+                                            <p:txEl>
+                                              <p:pRg st="0" end="0"/>
+                                            </p:txEl>
+                                          </p:spTgt>
+                                        </p:tgtEl>
+                                        <p:attrNameLst>
+                                          <p:attrName>style.visibility</p:attrName>
+                                        </p:attrNameLst>
+                                      </p:cBhvr>
+                                      <p:to>
+                                        <p:strVal val="visible"/>
+                                      </p:to>
+                                    </p:set>
+                                    <p:animEffect transition="in" filter="fade">
+                                      <p:cBhvr>
+                                        <p:cTn id="7" dur="500"/>
+                                        <p:tgtEl>
+                                          <p:spTgt spid="2">
+                                            <p:txEl>
+                                              <p:pRg st="0" end="0"/>
+                                            </p:txEl>
+                                          </p:spTgt>
+                                        </p:tgtEl>
+                                      </p:cBhvr>
+                                    </p:animEffect>
+                                  </p:childTnLst>
+                                </p:cTn>
+                              </p:par>
+                            </p:childTnLst>
+                          </p:cTn>
+                        </p:par>
+                      </p:childTnLst>
+                    </p:cTn>
+                  </p:par>
+                  <p:par>
+                    <p:cTn id="8" fill="hold">
+                      <p:stCondLst>
+                        <p:cond delay="indefinite"/>
+                      </p:stCondLst>
+                      <p:childTnLst>
+                        <p:par>
+                          <p:cTn id="9" fill="hold">
+                            <p:stCondLst>
+                              <p:cond delay="0"/>
+                            </p:stCondLst>
+                            <p:childTnLst>
+                              <p:par>
+                                <p:cTn id="10" presetID="10" presetClass="entr" presetSubtype="0" fill="hold" grpId="0" nodeType="clickEffect">
+                                  <p:stCondLst>
+                                    <p:cond delay="0"/>
+                                  </p:stCondLst>
+                                  <p:childTnLst>
+                                    <p:set>
+                                      <p:cBhvr>
+                                        <p:cTn id="11" dur="1" fill="hold">
+                                          <p:stCondLst>
+                                            <p:cond delay="0"/>
+                                          </p:stCondLst>
+                                        </p:cTn>
+                                        <p:tgtEl>
+                                          <p:spTgt spid="2">
+                                            <p:txEl>
+                                              <p:pRg st="1" end="1"/>
+                                            </p:txEl>
+                                          </p:spTgt>
+                                        </p:tgtEl>
+                                        <p:attrNameLst>
+                                          <p:attrName>style.visibility</p:attrName>
+                                        </p:attrNameLst>
+                                      </p:cBhvr>
+                                      <p:to>
+                                        <p:strVal val="visible"/>
+                                      </p:to>
+                                    </p:set>
+                                    <p:animEffect transition="in" filter="fade">
+                                      <p:cBhvr>
+                                        <p:cTn id="12" dur="500"/>
+                                        <p:tgtEl>
+                                          <p:spTgt spid="2">
+                                            <p:txEl>
+                                              <p:pRg st="1" end="1"/>
+                                            </p:txEl>
+                                          </p:spTgt>
+                                        </p:tgtEl>
+                                      </p:cBhvr>
+                                    </p:animEffect>
+                                  </p:childTnLst>
+                                </p:cTn>
+                              </p:par>
+                            </p:childTnLst>
+                          </p:cTn>
+                        </p:par>
+                      </p:childTnLst>
+                    </p:cTn>
+                  </p:par>
+                  <p:par>
+                    <p:cTn id="13" fill="hold">
+                      <p:stCondLst>
+                        <p:cond delay="indefinite"/>
+                      </p:stCondLst>
+                      <p:childTnLst>
+                        <p:par>
+                          <p:cTn id="14" fill="hold">
+                            <p:stCondLst>
+                              <p:cond delay="0"/>
+                            </p:stCondLst>
+                            <p:childTnLst>
+                              <p:par>
+                                <p:cTn id="15" presetID="10" presetClass="entr" presetSubtype="0" fill="hold" grpId="0" nodeType="clickEffect">
+                                  <p:stCondLst>
+                                    <p:cond delay="0"/>
+                                  </p:stCondLst>
+                                  <p:childTnLst>
+                                    <p:set>
+                                      <p:cBhvr>
+                                        <p:cTn id="16" dur="1" fill="hold">
+                                          <p:stCondLst>
+                                            <p:cond delay="0"/>
+                                          </p:stCondLst>
+                                        </p:cTn>
+                                        <p:tgtEl>
+                                          <p:spTgt spid="2">
+                                            <p:txEl>
+                                              <p:pRg st="2" end="2"/>
+                                            </p:txEl>
+                                          </p:spTgt>
+                                        </p:tgtEl>
+                                        <p:attrNameLst>
+                                          <p:attrName>style.visibility</p:attrName>
+                                        </p:attrNameLst>
+                                      </p:cBhvr>
+                                      <p:to>
+                                        <p:strVal val="visible"/>
+                                      </p:to>
+                                    </p:set>
+                                    <p:animEffect transition="in" filter="fade">
+                                      <p:cBhvr>
+                                        <p:cTn id="17" dur="500"/>
+                                        <p:tgtEl>
+                                          <p:spTgt spid="2">
+                                            <p:txEl>
+                                              <p:pRg st="2" end="2"/>
+                                            </p:txEl>
+                                          </p:spTgt>
+                                        </p:tgtEl>
+                                      </p:cBhvr>
+                                    </p:animEffect>
+                                  </p:childTnLst>
+                                </p:cTn>
+                              </p:par>
+                            </p:childTnLst>
+                          </p:cTn>
+                        </p:par>
+                      </p:childTnLst>
+                    </p:cTn>
+                  </p:par>
+                  <p:par>
+                    <p:cTn id="18" fill="hold">
+                      <p:stCondLst>
+                        <p:cond delay="indefinite"/>
+                      </p:stCondLst>
+                      <p:childTnLst>
+                        <p:par>
+                          <p:cTn id="19" fill="hold">
+                            <p:stCondLst>
+                              <p:cond delay="0"/>
+                            </p:stCondLst>
+                            <p:childTnLst>
+                              <p:par>
+                                <p:cTn id="20" presetID="10" presetClass="entr" presetSubtype="0" fill="hold" grpId="0" nodeType="clickEffect">
+                                  <p:stCondLst>
+                                    <p:cond delay="0"/>
+                                  </p:stCondLst>
+                                  <p:childTnLst>
+                                    <p:set>
+                                      <p:cBhvr>
+                                        <p:cTn id="21" dur="1" fill="hold">
+                                          <p:stCondLst>
+                                            <p:cond delay="0"/>
+                                          </p:stCondLst>
+                                        </p:cTn>
+                                        <p:tgtEl>
+                                          <p:spTgt spid="2">
+                                            <p:txEl>
+                                              <p:pRg st="3" end="3"/>
+                                            </p:txEl>
+                                          </p:spTgt>
+                                        </p:tgtEl>
+                                        <p:attrNameLst>
+                                          <p:attrName>style.visibility</p:attrName>
+                                        </p:attrNameLst>
+                                      </p:cBhvr>
+                                      <p:to>
+                                        <p:strVal val="visible"/>
+                                      </p:to>
+                                    </p:set>
+                                    <p:animEffect transition="in" filter="fade">
+                                      <p:cBhvr>
+                                        <p:cTn id="22" dur="500"/>
+                                        <p:tgtEl>
+                                          <p:spTgt spid="2">
+                                            <p:txEl>
+                                              <p:pRg st="3" end="3"/>
+                                            </p:txEl>
+                                          </p:spTgt>
+                                        </p:tgtEl>
+                                      </p:cBhvr>
+                                    </p:animEffect>
+                                  </p:childTnLst>
+                                </p:cTn>
+                              </p:par>
+                            </p:childTnLst>
+                          </p:cTn>
+                        </p:par>
+                      </p:childTnLst>
+                    </p:cTn>
+                  </p:par>
+                  <p:par>
+                    <p:cTn id="23" fill="hold">
+                      <p:stCondLst>
+                        <p:cond delay="indefinite"/>
+                      </p:stCondLst>
+                      <p:childTnLst>
+                        <p:par>
+                          <p:cTn id="24" fill="hold">
+                            <p:stCondLst>
+                              <p:cond delay="0"/>
+                            </p:stCondLst>
+                            <p:childTnLst>
+                              <p:par>
+                                <p:cTn id="25" presetID="10" presetClass="entr" presetSubtype="0" fill="hold" grpId="0" nodeType="clickEffect">
+                                  <p:stCondLst>
+                                    <p:cond delay="0"/>
+                                  </p:stCondLst>
+                                  <p:childTnLst>
+                                    <p:set>
+                                      <p:cBhvr>
+                                        <p:cTn id="26" dur="1" fill="hold">
+                                          <p:stCondLst>
+                                            <p:cond delay="0"/>
+                                          </p:stCondLst>
+                                        </p:cTn>
+                                        <p:tgtEl>
+                                          <p:spTgt spid="2">
+                                            <p:txEl>
+                                              <p:pRg st="4" end="4"/>
+                                            </p:txEl>
+                                          </p:spTgt>
+                                        </p:tgtEl>
+                                        <p:attrNameLst>
+                                          <p:attrName>style.visibility</p:attrName>
+                                        </p:attrNameLst>
+                                      </p:cBhvr>
+                                      <p:to>
+                                        <p:strVal val="visible"/>
+                                      </p:to>
+                                    </p:set>
+                                    <p:animEffect transition="in" filter="fade">
+                                      <p:cBhvr>
+                                        <p:cTn id="27" dur="500"/>
+                                        <p:tgtEl>
+                                          <p:spTgt spid="2">
+                                            <p:txEl>
+                                              <p:pRg st="4" end="4"/>
+                                            </p:txEl>
+                                          </p:spTgt>
+                                        </p:tgtEl>
+                                      </p:cBhvr>
+                                    </p:animEffect>
+                                  </p:childTnLst>
+                                </p:cTn>
+                              </p:par>
+                            </p:childTnLst>
+                          </p:cTn>
+                        </p:par>
+                      </p:childTnLst>
+                    </p:cTn>
+                  </p:par>
+                </p:childTnLst>
+              </p:cTn>
+              <p:prevCondLst>
+                <p:cond evt="onPrev" delay="0">
+                  <p:tgtEl>
+                    <p:sldTgt/>
+                  </p:tgtEl>
+                </p:cond>
+              </p:prevCondLst>
+              <p:nextCondLst>
+                <p:cond evt="onNext" delay="0">
+                  <p:tgtEl>
+                    <p:sldTgt/>
+                  </p:tgtEl>
+                </p:cond>
+              </p:nextCondLst>
+            </p:seq>
+          </p:childTnLst>
+        </p:cTn>
+      </p:par>
+    </p:tnLst>
+    <p:bldLst>
+      <p:bldP spid="2" grpId="0" build="p"/>
+    </p:bldLst>
+  </p:timing>
 </p:sld>
 </file>
 
